--- a/slide/NT_NestJS_Training.pptx
+++ b/slide/NT_NestJS_Training.pptx
@@ -5,50 +5,44 @@
     <p:sldMasterId id="2147483721" r:id="rId4"/>
   </p:sldMasterIdLst>
   <p:notesMasterIdLst>
-    <p:notesMasterId r:id="rId43"/>
+    <p:notesMasterId r:id="rId37"/>
   </p:notesMasterIdLst>
   <p:handoutMasterIdLst>
-    <p:handoutMasterId r:id="rId44"/>
+    <p:handoutMasterId r:id="rId38"/>
   </p:handoutMasterIdLst>
   <p:sldIdLst>
     <p:sldId id="269" r:id="rId5"/>
-    <p:sldId id="270" r:id="rId6"/>
-    <p:sldId id="271" r:id="rId7"/>
-    <p:sldId id="291" r:id="rId8"/>
-    <p:sldId id="292" r:id="rId9"/>
-    <p:sldId id="293" r:id="rId10"/>
-    <p:sldId id="294" r:id="rId11"/>
-    <p:sldId id="295" r:id="rId12"/>
-    <p:sldId id="299" r:id="rId13"/>
-    <p:sldId id="300" r:id="rId14"/>
-    <p:sldId id="301" r:id="rId15"/>
-    <p:sldId id="302" r:id="rId16"/>
-    <p:sldId id="303" r:id="rId17"/>
-    <p:sldId id="304" r:id="rId18"/>
-    <p:sldId id="258" r:id="rId19"/>
-    <p:sldId id="259" r:id="rId20"/>
-    <p:sldId id="296" r:id="rId21"/>
-    <p:sldId id="266" r:id="rId22"/>
-    <p:sldId id="267" r:id="rId23"/>
-    <p:sldId id="262" r:id="rId24"/>
-    <p:sldId id="276" r:id="rId25"/>
-    <p:sldId id="280" r:id="rId26"/>
-    <p:sldId id="284" r:id="rId27"/>
-    <p:sldId id="285" r:id="rId28"/>
-    <p:sldId id="278" r:id="rId29"/>
-    <p:sldId id="282" r:id="rId30"/>
-    <p:sldId id="283" r:id="rId31"/>
-    <p:sldId id="286" r:id="rId32"/>
-    <p:sldId id="287" r:id="rId33"/>
-    <p:sldId id="290" r:id="rId34"/>
-    <p:sldId id="288" r:id="rId35"/>
-    <p:sldId id="289" r:id="rId36"/>
-    <p:sldId id="273" r:id="rId37"/>
-    <p:sldId id="281" r:id="rId38"/>
-    <p:sldId id="298" r:id="rId39"/>
-    <p:sldId id="264" r:id="rId40"/>
-    <p:sldId id="265" r:id="rId41"/>
-    <p:sldId id="297" r:id="rId42"/>
+    <p:sldId id="258" r:id="rId6"/>
+    <p:sldId id="259" r:id="rId7"/>
+    <p:sldId id="296" r:id="rId8"/>
+    <p:sldId id="300" r:id="rId9"/>
+    <p:sldId id="299" r:id="rId10"/>
+    <p:sldId id="301" r:id="rId11"/>
+    <p:sldId id="302" r:id="rId12"/>
+    <p:sldId id="304" r:id="rId13"/>
+    <p:sldId id="303" r:id="rId14"/>
+    <p:sldId id="305" r:id="rId15"/>
+    <p:sldId id="266" r:id="rId16"/>
+    <p:sldId id="267" r:id="rId17"/>
+    <p:sldId id="262" r:id="rId18"/>
+    <p:sldId id="276" r:id="rId19"/>
+    <p:sldId id="280" r:id="rId20"/>
+    <p:sldId id="284" r:id="rId21"/>
+    <p:sldId id="285" r:id="rId22"/>
+    <p:sldId id="278" r:id="rId23"/>
+    <p:sldId id="282" r:id="rId24"/>
+    <p:sldId id="283" r:id="rId25"/>
+    <p:sldId id="286" r:id="rId26"/>
+    <p:sldId id="287" r:id="rId27"/>
+    <p:sldId id="290" r:id="rId28"/>
+    <p:sldId id="288" r:id="rId29"/>
+    <p:sldId id="289" r:id="rId30"/>
+    <p:sldId id="273" r:id="rId31"/>
+    <p:sldId id="281" r:id="rId32"/>
+    <p:sldId id="298" r:id="rId33"/>
+    <p:sldId id="264" r:id="rId34"/>
+    <p:sldId id="265" r:id="rId35"/>
+    <p:sldId id="297" r:id="rId36"/>
   </p:sldIdLst>
   <p:sldSz cx="12192000" cy="6858000"/>
   <p:notesSz cx="6858000" cy="9144000"/>
@@ -156,15 +150,6 @@
     </p:ext>
   </p:extLst>
 </p:presentation>
-</file>
-
-<file path=ppt/revisionInfo.xml><?xml version="1.0" encoding="utf-8"?>
-<p1510:revInfo xmlns:a="http://schemas.openxmlformats.org/drawingml/2006/main" xmlns:r="http://schemas.openxmlformats.org/officeDocument/2006/relationships" xmlns:p1510="http://schemas.microsoft.com/office/powerpoint/2015/10/main">
-  <p1510:revLst>
-    <p1510:client id="{A7F4A19F-760D-0245-B688-2703FF7B35D7}" v="2" dt="2023-03-07T03:33:25.418"/>
-    <p1510:client id="{E0C1C094-288E-E946-B51C-557BD01B872F}" v="1" dt="2023-03-07T03:38:42.044"/>
-  </p1510:revLst>
-</p1510:revInfo>
 </file>
 
 <file path=ppt/changesInfos/changesInfo1.xml><?xml version="1.0" encoding="utf-8"?>
@@ -324,7 +309,7 @@
               <a:cs typeface="+mn-cs"/>
             </a:defRPr>
           </a:pPr>
-          <a:endParaRPr lang="en-VN"/>
+          <a:endParaRPr lang="en-US"/>
         </a:p>
       </c:txPr>
     </c:title>
@@ -602,7 +587,7 @@
                 <a:cs typeface="+mn-cs"/>
               </a:defRPr>
             </a:pPr>
-            <a:endParaRPr lang="en-VN"/>
+            <a:endParaRPr lang="en-US"/>
           </a:p>
         </c:txPr>
         <c:crossAx val="2039746447"/>
@@ -658,7 +643,7 @@
                 <a:cs typeface="+mn-cs"/>
               </a:defRPr>
             </a:pPr>
-            <a:endParaRPr lang="en-VN"/>
+            <a:endParaRPr lang="en-US"/>
           </a:p>
         </c:txPr>
         <c:crossAx val="2039753103"/>
@@ -691,7 +676,7 @@
                 <a:cs typeface="+mn-cs"/>
               </a:defRPr>
             </a:pPr>
-            <a:endParaRPr lang="en-VN"/>
+            <a:endParaRPr lang="en-US"/>
           </a:p>
         </c:txPr>
       </c:legendEntry>
@@ -711,7 +696,7 @@
                 <a:cs typeface="+mn-cs"/>
               </a:defRPr>
             </a:pPr>
-            <a:endParaRPr lang="en-VN"/>
+            <a:endParaRPr lang="en-US"/>
           </a:p>
         </c:txPr>
       </c:legendEntry>
@@ -731,7 +716,7 @@
                 <a:cs typeface="+mn-cs"/>
               </a:defRPr>
             </a:pPr>
-            <a:endParaRPr lang="en-VN"/>
+            <a:endParaRPr lang="en-US"/>
           </a:p>
         </c:txPr>
       </c:legendEntry>
@@ -760,7 +745,7 @@
               <a:cs typeface="+mn-cs"/>
             </a:defRPr>
           </a:pPr>
-          <a:endParaRPr lang="en-VN"/>
+          <a:endParaRPr lang="en-US"/>
         </a:p>
       </c:txPr>
     </c:legend>
@@ -789,7 +774,7 @@
       <a:pPr>
         <a:defRPr/>
       </a:pPr>
-      <a:endParaRPr lang="en-VN"/>
+      <a:endParaRPr lang="en-US"/>
     </a:p>
   </c:txPr>
   <c:externalData r:id="rId3">
@@ -990,7 +975,7 @@
       <a:pPr>
         <a:defRPr/>
       </a:pPr>
-      <a:endParaRPr lang="en-VN"/>
+      <a:endParaRPr lang="en-US"/>
     </a:p>
   </c:txPr>
   <c:externalData r:id="rId3">
@@ -1184,7 +1169,7 @@
       <a:pPr>
         <a:defRPr/>
       </a:pPr>
-      <a:endParaRPr lang="en-VN"/>
+      <a:endParaRPr lang="en-US"/>
     </a:p>
   </c:txPr>
   <c:externalData r:id="rId3">
@@ -1381,7 +1366,7 @@
       <a:pPr>
         <a:defRPr/>
       </a:pPr>
-      <a:endParaRPr lang="en-VN"/>
+      <a:endParaRPr lang="en-US"/>
     </a:p>
   </c:txPr>
   <c:externalData r:id="rId3">
@@ -1575,7 +1560,7 @@
       <a:pPr>
         <a:defRPr/>
       </a:pPr>
-      <a:endParaRPr lang="en-VN"/>
+      <a:endParaRPr lang="en-US"/>
     </a:p>
   </c:txPr>
   <c:externalData r:id="rId3">
@@ -4423,7 +4408,7 @@
           <a:p>
             <a:fld id="{AF512B98-4418-EB49-9D2B-6A764D1D6634}" type="datetimeFigureOut">
               <a:rPr lang="en-VN" smtClean="0"/>
-              <a:t>07/03/2023</a:t>
+              <a:t>05/22/2023</a:t>
             </a:fld>
             <a:endParaRPr lang="en-VN"/>
           </a:p>
@@ -4600,7 +4585,7 @@
           <a:p>
             <a:fld id="{8E7AE1E7-346C-4A4E-8167-247A92DBB887}" type="datetimeFigureOut">
               <a:rPr lang="en-US" smtClean="0"/>
-              <a:t>3/7/23</a:t>
+              <a:t>5/22/2023</a:t>
             </a:fld>
             <a:endParaRPr lang="en-US"/>
           </a:p>
@@ -4911,7 +4896,7 @@
           <a:bodyPr/>
           <a:lstStyle/>
           <a:p>
-            <a:endParaRPr lang="en-VN"/>
+            <a:endParaRPr lang="en-GB" dirty="0"/>
           </a:p>
         </p:txBody>
       </p:sp>
@@ -4932,91 +4917,7 @@
           <a:p>
             <a:fld id="{953E675E-B2DC-5A4F-8404-003BB8384781}" type="slidenum">
               <a:rPr lang="en-US" smtClean="0"/>
-              <a:t>4</a:t>
-            </a:fld>
-            <a:endParaRPr lang="en-US"/>
-          </a:p>
-        </p:txBody>
-      </p:sp>
-    </p:spTree>
-    <p:extLst>
-      <p:ext uri="{BB962C8B-B14F-4D97-AF65-F5344CB8AC3E}">
-        <p14:creationId xmlns:p14="http://schemas.microsoft.com/office/powerpoint/2010/main" val="2493220372"/>
-      </p:ext>
-    </p:extLst>
-  </p:cSld>
-  <p:clrMapOvr>
-    <a:masterClrMapping/>
-  </p:clrMapOvr>
-</p:notes>
-</file>
-
-<file path=ppt/notesSlides/notesSlide2.xml><?xml version="1.0" encoding="utf-8"?>
-<p:notes xmlns:a="http://schemas.openxmlformats.org/drawingml/2006/main" xmlns:r="http://schemas.openxmlformats.org/officeDocument/2006/relationships" xmlns:p="http://schemas.openxmlformats.org/presentationml/2006/main">
-  <p:cSld>
-    <p:spTree>
-      <p:nvGrpSpPr>
-        <p:cNvPr id="1" name=""/>
-        <p:cNvGrpSpPr/>
-        <p:nvPr/>
-      </p:nvGrpSpPr>
-      <p:grpSpPr>
-        <a:xfrm>
-          <a:off x="0" y="0"/>
-          <a:ext cx="0" cy="0"/>
-          <a:chOff x="0" y="0"/>
-          <a:chExt cx="0" cy="0"/>
-        </a:xfrm>
-      </p:grpSpPr>
-      <p:sp>
-        <p:nvSpPr>
-          <p:cNvPr id="2" name="Slide Image Placeholder 1"/>
-          <p:cNvSpPr>
-            <a:spLocks noGrp="1" noRot="1" noChangeAspect="1"/>
-          </p:cNvSpPr>
-          <p:nvPr>
-            <p:ph type="sldImg"/>
-          </p:nvPr>
-        </p:nvSpPr>
-        <p:spPr/>
-      </p:sp>
-      <p:sp>
-        <p:nvSpPr>
-          <p:cNvPr id="3" name="Notes Placeholder 2"/>
-          <p:cNvSpPr>
-            <a:spLocks noGrp="1"/>
-          </p:cNvSpPr>
-          <p:nvPr>
-            <p:ph type="body" idx="1"/>
-          </p:nvPr>
-        </p:nvSpPr>
-        <p:spPr/>
-        <p:txBody>
-          <a:bodyPr/>
-          <a:lstStyle/>
-          <a:p>
-            <a:endParaRPr lang="en-GB" dirty="0"/>
-          </a:p>
-        </p:txBody>
-      </p:sp>
-      <p:sp>
-        <p:nvSpPr>
-          <p:cNvPr id="4" name="Slide Number Placeholder 3"/>
-          <p:cNvSpPr>
-            <a:spLocks noGrp="1"/>
-          </p:cNvSpPr>
-          <p:nvPr>
-            <p:ph type="sldNum" sz="quarter" idx="5"/>
-          </p:nvPr>
-        </p:nvSpPr>
-        <p:spPr/>
-        <p:txBody>
-          <a:bodyPr/>
-          <a:lstStyle/>
-          <a:p>
-            <a:fld id="{953E675E-B2DC-5A4F-8404-003BB8384781}" type="slidenum">
-              <a:rPr lang="en-US" smtClean="0"/>
-              <a:t>35</a:t>
+              <a:t>29</a:t>
             </a:fld>
             <a:endParaRPr lang="en-US"/>
           </a:p>
@@ -21610,7 +21511,10 @@
           </a:bodyPr>
           <a:lstStyle/>
           <a:p>
-            <a:endParaRPr lang="en-US"/>
+            <a:r>
+              <a:rPr lang="en-US" dirty="0"/>
+              <a:t>May 2023</a:t>
+            </a:r>
           </a:p>
         </p:txBody>
       </p:sp>
@@ -21636,40 +21540,13 @@
           <a:lstStyle/>
           <a:p>
             <a:r>
+              <a:rPr lang="en-US" b="0" dirty="0" err="1"/>
+              <a:t>NestJS</a:t>
+            </a:r>
+            <a:r>
               <a:rPr lang="en-US" b="0" dirty="0"/>
-              <a:t>Title of the </a:t>
-            </a:r>
-            <a:br>
-              <a:rPr lang="en-US" b="0" dirty="0"/>
-            </a:br>
-            <a:r>
-              <a:rPr lang="en-US" dirty="0"/>
-              <a:t>presentation (style 1)</a:t>
-            </a:r>
-          </a:p>
-        </p:txBody>
-      </p:sp>
-      <p:sp>
-        <p:nvSpPr>
-          <p:cNvPr id="4" name="Text Placeholder 3">
-            <a:extLst>
-              <a:ext uri="{FF2B5EF4-FFF2-40B4-BE49-F238E27FC236}">
-                <a16:creationId xmlns:a16="http://schemas.microsoft.com/office/drawing/2014/main" id="{74BD04D2-8832-4117-BA57-9DF5D5D4A058}"/>
-              </a:ext>
-            </a:extLst>
-          </p:cNvPr>
-          <p:cNvSpPr>
-            <a:spLocks noGrp="1"/>
-          </p:cNvSpPr>
-          <p:nvPr>
-            <p:ph type="body" sz="quarter" idx="11"/>
-          </p:nvPr>
-        </p:nvSpPr>
-        <p:spPr/>
-        <p:txBody>
-          <a:bodyPr/>
-          <a:lstStyle/>
-          <a:p>
+              <a:t> Fundamental</a:t>
+            </a:r>
             <a:endParaRPr lang="en-US" dirty="0"/>
           </a:p>
         </p:txBody>
@@ -21709,7 +21586,7 @@
           <p:cNvPr id="2" name="Title 1">
             <a:extLst>
               <a:ext uri="{FF2B5EF4-FFF2-40B4-BE49-F238E27FC236}">
-                <a16:creationId xmlns:a16="http://schemas.microsoft.com/office/drawing/2014/main" id="{738FB051-EC22-182C-0699-1E4A512B076A}"/>
+                <a16:creationId xmlns:a16="http://schemas.microsoft.com/office/drawing/2014/main" id="{28D09562-4D8D-434E-AE6A-6CF89E6B1BBF}"/>
               </a:ext>
             </a:extLst>
           </p:cNvPr>
@@ -21717,7 +21594,7 @@
             <a:spLocks noGrp="1"/>
           </p:cNvSpPr>
           <p:nvPr>
-            <p:ph type="ctrTitle"/>
+            <p:ph type="title"/>
           </p:nvPr>
         </p:nvSpPr>
         <p:spPr/>
@@ -21726,24 +21603,107 @@
           <a:lstStyle/>
           <a:p>
             <a:r>
-              <a:rPr lang="en-US" b="0" dirty="0"/>
-              <a:t>Title of the </a:t>
-            </a:r>
-            <a:br>
-              <a:rPr lang="en-US" b="0" dirty="0"/>
-            </a:br>
-            <a:r>
               <a:rPr lang="en-US" dirty="0"/>
-              <a:t>presentation (style 10)</a:t>
-            </a:r>
-            <a:endParaRPr lang="en-VN" dirty="0"/>
+              <a:t>NestJS CLI</a:t>
+            </a:r>
+          </a:p>
+        </p:txBody>
+      </p:sp>
+      <p:sp>
+        <p:nvSpPr>
+          <p:cNvPr id="3" name="Text Placeholder 2">
+            <a:extLst>
+              <a:ext uri="{FF2B5EF4-FFF2-40B4-BE49-F238E27FC236}">
+                <a16:creationId xmlns:a16="http://schemas.microsoft.com/office/drawing/2014/main" id="{980004BA-4F47-4C5C-B300-EF35A2F015DB}"/>
+              </a:ext>
+            </a:extLst>
+          </p:cNvPr>
+          <p:cNvSpPr>
+            <a:spLocks noGrp="1"/>
+          </p:cNvSpPr>
+          <p:nvPr>
+            <p:ph type="body" sz="quarter" idx="11"/>
+          </p:nvPr>
+        </p:nvSpPr>
+        <p:spPr/>
+        <p:txBody>
+          <a:bodyPr/>
+          <a:lstStyle/>
+          <a:p>
+            <a:r>
+              <a:rPr lang="en-US" dirty="0"/>
+              <a:t>The Nest CLI is a command-line interface tool that helps you to initialize, develop, and maintain your Nest application</a:t>
+            </a:r>
+          </a:p>
+          <a:p>
+            <a:pPr lvl="1"/>
+            <a:r>
+              <a:rPr lang="en-US" i="1" dirty="0" err="1"/>
+              <a:t>npm</a:t>
+            </a:r>
+            <a:r>
+              <a:rPr lang="en-US" i="1" dirty="0"/>
+              <a:t> install -g @nestjs/cli </a:t>
+            </a:r>
+            <a:r>
+              <a:rPr lang="en-US" dirty="0"/>
+              <a:t>– Install the CLI </a:t>
+            </a:r>
+            <a:r>
+              <a:rPr lang="en-US" dirty="0" err="1"/>
+              <a:t>globall</a:t>
+            </a:r>
+            <a:endParaRPr lang="en-US" dirty="0"/>
+          </a:p>
+          <a:p>
+            <a:pPr lvl="1"/>
+            <a:r>
+              <a:rPr lang="en-US" i="1" dirty="0"/>
+              <a:t>nest --help</a:t>
+            </a:r>
+            <a:r>
+              <a:rPr lang="en-US" dirty="0"/>
+              <a:t> – See the available nest commands</a:t>
+            </a:r>
+          </a:p>
+          <a:p>
+            <a:r>
+              <a:rPr lang="en-US" dirty="0"/>
+              <a:t>To create, build run a new basic Nest project in development mode, run the follow commands:</a:t>
+            </a:r>
+          </a:p>
+          <a:p>
+            <a:pPr lvl="1"/>
+            <a:r>
+              <a:rPr lang="en-US" i="1" dirty="0"/>
+              <a:t>nest new my-nest-project </a:t>
+            </a:r>
+          </a:p>
+          <a:p>
+            <a:pPr lvl="1"/>
+            <a:r>
+              <a:rPr lang="en-US" i="1" dirty="0"/>
+              <a:t>my-nest-project </a:t>
+            </a:r>
+          </a:p>
+          <a:p>
+            <a:pPr lvl="1"/>
+            <a:r>
+              <a:rPr lang="en-US" i="1" dirty="0"/>
+              <a:t>run </a:t>
+            </a:r>
+            <a:r>
+              <a:rPr lang="en-US" i="1" dirty="0" err="1"/>
+              <a:t>start:dev</a:t>
+            </a:r>
+            <a:endParaRPr lang="en-US" i="1" dirty="0"/>
           </a:p>
         </p:txBody>
       </p:sp>
     </p:spTree>
     <p:extLst>
       <p:ext uri="{BB962C8B-B14F-4D97-AF65-F5344CB8AC3E}">
-        <p14:creationId xmlns:p14="http://schemas.microsoft.com/office/powerpoint/2010/main" val="347890690"/>
+        <p14:creationId xmlns:p14="http://schemas.microsoft.com/office/powerpoint/2010/main" val="3295373358"/>
       </p:ext>
     </p:extLst>
   </p:cSld>
@@ -21775,7 +21735,7 @@
           <p:cNvPr id="2" name="Title 1">
             <a:extLst>
               <a:ext uri="{FF2B5EF4-FFF2-40B4-BE49-F238E27FC236}">
-                <a16:creationId xmlns:a16="http://schemas.microsoft.com/office/drawing/2014/main" id="{9C57E82F-3403-BF4F-AE22-A41D839E3AF9}"/>
+                <a16:creationId xmlns:a16="http://schemas.microsoft.com/office/drawing/2014/main" id="{28D09562-4D8D-434E-AE6A-6CF89E6B1BBF}"/>
               </a:ext>
             </a:extLst>
           </p:cNvPr>
@@ -21783,7 +21743,7 @@
             <a:spLocks noGrp="1"/>
           </p:cNvSpPr>
           <p:nvPr>
-            <p:ph type="ctrTitle"/>
+            <p:ph type="title"/>
           </p:nvPr>
         </p:nvSpPr>
         <p:spPr/>
@@ -21792,24 +21752,286 @@
           <a:lstStyle/>
           <a:p>
             <a:r>
-              <a:rPr lang="en-US" b="0" dirty="0"/>
-              <a:t>Title of the </a:t>
-            </a:r>
-            <a:br>
-              <a:rPr lang="en-US" b="0" dirty="0"/>
-            </a:br>
-            <a:r>
               <a:rPr lang="en-US" dirty="0"/>
-              <a:t>presentation (style 11)</a:t>
-            </a:r>
-            <a:endParaRPr lang="en-VN" dirty="0"/>
-          </a:p>
-        </p:txBody>
-      </p:sp>
+              <a:t>Workspaces and Project file structure</a:t>
+            </a:r>
+          </a:p>
+        </p:txBody>
+      </p:sp>
+      <p:sp>
+        <p:nvSpPr>
+          <p:cNvPr id="3" name="Text Placeholder 2">
+            <a:extLst>
+              <a:ext uri="{FF2B5EF4-FFF2-40B4-BE49-F238E27FC236}">
+                <a16:creationId xmlns:a16="http://schemas.microsoft.com/office/drawing/2014/main" id="{980004BA-4F47-4C5C-B300-EF35A2F015DB}"/>
+              </a:ext>
+            </a:extLst>
+          </p:cNvPr>
+          <p:cNvSpPr>
+            <a:spLocks noGrp="1"/>
+          </p:cNvSpPr>
+          <p:nvPr>
+            <p:ph type="body" sz="quarter" idx="11"/>
+          </p:nvPr>
+        </p:nvSpPr>
+        <p:spPr>
+          <a:xfrm>
+            <a:off x="838198" y="1078564"/>
+            <a:ext cx="10293016" cy="538697"/>
+          </a:xfrm>
+        </p:spPr>
+        <p:txBody>
+          <a:bodyPr/>
+          <a:lstStyle/>
+          <a:p>
+            <a:r>
+              <a:rPr lang="en-US" dirty="0"/>
+              <a:t>NestJS has 2 modes for organizing code: </a:t>
+            </a:r>
+          </a:p>
+          <a:p>
+            <a:endParaRPr lang="en-US" dirty="0"/>
+          </a:p>
+        </p:txBody>
+      </p:sp>
+      <p:sp>
+        <p:nvSpPr>
+          <p:cNvPr id="5" name="Text Placeholder 2">
+            <a:extLst>
+              <a:ext uri="{FF2B5EF4-FFF2-40B4-BE49-F238E27FC236}">
+                <a16:creationId xmlns:a16="http://schemas.microsoft.com/office/drawing/2014/main" id="{F7731728-98EC-46CF-B168-F07D506C0EB1}"/>
+              </a:ext>
+            </a:extLst>
+          </p:cNvPr>
+          <p:cNvSpPr>
+            <a:spLocks noGrp="1"/>
+          </p:cNvSpPr>
+          <p:nvPr>
+            <p:ph type="body" sz="quarter" idx="11"/>
+          </p:nvPr>
+        </p:nvSpPr>
+        <p:spPr>
+          <a:xfrm>
+            <a:off x="837992" y="1617261"/>
+            <a:ext cx="5257802" cy="4432025"/>
+          </a:xfrm>
+        </p:spPr>
+        <p:txBody>
+          <a:bodyPr/>
+          <a:lstStyle/>
+          <a:p>
+            <a:r>
+              <a:rPr lang="en-US" dirty="0"/>
+              <a:t>Standard Mode</a:t>
+            </a:r>
+          </a:p>
+          <a:p>
+            <a:pPr lvl="1"/>
+            <a:r>
+              <a:rPr lang="en-US" dirty="0"/>
+              <a:t>By default, when we create a new nest project, we using standard mode.</a:t>
+            </a:r>
+          </a:p>
+          <a:p>
+            <a:pPr lvl="1"/>
+            <a:r>
+              <a:rPr lang="en-US" dirty="0"/>
+              <a:t>In standard mode, TS’s </a:t>
+            </a:r>
+            <a:r>
+              <a:rPr lang="en-US" i="1" dirty="0" err="1"/>
+              <a:t>tcs</a:t>
+            </a:r>
+            <a:r>
+              <a:rPr lang="en-US" dirty="0"/>
+              <a:t> will be used as the </a:t>
+            </a:r>
+            <a:r>
+              <a:rPr lang="en-US" dirty="0" err="1"/>
+              <a:t>compilar</a:t>
+            </a:r>
+            <a:endParaRPr lang="en-US" dirty="0"/>
+          </a:p>
+          <a:p>
+            <a:pPr marL="457200" lvl="1" indent="0">
+              <a:buNone/>
+            </a:pPr>
+            <a:endParaRPr lang="en-US" dirty="0"/>
+          </a:p>
+          <a:p>
+            <a:endParaRPr lang="en-US" dirty="0"/>
+          </a:p>
+          <a:p>
+            <a:endParaRPr lang="en-US" dirty="0"/>
+          </a:p>
+        </p:txBody>
+      </p:sp>
+      <p:sp>
+        <p:nvSpPr>
+          <p:cNvPr id="7" name="Text Placeholder 2">
+            <a:extLst>
+              <a:ext uri="{FF2B5EF4-FFF2-40B4-BE49-F238E27FC236}">
+                <a16:creationId xmlns:a16="http://schemas.microsoft.com/office/drawing/2014/main" id="{126C1D62-A4A6-4020-BEEF-350401C18D30}"/>
+              </a:ext>
+            </a:extLst>
+          </p:cNvPr>
+          <p:cNvSpPr>
+            <a:spLocks noGrp="1"/>
+          </p:cNvSpPr>
+          <p:nvPr>
+            <p:ph type="body" sz="quarter" idx="11"/>
+          </p:nvPr>
+        </p:nvSpPr>
+        <p:spPr>
+          <a:xfrm>
+            <a:off x="6095794" y="1622599"/>
+            <a:ext cx="5257802" cy="4432025"/>
+          </a:xfrm>
+        </p:spPr>
+        <p:txBody>
+          <a:bodyPr/>
+          <a:lstStyle/>
+          <a:p>
+            <a:r>
+              <a:rPr lang="en-US" dirty="0" err="1"/>
+              <a:t>Monorepo</a:t>
+            </a:r>
+            <a:r>
+              <a:rPr lang="en-US" dirty="0"/>
+              <a:t> mode</a:t>
+            </a:r>
+          </a:p>
+          <a:p>
+            <a:pPr lvl="1"/>
+            <a:r>
+              <a:rPr lang="en-US" dirty="0"/>
+              <a:t>To enable </a:t>
+            </a:r>
+            <a:r>
+              <a:rPr lang="en-US" dirty="0" err="1"/>
+              <a:t>monorepo</a:t>
+            </a:r>
+            <a:r>
+              <a:rPr lang="en-US" dirty="0"/>
+              <a:t> mode, we start with standard mode structure, and add a project. It could be a full </a:t>
+            </a:r>
+            <a:r>
+              <a:rPr lang="en-US" b="1" dirty="0"/>
+              <a:t>application</a:t>
+            </a:r>
+            <a:r>
+              <a:rPr lang="en-US" dirty="0"/>
+              <a:t> or a </a:t>
+            </a:r>
+            <a:r>
+              <a:rPr lang="en-US" b="1" dirty="0"/>
+              <a:t>library</a:t>
+            </a:r>
+          </a:p>
+          <a:p>
+            <a:pPr lvl="1"/>
+            <a:r>
+              <a:rPr lang="en-US" dirty="0"/>
+              <a:t>When we are in </a:t>
+            </a:r>
+            <a:r>
+              <a:rPr lang="en-US" dirty="0" err="1"/>
+              <a:t>monorepo</a:t>
+            </a:r>
+            <a:r>
+              <a:rPr lang="en-US" dirty="0"/>
+              <a:t> mode, rather than </a:t>
+            </a:r>
+            <a:r>
+              <a:rPr lang="en-US" i="1" dirty="0" err="1"/>
+              <a:t>tcs</a:t>
+            </a:r>
+            <a:r>
+              <a:rPr lang="en-US" i="1" dirty="0"/>
+              <a:t>, </a:t>
+            </a:r>
+            <a:r>
+              <a:rPr lang="en-US" i="1" u="sng" dirty="0" err="1"/>
+              <a:t>webpack</a:t>
+            </a:r>
+            <a:r>
+              <a:rPr lang="en-US" i="1" dirty="0"/>
+              <a:t> </a:t>
+            </a:r>
+            <a:r>
+              <a:rPr lang="en-US" dirty="0"/>
+              <a:t>will be used as a build tool</a:t>
+            </a:r>
+          </a:p>
+          <a:p>
+            <a:endParaRPr lang="en-US" dirty="0"/>
+          </a:p>
+        </p:txBody>
+      </p:sp>
+      <p:pic>
+        <p:nvPicPr>
+          <p:cNvPr id="12" name="Picture 11">
+            <a:extLst>
+              <a:ext uri="{FF2B5EF4-FFF2-40B4-BE49-F238E27FC236}">
+                <a16:creationId xmlns:a16="http://schemas.microsoft.com/office/drawing/2014/main" id="{23A07B07-B573-433E-852D-F9BC1DD658BE}"/>
+              </a:ext>
+            </a:extLst>
+          </p:cNvPr>
+          <p:cNvPicPr>
+            <a:picLocks noChangeAspect="1"/>
+          </p:cNvPicPr>
+          <p:nvPr/>
+        </p:nvPicPr>
+        <p:blipFill>
+          <a:blip r:embed="rId2"/>
+          <a:stretch>
+            <a:fillRect/>
+          </a:stretch>
+        </p:blipFill>
+        <p:spPr>
+          <a:xfrm>
+            <a:off x="2965683" y="3219725"/>
+            <a:ext cx="2041048" cy="3365311"/>
+          </a:xfrm>
+          <a:prstGeom prst="rect">
+            <a:avLst/>
+          </a:prstGeom>
+        </p:spPr>
+      </p:pic>
+      <p:pic>
+        <p:nvPicPr>
+          <p:cNvPr id="15" name="Picture 14">
+            <a:extLst>
+              <a:ext uri="{FF2B5EF4-FFF2-40B4-BE49-F238E27FC236}">
+                <a16:creationId xmlns:a16="http://schemas.microsoft.com/office/drawing/2014/main" id="{CFC50A6F-7734-4F74-B7A3-19CD7838922D}"/>
+              </a:ext>
+            </a:extLst>
+          </p:cNvPr>
+          <p:cNvPicPr>
+            <a:picLocks noChangeAspect="1"/>
+          </p:cNvPicPr>
+          <p:nvPr/>
+        </p:nvPicPr>
+        <p:blipFill>
+          <a:blip r:embed="rId2"/>
+          <a:stretch>
+            <a:fillRect/>
+          </a:stretch>
+        </p:blipFill>
+        <p:spPr>
+          <a:xfrm>
+            <a:off x="6898764" y="3221997"/>
+            <a:ext cx="2041048" cy="3365311"/>
+          </a:xfrm>
+          <a:prstGeom prst="rect">
+            <a:avLst/>
+          </a:prstGeom>
+        </p:spPr>
+      </p:pic>
     </p:spTree>
     <p:extLst>
       <p:ext uri="{BB962C8B-B14F-4D97-AF65-F5344CB8AC3E}">
-        <p14:creationId xmlns:p14="http://schemas.microsoft.com/office/powerpoint/2010/main" val="1723036146"/>
+        <p14:creationId xmlns:p14="http://schemas.microsoft.com/office/powerpoint/2010/main" val="2374133431"/>
       </p:ext>
     </p:extLst>
   </p:cSld>
@@ -21841,7 +22063,7 @@
           <p:cNvPr id="2" name="Title 1">
             <a:extLst>
               <a:ext uri="{FF2B5EF4-FFF2-40B4-BE49-F238E27FC236}">
-                <a16:creationId xmlns:a16="http://schemas.microsoft.com/office/drawing/2014/main" id="{8326C47D-C7A7-7CFB-607E-17E5D193CE15}"/>
+                <a16:creationId xmlns:a16="http://schemas.microsoft.com/office/drawing/2014/main" id="{EFC68966-EC82-4EBE-A360-B61373EF9563}"/>
               </a:ext>
             </a:extLst>
           </p:cNvPr>
@@ -21849,7 +22071,7 @@
             <a:spLocks noGrp="1"/>
           </p:cNvSpPr>
           <p:nvPr>
-            <p:ph type="ctrTitle"/>
+            <p:ph type="title"/>
           </p:nvPr>
         </p:nvSpPr>
         <p:spPr/>
@@ -21857,25 +22079,114 @@
           <a:bodyPr/>
           <a:lstStyle/>
           <a:p>
-            <a:r>
-              <a:rPr lang="en-US" b="0" dirty="0"/>
-              <a:t>Title of the </a:t>
-            </a:r>
-            <a:br>
-              <a:rPr lang="en-US" b="0" dirty="0"/>
-            </a:br>
-            <a:r>
-              <a:rPr lang="en-US" dirty="0"/>
-              <a:t>presentation (style 12)</a:t>
-            </a:r>
-            <a:endParaRPr lang="en-VN" dirty="0"/>
+            <a:endParaRPr lang="en-US" dirty="0"/>
+          </a:p>
+        </p:txBody>
+      </p:sp>
+      <p:sp>
+        <p:nvSpPr>
+          <p:cNvPr id="3" name="Text Placeholder 2">
+            <a:extLst>
+              <a:ext uri="{FF2B5EF4-FFF2-40B4-BE49-F238E27FC236}">
+                <a16:creationId xmlns:a16="http://schemas.microsoft.com/office/drawing/2014/main" id="{AEBA7786-79CA-4554-9CF2-A451454324BB}"/>
+              </a:ext>
+            </a:extLst>
+          </p:cNvPr>
+          <p:cNvSpPr>
+            <a:spLocks noGrp="1"/>
+          </p:cNvSpPr>
+          <p:nvPr>
+            <p:ph type="body" sz="quarter" idx="11"/>
+          </p:nvPr>
+        </p:nvSpPr>
+        <p:spPr/>
+        <p:txBody>
+          <a:bodyPr/>
+          <a:lstStyle/>
+          <a:p>
+            <a:endParaRPr lang="en-US"/>
+          </a:p>
+        </p:txBody>
+      </p:sp>
+      <p:sp>
+        <p:nvSpPr>
+          <p:cNvPr id="4" name="Text Placeholder 3">
+            <a:extLst>
+              <a:ext uri="{FF2B5EF4-FFF2-40B4-BE49-F238E27FC236}">
+                <a16:creationId xmlns:a16="http://schemas.microsoft.com/office/drawing/2014/main" id="{73B28B73-F67B-4BEB-BF7A-430F77A68426}"/>
+              </a:ext>
+            </a:extLst>
+          </p:cNvPr>
+          <p:cNvSpPr>
+            <a:spLocks noGrp="1"/>
+          </p:cNvSpPr>
+          <p:nvPr>
+            <p:ph type="body" sz="quarter" idx="12"/>
+          </p:nvPr>
+        </p:nvSpPr>
+        <p:spPr/>
+        <p:txBody>
+          <a:bodyPr/>
+          <a:lstStyle/>
+          <a:p>
+            <a:endParaRPr lang="en-US" dirty="0"/>
+          </a:p>
+        </p:txBody>
+      </p:sp>
+      <p:sp>
+        <p:nvSpPr>
+          <p:cNvPr id="5" name="Text Placeholder 4">
+            <a:extLst>
+              <a:ext uri="{FF2B5EF4-FFF2-40B4-BE49-F238E27FC236}">
+                <a16:creationId xmlns:a16="http://schemas.microsoft.com/office/drawing/2014/main" id="{CAC552F2-84DE-4F66-9D35-F9049CF74A37}"/>
+              </a:ext>
+            </a:extLst>
+          </p:cNvPr>
+          <p:cNvSpPr>
+            <a:spLocks noGrp="1"/>
+          </p:cNvSpPr>
+          <p:nvPr>
+            <p:ph type="body" sz="quarter" idx="13"/>
+          </p:nvPr>
+        </p:nvSpPr>
+        <p:spPr/>
+        <p:txBody>
+          <a:bodyPr/>
+          <a:lstStyle/>
+          <a:p>
+            <a:endParaRPr lang="en-US"/>
+          </a:p>
+        </p:txBody>
+      </p:sp>
+      <p:sp>
+        <p:nvSpPr>
+          <p:cNvPr id="6" name="Text Placeholder 5">
+            <a:extLst>
+              <a:ext uri="{FF2B5EF4-FFF2-40B4-BE49-F238E27FC236}">
+                <a16:creationId xmlns:a16="http://schemas.microsoft.com/office/drawing/2014/main" id="{09131319-4ACC-4039-837C-D028C1C14E51}"/>
+              </a:ext>
+            </a:extLst>
+          </p:cNvPr>
+          <p:cNvSpPr>
+            <a:spLocks noGrp="1"/>
+          </p:cNvSpPr>
+          <p:nvPr>
+            <p:ph type="body" sz="quarter" idx="14"/>
+          </p:nvPr>
+        </p:nvSpPr>
+        <p:spPr/>
+        <p:txBody>
+          <a:bodyPr/>
+          <a:lstStyle/>
+          <a:p>
+            <a:endParaRPr lang="en-US"/>
           </a:p>
         </p:txBody>
       </p:sp>
     </p:spTree>
     <p:extLst>
       <p:ext uri="{BB962C8B-B14F-4D97-AF65-F5344CB8AC3E}">
-        <p14:creationId xmlns:p14="http://schemas.microsoft.com/office/powerpoint/2010/main" val="3588006715"/>
+        <p14:creationId xmlns:p14="http://schemas.microsoft.com/office/powerpoint/2010/main" val="3393221177"/>
       </p:ext>
     </p:extLst>
   </p:cSld>
@@ -21904,10 +22215,10 @@
       </p:grpSpPr>
       <p:sp>
         <p:nvSpPr>
-          <p:cNvPr id="2" name="Title 1">
-            <a:extLst>
-              <a:ext uri="{FF2B5EF4-FFF2-40B4-BE49-F238E27FC236}">
-                <a16:creationId xmlns:a16="http://schemas.microsoft.com/office/drawing/2014/main" id="{20CA16EC-A412-FCFA-E17A-3365EE9A3917}"/>
+          <p:cNvPr id="21" name="Text Placeholder 20">
+            <a:extLst>
+              <a:ext uri="{FF2B5EF4-FFF2-40B4-BE49-F238E27FC236}">
+                <a16:creationId xmlns:a16="http://schemas.microsoft.com/office/drawing/2014/main" id="{298B0FBD-C0D1-43DC-B3C9-A67B80142359}"/>
               </a:ext>
             </a:extLst>
           </p:cNvPr>
@@ -21915,7 +22226,7 @@
             <a:spLocks noGrp="1"/>
           </p:cNvSpPr>
           <p:nvPr>
-            <p:ph type="ctrTitle"/>
+            <p:ph type="body" sz="quarter" idx="33"/>
           </p:nvPr>
         </p:nvSpPr>
         <p:spPr/>
@@ -21923,25 +22234,239 @@
           <a:bodyPr/>
           <a:lstStyle/>
           <a:p>
-            <a:r>
-              <a:rPr lang="en-US" b="0" dirty="0"/>
-              <a:t>Title of the </a:t>
-            </a:r>
-            <a:br>
-              <a:rPr lang="en-US" b="0" dirty="0"/>
-            </a:br>
-            <a:r>
-              <a:rPr lang="en-US" dirty="0"/>
-              <a:t>presentation (style 13)</a:t>
-            </a:r>
-            <a:endParaRPr lang="en-VN" dirty="0"/>
+            <a:endParaRPr lang="en-US"/>
+          </a:p>
+        </p:txBody>
+      </p:sp>
+      <p:sp>
+        <p:nvSpPr>
+          <p:cNvPr id="20" name="Text Placeholder 19">
+            <a:extLst>
+              <a:ext uri="{FF2B5EF4-FFF2-40B4-BE49-F238E27FC236}">
+                <a16:creationId xmlns:a16="http://schemas.microsoft.com/office/drawing/2014/main" id="{4991CF96-2D23-4A3A-A301-3F80CABE2CAD}"/>
+              </a:ext>
+            </a:extLst>
+          </p:cNvPr>
+          <p:cNvSpPr>
+            <a:spLocks noGrp="1"/>
+          </p:cNvSpPr>
+          <p:nvPr>
+            <p:ph type="body" sz="quarter" idx="32"/>
+          </p:nvPr>
+        </p:nvSpPr>
+        <p:spPr/>
+        <p:txBody>
+          <a:bodyPr/>
+          <a:lstStyle/>
+          <a:p>
+            <a:endParaRPr lang="en-US"/>
+          </a:p>
+        </p:txBody>
+      </p:sp>
+      <p:sp>
+        <p:nvSpPr>
+          <p:cNvPr id="13" name="Text Placeholder 12">
+            <a:extLst>
+              <a:ext uri="{FF2B5EF4-FFF2-40B4-BE49-F238E27FC236}">
+                <a16:creationId xmlns:a16="http://schemas.microsoft.com/office/drawing/2014/main" id="{21FBB662-7727-4B33-9743-54F7C036D5B6}"/>
+              </a:ext>
+            </a:extLst>
+          </p:cNvPr>
+          <p:cNvSpPr>
+            <a:spLocks noGrp="1"/>
+          </p:cNvSpPr>
+          <p:nvPr>
+            <p:ph type="body" sz="quarter" idx="11"/>
+          </p:nvPr>
+        </p:nvSpPr>
+        <p:spPr/>
+        <p:txBody>
+          <a:bodyPr/>
+          <a:lstStyle/>
+          <a:p>
+            <a:endParaRPr lang="en-US" dirty="0"/>
+          </a:p>
+        </p:txBody>
+      </p:sp>
+      <p:sp>
+        <p:nvSpPr>
+          <p:cNvPr id="14" name="Text Placeholder 13">
+            <a:extLst>
+              <a:ext uri="{FF2B5EF4-FFF2-40B4-BE49-F238E27FC236}">
+                <a16:creationId xmlns:a16="http://schemas.microsoft.com/office/drawing/2014/main" id="{A688FAC3-289D-44D2-97FE-2AE4A0EE0C15}"/>
+              </a:ext>
+            </a:extLst>
+          </p:cNvPr>
+          <p:cNvSpPr>
+            <a:spLocks noGrp="1"/>
+          </p:cNvSpPr>
+          <p:nvPr>
+            <p:ph type="body" sz="quarter" idx="15"/>
+          </p:nvPr>
+        </p:nvSpPr>
+        <p:spPr/>
+        <p:txBody>
+          <a:bodyPr/>
+          <a:lstStyle/>
+          <a:p>
+            <a:endParaRPr lang="en-US" dirty="0"/>
+          </a:p>
+        </p:txBody>
+      </p:sp>
+      <p:sp>
+        <p:nvSpPr>
+          <p:cNvPr id="15" name="Text Placeholder 14">
+            <a:extLst>
+              <a:ext uri="{FF2B5EF4-FFF2-40B4-BE49-F238E27FC236}">
+                <a16:creationId xmlns:a16="http://schemas.microsoft.com/office/drawing/2014/main" id="{EB679E57-8C4D-4108-ACD5-B79F8140B284}"/>
+              </a:ext>
+            </a:extLst>
+          </p:cNvPr>
+          <p:cNvSpPr>
+            <a:spLocks noGrp="1"/>
+          </p:cNvSpPr>
+          <p:nvPr>
+            <p:ph type="body" sz="quarter" idx="16"/>
+          </p:nvPr>
+        </p:nvSpPr>
+        <p:spPr/>
+        <p:txBody>
+          <a:bodyPr/>
+          <a:lstStyle/>
+          <a:p>
+            <a:endParaRPr lang="en-US"/>
+          </a:p>
+        </p:txBody>
+      </p:sp>
+      <p:sp>
+        <p:nvSpPr>
+          <p:cNvPr id="16" name="Text Placeholder 15">
+            <a:extLst>
+              <a:ext uri="{FF2B5EF4-FFF2-40B4-BE49-F238E27FC236}">
+                <a16:creationId xmlns:a16="http://schemas.microsoft.com/office/drawing/2014/main" id="{1691D3A6-3413-4367-854A-629E2AA051C5}"/>
+              </a:ext>
+            </a:extLst>
+          </p:cNvPr>
+          <p:cNvSpPr>
+            <a:spLocks noGrp="1"/>
+          </p:cNvSpPr>
+          <p:nvPr>
+            <p:ph type="body" sz="quarter" idx="17"/>
+          </p:nvPr>
+        </p:nvSpPr>
+        <p:spPr/>
+        <p:txBody>
+          <a:bodyPr/>
+          <a:lstStyle/>
+          <a:p>
+            <a:endParaRPr lang="en-US" dirty="0"/>
+          </a:p>
+        </p:txBody>
+      </p:sp>
+      <p:sp>
+        <p:nvSpPr>
+          <p:cNvPr id="17" name="Text Placeholder 16">
+            <a:extLst>
+              <a:ext uri="{FF2B5EF4-FFF2-40B4-BE49-F238E27FC236}">
+                <a16:creationId xmlns:a16="http://schemas.microsoft.com/office/drawing/2014/main" id="{1FE2996A-77E3-4BC2-B936-5977AC595307}"/>
+              </a:ext>
+            </a:extLst>
+          </p:cNvPr>
+          <p:cNvSpPr>
+            <a:spLocks noGrp="1"/>
+          </p:cNvSpPr>
+          <p:nvPr>
+            <p:ph type="body" sz="quarter" idx="29"/>
+          </p:nvPr>
+        </p:nvSpPr>
+        <p:spPr/>
+        <p:txBody>
+          <a:bodyPr/>
+          <a:lstStyle/>
+          <a:p>
+            <a:endParaRPr lang="en-US" dirty="0"/>
+          </a:p>
+        </p:txBody>
+      </p:sp>
+      <p:sp>
+        <p:nvSpPr>
+          <p:cNvPr id="18" name="Text Placeholder 17">
+            <a:extLst>
+              <a:ext uri="{FF2B5EF4-FFF2-40B4-BE49-F238E27FC236}">
+                <a16:creationId xmlns:a16="http://schemas.microsoft.com/office/drawing/2014/main" id="{20E99235-C9AC-4256-9B44-D04C8767FA4B}"/>
+              </a:ext>
+            </a:extLst>
+          </p:cNvPr>
+          <p:cNvSpPr>
+            <a:spLocks noGrp="1"/>
+          </p:cNvSpPr>
+          <p:nvPr>
+            <p:ph type="body" sz="quarter" idx="30"/>
+          </p:nvPr>
+        </p:nvSpPr>
+        <p:spPr/>
+        <p:txBody>
+          <a:bodyPr/>
+          <a:lstStyle/>
+          <a:p>
+            <a:endParaRPr lang="en-US" dirty="0"/>
+          </a:p>
+        </p:txBody>
+      </p:sp>
+      <p:sp>
+        <p:nvSpPr>
+          <p:cNvPr id="19" name="Text Placeholder 18">
+            <a:extLst>
+              <a:ext uri="{FF2B5EF4-FFF2-40B4-BE49-F238E27FC236}">
+                <a16:creationId xmlns:a16="http://schemas.microsoft.com/office/drawing/2014/main" id="{B6FF0A6F-3A1A-4B3A-843C-A77CC12E40BE}"/>
+              </a:ext>
+            </a:extLst>
+          </p:cNvPr>
+          <p:cNvSpPr>
+            <a:spLocks noGrp="1"/>
+          </p:cNvSpPr>
+          <p:nvPr>
+            <p:ph type="body" sz="quarter" idx="31"/>
+          </p:nvPr>
+        </p:nvSpPr>
+        <p:spPr/>
+        <p:txBody>
+          <a:bodyPr/>
+          <a:lstStyle/>
+          <a:p>
+            <a:endParaRPr lang="en-US"/>
+          </a:p>
+        </p:txBody>
+      </p:sp>
+      <p:sp>
+        <p:nvSpPr>
+          <p:cNvPr id="12" name="Title 11">
+            <a:extLst>
+              <a:ext uri="{FF2B5EF4-FFF2-40B4-BE49-F238E27FC236}">
+                <a16:creationId xmlns:a16="http://schemas.microsoft.com/office/drawing/2014/main" id="{12720679-AB4A-4CFF-978C-EF89140DD20A}"/>
+              </a:ext>
+            </a:extLst>
+          </p:cNvPr>
+          <p:cNvSpPr>
+            <a:spLocks noGrp="1"/>
+          </p:cNvSpPr>
+          <p:nvPr>
+            <p:ph type="title"/>
+          </p:nvPr>
+        </p:nvSpPr>
+        <p:spPr/>
+        <p:txBody>
+          <a:bodyPr/>
+          <a:lstStyle/>
+          <a:p>
+            <a:endParaRPr lang="en-US"/>
           </a:p>
         </p:txBody>
       </p:sp>
     </p:spTree>
     <p:extLst>
       <p:ext uri="{BB962C8B-B14F-4D97-AF65-F5344CB8AC3E}">
-        <p14:creationId xmlns:p14="http://schemas.microsoft.com/office/powerpoint/2010/main" val="4049244075"/>
+        <p14:creationId xmlns:p14="http://schemas.microsoft.com/office/powerpoint/2010/main" val="2718608"/>
       </p:ext>
     </p:extLst>
   </p:cSld>
@@ -21973,7 +22498,7 @@
           <p:cNvPr id="2" name="Title 1">
             <a:extLst>
               <a:ext uri="{FF2B5EF4-FFF2-40B4-BE49-F238E27FC236}">
-                <a16:creationId xmlns:a16="http://schemas.microsoft.com/office/drawing/2014/main" id="{8841C90B-1420-C5ED-E8D6-A770FB269AE3}"/>
+                <a16:creationId xmlns:a16="http://schemas.microsoft.com/office/drawing/2014/main" id="{7D9B6B58-E11F-49DC-ACA2-203F33EAA2B0}"/>
               </a:ext>
             </a:extLst>
           </p:cNvPr>
@@ -21981,7 +22506,7 @@
             <a:spLocks noGrp="1"/>
           </p:cNvSpPr>
           <p:nvPr>
-            <p:ph type="ctrTitle"/>
+            <p:ph type="title"/>
           </p:nvPr>
         </p:nvSpPr>
         <p:spPr/>
@@ -21989,25 +22514,92 @@
           <a:bodyPr/>
           <a:lstStyle/>
           <a:p>
-            <a:r>
-              <a:rPr lang="en-US" b="0" dirty="0"/>
-              <a:t>Title of the </a:t>
-            </a:r>
-            <a:br>
-              <a:rPr lang="en-US" b="0" dirty="0"/>
-            </a:br>
-            <a:r>
-              <a:rPr lang="en-US" dirty="0"/>
-              <a:t>presentation (style 14)</a:t>
-            </a:r>
-            <a:endParaRPr lang="en-VN" dirty="0"/>
-          </a:p>
-        </p:txBody>
+            <a:endParaRPr lang="en-US"/>
+          </a:p>
+        </p:txBody>
+      </p:sp>
+      <p:sp>
+        <p:nvSpPr>
+          <p:cNvPr id="3" name="Text Placeholder 2">
+            <a:extLst>
+              <a:ext uri="{FF2B5EF4-FFF2-40B4-BE49-F238E27FC236}">
+                <a16:creationId xmlns:a16="http://schemas.microsoft.com/office/drawing/2014/main" id="{CD5995B8-0D23-48AA-BD6D-B64F2188B310}"/>
+              </a:ext>
+            </a:extLst>
+          </p:cNvPr>
+          <p:cNvSpPr>
+            <a:spLocks noGrp="1"/>
+          </p:cNvSpPr>
+          <p:nvPr>
+            <p:ph type="body" sz="quarter" idx="4294967295"/>
+          </p:nvPr>
+        </p:nvSpPr>
+        <p:spPr>
+          <a:xfrm>
+            <a:off x="838404" y="1884792"/>
+            <a:ext cx="5095865" cy="4284662"/>
+          </a:xfrm>
+        </p:spPr>
+        <p:txBody>
+          <a:bodyPr/>
+          <a:lstStyle/>
+          <a:p>
+            <a:endParaRPr lang="en-US" dirty="0"/>
+          </a:p>
+        </p:txBody>
+      </p:sp>
+      <p:sp>
+        <p:nvSpPr>
+          <p:cNvPr id="4" name="Text Placeholder 3">
+            <a:extLst>
+              <a:ext uri="{FF2B5EF4-FFF2-40B4-BE49-F238E27FC236}">
+                <a16:creationId xmlns:a16="http://schemas.microsoft.com/office/drawing/2014/main" id="{A04201A3-D506-4ED4-A2B0-FDBEFE6A8B79}"/>
+              </a:ext>
+            </a:extLst>
+          </p:cNvPr>
+          <p:cNvSpPr>
+            <a:spLocks noGrp="1"/>
+          </p:cNvSpPr>
+          <p:nvPr>
+            <p:ph type="body" sz="quarter" idx="4294967295"/>
+          </p:nvPr>
+        </p:nvSpPr>
+        <p:spPr>
+          <a:xfrm>
+            <a:off x="838200" y="1335155"/>
+            <a:ext cx="5096069" cy="485775"/>
+          </a:xfrm>
+        </p:spPr>
+        <p:txBody>
+          <a:bodyPr/>
+          <a:lstStyle/>
+          <a:p>
+            <a:endParaRPr lang="en-US"/>
+          </a:p>
+        </p:txBody>
+      </p:sp>
+      <p:sp>
+        <p:nvSpPr>
+          <p:cNvPr id="5" name="Picture Placeholder 4">
+            <a:extLst>
+              <a:ext uri="{FF2B5EF4-FFF2-40B4-BE49-F238E27FC236}">
+                <a16:creationId xmlns:a16="http://schemas.microsoft.com/office/drawing/2014/main" id="{164EC44E-2CB0-4003-BF8E-A93E5CD364CD}"/>
+              </a:ext>
+            </a:extLst>
+          </p:cNvPr>
+          <p:cNvSpPr>
+            <a:spLocks noGrp="1"/>
+          </p:cNvSpPr>
+          <p:nvPr>
+            <p:ph type="pic" sz="quarter" idx="13"/>
+          </p:nvPr>
+        </p:nvSpPr>
+        <p:spPr/>
       </p:sp>
     </p:spTree>
     <p:extLst>
       <p:ext uri="{BB962C8B-B14F-4D97-AF65-F5344CB8AC3E}">
-        <p14:creationId xmlns:p14="http://schemas.microsoft.com/office/powerpoint/2010/main" val="2008948342"/>
+        <p14:creationId xmlns:p14="http://schemas.microsoft.com/office/powerpoint/2010/main" val="323650388"/>
       </p:ext>
     </p:extLst>
   </p:cSld>
@@ -22036,10 +22628,10 @@
       </p:grpSpPr>
       <p:sp>
         <p:nvSpPr>
-          <p:cNvPr id="2" name="Text Placeholder 1">
-            <a:extLst>
-              <a:ext uri="{FF2B5EF4-FFF2-40B4-BE49-F238E27FC236}">
-                <a16:creationId xmlns:a16="http://schemas.microsoft.com/office/drawing/2014/main" id="{95558704-037F-4FEA-AEEC-B05917B8050E}"/>
+          <p:cNvPr id="2" name="Title 1">
+            <a:extLst>
+              <a:ext uri="{FF2B5EF4-FFF2-40B4-BE49-F238E27FC236}">
+                <a16:creationId xmlns:a16="http://schemas.microsoft.com/office/drawing/2014/main" id="{0D8AEE0D-F00D-4950-A326-FD0FD0D41D3C}"/>
               </a:ext>
             </a:extLst>
           </p:cNvPr>
@@ -22047,7 +22639,7 @@
             <a:spLocks noGrp="1"/>
           </p:cNvSpPr>
           <p:nvPr>
-            <p:ph type="body" sz="quarter" idx="10"/>
+            <p:ph type="title"/>
           </p:nvPr>
         </p:nvSpPr>
         <p:spPr/>
@@ -22055,40 +22647,165 @@
           <a:bodyPr/>
           <a:lstStyle/>
           <a:p>
-            <a:pPr lvl="0"/>
-            <a:r>
-              <a:rPr lang="en-US" dirty="0"/>
-              <a:t>Section 1</a:t>
-            </a:r>
-          </a:p>
-          <a:p>
-            <a:pPr lvl="1"/>
-            <a:r>
-              <a:rPr lang="en-US" dirty="0"/>
-              <a:t>Section 1.1</a:t>
-            </a:r>
-          </a:p>
-          <a:p>
-            <a:pPr lvl="1"/>
-            <a:r>
-              <a:rPr lang="en-US" dirty="0"/>
-              <a:t>Section 1.2</a:t>
-            </a:r>
-          </a:p>
-          <a:p>
-            <a:pPr lvl="0"/>
-            <a:r>
-              <a:rPr lang="en-US" dirty="0"/>
-              <a:t>Section 2</a:t>
-            </a:r>
-          </a:p>
-          <a:p>
-            <a:pPr lvl="0"/>
-            <a:r>
-              <a:rPr lang="en-US" dirty="0"/>
-              <a:t>Section 3</a:t>
-            </a:r>
-          </a:p>
+            <a:endParaRPr lang="en-US"/>
+          </a:p>
+        </p:txBody>
+      </p:sp>
+      <p:sp>
+        <p:nvSpPr>
+          <p:cNvPr id="3" name="Content Placeholder 2">
+            <a:extLst>
+              <a:ext uri="{FF2B5EF4-FFF2-40B4-BE49-F238E27FC236}">
+                <a16:creationId xmlns:a16="http://schemas.microsoft.com/office/drawing/2014/main" id="{C9833756-0A74-4D3B-B713-CFEC9081F38D}"/>
+              </a:ext>
+            </a:extLst>
+          </p:cNvPr>
+          <p:cNvSpPr>
+            <a:spLocks noGrp="1"/>
+          </p:cNvSpPr>
+          <p:nvPr>
+            <p:ph sz="quarter" idx="30"/>
+          </p:nvPr>
+        </p:nvSpPr>
+        <p:spPr/>
+        <p:txBody>
+          <a:bodyPr/>
+          <a:lstStyle/>
+          <a:p>
+            <a:endParaRPr lang="en-US"/>
+          </a:p>
+        </p:txBody>
+      </p:sp>
+      <p:sp>
+        <p:nvSpPr>
+          <p:cNvPr id="4" name="Content Placeholder 3">
+            <a:extLst>
+              <a:ext uri="{FF2B5EF4-FFF2-40B4-BE49-F238E27FC236}">
+                <a16:creationId xmlns:a16="http://schemas.microsoft.com/office/drawing/2014/main" id="{B49B0746-25AD-4C88-A3C9-31D7CC088B96}"/>
+              </a:ext>
+            </a:extLst>
+          </p:cNvPr>
+          <p:cNvSpPr>
+            <a:spLocks noGrp="1"/>
+          </p:cNvSpPr>
+          <p:nvPr>
+            <p:ph sz="quarter" idx="34"/>
+          </p:nvPr>
+        </p:nvSpPr>
+        <p:spPr/>
+        <p:txBody>
+          <a:bodyPr/>
+          <a:lstStyle/>
+          <a:p>
+            <a:endParaRPr lang="en-US"/>
+          </a:p>
+        </p:txBody>
+      </p:sp>
+      <p:sp>
+        <p:nvSpPr>
+          <p:cNvPr id="5" name="Content Placeholder 4">
+            <a:extLst>
+              <a:ext uri="{FF2B5EF4-FFF2-40B4-BE49-F238E27FC236}">
+                <a16:creationId xmlns:a16="http://schemas.microsoft.com/office/drawing/2014/main" id="{58F1B4CB-263A-433B-8503-C237E15DF3B0}"/>
+              </a:ext>
+            </a:extLst>
+          </p:cNvPr>
+          <p:cNvSpPr>
+            <a:spLocks noGrp="1"/>
+          </p:cNvSpPr>
+          <p:nvPr>
+            <p:ph sz="quarter" idx="35"/>
+          </p:nvPr>
+        </p:nvSpPr>
+        <p:spPr/>
+        <p:txBody>
+          <a:bodyPr/>
+          <a:lstStyle/>
+          <a:p>
+            <a:endParaRPr lang="en-US"/>
+          </a:p>
+        </p:txBody>
+      </p:sp>
+      <p:sp>
+        <p:nvSpPr>
+          <p:cNvPr id="6" name="Content Placeholder 5">
+            <a:extLst>
+              <a:ext uri="{FF2B5EF4-FFF2-40B4-BE49-F238E27FC236}">
+                <a16:creationId xmlns:a16="http://schemas.microsoft.com/office/drawing/2014/main" id="{A885582D-F0F1-4A10-98B1-9DA443B5C9A0}"/>
+              </a:ext>
+            </a:extLst>
+          </p:cNvPr>
+          <p:cNvSpPr>
+            <a:spLocks noGrp="1"/>
+          </p:cNvSpPr>
+          <p:nvPr>
+            <p:ph sz="quarter" idx="36"/>
+          </p:nvPr>
+        </p:nvSpPr>
+        <p:spPr/>
+        <p:txBody>
+          <a:bodyPr/>
+          <a:lstStyle/>
+          <a:p>
+            <a:endParaRPr lang="en-US"/>
+          </a:p>
+        </p:txBody>
+      </p:sp>
+      <p:sp>
+        <p:nvSpPr>
+          <p:cNvPr id="7" name="Text Placeholder 6">
+            <a:extLst>
+              <a:ext uri="{FF2B5EF4-FFF2-40B4-BE49-F238E27FC236}">
+                <a16:creationId xmlns:a16="http://schemas.microsoft.com/office/drawing/2014/main" id="{5B072338-30C6-4998-8F55-417653056214}"/>
+              </a:ext>
+            </a:extLst>
+          </p:cNvPr>
+          <p:cNvSpPr>
+            <a:spLocks noGrp="1"/>
+          </p:cNvSpPr>
+          <p:nvPr>
+            <p:ph type="body" sz="quarter" idx="4294967295"/>
+          </p:nvPr>
+        </p:nvSpPr>
+        <p:spPr>
+          <a:xfrm>
+            <a:off x="838404" y="1885497"/>
+            <a:ext cx="3242106" cy="4300700"/>
+          </a:xfrm>
+        </p:spPr>
+        <p:txBody>
+          <a:bodyPr/>
+          <a:lstStyle/>
+          <a:p>
+            <a:endParaRPr lang="en-US"/>
+          </a:p>
+        </p:txBody>
+      </p:sp>
+      <p:sp>
+        <p:nvSpPr>
+          <p:cNvPr id="8" name="Text Placeholder 7">
+            <a:extLst>
+              <a:ext uri="{FF2B5EF4-FFF2-40B4-BE49-F238E27FC236}">
+                <a16:creationId xmlns:a16="http://schemas.microsoft.com/office/drawing/2014/main" id="{D5EF221B-20C9-43F9-B095-0BD2ED9C19B8}"/>
+              </a:ext>
+            </a:extLst>
+          </p:cNvPr>
+          <p:cNvSpPr>
+            <a:spLocks noGrp="1"/>
+          </p:cNvSpPr>
+          <p:nvPr>
+            <p:ph type="body" sz="quarter" idx="4294967295"/>
+          </p:nvPr>
+        </p:nvSpPr>
+        <p:spPr>
+          <a:xfrm>
+            <a:off x="838200" y="1399721"/>
+            <a:ext cx="3242107" cy="485775"/>
+          </a:xfrm>
+        </p:spPr>
+        <p:txBody>
+          <a:bodyPr/>
+          <a:lstStyle/>
           <a:p>
             <a:endParaRPr lang="en-US" dirty="0"/>
           </a:p>
@@ -22097,7 +22814,7 @@
     </p:spTree>
     <p:extLst>
       <p:ext uri="{BB962C8B-B14F-4D97-AF65-F5344CB8AC3E}">
-        <p14:creationId xmlns:p14="http://schemas.microsoft.com/office/powerpoint/2010/main" val="1077368821"/>
+        <p14:creationId xmlns:p14="http://schemas.microsoft.com/office/powerpoint/2010/main" val="1989867194"/>
       </p:ext>
     </p:extLst>
   </p:cSld>
@@ -22126,10 +22843,10 @@
       </p:grpSpPr>
       <p:sp>
         <p:nvSpPr>
-          <p:cNvPr id="2" name="Text Placeholder 1">
-            <a:extLst>
-              <a:ext uri="{FF2B5EF4-FFF2-40B4-BE49-F238E27FC236}">
-                <a16:creationId xmlns:a16="http://schemas.microsoft.com/office/drawing/2014/main" id="{4483D1C0-AEBE-43F2-AF2A-23F080C327DF}"/>
+          <p:cNvPr id="2" name="Title 1">
+            <a:extLst>
+              <a:ext uri="{FF2B5EF4-FFF2-40B4-BE49-F238E27FC236}">
+                <a16:creationId xmlns:a16="http://schemas.microsoft.com/office/drawing/2014/main" id="{B84CD52F-B8B2-4079-9448-46190F5638AD}"/>
               </a:ext>
             </a:extLst>
           </p:cNvPr>
@@ -22137,7 +22854,7 @@
             <a:spLocks noGrp="1"/>
           </p:cNvSpPr>
           <p:nvPr>
-            <p:ph type="body" sz="quarter" idx="15"/>
+            <p:ph type="title"/>
           </p:nvPr>
         </p:nvSpPr>
         <p:spPr/>
@@ -22145,19 +22862,16 @@
           <a:bodyPr/>
           <a:lstStyle/>
           <a:p>
-            <a:r>
-              <a:rPr lang="en-US" dirty="0"/>
-              <a:t>Section heading</a:t>
-            </a:r>
-          </a:p>
-        </p:txBody>
-      </p:sp>
-      <p:sp>
-        <p:nvSpPr>
-          <p:cNvPr id="3" name="Text Placeholder 2">
-            <a:extLst>
-              <a:ext uri="{FF2B5EF4-FFF2-40B4-BE49-F238E27FC236}">
-                <a16:creationId xmlns:a16="http://schemas.microsoft.com/office/drawing/2014/main" id="{9BBB8D4B-E800-4849-82AC-CE4520B69691}"/>
+            <a:endParaRPr lang="en-US"/>
+          </a:p>
+        </p:txBody>
+      </p:sp>
+      <p:sp>
+        <p:nvSpPr>
+          <p:cNvPr id="3" name="Content Placeholder 2">
+            <a:extLst>
+              <a:ext uri="{FF2B5EF4-FFF2-40B4-BE49-F238E27FC236}">
+                <a16:creationId xmlns:a16="http://schemas.microsoft.com/office/drawing/2014/main" id="{6D84D892-8167-41D2-AEB6-D25043E2B804}"/>
               </a:ext>
             </a:extLst>
           </p:cNvPr>
@@ -22165,7 +22879,7 @@
             <a:spLocks noGrp="1"/>
           </p:cNvSpPr>
           <p:nvPr>
-            <p:ph type="body" sz="quarter" idx="16"/>
+            <p:ph sz="quarter" idx="30"/>
           </p:nvPr>
         </p:nvSpPr>
         <p:spPr/>
@@ -22173,14 +22887,89 @@
           <a:bodyPr/>
           <a:lstStyle/>
           <a:p>
-            <a:endParaRPr lang="en-US" dirty="0"/>
+            <a:endParaRPr lang="en-US"/>
+          </a:p>
+        </p:txBody>
+      </p:sp>
+      <p:sp>
+        <p:nvSpPr>
+          <p:cNvPr id="4" name="Content Placeholder 3">
+            <a:extLst>
+              <a:ext uri="{FF2B5EF4-FFF2-40B4-BE49-F238E27FC236}">
+                <a16:creationId xmlns:a16="http://schemas.microsoft.com/office/drawing/2014/main" id="{3CD436D8-7D4D-4EF5-A422-1316EE198FEC}"/>
+              </a:ext>
+            </a:extLst>
+          </p:cNvPr>
+          <p:cNvSpPr>
+            <a:spLocks noGrp="1"/>
+          </p:cNvSpPr>
+          <p:nvPr>
+            <p:ph sz="quarter" idx="32"/>
+          </p:nvPr>
+        </p:nvSpPr>
+        <p:spPr/>
+        <p:txBody>
+          <a:bodyPr/>
+          <a:lstStyle/>
+          <a:p>
+            <a:endParaRPr lang="en-US"/>
+          </a:p>
+        </p:txBody>
+      </p:sp>
+      <p:sp>
+        <p:nvSpPr>
+          <p:cNvPr id="5" name="Content Placeholder 4">
+            <a:extLst>
+              <a:ext uri="{FF2B5EF4-FFF2-40B4-BE49-F238E27FC236}">
+                <a16:creationId xmlns:a16="http://schemas.microsoft.com/office/drawing/2014/main" id="{692BAB18-9D35-4F20-ADBF-52FEF3FD09B1}"/>
+              </a:ext>
+            </a:extLst>
+          </p:cNvPr>
+          <p:cNvSpPr>
+            <a:spLocks noGrp="1"/>
+          </p:cNvSpPr>
+          <p:nvPr>
+            <p:ph sz="quarter" idx="33"/>
+          </p:nvPr>
+        </p:nvSpPr>
+        <p:spPr/>
+        <p:txBody>
+          <a:bodyPr/>
+          <a:lstStyle/>
+          <a:p>
+            <a:endParaRPr lang="en-US"/>
+          </a:p>
+        </p:txBody>
+      </p:sp>
+      <p:sp>
+        <p:nvSpPr>
+          <p:cNvPr id="6" name="Text Placeholder 5">
+            <a:extLst>
+              <a:ext uri="{FF2B5EF4-FFF2-40B4-BE49-F238E27FC236}">
+                <a16:creationId xmlns:a16="http://schemas.microsoft.com/office/drawing/2014/main" id="{ADFA8C7A-C176-400F-9015-D4B07271415F}"/>
+              </a:ext>
+            </a:extLst>
+          </p:cNvPr>
+          <p:cNvSpPr>
+            <a:spLocks noGrp="1"/>
+          </p:cNvSpPr>
+          <p:nvPr>
+            <p:ph type="body" sz="quarter" idx="11"/>
+          </p:nvPr>
+        </p:nvSpPr>
+        <p:spPr/>
+        <p:txBody>
+          <a:bodyPr/>
+          <a:lstStyle/>
+          <a:p>
+            <a:endParaRPr lang="en-US"/>
           </a:p>
         </p:txBody>
       </p:sp>
     </p:spTree>
     <p:extLst>
       <p:ext uri="{BB962C8B-B14F-4D97-AF65-F5344CB8AC3E}">
-        <p14:creationId xmlns:p14="http://schemas.microsoft.com/office/powerpoint/2010/main" val="3761016079"/>
+        <p14:creationId xmlns:p14="http://schemas.microsoft.com/office/powerpoint/2010/main" val="2652100609"/>
       </p:ext>
     </p:extLst>
   </p:cSld>
@@ -22209,10 +22998,28 @@
       </p:grpSpPr>
       <p:sp>
         <p:nvSpPr>
+          <p:cNvPr id="4" name="Picture Placeholder 3">
+            <a:extLst>
+              <a:ext uri="{FF2B5EF4-FFF2-40B4-BE49-F238E27FC236}">
+                <a16:creationId xmlns:a16="http://schemas.microsoft.com/office/drawing/2014/main" id="{2D0FA18A-C060-44D0-A78A-499609F35526}"/>
+              </a:ext>
+            </a:extLst>
+          </p:cNvPr>
+          <p:cNvSpPr>
+            <a:spLocks noGrp="1"/>
+          </p:cNvSpPr>
+          <p:nvPr>
+            <p:ph type="pic" sz="quarter" idx="12"/>
+          </p:nvPr>
+        </p:nvSpPr>
+        <p:spPr/>
+      </p:sp>
+      <p:sp>
+        <p:nvSpPr>
           <p:cNvPr id="2" name="Title 1">
             <a:extLst>
               <a:ext uri="{FF2B5EF4-FFF2-40B4-BE49-F238E27FC236}">
-                <a16:creationId xmlns:a16="http://schemas.microsoft.com/office/drawing/2014/main" id="{28D09562-4D8D-434E-AE6A-6CF89E6B1BBF}"/>
+                <a16:creationId xmlns:a16="http://schemas.microsoft.com/office/drawing/2014/main" id="{18E3FF96-F6BC-FA9E-B1F9-8B5A1806D770}"/>
               </a:ext>
             </a:extLst>
           </p:cNvPr>
@@ -22228,7 +23035,7 @@
           <a:bodyPr/>
           <a:lstStyle/>
           <a:p>
-            <a:endParaRPr lang="en-US"/>
+            <a:endParaRPr lang="en-VN"/>
           </a:p>
         </p:txBody>
       </p:sp>
@@ -22237,7 +23044,7 @@
           <p:cNvPr id="3" name="Text Placeholder 2">
             <a:extLst>
               <a:ext uri="{FF2B5EF4-FFF2-40B4-BE49-F238E27FC236}">
-                <a16:creationId xmlns:a16="http://schemas.microsoft.com/office/drawing/2014/main" id="{980004BA-4F47-4C5C-B300-EF35A2F015DB}"/>
+                <a16:creationId xmlns:a16="http://schemas.microsoft.com/office/drawing/2014/main" id="{9FCB6D2C-ECDD-3F01-95B5-5082FFC6BA9A}"/>
               </a:ext>
             </a:extLst>
           </p:cNvPr>
@@ -22253,14 +23060,14 @@
           <a:bodyPr/>
           <a:lstStyle/>
           <a:p>
-            <a:endParaRPr lang="en-US"/>
+            <a:endParaRPr lang="en-VN"/>
           </a:p>
         </p:txBody>
       </p:sp>
     </p:spTree>
     <p:extLst>
       <p:ext uri="{BB962C8B-B14F-4D97-AF65-F5344CB8AC3E}">
-        <p14:creationId xmlns:p14="http://schemas.microsoft.com/office/powerpoint/2010/main" val="182555956"/>
+        <p14:creationId xmlns:p14="http://schemas.microsoft.com/office/powerpoint/2010/main" val="1286007398"/>
       </p:ext>
     </p:extLst>
   </p:cSld>
@@ -22292,1159 +23099,6 @@
           <p:cNvPr id="2" name="Title 1">
             <a:extLst>
               <a:ext uri="{FF2B5EF4-FFF2-40B4-BE49-F238E27FC236}">
-                <a16:creationId xmlns:a16="http://schemas.microsoft.com/office/drawing/2014/main" id="{EFC68966-EC82-4EBE-A360-B61373EF9563}"/>
-              </a:ext>
-            </a:extLst>
-          </p:cNvPr>
-          <p:cNvSpPr>
-            <a:spLocks noGrp="1"/>
-          </p:cNvSpPr>
-          <p:nvPr>
-            <p:ph type="title"/>
-          </p:nvPr>
-        </p:nvSpPr>
-        <p:spPr/>
-        <p:txBody>
-          <a:bodyPr/>
-          <a:lstStyle/>
-          <a:p>
-            <a:endParaRPr lang="en-US"/>
-          </a:p>
-        </p:txBody>
-      </p:sp>
-      <p:sp>
-        <p:nvSpPr>
-          <p:cNvPr id="3" name="Text Placeholder 2">
-            <a:extLst>
-              <a:ext uri="{FF2B5EF4-FFF2-40B4-BE49-F238E27FC236}">
-                <a16:creationId xmlns:a16="http://schemas.microsoft.com/office/drawing/2014/main" id="{AEBA7786-79CA-4554-9CF2-A451454324BB}"/>
-              </a:ext>
-            </a:extLst>
-          </p:cNvPr>
-          <p:cNvSpPr>
-            <a:spLocks noGrp="1"/>
-          </p:cNvSpPr>
-          <p:nvPr>
-            <p:ph type="body" sz="quarter" idx="11"/>
-          </p:nvPr>
-        </p:nvSpPr>
-        <p:spPr/>
-        <p:txBody>
-          <a:bodyPr/>
-          <a:lstStyle/>
-          <a:p>
-            <a:endParaRPr lang="en-US"/>
-          </a:p>
-        </p:txBody>
-      </p:sp>
-      <p:sp>
-        <p:nvSpPr>
-          <p:cNvPr id="4" name="Text Placeholder 3">
-            <a:extLst>
-              <a:ext uri="{FF2B5EF4-FFF2-40B4-BE49-F238E27FC236}">
-                <a16:creationId xmlns:a16="http://schemas.microsoft.com/office/drawing/2014/main" id="{73B28B73-F67B-4BEB-BF7A-430F77A68426}"/>
-              </a:ext>
-            </a:extLst>
-          </p:cNvPr>
-          <p:cNvSpPr>
-            <a:spLocks noGrp="1"/>
-          </p:cNvSpPr>
-          <p:nvPr>
-            <p:ph type="body" sz="quarter" idx="12"/>
-          </p:nvPr>
-        </p:nvSpPr>
-        <p:spPr/>
-        <p:txBody>
-          <a:bodyPr/>
-          <a:lstStyle/>
-          <a:p>
-            <a:endParaRPr lang="en-US" dirty="0"/>
-          </a:p>
-        </p:txBody>
-      </p:sp>
-      <p:sp>
-        <p:nvSpPr>
-          <p:cNvPr id="5" name="Text Placeholder 4">
-            <a:extLst>
-              <a:ext uri="{FF2B5EF4-FFF2-40B4-BE49-F238E27FC236}">
-                <a16:creationId xmlns:a16="http://schemas.microsoft.com/office/drawing/2014/main" id="{CAC552F2-84DE-4F66-9D35-F9049CF74A37}"/>
-              </a:ext>
-            </a:extLst>
-          </p:cNvPr>
-          <p:cNvSpPr>
-            <a:spLocks noGrp="1"/>
-          </p:cNvSpPr>
-          <p:nvPr>
-            <p:ph type="body" sz="quarter" idx="13"/>
-          </p:nvPr>
-        </p:nvSpPr>
-        <p:spPr/>
-        <p:txBody>
-          <a:bodyPr/>
-          <a:lstStyle/>
-          <a:p>
-            <a:endParaRPr lang="en-US"/>
-          </a:p>
-        </p:txBody>
-      </p:sp>
-      <p:sp>
-        <p:nvSpPr>
-          <p:cNvPr id="6" name="Text Placeholder 5">
-            <a:extLst>
-              <a:ext uri="{FF2B5EF4-FFF2-40B4-BE49-F238E27FC236}">
-                <a16:creationId xmlns:a16="http://schemas.microsoft.com/office/drawing/2014/main" id="{09131319-4ACC-4039-837C-D028C1C14E51}"/>
-              </a:ext>
-            </a:extLst>
-          </p:cNvPr>
-          <p:cNvSpPr>
-            <a:spLocks noGrp="1"/>
-          </p:cNvSpPr>
-          <p:nvPr>
-            <p:ph type="body" sz="quarter" idx="14"/>
-          </p:nvPr>
-        </p:nvSpPr>
-        <p:spPr/>
-        <p:txBody>
-          <a:bodyPr/>
-          <a:lstStyle/>
-          <a:p>
-            <a:endParaRPr lang="en-US"/>
-          </a:p>
-        </p:txBody>
-      </p:sp>
-    </p:spTree>
-    <p:extLst>
-      <p:ext uri="{BB962C8B-B14F-4D97-AF65-F5344CB8AC3E}">
-        <p14:creationId xmlns:p14="http://schemas.microsoft.com/office/powerpoint/2010/main" val="3393221177"/>
-      </p:ext>
-    </p:extLst>
-  </p:cSld>
-  <p:clrMapOvr>
-    <a:masterClrMapping/>
-  </p:clrMapOvr>
-</p:sld>
-</file>
-
-<file path=ppt/slides/slide19.xml><?xml version="1.0" encoding="utf-8"?>
-<p:sld xmlns:a="http://schemas.openxmlformats.org/drawingml/2006/main" xmlns:r="http://schemas.openxmlformats.org/officeDocument/2006/relationships" xmlns:p="http://schemas.openxmlformats.org/presentationml/2006/main">
-  <p:cSld>
-    <p:spTree>
-      <p:nvGrpSpPr>
-        <p:cNvPr id="1" name=""/>
-        <p:cNvGrpSpPr/>
-        <p:nvPr/>
-      </p:nvGrpSpPr>
-      <p:grpSpPr>
-        <a:xfrm>
-          <a:off x="0" y="0"/>
-          <a:ext cx="0" cy="0"/>
-          <a:chOff x="0" y="0"/>
-          <a:chExt cx="0" cy="0"/>
-        </a:xfrm>
-      </p:grpSpPr>
-      <p:sp>
-        <p:nvSpPr>
-          <p:cNvPr id="21" name="Text Placeholder 20">
-            <a:extLst>
-              <a:ext uri="{FF2B5EF4-FFF2-40B4-BE49-F238E27FC236}">
-                <a16:creationId xmlns:a16="http://schemas.microsoft.com/office/drawing/2014/main" id="{298B0FBD-C0D1-43DC-B3C9-A67B80142359}"/>
-              </a:ext>
-            </a:extLst>
-          </p:cNvPr>
-          <p:cNvSpPr>
-            <a:spLocks noGrp="1"/>
-          </p:cNvSpPr>
-          <p:nvPr>
-            <p:ph type="body" sz="quarter" idx="33"/>
-          </p:nvPr>
-        </p:nvSpPr>
-        <p:spPr/>
-        <p:txBody>
-          <a:bodyPr/>
-          <a:lstStyle/>
-          <a:p>
-            <a:endParaRPr lang="en-US"/>
-          </a:p>
-        </p:txBody>
-      </p:sp>
-      <p:sp>
-        <p:nvSpPr>
-          <p:cNvPr id="20" name="Text Placeholder 19">
-            <a:extLst>
-              <a:ext uri="{FF2B5EF4-FFF2-40B4-BE49-F238E27FC236}">
-                <a16:creationId xmlns:a16="http://schemas.microsoft.com/office/drawing/2014/main" id="{4991CF96-2D23-4A3A-A301-3F80CABE2CAD}"/>
-              </a:ext>
-            </a:extLst>
-          </p:cNvPr>
-          <p:cNvSpPr>
-            <a:spLocks noGrp="1"/>
-          </p:cNvSpPr>
-          <p:nvPr>
-            <p:ph type="body" sz="quarter" idx="32"/>
-          </p:nvPr>
-        </p:nvSpPr>
-        <p:spPr/>
-        <p:txBody>
-          <a:bodyPr/>
-          <a:lstStyle/>
-          <a:p>
-            <a:endParaRPr lang="en-US"/>
-          </a:p>
-        </p:txBody>
-      </p:sp>
-      <p:sp>
-        <p:nvSpPr>
-          <p:cNvPr id="13" name="Text Placeholder 12">
-            <a:extLst>
-              <a:ext uri="{FF2B5EF4-FFF2-40B4-BE49-F238E27FC236}">
-                <a16:creationId xmlns:a16="http://schemas.microsoft.com/office/drawing/2014/main" id="{21FBB662-7727-4B33-9743-54F7C036D5B6}"/>
-              </a:ext>
-            </a:extLst>
-          </p:cNvPr>
-          <p:cNvSpPr>
-            <a:spLocks noGrp="1"/>
-          </p:cNvSpPr>
-          <p:nvPr>
-            <p:ph type="body" sz="quarter" idx="11"/>
-          </p:nvPr>
-        </p:nvSpPr>
-        <p:spPr/>
-        <p:txBody>
-          <a:bodyPr/>
-          <a:lstStyle/>
-          <a:p>
-            <a:endParaRPr lang="en-US" dirty="0"/>
-          </a:p>
-        </p:txBody>
-      </p:sp>
-      <p:sp>
-        <p:nvSpPr>
-          <p:cNvPr id="14" name="Text Placeholder 13">
-            <a:extLst>
-              <a:ext uri="{FF2B5EF4-FFF2-40B4-BE49-F238E27FC236}">
-                <a16:creationId xmlns:a16="http://schemas.microsoft.com/office/drawing/2014/main" id="{A688FAC3-289D-44D2-97FE-2AE4A0EE0C15}"/>
-              </a:ext>
-            </a:extLst>
-          </p:cNvPr>
-          <p:cNvSpPr>
-            <a:spLocks noGrp="1"/>
-          </p:cNvSpPr>
-          <p:nvPr>
-            <p:ph type="body" sz="quarter" idx="15"/>
-          </p:nvPr>
-        </p:nvSpPr>
-        <p:spPr/>
-        <p:txBody>
-          <a:bodyPr/>
-          <a:lstStyle/>
-          <a:p>
-            <a:endParaRPr lang="en-US" dirty="0"/>
-          </a:p>
-        </p:txBody>
-      </p:sp>
-      <p:sp>
-        <p:nvSpPr>
-          <p:cNvPr id="15" name="Text Placeholder 14">
-            <a:extLst>
-              <a:ext uri="{FF2B5EF4-FFF2-40B4-BE49-F238E27FC236}">
-                <a16:creationId xmlns:a16="http://schemas.microsoft.com/office/drawing/2014/main" id="{EB679E57-8C4D-4108-ACD5-B79F8140B284}"/>
-              </a:ext>
-            </a:extLst>
-          </p:cNvPr>
-          <p:cNvSpPr>
-            <a:spLocks noGrp="1"/>
-          </p:cNvSpPr>
-          <p:nvPr>
-            <p:ph type="body" sz="quarter" idx="16"/>
-          </p:nvPr>
-        </p:nvSpPr>
-        <p:spPr/>
-        <p:txBody>
-          <a:bodyPr/>
-          <a:lstStyle/>
-          <a:p>
-            <a:endParaRPr lang="en-US"/>
-          </a:p>
-        </p:txBody>
-      </p:sp>
-      <p:sp>
-        <p:nvSpPr>
-          <p:cNvPr id="16" name="Text Placeholder 15">
-            <a:extLst>
-              <a:ext uri="{FF2B5EF4-FFF2-40B4-BE49-F238E27FC236}">
-                <a16:creationId xmlns:a16="http://schemas.microsoft.com/office/drawing/2014/main" id="{1691D3A6-3413-4367-854A-629E2AA051C5}"/>
-              </a:ext>
-            </a:extLst>
-          </p:cNvPr>
-          <p:cNvSpPr>
-            <a:spLocks noGrp="1"/>
-          </p:cNvSpPr>
-          <p:nvPr>
-            <p:ph type="body" sz="quarter" idx="17"/>
-          </p:nvPr>
-        </p:nvSpPr>
-        <p:spPr/>
-        <p:txBody>
-          <a:bodyPr/>
-          <a:lstStyle/>
-          <a:p>
-            <a:endParaRPr lang="en-US" dirty="0"/>
-          </a:p>
-        </p:txBody>
-      </p:sp>
-      <p:sp>
-        <p:nvSpPr>
-          <p:cNvPr id="17" name="Text Placeholder 16">
-            <a:extLst>
-              <a:ext uri="{FF2B5EF4-FFF2-40B4-BE49-F238E27FC236}">
-                <a16:creationId xmlns:a16="http://schemas.microsoft.com/office/drawing/2014/main" id="{1FE2996A-77E3-4BC2-B936-5977AC595307}"/>
-              </a:ext>
-            </a:extLst>
-          </p:cNvPr>
-          <p:cNvSpPr>
-            <a:spLocks noGrp="1"/>
-          </p:cNvSpPr>
-          <p:nvPr>
-            <p:ph type="body" sz="quarter" idx="29"/>
-          </p:nvPr>
-        </p:nvSpPr>
-        <p:spPr/>
-        <p:txBody>
-          <a:bodyPr/>
-          <a:lstStyle/>
-          <a:p>
-            <a:endParaRPr lang="en-US" dirty="0"/>
-          </a:p>
-        </p:txBody>
-      </p:sp>
-      <p:sp>
-        <p:nvSpPr>
-          <p:cNvPr id="18" name="Text Placeholder 17">
-            <a:extLst>
-              <a:ext uri="{FF2B5EF4-FFF2-40B4-BE49-F238E27FC236}">
-                <a16:creationId xmlns:a16="http://schemas.microsoft.com/office/drawing/2014/main" id="{20E99235-C9AC-4256-9B44-D04C8767FA4B}"/>
-              </a:ext>
-            </a:extLst>
-          </p:cNvPr>
-          <p:cNvSpPr>
-            <a:spLocks noGrp="1"/>
-          </p:cNvSpPr>
-          <p:nvPr>
-            <p:ph type="body" sz="quarter" idx="30"/>
-          </p:nvPr>
-        </p:nvSpPr>
-        <p:spPr/>
-        <p:txBody>
-          <a:bodyPr/>
-          <a:lstStyle/>
-          <a:p>
-            <a:endParaRPr lang="en-US" dirty="0"/>
-          </a:p>
-        </p:txBody>
-      </p:sp>
-      <p:sp>
-        <p:nvSpPr>
-          <p:cNvPr id="19" name="Text Placeholder 18">
-            <a:extLst>
-              <a:ext uri="{FF2B5EF4-FFF2-40B4-BE49-F238E27FC236}">
-                <a16:creationId xmlns:a16="http://schemas.microsoft.com/office/drawing/2014/main" id="{B6FF0A6F-3A1A-4B3A-843C-A77CC12E40BE}"/>
-              </a:ext>
-            </a:extLst>
-          </p:cNvPr>
-          <p:cNvSpPr>
-            <a:spLocks noGrp="1"/>
-          </p:cNvSpPr>
-          <p:nvPr>
-            <p:ph type="body" sz="quarter" idx="31"/>
-          </p:nvPr>
-        </p:nvSpPr>
-        <p:spPr/>
-        <p:txBody>
-          <a:bodyPr/>
-          <a:lstStyle/>
-          <a:p>
-            <a:endParaRPr lang="en-US"/>
-          </a:p>
-        </p:txBody>
-      </p:sp>
-      <p:sp>
-        <p:nvSpPr>
-          <p:cNvPr id="12" name="Title 11">
-            <a:extLst>
-              <a:ext uri="{FF2B5EF4-FFF2-40B4-BE49-F238E27FC236}">
-                <a16:creationId xmlns:a16="http://schemas.microsoft.com/office/drawing/2014/main" id="{12720679-AB4A-4CFF-978C-EF89140DD20A}"/>
-              </a:ext>
-            </a:extLst>
-          </p:cNvPr>
-          <p:cNvSpPr>
-            <a:spLocks noGrp="1"/>
-          </p:cNvSpPr>
-          <p:nvPr>
-            <p:ph type="title"/>
-          </p:nvPr>
-        </p:nvSpPr>
-        <p:spPr/>
-        <p:txBody>
-          <a:bodyPr/>
-          <a:lstStyle/>
-          <a:p>
-            <a:endParaRPr lang="en-US"/>
-          </a:p>
-        </p:txBody>
-      </p:sp>
-    </p:spTree>
-    <p:extLst>
-      <p:ext uri="{BB962C8B-B14F-4D97-AF65-F5344CB8AC3E}">
-        <p14:creationId xmlns:p14="http://schemas.microsoft.com/office/powerpoint/2010/main" val="2718608"/>
-      </p:ext>
-    </p:extLst>
-  </p:cSld>
-  <p:clrMapOvr>
-    <a:masterClrMapping/>
-  </p:clrMapOvr>
-</p:sld>
-</file>
-
-<file path=ppt/slides/slide2.xml><?xml version="1.0" encoding="utf-8"?>
-<p:sld xmlns:a="http://schemas.openxmlformats.org/drawingml/2006/main" xmlns:r="http://schemas.openxmlformats.org/officeDocument/2006/relationships" xmlns:p="http://schemas.openxmlformats.org/presentationml/2006/main">
-  <p:cSld>
-    <p:spTree>
-      <p:nvGrpSpPr>
-        <p:cNvPr id="1" name=""/>
-        <p:cNvGrpSpPr/>
-        <p:nvPr/>
-      </p:nvGrpSpPr>
-      <p:grpSpPr>
-        <a:xfrm>
-          <a:off x="0" y="0"/>
-          <a:ext cx="0" cy="0"/>
-          <a:chOff x="0" y="0"/>
-          <a:chExt cx="0" cy="0"/>
-        </a:xfrm>
-      </p:grpSpPr>
-      <p:sp>
-        <p:nvSpPr>
-          <p:cNvPr id="2" name="Subtitle 1">
-            <a:extLst>
-              <a:ext uri="{FF2B5EF4-FFF2-40B4-BE49-F238E27FC236}">
-                <a16:creationId xmlns:a16="http://schemas.microsoft.com/office/drawing/2014/main" id="{BBB6FA2B-BAE5-4D18-85FC-C98453E50232}"/>
-              </a:ext>
-            </a:extLst>
-          </p:cNvPr>
-          <p:cNvSpPr>
-            <a:spLocks noGrp="1"/>
-          </p:cNvSpPr>
-          <p:nvPr>
-            <p:ph type="subTitle" idx="1"/>
-          </p:nvPr>
-        </p:nvSpPr>
-        <p:spPr/>
-        <p:txBody>
-          <a:bodyPr>
-            <a:normAutofit lnSpcReduction="10000"/>
-          </a:bodyPr>
-          <a:lstStyle/>
-          <a:p>
-            <a:endParaRPr lang="en-US"/>
-          </a:p>
-        </p:txBody>
-      </p:sp>
-      <p:sp>
-        <p:nvSpPr>
-          <p:cNvPr id="3" name="Title 2">
-            <a:extLst>
-              <a:ext uri="{FF2B5EF4-FFF2-40B4-BE49-F238E27FC236}">
-                <a16:creationId xmlns:a16="http://schemas.microsoft.com/office/drawing/2014/main" id="{DBF9234A-044A-4AA1-860A-D7346FACC7D5}"/>
-              </a:ext>
-            </a:extLst>
-          </p:cNvPr>
-          <p:cNvSpPr>
-            <a:spLocks noGrp="1"/>
-          </p:cNvSpPr>
-          <p:nvPr>
-            <p:ph type="ctrTitle"/>
-          </p:nvPr>
-        </p:nvSpPr>
-        <p:spPr/>
-        <p:txBody>
-          <a:bodyPr/>
-          <a:lstStyle/>
-          <a:p>
-            <a:r>
-              <a:rPr lang="en-US" b="0" dirty="0"/>
-              <a:t>Title of the </a:t>
-            </a:r>
-            <a:br>
-              <a:rPr lang="en-US" b="0" dirty="0"/>
-            </a:br>
-            <a:r>
-              <a:rPr lang="en-US" dirty="0"/>
-              <a:t>presentation (style 2)</a:t>
-            </a:r>
-          </a:p>
-        </p:txBody>
-      </p:sp>
-      <p:sp>
-        <p:nvSpPr>
-          <p:cNvPr id="4" name="Text Placeholder 3">
-            <a:extLst>
-              <a:ext uri="{FF2B5EF4-FFF2-40B4-BE49-F238E27FC236}">
-                <a16:creationId xmlns:a16="http://schemas.microsoft.com/office/drawing/2014/main" id="{365CCE0D-B5F0-459E-8412-CA125D8388CA}"/>
-              </a:ext>
-            </a:extLst>
-          </p:cNvPr>
-          <p:cNvSpPr>
-            <a:spLocks noGrp="1"/>
-          </p:cNvSpPr>
-          <p:nvPr>
-            <p:ph type="body" sz="quarter" idx="11"/>
-          </p:nvPr>
-        </p:nvSpPr>
-        <p:spPr/>
-        <p:txBody>
-          <a:bodyPr/>
-          <a:lstStyle/>
-          <a:p>
-            <a:endParaRPr lang="en-US"/>
-          </a:p>
-        </p:txBody>
-      </p:sp>
-    </p:spTree>
-    <p:extLst>
-      <p:ext uri="{BB962C8B-B14F-4D97-AF65-F5344CB8AC3E}">
-        <p14:creationId xmlns:p14="http://schemas.microsoft.com/office/powerpoint/2010/main" val="1031026826"/>
-      </p:ext>
-    </p:extLst>
-  </p:cSld>
-  <p:clrMapOvr>
-    <a:masterClrMapping/>
-  </p:clrMapOvr>
-</p:sld>
-</file>
-
-<file path=ppt/slides/slide20.xml><?xml version="1.0" encoding="utf-8"?>
-<p:sld xmlns:a="http://schemas.openxmlformats.org/drawingml/2006/main" xmlns:r="http://schemas.openxmlformats.org/officeDocument/2006/relationships" xmlns:p="http://schemas.openxmlformats.org/presentationml/2006/main">
-  <p:cSld>
-    <p:spTree>
-      <p:nvGrpSpPr>
-        <p:cNvPr id="1" name=""/>
-        <p:cNvGrpSpPr/>
-        <p:nvPr/>
-      </p:nvGrpSpPr>
-      <p:grpSpPr>
-        <a:xfrm>
-          <a:off x="0" y="0"/>
-          <a:ext cx="0" cy="0"/>
-          <a:chOff x="0" y="0"/>
-          <a:chExt cx="0" cy="0"/>
-        </a:xfrm>
-      </p:grpSpPr>
-      <p:sp>
-        <p:nvSpPr>
-          <p:cNvPr id="2" name="Title 1">
-            <a:extLst>
-              <a:ext uri="{FF2B5EF4-FFF2-40B4-BE49-F238E27FC236}">
-                <a16:creationId xmlns:a16="http://schemas.microsoft.com/office/drawing/2014/main" id="{7D9B6B58-E11F-49DC-ACA2-203F33EAA2B0}"/>
-              </a:ext>
-            </a:extLst>
-          </p:cNvPr>
-          <p:cNvSpPr>
-            <a:spLocks noGrp="1"/>
-          </p:cNvSpPr>
-          <p:nvPr>
-            <p:ph type="title"/>
-          </p:nvPr>
-        </p:nvSpPr>
-        <p:spPr/>
-        <p:txBody>
-          <a:bodyPr/>
-          <a:lstStyle/>
-          <a:p>
-            <a:endParaRPr lang="en-US"/>
-          </a:p>
-        </p:txBody>
-      </p:sp>
-      <p:sp>
-        <p:nvSpPr>
-          <p:cNvPr id="3" name="Text Placeholder 2">
-            <a:extLst>
-              <a:ext uri="{FF2B5EF4-FFF2-40B4-BE49-F238E27FC236}">
-                <a16:creationId xmlns:a16="http://schemas.microsoft.com/office/drawing/2014/main" id="{CD5995B8-0D23-48AA-BD6D-B64F2188B310}"/>
-              </a:ext>
-            </a:extLst>
-          </p:cNvPr>
-          <p:cNvSpPr>
-            <a:spLocks noGrp="1"/>
-          </p:cNvSpPr>
-          <p:nvPr>
-            <p:ph type="body" sz="quarter" idx="4294967295"/>
-          </p:nvPr>
-        </p:nvSpPr>
-        <p:spPr>
-          <a:xfrm>
-            <a:off x="838404" y="1884792"/>
-            <a:ext cx="5095865" cy="4284662"/>
-          </a:xfrm>
-        </p:spPr>
-        <p:txBody>
-          <a:bodyPr/>
-          <a:lstStyle/>
-          <a:p>
-            <a:endParaRPr lang="en-US" dirty="0"/>
-          </a:p>
-        </p:txBody>
-      </p:sp>
-      <p:sp>
-        <p:nvSpPr>
-          <p:cNvPr id="4" name="Text Placeholder 3">
-            <a:extLst>
-              <a:ext uri="{FF2B5EF4-FFF2-40B4-BE49-F238E27FC236}">
-                <a16:creationId xmlns:a16="http://schemas.microsoft.com/office/drawing/2014/main" id="{A04201A3-D506-4ED4-A2B0-FDBEFE6A8B79}"/>
-              </a:ext>
-            </a:extLst>
-          </p:cNvPr>
-          <p:cNvSpPr>
-            <a:spLocks noGrp="1"/>
-          </p:cNvSpPr>
-          <p:nvPr>
-            <p:ph type="body" sz="quarter" idx="4294967295"/>
-          </p:nvPr>
-        </p:nvSpPr>
-        <p:spPr>
-          <a:xfrm>
-            <a:off x="838200" y="1335155"/>
-            <a:ext cx="5096069" cy="485775"/>
-          </a:xfrm>
-        </p:spPr>
-        <p:txBody>
-          <a:bodyPr/>
-          <a:lstStyle/>
-          <a:p>
-            <a:endParaRPr lang="en-US"/>
-          </a:p>
-        </p:txBody>
-      </p:sp>
-      <p:sp>
-        <p:nvSpPr>
-          <p:cNvPr id="5" name="Picture Placeholder 4">
-            <a:extLst>
-              <a:ext uri="{FF2B5EF4-FFF2-40B4-BE49-F238E27FC236}">
-                <a16:creationId xmlns:a16="http://schemas.microsoft.com/office/drawing/2014/main" id="{164EC44E-2CB0-4003-BF8E-A93E5CD364CD}"/>
-              </a:ext>
-            </a:extLst>
-          </p:cNvPr>
-          <p:cNvSpPr>
-            <a:spLocks noGrp="1"/>
-          </p:cNvSpPr>
-          <p:nvPr>
-            <p:ph type="pic" sz="quarter" idx="13"/>
-          </p:nvPr>
-        </p:nvSpPr>
-        <p:spPr/>
-      </p:sp>
-    </p:spTree>
-    <p:extLst>
-      <p:ext uri="{BB962C8B-B14F-4D97-AF65-F5344CB8AC3E}">
-        <p14:creationId xmlns:p14="http://schemas.microsoft.com/office/powerpoint/2010/main" val="323650388"/>
-      </p:ext>
-    </p:extLst>
-  </p:cSld>
-  <p:clrMapOvr>
-    <a:masterClrMapping/>
-  </p:clrMapOvr>
-</p:sld>
-</file>
-
-<file path=ppt/slides/slide21.xml><?xml version="1.0" encoding="utf-8"?>
-<p:sld xmlns:a="http://schemas.openxmlformats.org/drawingml/2006/main" xmlns:r="http://schemas.openxmlformats.org/officeDocument/2006/relationships" xmlns:p="http://schemas.openxmlformats.org/presentationml/2006/main">
-  <p:cSld>
-    <p:spTree>
-      <p:nvGrpSpPr>
-        <p:cNvPr id="1" name=""/>
-        <p:cNvGrpSpPr/>
-        <p:nvPr/>
-      </p:nvGrpSpPr>
-      <p:grpSpPr>
-        <a:xfrm>
-          <a:off x="0" y="0"/>
-          <a:ext cx="0" cy="0"/>
-          <a:chOff x="0" y="0"/>
-          <a:chExt cx="0" cy="0"/>
-        </a:xfrm>
-      </p:grpSpPr>
-      <p:sp>
-        <p:nvSpPr>
-          <p:cNvPr id="2" name="Title 1">
-            <a:extLst>
-              <a:ext uri="{FF2B5EF4-FFF2-40B4-BE49-F238E27FC236}">
-                <a16:creationId xmlns:a16="http://schemas.microsoft.com/office/drawing/2014/main" id="{0D8AEE0D-F00D-4950-A326-FD0FD0D41D3C}"/>
-              </a:ext>
-            </a:extLst>
-          </p:cNvPr>
-          <p:cNvSpPr>
-            <a:spLocks noGrp="1"/>
-          </p:cNvSpPr>
-          <p:nvPr>
-            <p:ph type="title"/>
-          </p:nvPr>
-        </p:nvSpPr>
-        <p:spPr/>
-        <p:txBody>
-          <a:bodyPr/>
-          <a:lstStyle/>
-          <a:p>
-            <a:endParaRPr lang="en-US"/>
-          </a:p>
-        </p:txBody>
-      </p:sp>
-      <p:sp>
-        <p:nvSpPr>
-          <p:cNvPr id="3" name="Content Placeholder 2">
-            <a:extLst>
-              <a:ext uri="{FF2B5EF4-FFF2-40B4-BE49-F238E27FC236}">
-                <a16:creationId xmlns:a16="http://schemas.microsoft.com/office/drawing/2014/main" id="{C9833756-0A74-4D3B-B713-CFEC9081F38D}"/>
-              </a:ext>
-            </a:extLst>
-          </p:cNvPr>
-          <p:cNvSpPr>
-            <a:spLocks noGrp="1"/>
-          </p:cNvSpPr>
-          <p:nvPr>
-            <p:ph sz="quarter" idx="30"/>
-          </p:nvPr>
-        </p:nvSpPr>
-        <p:spPr/>
-        <p:txBody>
-          <a:bodyPr/>
-          <a:lstStyle/>
-          <a:p>
-            <a:endParaRPr lang="en-US"/>
-          </a:p>
-        </p:txBody>
-      </p:sp>
-      <p:sp>
-        <p:nvSpPr>
-          <p:cNvPr id="4" name="Content Placeholder 3">
-            <a:extLst>
-              <a:ext uri="{FF2B5EF4-FFF2-40B4-BE49-F238E27FC236}">
-                <a16:creationId xmlns:a16="http://schemas.microsoft.com/office/drawing/2014/main" id="{B49B0746-25AD-4C88-A3C9-31D7CC088B96}"/>
-              </a:ext>
-            </a:extLst>
-          </p:cNvPr>
-          <p:cNvSpPr>
-            <a:spLocks noGrp="1"/>
-          </p:cNvSpPr>
-          <p:nvPr>
-            <p:ph sz="quarter" idx="34"/>
-          </p:nvPr>
-        </p:nvSpPr>
-        <p:spPr/>
-        <p:txBody>
-          <a:bodyPr/>
-          <a:lstStyle/>
-          <a:p>
-            <a:endParaRPr lang="en-US"/>
-          </a:p>
-        </p:txBody>
-      </p:sp>
-      <p:sp>
-        <p:nvSpPr>
-          <p:cNvPr id="5" name="Content Placeholder 4">
-            <a:extLst>
-              <a:ext uri="{FF2B5EF4-FFF2-40B4-BE49-F238E27FC236}">
-                <a16:creationId xmlns:a16="http://schemas.microsoft.com/office/drawing/2014/main" id="{58F1B4CB-263A-433B-8503-C237E15DF3B0}"/>
-              </a:ext>
-            </a:extLst>
-          </p:cNvPr>
-          <p:cNvSpPr>
-            <a:spLocks noGrp="1"/>
-          </p:cNvSpPr>
-          <p:nvPr>
-            <p:ph sz="quarter" idx="35"/>
-          </p:nvPr>
-        </p:nvSpPr>
-        <p:spPr/>
-        <p:txBody>
-          <a:bodyPr/>
-          <a:lstStyle/>
-          <a:p>
-            <a:endParaRPr lang="en-US"/>
-          </a:p>
-        </p:txBody>
-      </p:sp>
-      <p:sp>
-        <p:nvSpPr>
-          <p:cNvPr id="6" name="Content Placeholder 5">
-            <a:extLst>
-              <a:ext uri="{FF2B5EF4-FFF2-40B4-BE49-F238E27FC236}">
-                <a16:creationId xmlns:a16="http://schemas.microsoft.com/office/drawing/2014/main" id="{A885582D-F0F1-4A10-98B1-9DA443B5C9A0}"/>
-              </a:ext>
-            </a:extLst>
-          </p:cNvPr>
-          <p:cNvSpPr>
-            <a:spLocks noGrp="1"/>
-          </p:cNvSpPr>
-          <p:nvPr>
-            <p:ph sz="quarter" idx="36"/>
-          </p:nvPr>
-        </p:nvSpPr>
-        <p:spPr/>
-        <p:txBody>
-          <a:bodyPr/>
-          <a:lstStyle/>
-          <a:p>
-            <a:endParaRPr lang="en-US"/>
-          </a:p>
-        </p:txBody>
-      </p:sp>
-      <p:sp>
-        <p:nvSpPr>
-          <p:cNvPr id="7" name="Text Placeholder 6">
-            <a:extLst>
-              <a:ext uri="{FF2B5EF4-FFF2-40B4-BE49-F238E27FC236}">
-                <a16:creationId xmlns:a16="http://schemas.microsoft.com/office/drawing/2014/main" id="{5B072338-30C6-4998-8F55-417653056214}"/>
-              </a:ext>
-            </a:extLst>
-          </p:cNvPr>
-          <p:cNvSpPr>
-            <a:spLocks noGrp="1"/>
-          </p:cNvSpPr>
-          <p:nvPr>
-            <p:ph type="body" sz="quarter" idx="4294967295"/>
-          </p:nvPr>
-        </p:nvSpPr>
-        <p:spPr>
-          <a:xfrm>
-            <a:off x="838404" y="1885497"/>
-            <a:ext cx="3242106" cy="4300700"/>
-          </a:xfrm>
-        </p:spPr>
-        <p:txBody>
-          <a:bodyPr/>
-          <a:lstStyle/>
-          <a:p>
-            <a:endParaRPr lang="en-US"/>
-          </a:p>
-        </p:txBody>
-      </p:sp>
-      <p:sp>
-        <p:nvSpPr>
-          <p:cNvPr id="8" name="Text Placeholder 7">
-            <a:extLst>
-              <a:ext uri="{FF2B5EF4-FFF2-40B4-BE49-F238E27FC236}">
-                <a16:creationId xmlns:a16="http://schemas.microsoft.com/office/drawing/2014/main" id="{D5EF221B-20C9-43F9-B095-0BD2ED9C19B8}"/>
-              </a:ext>
-            </a:extLst>
-          </p:cNvPr>
-          <p:cNvSpPr>
-            <a:spLocks noGrp="1"/>
-          </p:cNvSpPr>
-          <p:nvPr>
-            <p:ph type="body" sz="quarter" idx="4294967295"/>
-          </p:nvPr>
-        </p:nvSpPr>
-        <p:spPr>
-          <a:xfrm>
-            <a:off x="838200" y="1399721"/>
-            <a:ext cx="3242107" cy="485775"/>
-          </a:xfrm>
-        </p:spPr>
-        <p:txBody>
-          <a:bodyPr/>
-          <a:lstStyle/>
-          <a:p>
-            <a:endParaRPr lang="en-US" dirty="0"/>
-          </a:p>
-        </p:txBody>
-      </p:sp>
-    </p:spTree>
-    <p:extLst>
-      <p:ext uri="{BB962C8B-B14F-4D97-AF65-F5344CB8AC3E}">
-        <p14:creationId xmlns:p14="http://schemas.microsoft.com/office/powerpoint/2010/main" val="1989867194"/>
-      </p:ext>
-    </p:extLst>
-  </p:cSld>
-  <p:clrMapOvr>
-    <a:masterClrMapping/>
-  </p:clrMapOvr>
-</p:sld>
-</file>
-
-<file path=ppt/slides/slide22.xml><?xml version="1.0" encoding="utf-8"?>
-<p:sld xmlns:a="http://schemas.openxmlformats.org/drawingml/2006/main" xmlns:r="http://schemas.openxmlformats.org/officeDocument/2006/relationships" xmlns:p="http://schemas.openxmlformats.org/presentationml/2006/main">
-  <p:cSld>
-    <p:spTree>
-      <p:nvGrpSpPr>
-        <p:cNvPr id="1" name=""/>
-        <p:cNvGrpSpPr/>
-        <p:nvPr/>
-      </p:nvGrpSpPr>
-      <p:grpSpPr>
-        <a:xfrm>
-          <a:off x="0" y="0"/>
-          <a:ext cx="0" cy="0"/>
-          <a:chOff x="0" y="0"/>
-          <a:chExt cx="0" cy="0"/>
-        </a:xfrm>
-      </p:grpSpPr>
-      <p:sp>
-        <p:nvSpPr>
-          <p:cNvPr id="2" name="Title 1">
-            <a:extLst>
-              <a:ext uri="{FF2B5EF4-FFF2-40B4-BE49-F238E27FC236}">
-                <a16:creationId xmlns:a16="http://schemas.microsoft.com/office/drawing/2014/main" id="{B84CD52F-B8B2-4079-9448-46190F5638AD}"/>
-              </a:ext>
-            </a:extLst>
-          </p:cNvPr>
-          <p:cNvSpPr>
-            <a:spLocks noGrp="1"/>
-          </p:cNvSpPr>
-          <p:nvPr>
-            <p:ph type="title"/>
-          </p:nvPr>
-        </p:nvSpPr>
-        <p:spPr/>
-        <p:txBody>
-          <a:bodyPr/>
-          <a:lstStyle/>
-          <a:p>
-            <a:endParaRPr lang="en-US"/>
-          </a:p>
-        </p:txBody>
-      </p:sp>
-      <p:sp>
-        <p:nvSpPr>
-          <p:cNvPr id="3" name="Content Placeholder 2">
-            <a:extLst>
-              <a:ext uri="{FF2B5EF4-FFF2-40B4-BE49-F238E27FC236}">
-                <a16:creationId xmlns:a16="http://schemas.microsoft.com/office/drawing/2014/main" id="{6D84D892-8167-41D2-AEB6-D25043E2B804}"/>
-              </a:ext>
-            </a:extLst>
-          </p:cNvPr>
-          <p:cNvSpPr>
-            <a:spLocks noGrp="1"/>
-          </p:cNvSpPr>
-          <p:nvPr>
-            <p:ph sz="quarter" idx="30"/>
-          </p:nvPr>
-        </p:nvSpPr>
-        <p:spPr/>
-        <p:txBody>
-          <a:bodyPr/>
-          <a:lstStyle/>
-          <a:p>
-            <a:endParaRPr lang="en-US"/>
-          </a:p>
-        </p:txBody>
-      </p:sp>
-      <p:sp>
-        <p:nvSpPr>
-          <p:cNvPr id="4" name="Content Placeholder 3">
-            <a:extLst>
-              <a:ext uri="{FF2B5EF4-FFF2-40B4-BE49-F238E27FC236}">
-                <a16:creationId xmlns:a16="http://schemas.microsoft.com/office/drawing/2014/main" id="{3CD436D8-7D4D-4EF5-A422-1316EE198FEC}"/>
-              </a:ext>
-            </a:extLst>
-          </p:cNvPr>
-          <p:cNvSpPr>
-            <a:spLocks noGrp="1"/>
-          </p:cNvSpPr>
-          <p:nvPr>
-            <p:ph sz="quarter" idx="32"/>
-          </p:nvPr>
-        </p:nvSpPr>
-        <p:spPr/>
-        <p:txBody>
-          <a:bodyPr/>
-          <a:lstStyle/>
-          <a:p>
-            <a:endParaRPr lang="en-US"/>
-          </a:p>
-        </p:txBody>
-      </p:sp>
-      <p:sp>
-        <p:nvSpPr>
-          <p:cNvPr id="5" name="Content Placeholder 4">
-            <a:extLst>
-              <a:ext uri="{FF2B5EF4-FFF2-40B4-BE49-F238E27FC236}">
-                <a16:creationId xmlns:a16="http://schemas.microsoft.com/office/drawing/2014/main" id="{692BAB18-9D35-4F20-ADBF-52FEF3FD09B1}"/>
-              </a:ext>
-            </a:extLst>
-          </p:cNvPr>
-          <p:cNvSpPr>
-            <a:spLocks noGrp="1"/>
-          </p:cNvSpPr>
-          <p:nvPr>
-            <p:ph sz="quarter" idx="33"/>
-          </p:nvPr>
-        </p:nvSpPr>
-        <p:spPr/>
-        <p:txBody>
-          <a:bodyPr/>
-          <a:lstStyle/>
-          <a:p>
-            <a:endParaRPr lang="en-US"/>
-          </a:p>
-        </p:txBody>
-      </p:sp>
-      <p:sp>
-        <p:nvSpPr>
-          <p:cNvPr id="6" name="Text Placeholder 5">
-            <a:extLst>
-              <a:ext uri="{FF2B5EF4-FFF2-40B4-BE49-F238E27FC236}">
-                <a16:creationId xmlns:a16="http://schemas.microsoft.com/office/drawing/2014/main" id="{ADFA8C7A-C176-400F-9015-D4B07271415F}"/>
-              </a:ext>
-            </a:extLst>
-          </p:cNvPr>
-          <p:cNvSpPr>
-            <a:spLocks noGrp="1"/>
-          </p:cNvSpPr>
-          <p:nvPr>
-            <p:ph type="body" sz="quarter" idx="11"/>
-          </p:nvPr>
-        </p:nvSpPr>
-        <p:spPr/>
-        <p:txBody>
-          <a:bodyPr/>
-          <a:lstStyle/>
-          <a:p>
-            <a:endParaRPr lang="en-US"/>
-          </a:p>
-        </p:txBody>
-      </p:sp>
-    </p:spTree>
-    <p:extLst>
-      <p:ext uri="{BB962C8B-B14F-4D97-AF65-F5344CB8AC3E}">
-        <p14:creationId xmlns:p14="http://schemas.microsoft.com/office/powerpoint/2010/main" val="2652100609"/>
-      </p:ext>
-    </p:extLst>
-  </p:cSld>
-  <p:clrMapOvr>
-    <a:masterClrMapping/>
-  </p:clrMapOvr>
-</p:sld>
-</file>
-
-<file path=ppt/slides/slide23.xml><?xml version="1.0" encoding="utf-8"?>
-<p:sld xmlns:a="http://schemas.openxmlformats.org/drawingml/2006/main" xmlns:r="http://schemas.openxmlformats.org/officeDocument/2006/relationships" xmlns:p="http://schemas.openxmlformats.org/presentationml/2006/main">
-  <p:cSld>
-    <p:spTree>
-      <p:nvGrpSpPr>
-        <p:cNvPr id="1" name=""/>
-        <p:cNvGrpSpPr/>
-        <p:nvPr/>
-      </p:nvGrpSpPr>
-      <p:grpSpPr>
-        <a:xfrm>
-          <a:off x="0" y="0"/>
-          <a:ext cx="0" cy="0"/>
-          <a:chOff x="0" y="0"/>
-          <a:chExt cx="0" cy="0"/>
-        </a:xfrm>
-      </p:grpSpPr>
-      <p:sp>
-        <p:nvSpPr>
-          <p:cNvPr id="4" name="Picture Placeholder 3">
-            <a:extLst>
-              <a:ext uri="{FF2B5EF4-FFF2-40B4-BE49-F238E27FC236}">
-                <a16:creationId xmlns:a16="http://schemas.microsoft.com/office/drawing/2014/main" id="{2D0FA18A-C060-44D0-A78A-499609F35526}"/>
-              </a:ext>
-            </a:extLst>
-          </p:cNvPr>
-          <p:cNvSpPr>
-            <a:spLocks noGrp="1"/>
-          </p:cNvSpPr>
-          <p:nvPr>
-            <p:ph type="pic" sz="quarter" idx="12"/>
-          </p:nvPr>
-        </p:nvSpPr>
-        <p:spPr/>
-      </p:sp>
-      <p:sp>
-        <p:nvSpPr>
-          <p:cNvPr id="2" name="Title 1">
-            <a:extLst>
-              <a:ext uri="{FF2B5EF4-FFF2-40B4-BE49-F238E27FC236}">
-                <a16:creationId xmlns:a16="http://schemas.microsoft.com/office/drawing/2014/main" id="{18E3FF96-F6BC-FA9E-B1F9-8B5A1806D770}"/>
-              </a:ext>
-            </a:extLst>
-          </p:cNvPr>
-          <p:cNvSpPr>
-            <a:spLocks noGrp="1"/>
-          </p:cNvSpPr>
-          <p:nvPr>
-            <p:ph type="title"/>
-          </p:nvPr>
-        </p:nvSpPr>
-        <p:spPr/>
-        <p:txBody>
-          <a:bodyPr/>
-          <a:lstStyle/>
-          <a:p>
-            <a:endParaRPr lang="en-VN"/>
-          </a:p>
-        </p:txBody>
-      </p:sp>
-      <p:sp>
-        <p:nvSpPr>
-          <p:cNvPr id="3" name="Text Placeholder 2">
-            <a:extLst>
-              <a:ext uri="{FF2B5EF4-FFF2-40B4-BE49-F238E27FC236}">
-                <a16:creationId xmlns:a16="http://schemas.microsoft.com/office/drawing/2014/main" id="{9FCB6D2C-ECDD-3F01-95B5-5082FFC6BA9A}"/>
-              </a:ext>
-            </a:extLst>
-          </p:cNvPr>
-          <p:cNvSpPr>
-            <a:spLocks noGrp="1"/>
-          </p:cNvSpPr>
-          <p:nvPr>
-            <p:ph type="body" sz="quarter" idx="11"/>
-          </p:nvPr>
-        </p:nvSpPr>
-        <p:spPr/>
-        <p:txBody>
-          <a:bodyPr/>
-          <a:lstStyle/>
-          <a:p>
-            <a:endParaRPr lang="en-VN"/>
-          </a:p>
-        </p:txBody>
-      </p:sp>
-    </p:spTree>
-    <p:extLst>
-      <p:ext uri="{BB962C8B-B14F-4D97-AF65-F5344CB8AC3E}">
-        <p14:creationId xmlns:p14="http://schemas.microsoft.com/office/powerpoint/2010/main" val="1286007398"/>
-      </p:ext>
-    </p:extLst>
-  </p:cSld>
-  <p:clrMapOvr>
-    <a:masterClrMapping/>
-  </p:clrMapOvr>
-</p:sld>
-</file>
-
-<file path=ppt/slides/slide24.xml><?xml version="1.0" encoding="utf-8"?>
-<p:sld xmlns:a="http://schemas.openxmlformats.org/drawingml/2006/main" xmlns:r="http://schemas.openxmlformats.org/officeDocument/2006/relationships" xmlns:p="http://schemas.openxmlformats.org/presentationml/2006/main">
-  <p:cSld>
-    <p:spTree>
-      <p:nvGrpSpPr>
-        <p:cNvPr id="1" name=""/>
-        <p:cNvGrpSpPr/>
-        <p:nvPr/>
-      </p:nvGrpSpPr>
-      <p:grpSpPr>
-        <a:xfrm>
-          <a:off x="0" y="0"/>
-          <a:ext cx="0" cy="0"/>
-          <a:chOff x="0" y="0"/>
-          <a:chExt cx="0" cy="0"/>
-        </a:xfrm>
-      </p:grpSpPr>
-      <p:sp>
-        <p:nvSpPr>
-          <p:cNvPr id="2" name="Title 1">
-            <a:extLst>
-              <a:ext uri="{FF2B5EF4-FFF2-40B4-BE49-F238E27FC236}">
                 <a16:creationId xmlns:a16="http://schemas.microsoft.com/office/drawing/2014/main" id="{B0CFAE1D-1222-4006-94B9-CC9DD494A169}"/>
               </a:ext>
             </a:extLst>
@@ -23521,7 +23175,7 @@
 </p:sld>
 </file>
 
-<file path=ppt/slides/slide25.xml><?xml version="1.0" encoding="utf-8"?>
+<file path=ppt/slides/slide19.xml><?xml version="1.0" encoding="utf-8"?>
 <p:sld xmlns:a="http://schemas.openxmlformats.org/drawingml/2006/main" xmlns:r="http://schemas.openxmlformats.org/officeDocument/2006/relationships" xmlns:p="http://schemas.openxmlformats.org/presentationml/2006/main">
   <p:cSld>
     <p:spTree>
@@ -23662,7 +23316,7 @@
 </p:sld>
 </file>
 
-<file path=ppt/slides/slide26.xml><?xml version="1.0" encoding="utf-8"?>
+<file path=ppt/slides/slide2.xml><?xml version="1.0" encoding="utf-8"?>
 <p:sld xmlns:a="http://schemas.openxmlformats.org/drawingml/2006/main" xmlns:r="http://schemas.openxmlformats.org/officeDocument/2006/relationships" xmlns:p="http://schemas.openxmlformats.org/presentationml/2006/main">
   <p:cSld>
     <p:spTree>
@@ -23681,6 +23335,248 @@
       </p:grpSpPr>
       <p:sp>
         <p:nvSpPr>
+          <p:cNvPr id="2" name="Text Placeholder 1">
+            <a:extLst>
+              <a:ext uri="{FF2B5EF4-FFF2-40B4-BE49-F238E27FC236}">
+                <a16:creationId xmlns:a16="http://schemas.microsoft.com/office/drawing/2014/main" id="{95558704-037F-4FEA-AEEC-B05917B8050E}"/>
+              </a:ext>
+            </a:extLst>
+          </p:cNvPr>
+          <p:cNvSpPr>
+            <a:spLocks noGrp="1"/>
+          </p:cNvSpPr>
+          <p:nvPr>
+            <p:ph type="body" sz="quarter" idx="10"/>
+          </p:nvPr>
+        </p:nvSpPr>
+        <p:spPr/>
+        <p:txBody>
+          <a:bodyPr>
+            <a:noAutofit/>
+          </a:bodyPr>
+          <a:lstStyle/>
+          <a:p>
+            <a:pPr lvl="0"/>
+            <a:r>
+              <a:rPr lang="en-US" sz="1200" dirty="0"/>
+              <a:t>Typescript</a:t>
+            </a:r>
+          </a:p>
+          <a:p>
+            <a:pPr lvl="1"/>
+            <a:r>
+              <a:rPr lang="en-US" sz="1200" dirty="0"/>
+              <a:t>What is Typescript?</a:t>
+            </a:r>
+          </a:p>
+          <a:p>
+            <a:pPr lvl="1"/>
+            <a:r>
+              <a:rPr lang="en-US" sz="1200" dirty="0"/>
+              <a:t>Basic Types</a:t>
+            </a:r>
+          </a:p>
+          <a:p>
+            <a:pPr lvl="1"/>
+            <a:r>
+              <a:rPr lang="en-US" sz="1200" dirty="0"/>
+              <a:t>Main feature of Typescript</a:t>
+            </a:r>
+          </a:p>
+          <a:p>
+            <a:pPr lvl="1"/>
+            <a:r>
+              <a:rPr lang="en-US" sz="1200" dirty="0"/>
+              <a:t>Why use Typescript?</a:t>
+            </a:r>
+          </a:p>
+          <a:p>
+            <a:pPr lvl="0"/>
+            <a:r>
+              <a:rPr lang="en-US" sz="1200" dirty="0" err="1"/>
+              <a:t>NestJS</a:t>
+            </a:r>
+            <a:r>
+              <a:rPr lang="en-US" sz="1200" dirty="0"/>
+              <a:t> Overview</a:t>
+            </a:r>
+          </a:p>
+          <a:p>
+            <a:pPr lvl="1"/>
+            <a:r>
+              <a:rPr lang="en-US" sz="1200" dirty="0"/>
+              <a:t>What is </a:t>
+            </a:r>
+            <a:r>
+              <a:rPr lang="en-US" sz="1200" dirty="0" err="1"/>
+              <a:t>NestJS</a:t>
+            </a:r>
+            <a:r>
+              <a:rPr lang="en-US" sz="1200" dirty="0"/>
+              <a:t>?</a:t>
+            </a:r>
+          </a:p>
+          <a:p>
+            <a:pPr lvl="1"/>
+            <a:r>
+              <a:rPr lang="en-US" sz="1200" dirty="0" err="1"/>
+              <a:t>NestJS</a:t>
+            </a:r>
+            <a:r>
+              <a:rPr lang="en-US" sz="1200" dirty="0"/>
+              <a:t> Architecture</a:t>
+            </a:r>
+          </a:p>
+          <a:p>
+            <a:pPr lvl="1"/>
+            <a:r>
+              <a:rPr lang="en-US" sz="1200" dirty="0"/>
+              <a:t>NestJS CLI</a:t>
+            </a:r>
+          </a:p>
+          <a:p>
+            <a:pPr lvl="1"/>
+            <a:r>
+              <a:rPr lang="en-US" sz="1200" dirty="0"/>
+              <a:t>Workspaces and project file structure</a:t>
+            </a:r>
+          </a:p>
+          <a:p>
+            <a:pPr lvl="1"/>
+            <a:r>
+              <a:rPr lang="en-US" sz="1200" dirty="0"/>
+              <a:t>Controllers, Routing Request</a:t>
+            </a:r>
+          </a:p>
+          <a:p>
+            <a:pPr lvl="1"/>
+            <a:r>
+              <a:rPr lang="en-US" sz="1200" dirty="0"/>
+              <a:t>Validation Request with Pipe</a:t>
+            </a:r>
+          </a:p>
+          <a:p>
+            <a:pPr lvl="1"/>
+            <a:r>
+              <a:rPr lang="en-US" sz="1200" dirty="0"/>
+              <a:t>Modules</a:t>
+            </a:r>
+          </a:p>
+          <a:p>
+            <a:pPr lvl="1"/>
+            <a:r>
+              <a:rPr lang="en-US" sz="1200" dirty="0"/>
+              <a:t>Provider</a:t>
+            </a:r>
+          </a:p>
+          <a:p>
+            <a:pPr lvl="1"/>
+            <a:r>
+              <a:rPr lang="en-US" sz="1200" dirty="0"/>
+              <a:t>Dependency Injection</a:t>
+            </a:r>
+          </a:p>
+          <a:p>
+            <a:pPr lvl="1"/>
+            <a:r>
+              <a:rPr lang="en-US" sz="1200" dirty="0"/>
+              <a:t>Configuration</a:t>
+            </a:r>
+          </a:p>
+          <a:p>
+            <a:pPr lvl="1"/>
+            <a:r>
+              <a:rPr lang="en-US" sz="1200" dirty="0"/>
+              <a:t>Logging</a:t>
+            </a:r>
+          </a:p>
+          <a:p>
+            <a:pPr lvl="1"/>
+            <a:r>
+              <a:rPr lang="en-US" sz="1200" dirty="0"/>
+              <a:t>Errors</a:t>
+            </a:r>
+          </a:p>
+          <a:p>
+            <a:pPr lvl="1"/>
+            <a:r>
+              <a:rPr lang="en-US" sz="1200" dirty="0"/>
+              <a:t>Data Serialization</a:t>
+            </a:r>
+          </a:p>
+          <a:p>
+            <a:pPr lvl="1"/>
+            <a:r>
+              <a:rPr lang="en-US" sz="1200" dirty="0" err="1"/>
+              <a:t>Auth</a:t>
+            </a:r>
+            <a:r>
+              <a:rPr lang="en-US" sz="1200" dirty="0"/>
+              <a:t>, JWT</a:t>
+            </a:r>
+          </a:p>
+          <a:p>
+            <a:pPr lvl="0"/>
+            <a:r>
+              <a:rPr lang="en-US" sz="1200" dirty="0"/>
+              <a:t>Database</a:t>
+            </a:r>
+          </a:p>
+          <a:p>
+            <a:pPr lvl="0"/>
+            <a:r>
+              <a:rPr lang="en-US" sz="1200" dirty="0"/>
+              <a:t>Testing</a:t>
+            </a:r>
+          </a:p>
+          <a:p>
+            <a:pPr lvl="0"/>
+            <a:r>
+              <a:rPr lang="en-US" sz="1200" dirty="0"/>
+              <a:t>Demo</a:t>
+            </a:r>
+          </a:p>
+          <a:p>
+            <a:pPr lvl="0"/>
+            <a:endParaRPr lang="en-US" sz="1200" dirty="0"/>
+          </a:p>
+          <a:p>
+            <a:endParaRPr lang="en-US" sz="1200" dirty="0"/>
+          </a:p>
+        </p:txBody>
+      </p:sp>
+    </p:spTree>
+    <p:extLst>
+      <p:ext uri="{BB962C8B-B14F-4D97-AF65-F5344CB8AC3E}">
+        <p14:creationId xmlns:p14="http://schemas.microsoft.com/office/powerpoint/2010/main" val="1077368821"/>
+      </p:ext>
+    </p:extLst>
+  </p:cSld>
+  <p:clrMapOvr>
+    <a:masterClrMapping/>
+  </p:clrMapOvr>
+</p:sld>
+</file>
+
+<file path=ppt/slides/slide20.xml><?xml version="1.0" encoding="utf-8"?>
+<p:sld xmlns:a="http://schemas.openxmlformats.org/drawingml/2006/main" xmlns:r="http://schemas.openxmlformats.org/officeDocument/2006/relationships" xmlns:p="http://schemas.openxmlformats.org/presentationml/2006/main">
+  <p:cSld>
+    <p:spTree>
+      <p:nvGrpSpPr>
+        <p:cNvPr id="1" name=""/>
+        <p:cNvGrpSpPr/>
+        <p:nvPr/>
+      </p:nvGrpSpPr>
+      <p:grpSpPr>
+        <a:xfrm>
+          <a:off x="0" y="0"/>
+          <a:ext cx="0" cy="0"/>
+          <a:chOff x="0" y="0"/>
+          <a:chExt cx="0" cy="0"/>
+        </a:xfrm>
+      </p:grpSpPr>
+      <p:sp>
+        <p:nvSpPr>
           <p:cNvPr id="2" name="Title 1">
             <a:extLst>
               <a:ext uri="{FF2B5EF4-FFF2-40B4-BE49-F238E27FC236}">
@@ -24363,7 +24259,7 @@
 </p:sld>
 </file>
 
-<file path=ppt/slides/slide27.xml><?xml version="1.0" encoding="utf-8"?>
+<file path=ppt/slides/slide21.xml><?xml version="1.0" encoding="utf-8"?>
 <p:sld xmlns:a="http://schemas.openxmlformats.org/drawingml/2006/main" xmlns:r="http://schemas.openxmlformats.org/officeDocument/2006/relationships" xmlns:p="http://schemas.openxmlformats.org/presentationml/2006/main">
   <p:cSld>
     <p:spTree>
@@ -26455,7 +26351,7 @@
 </p:sld>
 </file>
 
-<file path=ppt/slides/slide28.xml><?xml version="1.0" encoding="utf-8"?>
+<file path=ppt/slides/slide22.xml><?xml version="1.0" encoding="utf-8"?>
 <p:sld xmlns:a="http://schemas.openxmlformats.org/drawingml/2006/main" xmlns:r="http://schemas.openxmlformats.org/officeDocument/2006/relationships" xmlns:p="http://schemas.openxmlformats.org/presentationml/2006/main">
   <p:cSld>
     <p:spTree>
@@ -27110,7 +27006,7 @@
 </p:sld>
 </file>
 
-<file path=ppt/slides/slide29.xml><?xml version="1.0" encoding="utf-8"?>
+<file path=ppt/slides/slide23.xml><?xml version="1.0" encoding="utf-8"?>
 <p:sld xmlns:a="http://schemas.openxmlformats.org/drawingml/2006/main" xmlns:r="http://schemas.openxmlformats.org/officeDocument/2006/relationships" xmlns:p="http://schemas.openxmlformats.org/presentationml/2006/main">
   <p:cSld>
     <p:spTree>
@@ -27930,124 +27826,7 @@
 </p:sld>
 </file>
 
-<file path=ppt/slides/slide3.xml><?xml version="1.0" encoding="utf-8"?>
-<p:sld xmlns:a="http://schemas.openxmlformats.org/drawingml/2006/main" xmlns:r="http://schemas.openxmlformats.org/officeDocument/2006/relationships" xmlns:p="http://schemas.openxmlformats.org/presentationml/2006/main">
-  <p:cSld>
-    <p:spTree>
-      <p:nvGrpSpPr>
-        <p:cNvPr id="1" name=""/>
-        <p:cNvGrpSpPr/>
-        <p:nvPr/>
-      </p:nvGrpSpPr>
-      <p:grpSpPr>
-        <a:xfrm>
-          <a:off x="0" y="0"/>
-          <a:ext cx="0" cy="0"/>
-          <a:chOff x="0" y="0"/>
-          <a:chExt cx="0" cy="0"/>
-        </a:xfrm>
-      </p:grpSpPr>
-      <p:sp>
-        <p:nvSpPr>
-          <p:cNvPr id="2" name="Subtitle 1">
-            <a:extLst>
-              <a:ext uri="{FF2B5EF4-FFF2-40B4-BE49-F238E27FC236}">
-                <a16:creationId xmlns:a16="http://schemas.microsoft.com/office/drawing/2014/main" id="{592C7699-01D2-4422-AB13-6011B29811B1}"/>
-              </a:ext>
-            </a:extLst>
-          </p:cNvPr>
-          <p:cNvSpPr>
-            <a:spLocks noGrp="1"/>
-          </p:cNvSpPr>
-          <p:nvPr>
-            <p:ph type="subTitle" idx="1"/>
-          </p:nvPr>
-        </p:nvSpPr>
-        <p:spPr/>
-        <p:txBody>
-          <a:bodyPr>
-            <a:normAutofit lnSpcReduction="10000"/>
-          </a:bodyPr>
-          <a:lstStyle/>
-          <a:p>
-            <a:endParaRPr lang="en-US"/>
-          </a:p>
-        </p:txBody>
-      </p:sp>
-      <p:sp>
-        <p:nvSpPr>
-          <p:cNvPr id="3" name="Title 2">
-            <a:extLst>
-              <a:ext uri="{FF2B5EF4-FFF2-40B4-BE49-F238E27FC236}">
-                <a16:creationId xmlns:a16="http://schemas.microsoft.com/office/drawing/2014/main" id="{47FBCFD6-FBB6-4D09-A890-C16BAB8BDA31}"/>
-              </a:ext>
-            </a:extLst>
-          </p:cNvPr>
-          <p:cNvSpPr>
-            <a:spLocks noGrp="1"/>
-          </p:cNvSpPr>
-          <p:nvPr>
-            <p:ph type="ctrTitle"/>
-          </p:nvPr>
-        </p:nvSpPr>
-        <p:spPr/>
-        <p:txBody>
-          <a:bodyPr/>
-          <a:lstStyle/>
-          <a:p>
-            <a:r>
-              <a:rPr lang="en-US" b="0" dirty="0"/>
-              <a:t>Title of the </a:t>
-            </a:r>
-            <a:br>
-              <a:rPr lang="en-US" b="0" dirty="0"/>
-            </a:br>
-            <a:r>
-              <a:rPr lang="en-US" dirty="0"/>
-              <a:t>presentation (style 3)</a:t>
-            </a:r>
-          </a:p>
-        </p:txBody>
-      </p:sp>
-      <p:sp>
-        <p:nvSpPr>
-          <p:cNvPr id="4" name="Text Placeholder 3">
-            <a:extLst>
-              <a:ext uri="{FF2B5EF4-FFF2-40B4-BE49-F238E27FC236}">
-                <a16:creationId xmlns:a16="http://schemas.microsoft.com/office/drawing/2014/main" id="{8FCA5CC8-7A58-4B02-973A-5D15A17CCFC7}"/>
-              </a:ext>
-            </a:extLst>
-          </p:cNvPr>
-          <p:cNvSpPr>
-            <a:spLocks noGrp="1"/>
-          </p:cNvSpPr>
-          <p:nvPr>
-            <p:ph type="body" sz="quarter" idx="11"/>
-          </p:nvPr>
-        </p:nvSpPr>
-        <p:spPr/>
-        <p:txBody>
-          <a:bodyPr/>
-          <a:lstStyle/>
-          <a:p>
-            <a:endParaRPr lang="en-US"/>
-          </a:p>
-        </p:txBody>
-      </p:sp>
-    </p:spTree>
-    <p:extLst>
-      <p:ext uri="{BB962C8B-B14F-4D97-AF65-F5344CB8AC3E}">
-        <p14:creationId xmlns:p14="http://schemas.microsoft.com/office/powerpoint/2010/main" val="3681831611"/>
-      </p:ext>
-    </p:extLst>
-  </p:cSld>
-  <p:clrMapOvr>
-    <a:masterClrMapping/>
-  </p:clrMapOvr>
-</p:sld>
-</file>
-
-<file path=ppt/slides/slide30.xml><?xml version="1.0" encoding="utf-8"?>
+<file path=ppt/slides/slide24.xml><?xml version="1.0" encoding="utf-8"?>
 <p:sld xmlns:a="http://schemas.openxmlformats.org/drawingml/2006/main" xmlns:r="http://schemas.openxmlformats.org/officeDocument/2006/relationships" xmlns:p="http://schemas.openxmlformats.org/presentationml/2006/main">
   <p:cSld>
     <p:spTree>
@@ -34048,7 +33827,7 @@
 </p:sld>
 </file>
 
-<file path=ppt/slides/slide31.xml><?xml version="1.0" encoding="utf-8"?>
+<file path=ppt/slides/slide25.xml><?xml version="1.0" encoding="utf-8"?>
 <p:sld xmlns:a="http://schemas.openxmlformats.org/drawingml/2006/main" xmlns:r="http://schemas.openxmlformats.org/officeDocument/2006/relationships" xmlns:p="http://schemas.openxmlformats.org/presentationml/2006/main">
   <p:cSld>
     <p:spTree>
@@ -36437,7 +36216,7 @@
 </p:sld>
 </file>
 
-<file path=ppt/slides/slide32.xml><?xml version="1.0" encoding="utf-8"?>
+<file path=ppt/slides/slide26.xml><?xml version="1.0" encoding="utf-8"?>
 <p:sld xmlns:a="http://schemas.openxmlformats.org/drawingml/2006/main" xmlns:r="http://schemas.openxmlformats.org/officeDocument/2006/relationships" xmlns:p="http://schemas.openxmlformats.org/presentationml/2006/main">
   <p:cSld>
     <p:spTree>
@@ -38254,7 +38033,7 @@
 </p:sld>
 </file>
 
-<file path=ppt/slides/slide33.xml><?xml version="1.0" encoding="utf-8"?>
+<file path=ppt/slides/slide27.xml><?xml version="1.0" encoding="utf-8"?>
 <p:sld xmlns:a="http://schemas.openxmlformats.org/drawingml/2006/main" xmlns:r="http://schemas.openxmlformats.org/officeDocument/2006/relationships" xmlns:p="http://schemas.openxmlformats.org/presentationml/2006/main">
   <p:cSld>
     <p:spTree>
@@ -38609,7 +38388,7 @@
 </p:sld>
 </file>
 
-<file path=ppt/slides/slide34.xml><?xml version="1.0" encoding="utf-8"?>
+<file path=ppt/slides/slide28.xml><?xml version="1.0" encoding="utf-8"?>
 <p:sld xmlns:a="http://schemas.openxmlformats.org/drawingml/2006/main" xmlns:r="http://schemas.openxmlformats.org/officeDocument/2006/relationships" xmlns:p="http://schemas.openxmlformats.org/presentationml/2006/main">
   <p:cSld>
     <p:spTree>
@@ -39114,7 +38893,7 @@
 </p:sld>
 </file>
 
-<file path=ppt/slides/slide35.xml><?xml version="1.0" encoding="utf-8"?>
+<file path=ppt/slides/slide29.xml><?xml version="1.0" encoding="utf-8"?>
 <p:sld xmlns:a="http://schemas.openxmlformats.org/drawingml/2006/main" xmlns:r="http://schemas.openxmlformats.org/officeDocument/2006/relationships" xmlns:p="http://schemas.openxmlformats.org/presentationml/2006/main">
   <p:cSld>
     <p:spTree>
@@ -39235,7 +39014,7 @@
 </p:sld>
 </file>
 
-<file path=ppt/slides/slide36.xml><?xml version="1.0" encoding="utf-8"?>
+<file path=ppt/slides/slide3.xml><?xml version="1.0" encoding="utf-8"?>
 <p:sld xmlns:a="http://schemas.openxmlformats.org/drawingml/2006/main" xmlns:r="http://schemas.openxmlformats.org/officeDocument/2006/relationships" xmlns:p="http://schemas.openxmlformats.org/presentationml/2006/main">
   <p:cSld>
     <p:spTree>
@@ -39254,10 +39033,10 @@
       </p:grpSpPr>
       <p:sp>
         <p:nvSpPr>
-          <p:cNvPr id="2" name="Picture Placeholder 1">
-            <a:extLst>
-              <a:ext uri="{FF2B5EF4-FFF2-40B4-BE49-F238E27FC236}">
-                <a16:creationId xmlns:a16="http://schemas.microsoft.com/office/drawing/2014/main" id="{0D785356-B884-4827-9B57-F11AA1E300EE}"/>
+          <p:cNvPr id="2" name="Text Placeholder 1">
+            <a:extLst>
+              <a:ext uri="{FF2B5EF4-FFF2-40B4-BE49-F238E27FC236}">
+                <a16:creationId xmlns:a16="http://schemas.microsoft.com/office/drawing/2014/main" id="{4483D1C0-AEBE-43F2-AF2A-23F080C327DF}"/>
               </a:ext>
             </a:extLst>
           </p:cNvPr>
@@ -39265,17 +39044,27 @@
             <a:spLocks noGrp="1"/>
           </p:cNvSpPr>
           <p:nvPr>
-            <p:ph type="pic" sz="quarter" idx="10"/>
+            <p:ph type="body" sz="quarter" idx="15"/>
           </p:nvPr>
         </p:nvSpPr>
         <p:spPr/>
+        <p:txBody>
+          <a:bodyPr/>
+          <a:lstStyle/>
+          <a:p>
+            <a:r>
+              <a:rPr lang="en-US" dirty="0"/>
+              <a:t>Typescript</a:t>
+            </a:r>
+          </a:p>
+        </p:txBody>
       </p:sp>
       <p:sp>
         <p:nvSpPr>
           <p:cNvPr id="3" name="Text Placeholder 2">
             <a:extLst>
               <a:ext uri="{FF2B5EF4-FFF2-40B4-BE49-F238E27FC236}">
-                <a16:creationId xmlns:a16="http://schemas.microsoft.com/office/drawing/2014/main" id="{7BE3B7D5-6736-4CA7-AD92-739472064C34}"/>
+                <a16:creationId xmlns:a16="http://schemas.microsoft.com/office/drawing/2014/main" id="{9BBB8D4B-E800-4849-82AC-CE4520B69691}"/>
               </a:ext>
             </a:extLst>
           </p:cNvPr>
@@ -39283,7 +39072,7 @@
             <a:spLocks noGrp="1"/>
           </p:cNvSpPr>
           <p:nvPr>
-            <p:ph type="body" sz="quarter" idx="17"/>
+            <p:ph type="body" sz="quarter" idx="16"/>
           </p:nvPr>
         </p:nvSpPr>
         <p:spPr/>
@@ -39291,339 +39080,14 @@
           <a:bodyPr/>
           <a:lstStyle/>
           <a:p>
-            <a:endParaRPr lang="en-US"/>
-          </a:p>
-        </p:txBody>
-      </p:sp>
-      <p:sp>
-        <p:nvSpPr>
-          <p:cNvPr id="4" name="Text Placeholder 3">
-            <a:extLst>
-              <a:ext uri="{FF2B5EF4-FFF2-40B4-BE49-F238E27FC236}">
-                <a16:creationId xmlns:a16="http://schemas.microsoft.com/office/drawing/2014/main" id="{196A9B53-B6AB-48D1-9260-32A9EC2FA3B1}"/>
-              </a:ext>
-            </a:extLst>
-          </p:cNvPr>
-          <p:cNvSpPr>
-            <a:spLocks noGrp="1"/>
-          </p:cNvSpPr>
-          <p:nvPr>
-            <p:ph type="body" sz="quarter" idx="19"/>
-          </p:nvPr>
-        </p:nvSpPr>
-        <p:spPr/>
-        <p:txBody>
-          <a:bodyPr/>
-          <a:lstStyle/>
-          <a:p>
-            <a:endParaRPr lang="en-US"/>
-          </a:p>
-        </p:txBody>
-      </p:sp>
-      <p:sp>
-        <p:nvSpPr>
-          <p:cNvPr id="5" name="Text Placeholder 4">
-            <a:extLst>
-              <a:ext uri="{FF2B5EF4-FFF2-40B4-BE49-F238E27FC236}">
-                <a16:creationId xmlns:a16="http://schemas.microsoft.com/office/drawing/2014/main" id="{CA2A184B-076E-439B-8FEE-295A00FA4A34}"/>
-              </a:ext>
-            </a:extLst>
-          </p:cNvPr>
-          <p:cNvSpPr>
-            <a:spLocks noGrp="1"/>
-          </p:cNvSpPr>
-          <p:nvPr>
-            <p:ph type="body" sz="quarter" idx="21"/>
-          </p:nvPr>
-        </p:nvSpPr>
-        <p:spPr/>
-        <p:txBody>
-          <a:bodyPr/>
-          <a:lstStyle/>
-          <a:p>
-            <a:endParaRPr lang="en-US"/>
-          </a:p>
-        </p:txBody>
-      </p:sp>
-      <p:sp>
-        <p:nvSpPr>
-          <p:cNvPr id="6" name="Text Placeholder 5">
-            <a:extLst>
-              <a:ext uri="{FF2B5EF4-FFF2-40B4-BE49-F238E27FC236}">
-                <a16:creationId xmlns:a16="http://schemas.microsoft.com/office/drawing/2014/main" id="{7AE6A734-961D-4C43-9A94-FCFD57FBDE6D}"/>
-              </a:ext>
-            </a:extLst>
-          </p:cNvPr>
-          <p:cNvSpPr>
-            <a:spLocks noGrp="1"/>
-          </p:cNvSpPr>
-          <p:nvPr>
-            <p:ph type="body" sz="quarter" idx="23"/>
-          </p:nvPr>
-        </p:nvSpPr>
-        <p:spPr/>
-        <p:txBody>
-          <a:bodyPr/>
-          <a:lstStyle/>
-          <a:p>
-            <a:endParaRPr lang="en-US"/>
-          </a:p>
-        </p:txBody>
-      </p:sp>
-      <p:sp>
-        <p:nvSpPr>
-          <p:cNvPr id="7" name="Text Placeholder 6">
-            <a:extLst>
-              <a:ext uri="{FF2B5EF4-FFF2-40B4-BE49-F238E27FC236}">
-                <a16:creationId xmlns:a16="http://schemas.microsoft.com/office/drawing/2014/main" id="{3B1FBA03-8E6F-4305-A674-838694135A0B}"/>
-              </a:ext>
-            </a:extLst>
-          </p:cNvPr>
-          <p:cNvSpPr>
-            <a:spLocks noGrp="1"/>
-          </p:cNvSpPr>
-          <p:nvPr>
-            <p:ph type="body" sz="quarter" idx="24"/>
-          </p:nvPr>
-        </p:nvSpPr>
-        <p:spPr/>
-        <p:txBody>
-          <a:bodyPr/>
-          <a:lstStyle/>
-          <a:p>
-            <a:endParaRPr lang="en-US"/>
-          </a:p>
-        </p:txBody>
-      </p:sp>
-      <p:sp>
-        <p:nvSpPr>
-          <p:cNvPr id="8" name="Text Placeholder 7">
-            <a:extLst>
-              <a:ext uri="{FF2B5EF4-FFF2-40B4-BE49-F238E27FC236}">
-                <a16:creationId xmlns:a16="http://schemas.microsoft.com/office/drawing/2014/main" id="{E1699D78-FE6D-491A-B0DA-D629BC462262}"/>
-              </a:ext>
-            </a:extLst>
-          </p:cNvPr>
-          <p:cNvSpPr>
-            <a:spLocks noGrp="1"/>
-          </p:cNvSpPr>
-          <p:nvPr>
-            <p:ph type="body" sz="quarter" idx="25"/>
-          </p:nvPr>
-        </p:nvSpPr>
-        <p:spPr/>
-        <p:txBody>
-          <a:bodyPr/>
-          <a:lstStyle/>
-          <a:p>
-            <a:endParaRPr lang="en-US"/>
-          </a:p>
-        </p:txBody>
-      </p:sp>
-      <p:sp>
-        <p:nvSpPr>
-          <p:cNvPr id="9" name="Text Placeholder 8">
-            <a:extLst>
-              <a:ext uri="{FF2B5EF4-FFF2-40B4-BE49-F238E27FC236}">
-                <a16:creationId xmlns:a16="http://schemas.microsoft.com/office/drawing/2014/main" id="{5C78F402-CA66-4211-9A9B-AA02E4938CAC}"/>
-              </a:ext>
-            </a:extLst>
-          </p:cNvPr>
-          <p:cNvSpPr>
-            <a:spLocks noGrp="1"/>
-          </p:cNvSpPr>
-          <p:nvPr>
-            <p:ph type="body" sz="quarter" idx="26"/>
-          </p:nvPr>
-        </p:nvSpPr>
-        <p:spPr/>
-        <p:txBody>
-          <a:bodyPr/>
-          <a:lstStyle/>
-          <a:p>
-            <a:endParaRPr lang="en-US"/>
-          </a:p>
-        </p:txBody>
-      </p:sp>
-      <p:sp>
-        <p:nvSpPr>
-          <p:cNvPr id="10" name="Text Placeholder 9">
-            <a:extLst>
-              <a:ext uri="{FF2B5EF4-FFF2-40B4-BE49-F238E27FC236}">
-                <a16:creationId xmlns:a16="http://schemas.microsoft.com/office/drawing/2014/main" id="{A8085B8B-369F-48C8-A49E-4F789BA62241}"/>
-              </a:ext>
-            </a:extLst>
-          </p:cNvPr>
-          <p:cNvSpPr>
-            <a:spLocks noGrp="1"/>
-          </p:cNvSpPr>
-          <p:nvPr>
-            <p:ph type="body" sz="quarter" idx="27"/>
-          </p:nvPr>
-        </p:nvSpPr>
-        <p:spPr/>
-        <p:txBody>
-          <a:bodyPr/>
-          <a:lstStyle/>
-          <a:p>
-            <a:endParaRPr lang="en-US"/>
-          </a:p>
-        </p:txBody>
-      </p:sp>
-      <p:sp>
-        <p:nvSpPr>
-          <p:cNvPr id="11" name="Text Placeholder 10">
-            <a:extLst>
-              <a:ext uri="{FF2B5EF4-FFF2-40B4-BE49-F238E27FC236}">
-                <a16:creationId xmlns:a16="http://schemas.microsoft.com/office/drawing/2014/main" id="{02AD28AE-4348-4C29-BFFE-E8F4A38A9D4E}"/>
-              </a:ext>
-            </a:extLst>
-          </p:cNvPr>
-          <p:cNvSpPr>
-            <a:spLocks noGrp="1"/>
-          </p:cNvSpPr>
-          <p:nvPr>
-            <p:ph type="body" sz="quarter" idx="28"/>
-          </p:nvPr>
-        </p:nvSpPr>
-        <p:spPr/>
-        <p:txBody>
-          <a:bodyPr/>
-          <a:lstStyle/>
-          <a:p>
-            <a:endParaRPr lang="en-US"/>
-          </a:p>
-        </p:txBody>
-      </p:sp>
-      <p:sp>
-        <p:nvSpPr>
-          <p:cNvPr id="12" name="Text Placeholder 11">
-            <a:extLst>
-              <a:ext uri="{FF2B5EF4-FFF2-40B4-BE49-F238E27FC236}">
-                <a16:creationId xmlns:a16="http://schemas.microsoft.com/office/drawing/2014/main" id="{A84CBEA0-750A-4EB9-AA8C-5C0A5B31E28D}"/>
-              </a:ext>
-            </a:extLst>
-          </p:cNvPr>
-          <p:cNvSpPr>
-            <a:spLocks noGrp="1"/>
-          </p:cNvSpPr>
-          <p:nvPr>
-            <p:ph type="body" sz="quarter" idx="29"/>
-          </p:nvPr>
-        </p:nvSpPr>
-        <p:spPr/>
-        <p:txBody>
-          <a:bodyPr/>
-          <a:lstStyle/>
-          <a:p>
-            <a:endParaRPr lang="en-US"/>
-          </a:p>
-        </p:txBody>
-      </p:sp>
-      <p:sp>
-        <p:nvSpPr>
-          <p:cNvPr id="13" name="Text Placeholder 12">
-            <a:extLst>
-              <a:ext uri="{FF2B5EF4-FFF2-40B4-BE49-F238E27FC236}">
-                <a16:creationId xmlns:a16="http://schemas.microsoft.com/office/drawing/2014/main" id="{DD0806E6-A051-4896-B2C8-440402E3018E}"/>
-              </a:ext>
-            </a:extLst>
-          </p:cNvPr>
-          <p:cNvSpPr>
-            <a:spLocks noGrp="1"/>
-          </p:cNvSpPr>
-          <p:nvPr>
-            <p:ph type="body" sz="quarter" idx="30"/>
-          </p:nvPr>
-        </p:nvSpPr>
-        <p:spPr/>
-        <p:txBody>
-          <a:bodyPr/>
-          <a:lstStyle/>
-          <a:p>
-            <a:endParaRPr lang="en-US"/>
-          </a:p>
-        </p:txBody>
-      </p:sp>
-      <p:sp>
-        <p:nvSpPr>
-          <p:cNvPr id="14" name="Text Placeholder 13">
-            <a:extLst>
-              <a:ext uri="{FF2B5EF4-FFF2-40B4-BE49-F238E27FC236}">
-                <a16:creationId xmlns:a16="http://schemas.microsoft.com/office/drawing/2014/main" id="{1FEBA63A-B9F2-4051-B8B3-0BCED8F6DB68}"/>
-              </a:ext>
-            </a:extLst>
-          </p:cNvPr>
-          <p:cNvSpPr>
-            <a:spLocks noGrp="1"/>
-          </p:cNvSpPr>
-          <p:nvPr>
-            <p:ph type="body" sz="quarter" idx="31"/>
-          </p:nvPr>
-        </p:nvSpPr>
-        <p:spPr/>
-        <p:txBody>
-          <a:bodyPr/>
-          <a:lstStyle/>
-          <a:p>
-            <a:endParaRPr lang="en-US"/>
-          </a:p>
-        </p:txBody>
-      </p:sp>
-      <p:sp>
-        <p:nvSpPr>
-          <p:cNvPr id="15" name="Text Placeholder 14">
-            <a:extLst>
-              <a:ext uri="{FF2B5EF4-FFF2-40B4-BE49-F238E27FC236}">
-                <a16:creationId xmlns:a16="http://schemas.microsoft.com/office/drawing/2014/main" id="{D969B6C9-8B5B-415C-A621-3763DCFEE3AC}"/>
-              </a:ext>
-            </a:extLst>
-          </p:cNvPr>
-          <p:cNvSpPr>
-            <a:spLocks noGrp="1"/>
-          </p:cNvSpPr>
-          <p:nvPr>
-            <p:ph type="body" sz="quarter" idx="32"/>
-          </p:nvPr>
-        </p:nvSpPr>
-        <p:spPr/>
-        <p:txBody>
-          <a:bodyPr/>
-          <a:lstStyle/>
-          <a:p>
-            <a:endParaRPr lang="en-US"/>
-          </a:p>
-        </p:txBody>
-      </p:sp>
-      <p:sp>
-        <p:nvSpPr>
-          <p:cNvPr id="16" name="Text Placeholder 15">
-            <a:extLst>
-              <a:ext uri="{FF2B5EF4-FFF2-40B4-BE49-F238E27FC236}">
-                <a16:creationId xmlns:a16="http://schemas.microsoft.com/office/drawing/2014/main" id="{5105502B-9315-40B4-9610-46AED13A9DEA}"/>
-              </a:ext>
-            </a:extLst>
-          </p:cNvPr>
-          <p:cNvSpPr>
-            <a:spLocks noGrp="1"/>
-          </p:cNvSpPr>
-          <p:nvPr>
-            <p:ph type="body" sz="quarter" idx="33"/>
-          </p:nvPr>
-        </p:nvSpPr>
-        <p:spPr/>
-        <p:txBody>
-          <a:bodyPr/>
-          <a:lstStyle/>
-          <a:p>
-            <a:endParaRPr lang="en-US"/>
+            <a:endParaRPr lang="en-US" dirty="0"/>
           </a:p>
         </p:txBody>
       </p:sp>
     </p:spTree>
     <p:extLst>
       <p:ext uri="{BB962C8B-B14F-4D97-AF65-F5344CB8AC3E}">
-        <p14:creationId xmlns:p14="http://schemas.microsoft.com/office/powerpoint/2010/main" val="388763182"/>
+        <p14:creationId xmlns:p14="http://schemas.microsoft.com/office/powerpoint/2010/main" val="3761016079"/>
       </p:ext>
     </p:extLst>
   </p:cSld>
@@ -39633,7 +39097,7 @@
 </p:sld>
 </file>
 
-<file path=ppt/slides/slide37.xml><?xml version="1.0" encoding="utf-8"?>
+<file path=ppt/slides/slide30.xml><?xml version="1.0" encoding="utf-8"?>
 <p:sld xmlns:a="http://schemas.openxmlformats.org/drawingml/2006/main" xmlns:r="http://schemas.openxmlformats.org/officeDocument/2006/relationships" xmlns:p="http://schemas.openxmlformats.org/presentationml/2006/main">
   <p:cSld>
     <p:spTree>
@@ -39652,6 +39116,404 @@
       </p:grpSpPr>
       <p:sp>
         <p:nvSpPr>
+          <p:cNvPr id="2" name="Picture Placeholder 1">
+            <a:extLst>
+              <a:ext uri="{FF2B5EF4-FFF2-40B4-BE49-F238E27FC236}">
+                <a16:creationId xmlns:a16="http://schemas.microsoft.com/office/drawing/2014/main" id="{0D785356-B884-4827-9B57-F11AA1E300EE}"/>
+              </a:ext>
+            </a:extLst>
+          </p:cNvPr>
+          <p:cNvSpPr>
+            <a:spLocks noGrp="1"/>
+          </p:cNvSpPr>
+          <p:nvPr>
+            <p:ph type="pic" sz="quarter" idx="10"/>
+          </p:nvPr>
+        </p:nvSpPr>
+        <p:spPr/>
+      </p:sp>
+      <p:sp>
+        <p:nvSpPr>
+          <p:cNvPr id="3" name="Text Placeholder 2">
+            <a:extLst>
+              <a:ext uri="{FF2B5EF4-FFF2-40B4-BE49-F238E27FC236}">
+                <a16:creationId xmlns:a16="http://schemas.microsoft.com/office/drawing/2014/main" id="{7BE3B7D5-6736-4CA7-AD92-739472064C34}"/>
+              </a:ext>
+            </a:extLst>
+          </p:cNvPr>
+          <p:cNvSpPr>
+            <a:spLocks noGrp="1"/>
+          </p:cNvSpPr>
+          <p:nvPr>
+            <p:ph type="body" sz="quarter" idx="17"/>
+          </p:nvPr>
+        </p:nvSpPr>
+        <p:spPr/>
+        <p:txBody>
+          <a:bodyPr/>
+          <a:lstStyle/>
+          <a:p>
+            <a:endParaRPr lang="en-US"/>
+          </a:p>
+        </p:txBody>
+      </p:sp>
+      <p:sp>
+        <p:nvSpPr>
+          <p:cNvPr id="4" name="Text Placeholder 3">
+            <a:extLst>
+              <a:ext uri="{FF2B5EF4-FFF2-40B4-BE49-F238E27FC236}">
+                <a16:creationId xmlns:a16="http://schemas.microsoft.com/office/drawing/2014/main" id="{196A9B53-B6AB-48D1-9260-32A9EC2FA3B1}"/>
+              </a:ext>
+            </a:extLst>
+          </p:cNvPr>
+          <p:cNvSpPr>
+            <a:spLocks noGrp="1"/>
+          </p:cNvSpPr>
+          <p:nvPr>
+            <p:ph type="body" sz="quarter" idx="19"/>
+          </p:nvPr>
+        </p:nvSpPr>
+        <p:spPr/>
+        <p:txBody>
+          <a:bodyPr/>
+          <a:lstStyle/>
+          <a:p>
+            <a:endParaRPr lang="en-US"/>
+          </a:p>
+        </p:txBody>
+      </p:sp>
+      <p:sp>
+        <p:nvSpPr>
+          <p:cNvPr id="5" name="Text Placeholder 4">
+            <a:extLst>
+              <a:ext uri="{FF2B5EF4-FFF2-40B4-BE49-F238E27FC236}">
+                <a16:creationId xmlns:a16="http://schemas.microsoft.com/office/drawing/2014/main" id="{CA2A184B-076E-439B-8FEE-295A00FA4A34}"/>
+              </a:ext>
+            </a:extLst>
+          </p:cNvPr>
+          <p:cNvSpPr>
+            <a:spLocks noGrp="1"/>
+          </p:cNvSpPr>
+          <p:nvPr>
+            <p:ph type="body" sz="quarter" idx="21"/>
+          </p:nvPr>
+        </p:nvSpPr>
+        <p:spPr/>
+        <p:txBody>
+          <a:bodyPr/>
+          <a:lstStyle/>
+          <a:p>
+            <a:endParaRPr lang="en-US"/>
+          </a:p>
+        </p:txBody>
+      </p:sp>
+      <p:sp>
+        <p:nvSpPr>
+          <p:cNvPr id="6" name="Text Placeholder 5">
+            <a:extLst>
+              <a:ext uri="{FF2B5EF4-FFF2-40B4-BE49-F238E27FC236}">
+                <a16:creationId xmlns:a16="http://schemas.microsoft.com/office/drawing/2014/main" id="{7AE6A734-961D-4C43-9A94-FCFD57FBDE6D}"/>
+              </a:ext>
+            </a:extLst>
+          </p:cNvPr>
+          <p:cNvSpPr>
+            <a:spLocks noGrp="1"/>
+          </p:cNvSpPr>
+          <p:nvPr>
+            <p:ph type="body" sz="quarter" idx="23"/>
+          </p:nvPr>
+        </p:nvSpPr>
+        <p:spPr/>
+        <p:txBody>
+          <a:bodyPr/>
+          <a:lstStyle/>
+          <a:p>
+            <a:endParaRPr lang="en-US"/>
+          </a:p>
+        </p:txBody>
+      </p:sp>
+      <p:sp>
+        <p:nvSpPr>
+          <p:cNvPr id="7" name="Text Placeholder 6">
+            <a:extLst>
+              <a:ext uri="{FF2B5EF4-FFF2-40B4-BE49-F238E27FC236}">
+                <a16:creationId xmlns:a16="http://schemas.microsoft.com/office/drawing/2014/main" id="{3B1FBA03-8E6F-4305-A674-838694135A0B}"/>
+              </a:ext>
+            </a:extLst>
+          </p:cNvPr>
+          <p:cNvSpPr>
+            <a:spLocks noGrp="1"/>
+          </p:cNvSpPr>
+          <p:nvPr>
+            <p:ph type="body" sz="quarter" idx="24"/>
+          </p:nvPr>
+        </p:nvSpPr>
+        <p:spPr/>
+        <p:txBody>
+          <a:bodyPr/>
+          <a:lstStyle/>
+          <a:p>
+            <a:endParaRPr lang="en-US"/>
+          </a:p>
+        </p:txBody>
+      </p:sp>
+      <p:sp>
+        <p:nvSpPr>
+          <p:cNvPr id="8" name="Text Placeholder 7">
+            <a:extLst>
+              <a:ext uri="{FF2B5EF4-FFF2-40B4-BE49-F238E27FC236}">
+                <a16:creationId xmlns:a16="http://schemas.microsoft.com/office/drawing/2014/main" id="{E1699D78-FE6D-491A-B0DA-D629BC462262}"/>
+              </a:ext>
+            </a:extLst>
+          </p:cNvPr>
+          <p:cNvSpPr>
+            <a:spLocks noGrp="1"/>
+          </p:cNvSpPr>
+          <p:nvPr>
+            <p:ph type="body" sz="quarter" idx="25"/>
+          </p:nvPr>
+        </p:nvSpPr>
+        <p:spPr/>
+        <p:txBody>
+          <a:bodyPr/>
+          <a:lstStyle/>
+          <a:p>
+            <a:endParaRPr lang="en-US"/>
+          </a:p>
+        </p:txBody>
+      </p:sp>
+      <p:sp>
+        <p:nvSpPr>
+          <p:cNvPr id="9" name="Text Placeholder 8">
+            <a:extLst>
+              <a:ext uri="{FF2B5EF4-FFF2-40B4-BE49-F238E27FC236}">
+                <a16:creationId xmlns:a16="http://schemas.microsoft.com/office/drawing/2014/main" id="{5C78F402-CA66-4211-9A9B-AA02E4938CAC}"/>
+              </a:ext>
+            </a:extLst>
+          </p:cNvPr>
+          <p:cNvSpPr>
+            <a:spLocks noGrp="1"/>
+          </p:cNvSpPr>
+          <p:nvPr>
+            <p:ph type="body" sz="quarter" idx="26"/>
+          </p:nvPr>
+        </p:nvSpPr>
+        <p:spPr/>
+        <p:txBody>
+          <a:bodyPr/>
+          <a:lstStyle/>
+          <a:p>
+            <a:endParaRPr lang="en-US"/>
+          </a:p>
+        </p:txBody>
+      </p:sp>
+      <p:sp>
+        <p:nvSpPr>
+          <p:cNvPr id="10" name="Text Placeholder 9">
+            <a:extLst>
+              <a:ext uri="{FF2B5EF4-FFF2-40B4-BE49-F238E27FC236}">
+                <a16:creationId xmlns:a16="http://schemas.microsoft.com/office/drawing/2014/main" id="{A8085B8B-369F-48C8-A49E-4F789BA62241}"/>
+              </a:ext>
+            </a:extLst>
+          </p:cNvPr>
+          <p:cNvSpPr>
+            <a:spLocks noGrp="1"/>
+          </p:cNvSpPr>
+          <p:nvPr>
+            <p:ph type="body" sz="quarter" idx="27"/>
+          </p:nvPr>
+        </p:nvSpPr>
+        <p:spPr/>
+        <p:txBody>
+          <a:bodyPr/>
+          <a:lstStyle/>
+          <a:p>
+            <a:endParaRPr lang="en-US"/>
+          </a:p>
+        </p:txBody>
+      </p:sp>
+      <p:sp>
+        <p:nvSpPr>
+          <p:cNvPr id="11" name="Text Placeholder 10">
+            <a:extLst>
+              <a:ext uri="{FF2B5EF4-FFF2-40B4-BE49-F238E27FC236}">
+                <a16:creationId xmlns:a16="http://schemas.microsoft.com/office/drawing/2014/main" id="{02AD28AE-4348-4C29-BFFE-E8F4A38A9D4E}"/>
+              </a:ext>
+            </a:extLst>
+          </p:cNvPr>
+          <p:cNvSpPr>
+            <a:spLocks noGrp="1"/>
+          </p:cNvSpPr>
+          <p:nvPr>
+            <p:ph type="body" sz="quarter" idx="28"/>
+          </p:nvPr>
+        </p:nvSpPr>
+        <p:spPr/>
+        <p:txBody>
+          <a:bodyPr/>
+          <a:lstStyle/>
+          <a:p>
+            <a:endParaRPr lang="en-US"/>
+          </a:p>
+        </p:txBody>
+      </p:sp>
+      <p:sp>
+        <p:nvSpPr>
+          <p:cNvPr id="12" name="Text Placeholder 11">
+            <a:extLst>
+              <a:ext uri="{FF2B5EF4-FFF2-40B4-BE49-F238E27FC236}">
+                <a16:creationId xmlns:a16="http://schemas.microsoft.com/office/drawing/2014/main" id="{A84CBEA0-750A-4EB9-AA8C-5C0A5B31E28D}"/>
+              </a:ext>
+            </a:extLst>
+          </p:cNvPr>
+          <p:cNvSpPr>
+            <a:spLocks noGrp="1"/>
+          </p:cNvSpPr>
+          <p:nvPr>
+            <p:ph type="body" sz="quarter" idx="29"/>
+          </p:nvPr>
+        </p:nvSpPr>
+        <p:spPr/>
+        <p:txBody>
+          <a:bodyPr/>
+          <a:lstStyle/>
+          <a:p>
+            <a:endParaRPr lang="en-US"/>
+          </a:p>
+        </p:txBody>
+      </p:sp>
+      <p:sp>
+        <p:nvSpPr>
+          <p:cNvPr id="13" name="Text Placeholder 12">
+            <a:extLst>
+              <a:ext uri="{FF2B5EF4-FFF2-40B4-BE49-F238E27FC236}">
+                <a16:creationId xmlns:a16="http://schemas.microsoft.com/office/drawing/2014/main" id="{DD0806E6-A051-4896-B2C8-440402E3018E}"/>
+              </a:ext>
+            </a:extLst>
+          </p:cNvPr>
+          <p:cNvSpPr>
+            <a:spLocks noGrp="1"/>
+          </p:cNvSpPr>
+          <p:nvPr>
+            <p:ph type="body" sz="quarter" idx="30"/>
+          </p:nvPr>
+        </p:nvSpPr>
+        <p:spPr/>
+        <p:txBody>
+          <a:bodyPr/>
+          <a:lstStyle/>
+          <a:p>
+            <a:endParaRPr lang="en-US"/>
+          </a:p>
+        </p:txBody>
+      </p:sp>
+      <p:sp>
+        <p:nvSpPr>
+          <p:cNvPr id="14" name="Text Placeholder 13">
+            <a:extLst>
+              <a:ext uri="{FF2B5EF4-FFF2-40B4-BE49-F238E27FC236}">
+                <a16:creationId xmlns:a16="http://schemas.microsoft.com/office/drawing/2014/main" id="{1FEBA63A-B9F2-4051-B8B3-0BCED8F6DB68}"/>
+              </a:ext>
+            </a:extLst>
+          </p:cNvPr>
+          <p:cNvSpPr>
+            <a:spLocks noGrp="1"/>
+          </p:cNvSpPr>
+          <p:nvPr>
+            <p:ph type="body" sz="quarter" idx="31"/>
+          </p:nvPr>
+        </p:nvSpPr>
+        <p:spPr/>
+        <p:txBody>
+          <a:bodyPr/>
+          <a:lstStyle/>
+          <a:p>
+            <a:endParaRPr lang="en-US"/>
+          </a:p>
+        </p:txBody>
+      </p:sp>
+      <p:sp>
+        <p:nvSpPr>
+          <p:cNvPr id="15" name="Text Placeholder 14">
+            <a:extLst>
+              <a:ext uri="{FF2B5EF4-FFF2-40B4-BE49-F238E27FC236}">
+                <a16:creationId xmlns:a16="http://schemas.microsoft.com/office/drawing/2014/main" id="{D969B6C9-8B5B-415C-A621-3763DCFEE3AC}"/>
+              </a:ext>
+            </a:extLst>
+          </p:cNvPr>
+          <p:cNvSpPr>
+            <a:spLocks noGrp="1"/>
+          </p:cNvSpPr>
+          <p:nvPr>
+            <p:ph type="body" sz="quarter" idx="32"/>
+          </p:nvPr>
+        </p:nvSpPr>
+        <p:spPr/>
+        <p:txBody>
+          <a:bodyPr/>
+          <a:lstStyle/>
+          <a:p>
+            <a:endParaRPr lang="en-US"/>
+          </a:p>
+        </p:txBody>
+      </p:sp>
+      <p:sp>
+        <p:nvSpPr>
+          <p:cNvPr id="16" name="Text Placeholder 15">
+            <a:extLst>
+              <a:ext uri="{FF2B5EF4-FFF2-40B4-BE49-F238E27FC236}">
+                <a16:creationId xmlns:a16="http://schemas.microsoft.com/office/drawing/2014/main" id="{5105502B-9315-40B4-9610-46AED13A9DEA}"/>
+              </a:ext>
+            </a:extLst>
+          </p:cNvPr>
+          <p:cNvSpPr>
+            <a:spLocks noGrp="1"/>
+          </p:cNvSpPr>
+          <p:nvPr>
+            <p:ph type="body" sz="quarter" idx="33"/>
+          </p:nvPr>
+        </p:nvSpPr>
+        <p:spPr/>
+        <p:txBody>
+          <a:bodyPr/>
+          <a:lstStyle/>
+          <a:p>
+            <a:endParaRPr lang="en-US"/>
+          </a:p>
+        </p:txBody>
+      </p:sp>
+    </p:spTree>
+    <p:extLst>
+      <p:ext uri="{BB962C8B-B14F-4D97-AF65-F5344CB8AC3E}">
+        <p14:creationId xmlns:p14="http://schemas.microsoft.com/office/powerpoint/2010/main" val="388763182"/>
+      </p:ext>
+    </p:extLst>
+  </p:cSld>
+  <p:clrMapOvr>
+    <a:masterClrMapping/>
+  </p:clrMapOvr>
+</p:sld>
+</file>
+
+<file path=ppt/slides/slide31.xml><?xml version="1.0" encoding="utf-8"?>
+<p:sld xmlns:a="http://schemas.openxmlformats.org/drawingml/2006/main" xmlns:r="http://schemas.openxmlformats.org/officeDocument/2006/relationships" xmlns:p="http://schemas.openxmlformats.org/presentationml/2006/main">
+  <p:cSld>
+    <p:spTree>
+      <p:nvGrpSpPr>
+        <p:cNvPr id="1" name=""/>
+        <p:cNvGrpSpPr/>
+        <p:nvPr/>
+      </p:nvGrpSpPr>
+      <p:grpSpPr>
+        <a:xfrm>
+          <a:off x="0" y="0"/>
+          <a:ext cx="0" cy="0"/>
+          <a:chOff x="0" y="0"/>
+          <a:chExt cx="0" cy="0"/>
+        </a:xfrm>
+      </p:grpSpPr>
+      <p:sp>
+        <p:nvSpPr>
           <p:cNvPr id="2" name="Title 1">
             <a:extLst>
               <a:ext uri="{FF2B5EF4-FFF2-40B4-BE49-F238E27FC236}">
@@ -39984,7 +39846,7 @@
 </p:sld>
 </file>
 
-<file path=ppt/slides/slide38.xml><?xml version="1.0" encoding="utf-8"?>
+<file path=ppt/slides/slide32.xml><?xml version="1.0" encoding="utf-8"?>
 <p:sld xmlns:a="http://schemas.openxmlformats.org/drawingml/2006/main" xmlns:r="http://schemas.openxmlformats.org/officeDocument/2006/relationships" xmlns:p="http://schemas.openxmlformats.org/presentationml/2006/main">
   <p:cSld>
     <p:spTree>
@@ -40033,10 +39895,10 @@
       </p:grpSpPr>
       <p:sp>
         <p:nvSpPr>
-          <p:cNvPr id="2" name="Subtitle 1">
-            <a:extLst>
-              <a:ext uri="{FF2B5EF4-FFF2-40B4-BE49-F238E27FC236}">
-                <a16:creationId xmlns:a16="http://schemas.microsoft.com/office/drawing/2014/main" id="{ABDB753A-7602-48E7-9CA8-A600C9006650}"/>
+          <p:cNvPr id="2" name="Title 1">
+            <a:extLst>
+              <a:ext uri="{FF2B5EF4-FFF2-40B4-BE49-F238E27FC236}">
+                <a16:creationId xmlns:a16="http://schemas.microsoft.com/office/drawing/2014/main" id="{28D09562-4D8D-434E-AE6A-6CF89E6B1BBF}"/>
               </a:ext>
             </a:extLst>
           </p:cNvPr>
@@ -40044,34 +39906,7 @@
             <a:spLocks noGrp="1"/>
           </p:cNvSpPr>
           <p:nvPr>
-            <p:ph type="subTitle" idx="1"/>
-          </p:nvPr>
-        </p:nvSpPr>
-        <p:spPr/>
-        <p:txBody>
-          <a:bodyPr>
-            <a:normAutofit lnSpcReduction="10000"/>
-          </a:bodyPr>
-          <a:lstStyle/>
-          <a:p>
-            <a:endParaRPr lang="en-US"/>
-          </a:p>
-        </p:txBody>
-      </p:sp>
-      <p:sp>
-        <p:nvSpPr>
-          <p:cNvPr id="3" name="Title 2">
-            <a:extLst>
-              <a:ext uri="{FF2B5EF4-FFF2-40B4-BE49-F238E27FC236}">
-                <a16:creationId xmlns:a16="http://schemas.microsoft.com/office/drawing/2014/main" id="{83E9E63C-B265-4ACC-8C97-09D1A8B0F4AF}"/>
-              </a:ext>
-            </a:extLst>
-          </p:cNvPr>
-          <p:cNvSpPr>
-            <a:spLocks noGrp="1"/>
-          </p:cNvSpPr>
-          <p:nvPr>
-            <p:ph type="ctrTitle"/>
+            <p:ph type="title"/>
           </p:nvPr>
         </p:nvSpPr>
         <p:spPr/>
@@ -40080,25 +39915,18 @@
           <a:lstStyle/>
           <a:p>
             <a:r>
-              <a:rPr lang="en-US" b="0" dirty="0"/>
-              <a:t>Title of the </a:t>
-            </a:r>
-            <a:br>
-              <a:rPr lang="en-US" b="0" dirty="0"/>
-            </a:br>
-            <a:r>
               <a:rPr lang="en-US" dirty="0"/>
-              <a:t>presentation (style 4)</a:t>
-            </a:r>
-          </a:p>
-        </p:txBody>
-      </p:sp>
-      <p:sp>
-        <p:nvSpPr>
-          <p:cNvPr id="4" name="Text Placeholder 3">
-            <a:extLst>
-              <a:ext uri="{FF2B5EF4-FFF2-40B4-BE49-F238E27FC236}">
-                <a16:creationId xmlns:a16="http://schemas.microsoft.com/office/drawing/2014/main" id="{3D2D805E-CA31-49A9-83CF-C2412971D5D3}"/>
+              <a:t>What is Typescript?</a:t>
+            </a:r>
+          </a:p>
+        </p:txBody>
+      </p:sp>
+      <p:sp>
+        <p:nvSpPr>
+          <p:cNvPr id="3" name="Text Placeholder 2">
+            <a:extLst>
+              <a:ext uri="{FF2B5EF4-FFF2-40B4-BE49-F238E27FC236}">
+                <a16:creationId xmlns:a16="http://schemas.microsoft.com/office/drawing/2014/main" id="{980004BA-4F47-4C5C-B300-EF35A2F015DB}"/>
               </a:ext>
             </a:extLst>
           </p:cNvPr>
@@ -40114,14 +39942,23 @@
           <a:bodyPr/>
           <a:lstStyle/>
           <a:p>
-            <a:endParaRPr lang="en-US"/>
+            <a:r>
+              <a:rPr lang="en-US" dirty="0"/>
+              <a:t>TypeScript is a programming language built and maintained by Microsoft.</a:t>
+            </a:r>
+          </a:p>
+          <a:p>
+            <a:r>
+              <a:rPr lang="en-US" dirty="0"/>
+              <a:t>TypeScript extends JavaScript by adding data types, classes, and other object-oriented features with type-checking. It is a typed superset of JavaScript that compiles to plain JavaScript.</a:t>
+            </a:r>
           </a:p>
         </p:txBody>
       </p:sp>
     </p:spTree>
     <p:extLst>
       <p:ext uri="{BB962C8B-B14F-4D97-AF65-F5344CB8AC3E}">
-        <p14:creationId xmlns:p14="http://schemas.microsoft.com/office/powerpoint/2010/main" val="2001109042"/>
+        <p14:creationId xmlns:p14="http://schemas.microsoft.com/office/powerpoint/2010/main" val="182555956"/>
       </p:ext>
     </p:extLst>
   </p:cSld>
@@ -40150,10 +39987,10 @@
       </p:grpSpPr>
       <p:sp>
         <p:nvSpPr>
-          <p:cNvPr id="2" name="Subtitle 1">
-            <a:extLst>
-              <a:ext uri="{FF2B5EF4-FFF2-40B4-BE49-F238E27FC236}">
-                <a16:creationId xmlns:a16="http://schemas.microsoft.com/office/drawing/2014/main" id="{49A11390-D9E4-6557-D8C2-A8FA9983A7E7}"/>
+          <p:cNvPr id="2" name="Title 1">
+            <a:extLst>
+              <a:ext uri="{FF2B5EF4-FFF2-40B4-BE49-F238E27FC236}">
+                <a16:creationId xmlns:a16="http://schemas.microsoft.com/office/drawing/2014/main" id="{28D09562-4D8D-434E-AE6A-6CF89E6B1BBF}"/>
               </a:ext>
             </a:extLst>
           </p:cNvPr>
@@ -40161,34 +39998,7 @@
             <a:spLocks noGrp="1"/>
           </p:cNvSpPr>
           <p:nvPr>
-            <p:ph type="subTitle" idx="1"/>
-          </p:nvPr>
-        </p:nvSpPr>
-        <p:spPr/>
-        <p:txBody>
-          <a:bodyPr>
-            <a:normAutofit lnSpcReduction="10000"/>
-          </a:bodyPr>
-          <a:lstStyle/>
-          <a:p>
-            <a:endParaRPr lang="en-VN"/>
-          </a:p>
-        </p:txBody>
-      </p:sp>
-      <p:sp>
-        <p:nvSpPr>
-          <p:cNvPr id="3" name="Title 2">
-            <a:extLst>
-              <a:ext uri="{FF2B5EF4-FFF2-40B4-BE49-F238E27FC236}">
-                <a16:creationId xmlns:a16="http://schemas.microsoft.com/office/drawing/2014/main" id="{31A3614F-2FD5-2230-35DF-6156D88F8FF9}"/>
-              </a:ext>
-            </a:extLst>
-          </p:cNvPr>
-          <p:cNvSpPr>
-            <a:spLocks noGrp="1"/>
-          </p:cNvSpPr>
-          <p:nvPr>
-            <p:ph type="ctrTitle"/>
+            <p:ph type="title"/>
           </p:nvPr>
         </p:nvSpPr>
         <p:spPr/>
@@ -40197,26 +40007,18 @@
           <a:lstStyle/>
           <a:p>
             <a:r>
-              <a:rPr lang="en-US" b="0" dirty="0"/>
-              <a:t>Title of the </a:t>
-            </a:r>
-            <a:br>
-              <a:rPr lang="en-US" b="0" dirty="0"/>
-            </a:br>
-            <a:r>
               <a:rPr lang="en-US" dirty="0"/>
-              <a:t>presentation (style 5)</a:t>
-            </a:r>
-            <a:endParaRPr lang="en-VN" dirty="0"/>
-          </a:p>
-        </p:txBody>
-      </p:sp>
-      <p:sp>
-        <p:nvSpPr>
-          <p:cNvPr id="4" name="Text Placeholder 3">
-            <a:extLst>
-              <a:ext uri="{FF2B5EF4-FFF2-40B4-BE49-F238E27FC236}">
-                <a16:creationId xmlns:a16="http://schemas.microsoft.com/office/drawing/2014/main" id="{6D31CF52-0761-FF5E-1243-D91E899F330D}"/>
+              <a:t>Basic Types</a:t>
+            </a:r>
+          </a:p>
+        </p:txBody>
+      </p:sp>
+      <p:sp>
+        <p:nvSpPr>
+          <p:cNvPr id="3" name="Text Placeholder 2">
+            <a:extLst>
+              <a:ext uri="{FF2B5EF4-FFF2-40B4-BE49-F238E27FC236}">
+                <a16:creationId xmlns:a16="http://schemas.microsoft.com/office/drawing/2014/main" id="{980004BA-4F47-4C5C-B300-EF35A2F015DB}"/>
               </a:ext>
             </a:extLst>
           </p:cNvPr>
@@ -40227,19 +40029,124 @@
             <p:ph type="body" sz="quarter" idx="11"/>
           </p:nvPr>
         </p:nvSpPr>
-        <p:spPr/>
+        <p:spPr>
+          <a:xfrm>
+            <a:off x="838404" y="1212987"/>
+            <a:ext cx="5257596" cy="4627975"/>
+          </a:xfrm>
+        </p:spPr>
         <p:txBody>
           <a:bodyPr/>
           <a:lstStyle/>
           <a:p>
-            <a:endParaRPr lang="en-VN"/>
+            <a:r>
+              <a:rPr lang="en-US" dirty="0"/>
+              <a:t>Boolean</a:t>
+            </a:r>
+          </a:p>
+          <a:p>
+            <a:r>
+              <a:rPr lang="en-US" dirty="0"/>
+              <a:t>Number</a:t>
+            </a:r>
+          </a:p>
+          <a:p>
+            <a:r>
+              <a:rPr lang="en-US" dirty="0"/>
+              <a:t>String</a:t>
+            </a:r>
+          </a:p>
+          <a:p>
+            <a:r>
+              <a:rPr lang="en-US" dirty="0"/>
+              <a:t>Array</a:t>
+            </a:r>
+          </a:p>
+          <a:p>
+            <a:r>
+              <a:rPr lang="en-US" dirty="0"/>
+              <a:t>Tuple</a:t>
+            </a:r>
+          </a:p>
+          <a:p>
+            <a:r>
+              <a:rPr lang="en-US" dirty="0" err="1"/>
+              <a:t>Enum</a:t>
+            </a:r>
+            <a:endParaRPr lang="en-US" dirty="0"/>
+          </a:p>
+        </p:txBody>
+      </p:sp>
+      <p:sp>
+        <p:nvSpPr>
+          <p:cNvPr id="5" name="Text Placeholder 2">
+            <a:extLst>
+              <a:ext uri="{FF2B5EF4-FFF2-40B4-BE49-F238E27FC236}">
+                <a16:creationId xmlns:a16="http://schemas.microsoft.com/office/drawing/2014/main" id="{DB2BD69B-44C6-4321-BEBF-B04C95E49C19}"/>
+              </a:ext>
+            </a:extLst>
+          </p:cNvPr>
+          <p:cNvSpPr>
+            <a:spLocks noGrp="1"/>
+          </p:cNvSpPr>
+          <p:nvPr>
+            <p:ph type="body" sz="quarter" idx="11"/>
+          </p:nvPr>
+        </p:nvSpPr>
+        <p:spPr>
+          <a:xfrm>
+            <a:off x="6096000" y="1212987"/>
+            <a:ext cx="5257596" cy="4627975"/>
+          </a:xfrm>
+        </p:spPr>
+        <p:txBody>
+          <a:bodyPr/>
+          <a:lstStyle/>
+          <a:p>
+            <a:r>
+              <a:rPr lang="en-US" dirty="0"/>
+              <a:t>Unknown</a:t>
+            </a:r>
+          </a:p>
+          <a:p>
+            <a:r>
+              <a:rPr lang="en-US" dirty="0"/>
+              <a:t>Any</a:t>
+            </a:r>
+          </a:p>
+          <a:p>
+            <a:r>
+              <a:rPr lang="en-US" dirty="0"/>
+              <a:t>Void</a:t>
+            </a:r>
+          </a:p>
+          <a:p>
+            <a:r>
+              <a:rPr lang="en-US" dirty="0"/>
+              <a:t>Null and Undefined</a:t>
+            </a:r>
+          </a:p>
+          <a:p>
+            <a:r>
+              <a:rPr lang="en-US" dirty="0"/>
+              <a:t>Never</a:t>
+            </a:r>
+          </a:p>
+          <a:p>
+            <a:r>
+              <a:rPr lang="en-US" dirty="0"/>
+              <a:t>Object</a:t>
+            </a:r>
+          </a:p>
+          <a:p>
+            <a:endParaRPr lang="en-US" dirty="0"/>
           </a:p>
         </p:txBody>
       </p:sp>
     </p:spTree>
     <p:extLst>
       <p:ext uri="{BB962C8B-B14F-4D97-AF65-F5344CB8AC3E}">
-        <p14:creationId xmlns:p14="http://schemas.microsoft.com/office/powerpoint/2010/main" val="160914103"/>
+        <p14:creationId xmlns:p14="http://schemas.microsoft.com/office/powerpoint/2010/main" val="3482756489"/>
       </p:ext>
     </p:extLst>
   </p:cSld>
@@ -40268,10 +40175,10 @@
       </p:grpSpPr>
       <p:sp>
         <p:nvSpPr>
-          <p:cNvPr id="2" name="Subtitle 1">
-            <a:extLst>
-              <a:ext uri="{FF2B5EF4-FFF2-40B4-BE49-F238E27FC236}">
-                <a16:creationId xmlns:a16="http://schemas.microsoft.com/office/drawing/2014/main" id="{EB9E4E26-B552-F6D2-33F0-537E78D0DCEE}"/>
+          <p:cNvPr id="2" name="Title 1">
+            <a:extLst>
+              <a:ext uri="{FF2B5EF4-FFF2-40B4-BE49-F238E27FC236}">
+                <a16:creationId xmlns:a16="http://schemas.microsoft.com/office/drawing/2014/main" id="{28D09562-4D8D-434E-AE6A-6CF89E6B1BBF}"/>
               </a:ext>
             </a:extLst>
           </p:cNvPr>
@@ -40279,34 +40186,7 @@
             <a:spLocks noGrp="1"/>
           </p:cNvSpPr>
           <p:nvPr>
-            <p:ph type="subTitle" idx="1"/>
-          </p:nvPr>
-        </p:nvSpPr>
-        <p:spPr/>
-        <p:txBody>
-          <a:bodyPr>
-            <a:normAutofit lnSpcReduction="10000"/>
-          </a:bodyPr>
-          <a:lstStyle/>
-          <a:p>
-            <a:endParaRPr lang="en-VN"/>
-          </a:p>
-        </p:txBody>
-      </p:sp>
-      <p:sp>
-        <p:nvSpPr>
-          <p:cNvPr id="3" name="Title 2">
-            <a:extLst>
-              <a:ext uri="{FF2B5EF4-FFF2-40B4-BE49-F238E27FC236}">
-                <a16:creationId xmlns:a16="http://schemas.microsoft.com/office/drawing/2014/main" id="{997BD206-5FF1-1EBC-2C67-92AD235A6696}"/>
-              </a:ext>
-            </a:extLst>
-          </p:cNvPr>
-          <p:cNvSpPr>
-            <a:spLocks noGrp="1"/>
-          </p:cNvSpPr>
-          <p:nvPr>
-            <p:ph type="ctrTitle"/>
+            <p:ph type="title"/>
           </p:nvPr>
         </p:nvSpPr>
         <p:spPr/>
@@ -40315,26 +40195,18 @@
           <a:lstStyle/>
           <a:p>
             <a:r>
-              <a:rPr lang="en-US" b="0" dirty="0"/>
-              <a:t>Title of the </a:t>
-            </a:r>
-            <a:br>
-              <a:rPr lang="en-US" b="0" dirty="0"/>
-            </a:br>
-            <a:r>
               <a:rPr lang="en-US" dirty="0"/>
-              <a:t>presentation (style 6)</a:t>
-            </a:r>
-            <a:endParaRPr lang="en-VN" dirty="0"/>
-          </a:p>
-        </p:txBody>
-      </p:sp>
-      <p:sp>
-        <p:nvSpPr>
-          <p:cNvPr id="4" name="Text Placeholder 3">
-            <a:extLst>
-              <a:ext uri="{FF2B5EF4-FFF2-40B4-BE49-F238E27FC236}">
-                <a16:creationId xmlns:a16="http://schemas.microsoft.com/office/drawing/2014/main" id="{1A76B1D0-E57B-FF08-F4B7-879BFEF5F6CE}"/>
+              <a:t>Main feature of Typescript</a:t>
+            </a:r>
+          </a:p>
+        </p:txBody>
+      </p:sp>
+      <p:sp>
+        <p:nvSpPr>
+          <p:cNvPr id="3" name="Text Placeholder 2">
+            <a:extLst>
+              <a:ext uri="{FF2B5EF4-FFF2-40B4-BE49-F238E27FC236}">
+                <a16:creationId xmlns:a16="http://schemas.microsoft.com/office/drawing/2014/main" id="{980004BA-4F47-4C5C-B300-EF35A2F015DB}"/>
               </a:ext>
             </a:extLst>
           </p:cNvPr>
@@ -40350,14 +40222,70 @@
           <a:bodyPr/>
           <a:lstStyle/>
           <a:p>
-            <a:endParaRPr lang="en-VN"/>
+            <a:r>
+              <a:rPr lang="en-US" dirty="0"/>
+              <a:t>Type Annotations in TypeScript</a:t>
+            </a:r>
+          </a:p>
+          <a:p>
+            <a:pPr lvl="1"/>
+            <a:r>
+              <a:rPr lang="en-US" dirty="0"/>
+              <a:t>Type annotation simply means assigning a type to a variable or function</a:t>
+            </a:r>
+          </a:p>
+          <a:p>
+            <a:r>
+              <a:rPr lang="en-US" dirty="0"/>
+              <a:t>Structural Typing in TypeScript</a:t>
+            </a:r>
+          </a:p>
+          <a:p>
+            <a:pPr lvl="1"/>
+            <a:r>
+              <a:rPr lang="en-US" dirty="0"/>
+              <a:t>TypeScript is a structurally typed language meaning that if two elements have corresponding and identical features then they are considered to be of the same type</a:t>
+            </a:r>
+          </a:p>
+          <a:p>
+            <a:r>
+              <a:rPr lang="en-US" dirty="0"/>
+              <a:t>Type Inference in TypeScript</a:t>
+            </a:r>
+          </a:p>
+          <a:p>
+            <a:pPr lvl="1"/>
+            <a:r>
+              <a:rPr lang="en-US" dirty="0"/>
+              <a:t>The TypeScript compiler can attempt to infer the type information if there is no specific type assigned.</a:t>
+            </a:r>
+          </a:p>
+          <a:p>
+            <a:pPr lvl="1"/>
+            <a:r>
+              <a:rPr lang="en-US" dirty="0"/>
+              <a:t>TypeScript can assign a type to a variable or function based on its initial values or usage</a:t>
+            </a:r>
+          </a:p>
+          <a:p>
+            <a:r>
+              <a:rPr lang="en-US" dirty="0"/>
+              <a:t>Type Erasure in TypeScript</a:t>
+            </a:r>
+          </a:p>
+          <a:p>
+            <a:pPr lvl="1"/>
+            <a:r>
+              <a:rPr lang="en-US" dirty="0"/>
+              <a:t>TypeScript removes the type system constructs during compilation</a:t>
+            </a:r>
           </a:p>
         </p:txBody>
       </p:sp>
     </p:spTree>
     <p:extLst>
       <p:ext uri="{BB962C8B-B14F-4D97-AF65-F5344CB8AC3E}">
-        <p14:creationId xmlns:p14="http://schemas.microsoft.com/office/powerpoint/2010/main" val="4102692261"/>
+        <p14:creationId xmlns:p14="http://schemas.microsoft.com/office/powerpoint/2010/main" val="3759327444"/>
       </p:ext>
     </p:extLst>
   </p:cSld>
@@ -40386,10 +40314,10 @@
       </p:grpSpPr>
       <p:sp>
         <p:nvSpPr>
-          <p:cNvPr id="2" name="Subtitle 1">
-            <a:extLst>
-              <a:ext uri="{FF2B5EF4-FFF2-40B4-BE49-F238E27FC236}">
-                <a16:creationId xmlns:a16="http://schemas.microsoft.com/office/drawing/2014/main" id="{AFC90E4E-52B5-E9F8-BC92-2330349D8AF0}"/>
+          <p:cNvPr id="2" name="Title 1">
+            <a:extLst>
+              <a:ext uri="{FF2B5EF4-FFF2-40B4-BE49-F238E27FC236}">
+                <a16:creationId xmlns:a16="http://schemas.microsoft.com/office/drawing/2014/main" id="{28D09562-4D8D-434E-AE6A-6CF89E6B1BBF}"/>
               </a:ext>
             </a:extLst>
           </p:cNvPr>
@@ -40397,34 +40325,7 @@
             <a:spLocks noGrp="1"/>
           </p:cNvSpPr>
           <p:nvPr>
-            <p:ph type="subTitle" idx="1"/>
-          </p:nvPr>
-        </p:nvSpPr>
-        <p:spPr/>
-        <p:txBody>
-          <a:bodyPr>
-            <a:normAutofit lnSpcReduction="10000"/>
-          </a:bodyPr>
-          <a:lstStyle/>
-          <a:p>
-            <a:endParaRPr lang="en-VN"/>
-          </a:p>
-        </p:txBody>
-      </p:sp>
-      <p:sp>
-        <p:nvSpPr>
-          <p:cNvPr id="3" name="Title 2">
-            <a:extLst>
-              <a:ext uri="{FF2B5EF4-FFF2-40B4-BE49-F238E27FC236}">
-                <a16:creationId xmlns:a16="http://schemas.microsoft.com/office/drawing/2014/main" id="{8EE94BC7-2D95-DCBA-2AD5-511DF4705ACE}"/>
-              </a:ext>
-            </a:extLst>
-          </p:cNvPr>
-          <p:cNvSpPr>
-            <a:spLocks noGrp="1"/>
-          </p:cNvSpPr>
-          <p:nvPr>
-            <p:ph type="ctrTitle"/>
+            <p:ph type="title"/>
           </p:nvPr>
         </p:nvSpPr>
         <p:spPr/>
@@ -40433,26 +40334,18 @@
           <a:lstStyle/>
           <a:p>
             <a:r>
-              <a:rPr lang="en-US" b="0" dirty="0"/>
-              <a:t>Title of the </a:t>
-            </a:r>
-            <a:br>
-              <a:rPr lang="en-US" b="0" dirty="0"/>
-            </a:br>
-            <a:r>
               <a:rPr lang="en-US" dirty="0"/>
-              <a:t>presentation (style 7)</a:t>
-            </a:r>
-            <a:endParaRPr lang="en-VN" dirty="0"/>
-          </a:p>
-        </p:txBody>
-      </p:sp>
-      <p:sp>
-        <p:nvSpPr>
-          <p:cNvPr id="4" name="Text Placeholder 3">
-            <a:extLst>
-              <a:ext uri="{FF2B5EF4-FFF2-40B4-BE49-F238E27FC236}">
-                <a16:creationId xmlns:a16="http://schemas.microsoft.com/office/drawing/2014/main" id="{FB8D7172-C30B-5177-A0A2-ED3F1448D828}"/>
+              <a:t>Why use TypeScript?</a:t>
+            </a:r>
+          </a:p>
+        </p:txBody>
+      </p:sp>
+      <p:sp>
+        <p:nvSpPr>
+          <p:cNvPr id="3" name="Text Placeholder 2">
+            <a:extLst>
+              <a:ext uri="{FF2B5EF4-FFF2-40B4-BE49-F238E27FC236}">
+                <a16:creationId xmlns:a16="http://schemas.microsoft.com/office/drawing/2014/main" id="{980004BA-4F47-4C5C-B300-EF35A2F015DB}"/>
               </a:ext>
             </a:extLst>
           </p:cNvPr>
@@ -40468,14 +40361,51 @@
           <a:bodyPr/>
           <a:lstStyle/>
           <a:p>
-            <a:endParaRPr lang="en-VN"/>
+            <a:r>
+              <a:rPr lang="en-US" dirty="0"/>
+              <a:t>Type checking and static code analysis</a:t>
+            </a:r>
+          </a:p>
+          <a:p>
+            <a:pPr lvl="1"/>
+            <a:r>
+              <a:rPr lang="en-US" dirty="0"/>
+              <a:t>This reduces the overall errors in your code because TS will warn you when you wrongfully use a certain type</a:t>
+            </a:r>
+          </a:p>
+          <a:p>
+            <a:pPr lvl="1"/>
+            <a:r>
+              <a:rPr lang="en-US" dirty="0"/>
+              <a:t>It also reduces runtime errors and because of static code analysis. TS will throw warnings about typos and such. So this means fewer errors which could potentially mean less testing</a:t>
+            </a:r>
+          </a:p>
+          <a:p>
+            <a:r>
+              <a:rPr lang="en-US" dirty="0"/>
+              <a:t>Type annotations can act like code documentation</a:t>
+            </a:r>
+          </a:p>
+          <a:p>
+            <a:pPr lvl="1"/>
+            <a:r>
+              <a:rPr lang="en-US" dirty="0"/>
+              <a:t>Type annotations help us to know what type of arguments a function expects</a:t>
+            </a:r>
+          </a:p>
+          <a:p>
+            <a:pPr lvl="1"/>
+            <a:r>
+              <a:rPr lang="en-US" dirty="0"/>
+              <a:t>This makes code more readable and makes it easier to understand what the code is supposed to do</a:t>
+            </a:r>
           </a:p>
         </p:txBody>
       </p:sp>
     </p:spTree>
     <p:extLst>
       <p:ext uri="{BB962C8B-B14F-4D97-AF65-F5344CB8AC3E}">
-        <p14:creationId xmlns:p14="http://schemas.microsoft.com/office/powerpoint/2010/main" val="174224765"/>
+        <p14:creationId xmlns:p14="http://schemas.microsoft.com/office/powerpoint/2010/main" val="2853654414"/>
       </p:ext>
     </p:extLst>
   </p:cSld>
@@ -40504,10 +40434,10 @@
       </p:grpSpPr>
       <p:sp>
         <p:nvSpPr>
-          <p:cNvPr id="2" name="Subtitle 1">
-            <a:extLst>
-              <a:ext uri="{FF2B5EF4-FFF2-40B4-BE49-F238E27FC236}">
-                <a16:creationId xmlns:a16="http://schemas.microsoft.com/office/drawing/2014/main" id="{B0A9732D-3CA3-CE2F-087C-9D07D5BBF5B4}"/>
+          <p:cNvPr id="2" name="Title 1">
+            <a:extLst>
+              <a:ext uri="{FF2B5EF4-FFF2-40B4-BE49-F238E27FC236}">
+                <a16:creationId xmlns:a16="http://schemas.microsoft.com/office/drawing/2014/main" id="{28D09562-4D8D-434E-AE6A-6CF89E6B1BBF}"/>
               </a:ext>
             </a:extLst>
           </p:cNvPr>
@@ -40515,34 +40445,7 @@
             <a:spLocks noGrp="1"/>
           </p:cNvSpPr>
           <p:nvPr>
-            <p:ph type="subTitle" idx="1"/>
-          </p:nvPr>
-        </p:nvSpPr>
-        <p:spPr/>
-        <p:txBody>
-          <a:bodyPr>
-            <a:normAutofit lnSpcReduction="10000"/>
-          </a:bodyPr>
-          <a:lstStyle/>
-          <a:p>
-            <a:endParaRPr lang="en-VN"/>
-          </a:p>
-        </p:txBody>
-      </p:sp>
-      <p:sp>
-        <p:nvSpPr>
-          <p:cNvPr id="3" name="Title 2">
-            <a:extLst>
-              <a:ext uri="{FF2B5EF4-FFF2-40B4-BE49-F238E27FC236}">
-                <a16:creationId xmlns:a16="http://schemas.microsoft.com/office/drawing/2014/main" id="{1B0A5E9E-C983-AE02-AAAE-31A59EE713C6}"/>
-              </a:ext>
-            </a:extLst>
-          </p:cNvPr>
-          <p:cNvSpPr>
-            <a:spLocks noGrp="1"/>
-          </p:cNvSpPr>
-          <p:nvPr>
-            <p:ph type="ctrTitle"/>
+            <p:ph type="title"/>
           </p:nvPr>
         </p:nvSpPr>
         <p:spPr/>
@@ -40551,26 +40454,18 @@
           <a:lstStyle/>
           <a:p>
             <a:r>
-              <a:rPr lang="en-US" b="0" dirty="0"/>
-              <a:t>Title of the </a:t>
-            </a:r>
-            <a:br>
-              <a:rPr lang="en-US" b="0" dirty="0"/>
-            </a:br>
-            <a:r>
               <a:rPr lang="en-US" dirty="0"/>
-              <a:t>presentation (style 8)</a:t>
-            </a:r>
-            <a:endParaRPr lang="en-VN" dirty="0"/>
-          </a:p>
-        </p:txBody>
-      </p:sp>
-      <p:sp>
-        <p:nvSpPr>
-          <p:cNvPr id="4" name="Text Placeholder 3">
-            <a:extLst>
-              <a:ext uri="{FF2B5EF4-FFF2-40B4-BE49-F238E27FC236}">
-                <a16:creationId xmlns:a16="http://schemas.microsoft.com/office/drawing/2014/main" id="{46B2EA24-684F-6FA5-6293-68954970C323}"/>
+              <a:t>NestJS Overview</a:t>
+            </a:r>
+          </a:p>
+        </p:txBody>
+      </p:sp>
+      <p:sp>
+        <p:nvSpPr>
+          <p:cNvPr id="3" name="Text Placeholder 2">
+            <a:extLst>
+              <a:ext uri="{FF2B5EF4-FFF2-40B4-BE49-F238E27FC236}">
+                <a16:creationId xmlns:a16="http://schemas.microsoft.com/office/drawing/2014/main" id="{980004BA-4F47-4C5C-B300-EF35A2F015DB}"/>
               </a:ext>
             </a:extLst>
           </p:cNvPr>
@@ -40586,14 +40481,100 @@
           <a:bodyPr/>
           <a:lstStyle/>
           <a:p>
-            <a:endParaRPr lang="en-VN"/>
-          </a:p>
-        </p:txBody>
-      </p:sp>
+            <a:r>
+              <a:rPr lang="en-US" dirty="0"/>
+              <a:t>What is NestJS?</a:t>
+            </a:r>
+          </a:p>
+          <a:p>
+            <a:pPr lvl="1"/>
+            <a:r>
+              <a:rPr lang="en-US" dirty="0"/>
+              <a:t>NestJS is a framework for building efficient, scalable Node.js server-side applications</a:t>
+            </a:r>
+          </a:p>
+          <a:p>
+            <a:pPr lvl="1"/>
+            <a:r>
+              <a:rPr lang="en-US" dirty="0"/>
+              <a:t>It uses progressive JS, is built with and fully supports TS</a:t>
+            </a:r>
+          </a:p>
+          <a:p>
+            <a:pPr lvl="1"/>
+            <a:r>
+              <a:rPr lang="en-US" dirty="0"/>
+              <a:t>It combines elements of OOP (Object Oriented Programming), FP ( Functional Programming), FRP (Functional Reactive Programming)</a:t>
+            </a:r>
+          </a:p>
+          <a:p>
+            <a:pPr lvl="1"/>
+            <a:r>
+              <a:rPr lang="en-US" dirty="0"/>
+              <a:t>Nest also uses robust Node.js frameworks, like </a:t>
+            </a:r>
+            <a:r>
+              <a:rPr lang="en-US" dirty="0">
+                <a:solidFill>
+                  <a:schemeClr val="accent5"/>
+                </a:solidFill>
+              </a:rPr>
+              <a:t>Express</a:t>
+            </a:r>
+            <a:r>
+              <a:rPr lang="en-US" dirty="0"/>
+              <a:t> (its default) and </a:t>
+            </a:r>
+            <a:r>
+              <a:rPr lang="en-US" dirty="0" err="1">
+                <a:solidFill>
+                  <a:schemeClr val="accent5"/>
+                </a:solidFill>
+              </a:rPr>
+              <a:t>Fastify</a:t>
+            </a:r>
+            <a:endParaRPr lang="en-US" dirty="0">
+              <a:solidFill>
+                <a:schemeClr val="accent5"/>
+              </a:solidFill>
+            </a:endParaRPr>
+          </a:p>
+        </p:txBody>
+      </p:sp>
+      <p:pic>
+        <p:nvPicPr>
+          <p:cNvPr id="4" name="Picture 3">
+            <a:extLst>
+              <a:ext uri="{FF2B5EF4-FFF2-40B4-BE49-F238E27FC236}">
+                <a16:creationId xmlns:a16="http://schemas.microsoft.com/office/drawing/2014/main" id="{4B068F33-E8A0-4842-8E63-08D4A95A179B}"/>
+              </a:ext>
+            </a:extLst>
+          </p:cNvPr>
+          <p:cNvPicPr>
+            <a:picLocks noChangeAspect="1"/>
+          </p:cNvPicPr>
+          <p:nvPr/>
+        </p:nvPicPr>
+        <p:blipFill>
+          <a:blip r:embed="rId2"/>
+          <a:stretch>
+            <a:fillRect/>
+          </a:stretch>
+        </p:blipFill>
+        <p:spPr>
+          <a:xfrm>
+            <a:off x="3841343" y="3429000"/>
+            <a:ext cx="4509314" cy="2193720"/>
+          </a:xfrm>
+          <a:prstGeom prst="rect">
+            <a:avLst/>
+          </a:prstGeom>
+        </p:spPr>
+      </p:pic>
     </p:spTree>
     <p:extLst>
       <p:ext uri="{BB962C8B-B14F-4D97-AF65-F5344CB8AC3E}">
-        <p14:creationId xmlns:p14="http://schemas.microsoft.com/office/powerpoint/2010/main" val="2106026757"/>
+        <p14:creationId xmlns:p14="http://schemas.microsoft.com/office/powerpoint/2010/main" val="10119256"/>
       </p:ext>
     </p:extLst>
   </p:cSld>
@@ -40625,7 +40606,7 @@
           <p:cNvPr id="2" name="Title 1">
             <a:extLst>
               <a:ext uri="{FF2B5EF4-FFF2-40B4-BE49-F238E27FC236}">
-                <a16:creationId xmlns:a16="http://schemas.microsoft.com/office/drawing/2014/main" id="{0946C975-5228-4D9F-89C3-B4CA163E81A5}"/>
+                <a16:creationId xmlns:a16="http://schemas.microsoft.com/office/drawing/2014/main" id="{28D09562-4D8D-434E-AE6A-6CF89E6B1BBF}"/>
               </a:ext>
             </a:extLst>
           </p:cNvPr>
@@ -40633,7 +40614,7 @@
             <a:spLocks noGrp="1"/>
           </p:cNvSpPr>
           <p:nvPr>
-            <p:ph type="ctrTitle"/>
+            <p:ph type="title"/>
           </p:nvPr>
         </p:nvSpPr>
         <p:spPr/>
@@ -40642,24 +40623,565 @@
           <a:lstStyle/>
           <a:p>
             <a:r>
-              <a:rPr lang="en-US" b="0" dirty="0"/>
-              <a:t>Title of the </a:t>
-            </a:r>
-            <a:br>
-              <a:rPr lang="en-US" b="0" dirty="0"/>
-            </a:br>
-            <a:r>
               <a:rPr lang="en-US" dirty="0"/>
-              <a:t>presentation (style 9)</a:t>
-            </a:r>
-            <a:endParaRPr lang="en-VN" dirty="0"/>
-          </a:p>
-        </p:txBody>
-      </p:sp>
+              <a:t>NestJS Architecture</a:t>
+            </a:r>
+          </a:p>
+        </p:txBody>
+      </p:sp>
+      <p:sp>
+        <p:nvSpPr>
+          <p:cNvPr id="3" name="Text Placeholder 2">
+            <a:extLst>
+              <a:ext uri="{FF2B5EF4-FFF2-40B4-BE49-F238E27FC236}">
+                <a16:creationId xmlns:a16="http://schemas.microsoft.com/office/drawing/2014/main" id="{980004BA-4F47-4C5C-B300-EF35A2F015DB}"/>
+              </a:ext>
+            </a:extLst>
+          </p:cNvPr>
+          <p:cNvSpPr>
+            <a:spLocks noGrp="1"/>
+          </p:cNvSpPr>
+          <p:nvPr>
+            <p:ph type="body" sz="quarter" idx="11"/>
+          </p:nvPr>
+        </p:nvSpPr>
+        <p:spPr>
+          <a:xfrm>
+            <a:off x="838404" y="1212987"/>
+            <a:ext cx="10293016" cy="1042077"/>
+          </a:xfrm>
+        </p:spPr>
+        <p:txBody>
+          <a:bodyPr/>
+          <a:lstStyle/>
+          <a:p>
+            <a:r>
+              <a:rPr lang="en-US" dirty="0"/>
+              <a:t>NestJS follows a modular and layered approach, combining concepts from both </a:t>
+            </a:r>
+            <a:r>
+              <a:rPr lang="en-US" b="1" dirty="0"/>
+              <a:t>3-tier architecture </a:t>
+            </a:r>
+            <a:r>
+              <a:rPr lang="en-US" dirty="0"/>
+              <a:t>and </a:t>
+            </a:r>
+            <a:r>
+              <a:rPr lang="en-US" b="1" dirty="0"/>
+              <a:t>the modular architecture </a:t>
+            </a:r>
+            <a:r>
+              <a:rPr lang="en-US" dirty="0"/>
+              <a:t>pattern</a:t>
+            </a:r>
+          </a:p>
+          <a:p>
+            <a:r>
+              <a:rPr lang="en-US" dirty="0"/>
+              <a:t>Its promotes separation of concerns, modularity, reusability, and testability</a:t>
+            </a:r>
+          </a:p>
+          <a:p>
+            <a:pPr lvl="1"/>
+            <a:endParaRPr lang="en-US" dirty="0"/>
+          </a:p>
+        </p:txBody>
+      </p:sp>
+      <p:pic>
+        <p:nvPicPr>
+          <p:cNvPr id="4" name="Picture 3">
+            <a:extLst>
+              <a:ext uri="{FF2B5EF4-FFF2-40B4-BE49-F238E27FC236}">
+                <a16:creationId xmlns:a16="http://schemas.microsoft.com/office/drawing/2014/main" id="{214801FC-7FA9-47F7-8A2E-21803226BBE0}"/>
+              </a:ext>
+            </a:extLst>
+          </p:cNvPr>
+          <p:cNvPicPr>
+            <a:picLocks noChangeAspect="1"/>
+          </p:cNvPicPr>
+          <p:nvPr/>
+        </p:nvPicPr>
+        <p:blipFill>
+          <a:blip r:embed="rId2"/>
+          <a:stretch>
+            <a:fillRect/>
+          </a:stretch>
+        </p:blipFill>
+        <p:spPr>
+          <a:xfrm>
+            <a:off x="1691563" y="2947051"/>
+            <a:ext cx="2948468" cy="3390738"/>
+          </a:xfrm>
+          <a:prstGeom prst="rect">
+            <a:avLst/>
+          </a:prstGeom>
+        </p:spPr>
+      </p:pic>
+      <p:sp>
+        <p:nvSpPr>
+          <p:cNvPr id="6" name="Text Placeholder 2">
+            <a:extLst>
+              <a:ext uri="{FF2B5EF4-FFF2-40B4-BE49-F238E27FC236}">
+                <a16:creationId xmlns:a16="http://schemas.microsoft.com/office/drawing/2014/main" id="{F1E945C4-8A99-4597-976E-AF6CA7144230}"/>
+              </a:ext>
+            </a:extLst>
+          </p:cNvPr>
+          <p:cNvSpPr txBox="1">
+            <a:spLocks/>
+          </p:cNvSpPr>
+          <p:nvPr/>
+        </p:nvSpPr>
+        <p:spPr>
+          <a:xfrm>
+            <a:off x="838199" y="2352756"/>
+            <a:ext cx="5257801" cy="4252198"/>
+          </a:xfrm>
+          <a:prstGeom prst="rect">
+            <a:avLst/>
+          </a:prstGeom>
+        </p:spPr>
+        <p:txBody>
+          <a:bodyPr vert="horz" lIns="91440" tIns="45720" rIns="91440" bIns="45720" rtlCol="0">
+            <a:normAutofit/>
+          </a:bodyPr>
+          <a:lstStyle>
+            <a:lvl1pPr marL="228600" indent="-228600" algn="l" defTabSz="914400" rtl="0" eaLnBrk="1" latinLnBrk="0" hangingPunct="1">
+              <a:lnSpc>
+                <a:spcPct val="90000"/>
+              </a:lnSpc>
+              <a:spcBef>
+                <a:spcPts val="1000"/>
+              </a:spcBef>
+              <a:buClr>
+                <a:schemeClr val="accent1"/>
+              </a:buClr>
+              <a:buFont typeface="Wingdings" panose="05000000000000000000" pitchFamily="2" charset="2"/>
+              <a:buChar char="§"/>
+              <a:defRPr sz="1800" kern="1200">
+                <a:solidFill>
+                  <a:schemeClr val="bg2"/>
+                </a:solidFill>
+                <a:latin typeface="+mn-lt"/>
+                <a:ea typeface="+mn-ea"/>
+                <a:cs typeface="+mn-cs"/>
+              </a:defRPr>
+            </a:lvl1pPr>
+            <a:lvl2pPr marL="685800" indent="-228600" algn="l" defTabSz="914400" rtl="0" eaLnBrk="1" latinLnBrk="0" hangingPunct="1">
+              <a:lnSpc>
+                <a:spcPct val="90000"/>
+              </a:lnSpc>
+              <a:spcBef>
+                <a:spcPts val="500"/>
+              </a:spcBef>
+              <a:buFont typeface="Arial" panose="020B0604020202020204" pitchFamily="34" charset="0"/>
+              <a:buChar char="−"/>
+              <a:defRPr sz="1600" kern="1200">
+                <a:solidFill>
+                  <a:schemeClr val="bg2"/>
+                </a:solidFill>
+                <a:latin typeface="+mn-lt"/>
+                <a:ea typeface="+mn-ea"/>
+                <a:cs typeface="+mn-cs"/>
+              </a:defRPr>
+            </a:lvl2pPr>
+            <a:lvl3pPr marL="1143000" indent="-228600" algn="l" defTabSz="914400" rtl="0" eaLnBrk="1" latinLnBrk="0" hangingPunct="1">
+              <a:lnSpc>
+                <a:spcPct val="90000"/>
+              </a:lnSpc>
+              <a:spcBef>
+                <a:spcPts val="500"/>
+              </a:spcBef>
+              <a:buFont typeface="Wingdings" panose="05000000000000000000" pitchFamily="2" charset="2"/>
+              <a:buChar char="§"/>
+              <a:defRPr sz="1400" kern="1200">
+                <a:solidFill>
+                  <a:schemeClr val="bg2"/>
+                </a:solidFill>
+                <a:latin typeface="+mn-lt"/>
+                <a:ea typeface="+mn-ea"/>
+                <a:cs typeface="+mn-cs"/>
+              </a:defRPr>
+            </a:lvl3pPr>
+            <a:lvl4pPr marL="1600200" indent="-228600" algn="l" defTabSz="914400" rtl="0" eaLnBrk="1" latinLnBrk="0" hangingPunct="1">
+              <a:lnSpc>
+                <a:spcPct val="90000"/>
+              </a:lnSpc>
+              <a:spcBef>
+                <a:spcPts val="500"/>
+              </a:spcBef>
+              <a:buClr>
+                <a:schemeClr val="tx2">
+                  <a:lumMod val="75000"/>
+                </a:schemeClr>
+              </a:buClr>
+              <a:buFont typeface="Wingdings" panose="05000000000000000000" pitchFamily="2" charset="2"/>
+              <a:buChar char="§"/>
+              <a:defRPr sz="1200" kern="1200">
+                <a:solidFill>
+                  <a:schemeClr val="bg2"/>
+                </a:solidFill>
+                <a:latin typeface="+mn-lt"/>
+                <a:ea typeface="+mn-ea"/>
+                <a:cs typeface="+mn-cs"/>
+              </a:defRPr>
+            </a:lvl4pPr>
+            <a:lvl5pPr marL="2057400" indent="-228600" algn="l" defTabSz="914400" rtl="0" eaLnBrk="1" latinLnBrk="0" hangingPunct="1">
+              <a:lnSpc>
+                <a:spcPct val="90000"/>
+              </a:lnSpc>
+              <a:spcBef>
+                <a:spcPts val="500"/>
+              </a:spcBef>
+              <a:buClr>
+                <a:schemeClr val="bg2"/>
+              </a:buClr>
+              <a:buSzPct val="70000"/>
+              <a:buFont typeface="Wingdings" pitchFamily="2" charset="2"/>
+              <a:buChar char="§"/>
+              <a:defRPr sz="1200" kern="1200">
+                <a:solidFill>
+                  <a:schemeClr val="bg2"/>
+                </a:solidFill>
+                <a:latin typeface="+mn-lt"/>
+                <a:ea typeface="+mn-ea"/>
+                <a:cs typeface="+mn-cs"/>
+              </a:defRPr>
+            </a:lvl5pPr>
+            <a:lvl6pPr marL="2514600" indent="-228600" algn="l" defTabSz="914400" rtl="0" eaLnBrk="1" latinLnBrk="0" hangingPunct="1">
+              <a:lnSpc>
+                <a:spcPct val="90000"/>
+              </a:lnSpc>
+              <a:spcBef>
+                <a:spcPts val="500"/>
+              </a:spcBef>
+              <a:buFont typeface="Arial" panose="020B0604020202020204" pitchFamily="34" charset="0"/>
+              <a:buChar char="•"/>
+              <a:defRPr sz="1800" kern="1200">
+                <a:solidFill>
+                  <a:schemeClr val="tx1"/>
+                </a:solidFill>
+                <a:latin typeface="+mn-lt"/>
+                <a:ea typeface="+mn-ea"/>
+                <a:cs typeface="+mn-cs"/>
+              </a:defRPr>
+            </a:lvl6pPr>
+            <a:lvl7pPr marL="2971800" indent="-228600" algn="l" defTabSz="914400" rtl="0" eaLnBrk="1" latinLnBrk="0" hangingPunct="1">
+              <a:lnSpc>
+                <a:spcPct val="90000"/>
+              </a:lnSpc>
+              <a:spcBef>
+                <a:spcPts val="500"/>
+              </a:spcBef>
+              <a:buFont typeface="Arial" panose="020B0604020202020204" pitchFamily="34" charset="0"/>
+              <a:buChar char="•"/>
+              <a:defRPr sz="1800" kern="1200">
+                <a:solidFill>
+                  <a:schemeClr val="tx1"/>
+                </a:solidFill>
+                <a:latin typeface="+mn-lt"/>
+                <a:ea typeface="+mn-ea"/>
+                <a:cs typeface="+mn-cs"/>
+              </a:defRPr>
+            </a:lvl7pPr>
+            <a:lvl8pPr marL="3429000" indent="-228600" algn="l" defTabSz="914400" rtl="0" eaLnBrk="1" latinLnBrk="0" hangingPunct="1">
+              <a:lnSpc>
+                <a:spcPct val="90000"/>
+              </a:lnSpc>
+              <a:spcBef>
+                <a:spcPts val="500"/>
+              </a:spcBef>
+              <a:buFont typeface="Arial" panose="020B0604020202020204" pitchFamily="34" charset="0"/>
+              <a:buChar char="•"/>
+              <a:defRPr sz="1800" kern="1200">
+                <a:solidFill>
+                  <a:schemeClr val="tx1"/>
+                </a:solidFill>
+                <a:latin typeface="+mn-lt"/>
+                <a:ea typeface="+mn-ea"/>
+                <a:cs typeface="+mn-cs"/>
+              </a:defRPr>
+            </a:lvl8pPr>
+            <a:lvl9pPr marL="3886200" indent="-228600" algn="l" defTabSz="914400" rtl="0" eaLnBrk="1" latinLnBrk="0" hangingPunct="1">
+              <a:lnSpc>
+                <a:spcPct val="90000"/>
+              </a:lnSpc>
+              <a:spcBef>
+                <a:spcPts val="500"/>
+              </a:spcBef>
+              <a:buFont typeface="Arial" panose="020B0604020202020204" pitchFamily="34" charset="0"/>
+              <a:buChar char="•"/>
+              <a:defRPr sz="1800" kern="1200">
+                <a:solidFill>
+                  <a:schemeClr val="tx1"/>
+                </a:solidFill>
+                <a:latin typeface="+mn-lt"/>
+                <a:ea typeface="+mn-ea"/>
+                <a:cs typeface="+mn-cs"/>
+              </a:defRPr>
+            </a:lvl9pPr>
+          </a:lstStyle>
+          <a:p>
+            <a:r>
+              <a:rPr lang="en-US" dirty="0"/>
+              <a:t>3-tier architecture</a:t>
+            </a:r>
+          </a:p>
+          <a:p>
+            <a:pPr lvl="1"/>
+            <a:endParaRPr lang="en-US" dirty="0"/>
+          </a:p>
+        </p:txBody>
+      </p:sp>
+      <p:sp>
+        <p:nvSpPr>
+          <p:cNvPr id="8" name="Text Placeholder 2">
+            <a:extLst>
+              <a:ext uri="{FF2B5EF4-FFF2-40B4-BE49-F238E27FC236}">
+                <a16:creationId xmlns:a16="http://schemas.microsoft.com/office/drawing/2014/main" id="{533BE933-A8EB-4088-9FE2-A5A9B47B1218}"/>
+              </a:ext>
+            </a:extLst>
+          </p:cNvPr>
+          <p:cNvSpPr txBox="1">
+            <a:spLocks/>
+          </p:cNvSpPr>
+          <p:nvPr/>
+        </p:nvSpPr>
+        <p:spPr>
+          <a:xfrm>
+            <a:off x="5991219" y="2352756"/>
+            <a:ext cx="5257801" cy="4252198"/>
+          </a:xfrm>
+          <a:prstGeom prst="rect">
+            <a:avLst/>
+          </a:prstGeom>
+        </p:spPr>
+        <p:txBody>
+          <a:bodyPr vert="horz" lIns="91440" tIns="45720" rIns="91440" bIns="45720" rtlCol="0">
+            <a:normAutofit/>
+          </a:bodyPr>
+          <a:lstStyle>
+            <a:lvl1pPr marL="228600" indent="-228600" algn="l" defTabSz="914400" rtl="0" eaLnBrk="1" latinLnBrk="0" hangingPunct="1">
+              <a:lnSpc>
+                <a:spcPct val="90000"/>
+              </a:lnSpc>
+              <a:spcBef>
+                <a:spcPts val="1000"/>
+              </a:spcBef>
+              <a:buClr>
+                <a:schemeClr val="accent1"/>
+              </a:buClr>
+              <a:buFont typeface="Wingdings" panose="05000000000000000000" pitchFamily="2" charset="2"/>
+              <a:buChar char="§"/>
+              <a:defRPr sz="1800" kern="1200">
+                <a:solidFill>
+                  <a:schemeClr val="bg2"/>
+                </a:solidFill>
+                <a:latin typeface="+mn-lt"/>
+                <a:ea typeface="+mn-ea"/>
+                <a:cs typeface="+mn-cs"/>
+              </a:defRPr>
+            </a:lvl1pPr>
+            <a:lvl2pPr marL="685800" indent="-228600" algn="l" defTabSz="914400" rtl="0" eaLnBrk="1" latinLnBrk="0" hangingPunct="1">
+              <a:lnSpc>
+                <a:spcPct val="90000"/>
+              </a:lnSpc>
+              <a:spcBef>
+                <a:spcPts val="500"/>
+              </a:spcBef>
+              <a:buFont typeface="Arial" panose="020B0604020202020204" pitchFamily="34" charset="0"/>
+              <a:buChar char="−"/>
+              <a:defRPr sz="1600" kern="1200">
+                <a:solidFill>
+                  <a:schemeClr val="bg2"/>
+                </a:solidFill>
+                <a:latin typeface="+mn-lt"/>
+                <a:ea typeface="+mn-ea"/>
+                <a:cs typeface="+mn-cs"/>
+              </a:defRPr>
+            </a:lvl2pPr>
+            <a:lvl3pPr marL="1143000" indent="-228600" algn="l" defTabSz="914400" rtl="0" eaLnBrk="1" latinLnBrk="0" hangingPunct="1">
+              <a:lnSpc>
+                <a:spcPct val="90000"/>
+              </a:lnSpc>
+              <a:spcBef>
+                <a:spcPts val="500"/>
+              </a:spcBef>
+              <a:buFont typeface="Wingdings" panose="05000000000000000000" pitchFamily="2" charset="2"/>
+              <a:buChar char="§"/>
+              <a:defRPr sz="1400" kern="1200">
+                <a:solidFill>
+                  <a:schemeClr val="bg2"/>
+                </a:solidFill>
+                <a:latin typeface="+mn-lt"/>
+                <a:ea typeface="+mn-ea"/>
+                <a:cs typeface="+mn-cs"/>
+              </a:defRPr>
+            </a:lvl3pPr>
+            <a:lvl4pPr marL="1600200" indent="-228600" algn="l" defTabSz="914400" rtl="0" eaLnBrk="1" latinLnBrk="0" hangingPunct="1">
+              <a:lnSpc>
+                <a:spcPct val="90000"/>
+              </a:lnSpc>
+              <a:spcBef>
+                <a:spcPts val="500"/>
+              </a:spcBef>
+              <a:buClr>
+                <a:schemeClr val="tx2">
+                  <a:lumMod val="75000"/>
+                </a:schemeClr>
+              </a:buClr>
+              <a:buFont typeface="Wingdings" panose="05000000000000000000" pitchFamily="2" charset="2"/>
+              <a:buChar char="§"/>
+              <a:defRPr sz="1200" kern="1200">
+                <a:solidFill>
+                  <a:schemeClr val="bg2"/>
+                </a:solidFill>
+                <a:latin typeface="+mn-lt"/>
+                <a:ea typeface="+mn-ea"/>
+                <a:cs typeface="+mn-cs"/>
+              </a:defRPr>
+            </a:lvl4pPr>
+            <a:lvl5pPr marL="2057400" indent="-228600" algn="l" defTabSz="914400" rtl="0" eaLnBrk="1" latinLnBrk="0" hangingPunct="1">
+              <a:lnSpc>
+                <a:spcPct val="90000"/>
+              </a:lnSpc>
+              <a:spcBef>
+                <a:spcPts val="500"/>
+              </a:spcBef>
+              <a:buClr>
+                <a:schemeClr val="bg2"/>
+              </a:buClr>
+              <a:buSzPct val="70000"/>
+              <a:buFont typeface="Wingdings" pitchFamily="2" charset="2"/>
+              <a:buChar char="§"/>
+              <a:defRPr sz="1200" kern="1200">
+                <a:solidFill>
+                  <a:schemeClr val="bg2"/>
+                </a:solidFill>
+                <a:latin typeface="+mn-lt"/>
+                <a:ea typeface="+mn-ea"/>
+                <a:cs typeface="+mn-cs"/>
+              </a:defRPr>
+            </a:lvl5pPr>
+            <a:lvl6pPr marL="2514600" indent="-228600" algn="l" defTabSz="914400" rtl="0" eaLnBrk="1" latinLnBrk="0" hangingPunct="1">
+              <a:lnSpc>
+                <a:spcPct val="90000"/>
+              </a:lnSpc>
+              <a:spcBef>
+                <a:spcPts val="500"/>
+              </a:spcBef>
+              <a:buFont typeface="Arial" panose="020B0604020202020204" pitchFamily="34" charset="0"/>
+              <a:buChar char="•"/>
+              <a:defRPr sz="1800" kern="1200">
+                <a:solidFill>
+                  <a:schemeClr val="tx1"/>
+                </a:solidFill>
+                <a:latin typeface="+mn-lt"/>
+                <a:ea typeface="+mn-ea"/>
+                <a:cs typeface="+mn-cs"/>
+              </a:defRPr>
+            </a:lvl6pPr>
+            <a:lvl7pPr marL="2971800" indent="-228600" algn="l" defTabSz="914400" rtl="0" eaLnBrk="1" latinLnBrk="0" hangingPunct="1">
+              <a:lnSpc>
+                <a:spcPct val="90000"/>
+              </a:lnSpc>
+              <a:spcBef>
+                <a:spcPts val="500"/>
+              </a:spcBef>
+              <a:buFont typeface="Arial" panose="020B0604020202020204" pitchFamily="34" charset="0"/>
+              <a:buChar char="•"/>
+              <a:defRPr sz="1800" kern="1200">
+                <a:solidFill>
+                  <a:schemeClr val="tx1"/>
+                </a:solidFill>
+                <a:latin typeface="+mn-lt"/>
+                <a:ea typeface="+mn-ea"/>
+                <a:cs typeface="+mn-cs"/>
+              </a:defRPr>
+            </a:lvl7pPr>
+            <a:lvl8pPr marL="3429000" indent="-228600" algn="l" defTabSz="914400" rtl="0" eaLnBrk="1" latinLnBrk="0" hangingPunct="1">
+              <a:lnSpc>
+                <a:spcPct val="90000"/>
+              </a:lnSpc>
+              <a:spcBef>
+                <a:spcPts val="500"/>
+              </a:spcBef>
+              <a:buFont typeface="Arial" panose="020B0604020202020204" pitchFamily="34" charset="0"/>
+              <a:buChar char="•"/>
+              <a:defRPr sz="1800" kern="1200">
+                <a:solidFill>
+                  <a:schemeClr val="tx1"/>
+                </a:solidFill>
+                <a:latin typeface="+mn-lt"/>
+                <a:ea typeface="+mn-ea"/>
+                <a:cs typeface="+mn-cs"/>
+              </a:defRPr>
+            </a:lvl8pPr>
+            <a:lvl9pPr marL="3886200" indent="-228600" algn="l" defTabSz="914400" rtl="0" eaLnBrk="1" latinLnBrk="0" hangingPunct="1">
+              <a:lnSpc>
+                <a:spcPct val="90000"/>
+              </a:lnSpc>
+              <a:spcBef>
+                <a:spcPts val="500"/>
+              </a:spcBef>
+              <a:buFont typeface="Arial" panose="020B0604020202020204" pitchFamily="34" charset="0"/>
+              <a:buChar char="•"/>
+              <a:defRPr sz="1800" kern="1200">
+                <a:solidFill>
+                  <a:schemeClr val="tx1"/>
+                </a:solidFill>
+                <a:latin typeface="+mn-lt"/>
+                <a:ea typeface="+mn-ea"/>
+                <a:cs typeface="+mn-cs"/>
+              </a:defRPr>
+            </a:lvl9pPr>
+          </a:lstStyle>
+          <a:p>
+            <a:r>
+              <a:rPr lang="en-US" dirty="0"/>
+              <a:t>Modular system architecture</a:t>
+            </a:r>
+          </a:p>
+          <a:p>
+            <a:pPr lvl="1"/>
+            <a:endParaRPr lang="en-US" dirty="0"/>
+          </a:p>
+        </p:txBody>
+      </p:sp>
+      <p:pic>
+        <p:nvPicPr>
+          <p:cNvPr id="9" name="Picture 8">
+            <a:extLst>
+              <a:ext uri="{FF2B5EF4-FFF2-40B4-BE49-F238E27FC236}">
+                <a16:creationId xmlns:a16="http://schemas.microsoft.com/office/drawing/2014/main" id="{99609242-3EF1-4FBA-913D-9553EE67A761}"/>
+              </a:ext>
+            </a:extLst>
+          </p:cNvPr>
+          <p:cNvPicPr>
+            <a:picLocks noChangeAspect="1"/>
+          </p:cNvPicPr>
+          <p:nvPr/>
+        </p:nvPicPr>
+        <p:blipFill>
+          <a:blip r:embed="rId3"/>
+          <a:stretch>
+            <a:fillRect/>
+          </a:stretch>
+        </p:blipFill>
+        <p:spPr>
+          <a:xfrm>
+            <a:off x="6337421" y="2845288"/>
+            <a:ext cx="4670177" cy="3594263"/>
+          </a:xfrm>
+          <a:prstGeom prst="rect">
+            <a:avLst/>
+          </a:prstGeom>
+        </p:spPr>
+      </p:pic>
     </p:spTree>
     <p:extLst>
       <p:ext uri="{BB962C8B-B14F-4D97-AF65-F5344CB8AC3E}">
-        <p14:creationId xmlns:p14="http://schemas.microsoft.com/office/powerpoint/2010/main" val="726386941"/>
+        <p14:creationId xmlns:p14="http://schemas.microsoft.com/office/powerpoint/2010/main" val="1221778539"/>
       </p:ext>
     </p:extLst>
   </p:cSld>
@@ -41474,12 +41996,6 @@
 </file>
 
 <file path=customXml/item1.xml><?xml version="1.0" encoding="utf-8"?>
-<p:properties xmlns:p="http://schemas.microsoft.com/office/2006/metadata/properties" xmlns:xsi="http://www.w3.org/2001/XMLSchema-instance" xmlns:pc="http://schemas.microsoft.com/office/infopath/2007/PartnerControls">
-  <documentManagement/>
-</p:properties>
-</file>
-
-<file path=customXml/item2.xml><?xml version="1.0" encoding="utf-8"?>
 <?mso-contentType ?>
 <FormTemplates xmlns="http://schemas.microsoft.com/sharepoint/v3/contenttype/forms">
   <Display>DocumentLibraryForm</Display>
@@ -41488,7 +42004,7 @@
 </FormTemplates>
 </file>
 
-<file path=customXml/item3.xml><?xml version="1.0" encoding="utf-8"?>
+<file path=customXml/item2.xml><?xml version="1.0" encoding="utf-8"?>
 <ct:contentTypeSchema xmlns:ct="http://schemas.microsoft.com/office/2006/metadata/contentType" xmlns:ma="http://schemas.microsoft.com/office/2006/metadata/properties/metaAttributes" ct:_="" ma:_="" ma:contentTypeName="Document" ma:contentTypeID="0x010100409ED3CD6D966B46B07A514663589B2D" ma:contentTypeVersion="6" ma:contentTypeDescription="Create a new document." ma:contentTypeScope="" ma:versionID="59895a3b6ce07bba0268f15bf3db50e5">
   <xsd:schema xmlns:xsd="http://www.w3.org/2001/XMLSchema" xmlns:xs="http://www.w3.org/2001/XMLSchema" xmlns:p="http://schemas.microsoft.com/office/2006/metadata/properties" xmlns:ns2="a303498c-e7d6-4b65-84d9-c7f792967138" xmlns:ns3="140670e8-552e-4ed4-90a8-2e1fc7c78fb9" targetNamespace="http://schemas.microsoft.com/office/2006/metadata/properties" ma:root="true" ma:fieldsID="36649e523fe2fa0b4f9464a280655f98" ns2:_="" ns3:_="">
     <xsd:import namespace="a303498c-e7d6-4b65-84d9-c7f792967138"/>
@@ -41667,25 +42183,13 @@
 </ct:contentTypeSchema>
 </file>
 
-<file path=customXml/itemProps1.xml><?xml version="1.0" encoding="utf-8"?>
-<ds:datastoreItem xmlns:ds="http://schemas.openxmlformats.org/officeDocument/2006/customXml" ds:itemID="{A66C3307-F054-4959-9144-4D96D0E24931}">
-  <ds:schemaRefs>
-    <ds:schemaRef ds:uri="http://purl.org/dc/terms/"/>
-    <ds:schemaRef ds:uri="http://schemas.microsoft.com/office/2006/documentManagement/types"/>
-    <ds:schemaRef ds:uri="http://purl.org/dc/dcmitype/"/>
-    <ds:schemaRef ds:uri="56ab9554-5316-4a60-82cf-ec0d3d01c713"/>
-    <ds:schemaRef ds:uri="http://schemas.openxmlformats.org/package/2006/metadata/core-properties"/>
-    <ds:schemaRef ds:uri="http://schemas.microsoft.com/office/infopath/2007/PartnerControls"/>
-    <ds:schemaRef ds:uri="http://schemas.microsoft.com/sharepoint/v3"/>
-    <ds:schemaRef ds:uri="http://purl.org/dc/elements/1.1/"/>
-    <ds:schemaRef ds:uri="140670e8-552e-4ed4-90a8-2e1fc7c78fb9"/>
-    <ds:schemaRef ds:uri="http://schemas.microsoft.com/office/2006/metadata/properties"/>
-    <ds:schemaRef ds:uri="http://www.w3.org/XML/1998/namespace"/>
-  </ds:schemaRefs>
-</ds:datastoreItem>
+<file path=customXml/item3.xml><?xml version="1.0" encoding="utf-8"?>
+<p:properties xmlns:p="http://schemas.microsoft.com/office/2006/metadata/properties" xmlns:xsi="http://www.w3.org/2001/XMLSchema-instance" xmlns:pc="http://schemas.microsoft.com/office/infopath/2007/PartnerControls">
+  <documentManagement/>
+</p:properties>
 </file>
 
-<file path=customXml/itemProps2.xml><?xml version="1.0" encoding="utf-8"?>
+<file path=customXml/itemProps1.xml><?xml version="1.0" encoding="utf-8"?>
 <ds:datastoreItem xmlns:ds="http://schemas.openxmlformats.org/officeDocument/2006/customXml" ds:itemID="{F919276A-3D42-45D5-B57B-67CFD19FD6DD}">
   <ds:schemaRefs>
     <ds:schemaRef ds:uri="http://schemas.microsoft.com/sharepoint/v3/contenttype/forms"/>
@@ -41693,6 +42197,24 @@
 </ds:datastoreItem>
 </file>
 
+<file path=customXml/itemProps2.xml><?xml version="1.0" encoding="utf-8"?>
+<ds:datastoreItem xmlns:ds="http://schemas.openxmlformats.org/officeDocument/2006/customXml" ds:itemID="{A18C1C08-6FF0-49FF-B6D5-CA0BC27F4504}">
+  <ds:schemaRefs>
+    <ds:schemaRef ds:uri="http://schemas.microsoft.com/office/2006/metadata/contentType"/>
+    <ds:schemaRef ds:uri="http://schemas.microsoft.com/office/2006/metadata/properties/metaAttributes"/>
+    <ds:schemaRef ds:uri="http://www.w3.org/2000/xmlns/"/>
+    <ds:schemaRef ds:uri="http://www.w3.org/2001/XMLSchema"/>
+    <ds:schemaRef ds:uri="a303498c-e7d6-4b65-84d9-c7f792967138"/>
+    <ds:schemaRef ds:uri="140670e8-552e-4ed4-90a8-2e1fc7c78fb9"/>
+  </ds:schemaRefs>
+</ds:datastoreItem>
+</file>
+
 <file path=customXml/itemProps3.xml><?xml version="1.0" encoding="utf-8"?>
-<ds:datastoreItem xmlns:ds="http://schemas.openxmlformats.org/officeDocument/2006/customXml" ds:itemID="{A18C1C08-6FF0-49FF-B6D5-CA0BC27F4504}"/>
+<ds:datastoreItem xmlns:ds="http://schemas.openxmlformats.org/officeDocument/2006/customXml" ds:itemID="{A66C3307-F054-4959-9144-4D96D0E24931}">
+  <ds:schemaRefs>
+    <ds:schemaRef ds:uri="http://schemas.microsoft.com/office/2006/metadata/properties"/>
+    <ds:schemaRef ds:uri="http://www.w3.org/2000/xmlns/"/>
+  </ds:schemaRefs>
+</ds:datastoreItem>
 </file>
--- a/slide/NT_NestJS_Training.pptx
+++ b/slide/NT_NestJS_Training.pptx
@@ -5,10 +5,10 @@
     <p:sldMasterId id="2147483721" r:id="rId4"/>
   </p:sldMasterIdLst>
   <p:notesMasterIdLst>
-    <p:notesMasterId r:id="rId37"/>
+    <p:notesMasterId r:id="rId38"/>
   </p:notesMasterIdLst>
   <p:handoutMasterIdLst>
-    <p:handoutMasterId r:id="rId38"/>
+    <p:handoutMasterId r:id="rId39"/>
   </p:handoutMasterIdLst>
   <p:sldIdLst>
     <p:sldId id="269" r:id="rId5"/>
@@ -18,31 +18,32 @@
     <p:sldId id="300" r:id="rId9"/>
     <p:sldId id="299" r:id="rId10"/>
     <p:sldId id="301" r:id="rId11"/>
-    <p:sldId id="302" r:id="rId12"/>
-    <p:sldId id="304" r:id="rId13"/>
-    <p:sldId id="303" r:id="rId14"/>
-    <p:sldId id="305" r:id="rId15"/>
-    <p:sldId id="266" r:id="rId16"/>
-    <p:sldId id="267" r:id="rId17"/>
-    <p:sldId id="262" r:id="rId18"/>
-    <p:sldId id="276" r:id="rId19"/>
-    <p:sldId id="280" r:id="rId20"/>
-    <p:sldId id="284" r:id="rId21"/>
-    <p:sldId id="285" r:id="rId22"/>
-    <p:sldId id="278" r:id="rId23"/>
-    <p:sldId id="282" r:id="rId24"/>
-    <p:sldId id="283" r:id="rId25"/>
-    <p:sldId id="286" r:id="rId26"/>
-    <p:sldId id="287" r:id="rId27"/>
-    <p:sldId id="290" r:id="rId28"/>
-    <p:sldId id="288" r:id="rId29"/>
-    <p:sldId id="289" r:id="rId30"/>
-    <p:sldId id="273" r:id="rId31"/>
-    <p:sldId id="281" r:id="rId32"/>
-    <p:sldId id="298" r:id="rId33"/>
-    <p:sldId id="264" r:id="rId34"/>
-    <p:sldId id="265" r:id="rId35"/>
-    <p:sldId id="297" r:id="rId36"/>
+    <p:sldId id="306" r:id="rId12"/>
+    <p:sldId id="302" r:id="rId13"/>
+    <p:sldId id="304" r:id="rId14"/>
+    <p:sldId id="303" r:id="rId15"/>
+    <p:sldId id="305" r:id="rId16"/>
+    <p:sldId id="266" r:id="rId17"/>
+    <p:sldId id="267" r:id="rId18"/>
+    <p:sldId id="262" r:id="rId19"/>
+    <p:sldId id="276" r:id="rId20"/>
+    <p:sldId id="280" r:id="rId21"/>
+    <p:sldId id="284" r:id="rId22"/>
+    <p:sldId id="285" r:id="rId23"/>
+    <p:sldId id="278" r:id="rId24"/>
+    <p:sldId id="282" r:id="rId25"/>
+    <p:sldId id="283" r:id="rId26"/>
+    <p:sldId id="286" r:id="rId27"/>
+    <p:sldId id="287" r:id="rId28"/>
+    <p:sldId id="290" r:id="rId29"/>
+    <p:sldId id="288" r:id="rId30"/>
+    <p:sldId id="289" r:id="rId31"/>
+    <p:sldId id="273" r:id="rId32"/>
+    <p:sldId id="281" r:id="rId33"/>
+    <p:sldId id="298" r:id="rId34"/>
+    <p:sldId id="264" r:id="rId35"/>
+    <p:sldId id="265" r:id="rId36"/>
+    <p:sldId id="297" r:id="rId37"/>
   </p:sldIdLst>
   <p:sldSz cx="12192000" cy="6858000"/>
   <p:notesSz cx="6858000" cy="9144000"/>
@@ -4917,7 +4918,7 @@
           <a:p>
             <a:fld id="{953E675E-B2DC-5A4F-8404-003BB8384781}" type="slidenum">
               <a:rPr lang="en-US" smtClean="0"/>
-              <a:t>29</a:t>
+              <a:t>30</a:t>
             </a:fld>
             <a:endParaRPr lang="en-US"/>
           </a:p>
@@ -21604,7 +21605,7 @@
           <a:p>
             <a:r>
               <a:rPr lang="en-US" dirty="0"/>
-              <a:t>NestJS CLI</a:t>
+              <a:t>NestJS Architecture</a:t>
             </a:r>
           </a:p>
         </p:txBody>
@@ -21625,85 +21626,543 @@
             <p:ph type="body" sz="quarter" idx="11"/>
           </p:nvPr>
         </p:nvSpPr>
-        <p:spPr/>
+        <p:spPr>
+          <a:xfrm>
+            <a:off x="838404" y="1212987"/>
+            <a:ext cx="10293016" cy="1042077"/>
+          </a:xfrm>
+        </p:spPr>
         <p:txBody>
           <a:bodyPr/>
           <a:lstStyle/>
           <a:p>
             <a:r>
               <a:rPr lang="en-US" dirty="0"/>
-              <a:t>The Nest CLI is a command-line interface tool that helps you to initialize, develop, and maintain your Nest application</a:t>
+              <a:t>NestJS follows a modular and layered approach, combining concepts from both </a:t>
+            </a:r>
+            <a:r>
+              <a:rPr lang="en-US" b="1" dirty="0"/>
+              <a:t>3-tier architecture </a:t>
+            </a:r>
+            <a:r>
+              <a:rPr lang="en-US" dirty="0"/>
+              <a:t>and </a:t>
+            </a:r>
+            <a:r>
+              <a:rPr lang="en-US" b="1" dirty="0"/>
+              <a:t>the modular architecture </a:t>
+            </a:r>
+            <a:r>
+              <a:rPr lang="en-US" dirty="0"/>
+              <a:t>pattern</a:t>
+            </a:r>
+          </a:p>
+          <a:p>
+            <a:r>
+              <a:rPr lang="en-US" dirty="0"/>
+              <a:t>Its promotes separation of concerns, modularity, reusability, and testability</a:t>
             </a:r>
           </a:p>
           <a:p>
             <a:pPr lvl="1"/>
-            <a:r>
-              <a:rPr lang="en-US" i="1" dirty="0" err="1"/>
-              <a:t>npm</a:t>
-            </a:r>
-            <a:r>
-              <a:rPr lang="en-US" i="1" dirty="0"/>
-              <a:t> install -g @nestjs/cli </a:t>
-            </a:r>
+            <a:endParaRPr lang="en-US" dirty="0"/>
+          </a:p>
+        </p:txBody>
+      </p:sp>
+      <p:pic>
+        <p:nvPicPr>
+          <p:cNvPr id="4" name="Picture 3">
+            <a:extLst>
+              <a:ext uri="{FF2B5EF4-FFF2-40B4-BE49-F238E27FC236}">
+                <a16:creationId xmlns:a16="http://schemas.microsoft.com/office/drawing/2014/main" id="{214801FC-7FA9-47F7-8A2E-21803226BBE0}"/>
+              </a:ext>
+            </a:extLst>
+          </p:cNvPr>
+          <p:cNvPicPr>
+            <a:picLocks noChangeAspect="1"/>
+          </p:cNvPicPr>
+          <p:nvPr/>
+        </p:nvPicPr>
+        <p:blipFill>
+          <a:blip r:embed="rId2"/>
+          <a:stretch>
+            <a:fillRect/>
+          </a:stretch>
+        </p:blipFill>
+        <p:spPr>
+          <a:xfrm>
+            <a:off x="1691563" y="2947051"/>
+            <a:ext cx="2948468" cy="3390738"/>
+          </a:xfrm>
+          <a:prstGeom prst="rect">
+            <a:avLst/>
+          </a:prstGeom>
+        </p:spPr>
+      </p:pic>
+      <p:sp>
+        <p:nvSpPr>
+          <p:cNvPr id="6" name="Text Placeholder 2">
+            <a:extLst>
+              <a:ext uri="{FF2B5EF4-FFF2-40B4-BE49-F238E27FC236}">
+                <a16:creationId xmlns:a16="http://schemas.microsoft.com/office/drawing/2014/main" id="{F1E945C4-8A99-4597-976E-AF6CA7144230}"/>
+              </a:ext>
+            </a:extLst>
+          </p:cNvPr>
+          <p:cNvSpPr txBox="1">
+            <a:spLocks/>
+          </p:cNvSpPr>
+          <p:nvPr/>
+        </p:nvSpPr>
+        <p:spPr>
+          <a:xfrm>
+            <a:off x="838199" y="2352756"/>
+            <a:ext cx="5257801" cy="4252198"/>
+          </a:xfrm>
+          <a:prstGeom prst="rect">
+            <a:avLst/>
+          </a:prstGeom>
+        </p:spPr>
+        <p:txBody>
+          <a:bodyPr vert="horz" lIns="91440" tIns="45720" rIns="91440" bIns="45720" rtlCol="0">
+            <a:normAutofit/>
+          </a:bodyPr>
+          <a:lstStyle>
+            <a:lvl1pPr marL="228600" indent="-228600" algn="l" defTabSz="914400" rtl="0" eaLnBrk="1" latinLnBrk="0" hangingPunct="1">
+              <a:lnSpc>
+                <a:spcPct val="90000"/>
+              </a:lnSpc>
+              <a:spcBef>
+                <a:spcPts val="1000"/>
+              </a:spcBef>
+              <a:buClr>
+                <a:schemeClr val="accent1"/>
+              </a:buClr>
+              <a:buFont typeface="Wingdings" panose="05000000000000000000" pitchFamily="2" charset="2"/>
+              <a:buChar char="§"/>
+              <a:defRPr sz="1800" kern="1200">
+                <a:solidFill>
+                  <a:schemeClr val="bg2"/>
+                </a:solidFill>
+                <a:latin typeface="+mn-lt"/>
+                <a:ea typeface="+mn-ea"/>
+                <a:cs typeface="+mn-cs"/>
+              </a:defRPr>
+            </a:lvl1pPr>
+            <a:lvl2pPr marL="685800" indent="-228600" algn="l" defTabSz="914400" rtl="0" eaLnBrk="1" latinLnBrk="0" hangingPunct="1">
+              <a:lnSpc>
+                <a:spcPct val="90000"/>
+              </a:lnSpc>
+              <a:spcBef>
+                <a:spcPts val="500"/>
+              </a:spcBef>
+              <a:buFont typeface="Arial" panose="020B0604020202020204" pitchFamily="34" charset="0"/>
+              <a:buChar char="−"/>
+              <a:defRPr sz="1600" kern="1200">
+                <a:solidFill>
+                  <a:schemeClr val="bg2"/>
+                </a:solidFill>
+                <a:latin typeface="+mn-lt"/>
+                <a:ea typeface="+mn-ea"/>
+                <a:cs typeface="+mn-cs"/>
+              </a:defRPr>
+            </a:lvl2pPr>
+            <a:lvl3pPr marL="1143000" indent="-228600" algn="l" defTabSz="914400" rtl="0" eaLnBrk="1" latinLnBrk="0" hangingPunct="1">
+              <a:lnSpc>
+                <a:spcPct val="90000"/>
+              </a:lnSpc>
+              <a:spcBef>
+                <a:spcPts val="500"/>
+              </a:spcBef>
+              <a:buFont typeface="Wingdings" panose="05000000000000000000" pitchFamily="2" charset="2"/>
+              <a:buChar char="§"/>
+              <a:defRPr sz="1400" kern="1200">
+                <a:solidFill>
+                  <a:schemeClr val="bg2"/>
+                </a:solidFill>
+                <a:latin typeface="+mn-lt"/>
+                <a:ea typeface="+mn-ea"/>
+                <a:cs typeface="+mn-cs"/>
+              </a:defRPr>
+            </a:lvl3pPr>
+            <a:lvl4pPr marL="1600200" indent="-228600" algn="l" defTabSz="914400" rtl="0" eaLnBrk="1" latinLnBrk="0" hangingPunct="1">
+              <a:lnSpc>
+                <a:spcPct val="90000"/>
+              </a:lnSpc>
+              <a:spcBef>
+                <a:spcPts val="500"/>
+              </a:spcBef>
+              <a:buClr>
+                <a:schemeClr val="tx2">
+                  <a:lumMod val="75000"/>
+                </a:schemeClr>
+              </a:buClr>
+              <a:buFont typeface="Wingdings" panose="05000000000000000000" pitchFamily="2" charset="2"/>
+              <a:buChar char="§"/>
+              <a:defRPr sz="1200" kern="1200">
+                <a:solidFill>
+                  <a:schemeClr val="bg2"/>
+                </a:solidFill>
+                <a:latin typeface="+mn-lt"/>
+                <a:ea typeface="+mn-ea"/>
+                <a:cs typeface="+mn-cs"/>
+              </a:defRPr>
+            </a:lvl4pPr>
+            <a:lvl5pPr marL="2057400" indent="-228600" algn="l" defTabSz="914400" rtl="0" eaLnBrk="1" latinLnBrk="0" hangingPunct="1">
+              <a:lnSpc>
+                <a:spcPct val="90000"/>
+              </a:lnSpc>
+              <a:spcBef>
+                <a:spcPts val="500"/>
+              </a:spcBef>
+              <a:buClr>
+                <a:schemeClr val="bg2"/>
+              </a:buClr>
+              <a:buSzPct val="70000"/>
+              <a:buFont typeface="Wingdings" pitchFamily="2" charset="2"/>
+              <a:buChar char="§"/>
+              <a:defRPr sz="1200" kern="1200">
+                <a:solidFill>
+                  <a:schemeClr val="bg2"/>
+                </a:solidFill>
+                <a:latin typeface="+mn-lt"/>
+                <a:ea typeface="+mn-ea"/>
+                <a:cs typeface="+mn-cs"/>
+              </a:defRPr>
+            </a:lvl5pPr>
+            <a:lvl6pPr marL="2514600" indent="-228600" algn="l" defTabSz="914400" rtl="0" eaLnBrk="1" latinLnBrk="0" hangingPunct="1">
+              <a:lnSpc>
+                <a:spcPct val="90000"/>
+              </a:lnSpc>
+              <a:spcBef>
+                <a:spcPts val="500"/>
+              </a:spcBef>
+              <a:buFont typeface="Arial" panose="020B0604020202020204" pitchFamily="34" charset="0"/>
+              <a:buChar char="•"/>
+              <a:defRPr sz="1800" kern="1200">
+                <a:solidFill>
+                  <a:schemeClr val="tx1"/>
+                </a:solidFill>
+                <a:latin typeface="+mn-lt"/>
+                <a:ea typeface="+mn-ea"/>
+                <a:cs typeface="+mn-cs"/>
+              </a:defRPr>
+            </a:lvl6pPr>
+            <a:lvl7pPr marL="2971800" indent="-228600" algn="l" defTabSz="914400" rtl="0" eaLnBrk="1" latinLnBrk="0" hangingPunct="1">
+              <a:lnSpc>
+                <a:spcPct val="90000"/>
+              </a:lnSpc>
+              <a:spcBef>
+                <a:spcPts val="500"/>
+              </a:spcBef>
+              <a:buFont typeface="Arial" panose="020B0604020202020204" pitchFamily="34" charset="0"/>
+              <a:buChar char="•"/>
+              <a:defRPr sz="1800" kern="1200">
+                <a:solidFill>
+                  <a:schemeClr val="tx1"/>
+                </a:solidFill>
+                <a:latin typeface="+mn-lt"/>
+                <a:ea typeface="+mn-ea"/>
+                <a:cs typeface="+mn-cs"/>
+              </a:defRPr>
+            </a:lvl7pPr>
+            <a:lvl8pPr marL="3429000" indent="-228600" algn="l" defTabSz="914400" rtl="0" eaLnBrk="1" latinLnBrk="0" hangingPunct="1">
+              <a:lnSpc>
+                <a:spcPct val="90000"/>
+              </a:lnSpc>
+              <a:spcBef>
+                <a:spcPts val="500"/>
+              </a:spcBef>
+              <a:buFont typeface="Arial" panose="020B0604020202020204" pitchFamily="34" charset="0"/>
+              <a:buChar char="•"/>
+              <a:defRPr sz="1800" kern="1200">
+                <a:solidFill>
+                  <a:schemeClr val="tx1"/>
+                </a:solidFill>
+                <a:latin typeface="+mn-lt"/>
+                <a:ea typeface="+mn-ea"/>
+                <a:cs typeface="+mn-cs"/>
+              </a:defRPr>
+            </a:lvl8pPr>
+            <a:lvl9pPr marL="3886200" indent="-228600" algn="l" defTabSz="914400" rtl="0" eaLnBrk="1" latinLnBrk="0" hangingPunct="1">
+              <a:lnSpc>
+                <a:spcPct val="90000"/>
+              </a:lnSpc>
+              <a:spcBef>
+                <a:spcPts val="500"/>
+              </a:spcBef>
+              <a:buFont typeface="Arial" panose="020B0604020202020204" pitchFamily="34" charset="0"/>
+              <a:buChar char="•"/>
+              <a:defRPr sz="1800" kern="1200">
+                <a:solidFill>
+                  <a:schemeClr val="tx1"/>
+                </a:solidFill>
+                <a:latin typeface="+mn-lt"/>
+                <a:ea typeface="+mn-ea"/>
+                <a:cs typeface="+mn-cs"/>
+              </a:defRPr>
+            </a:lvl9pPr>
+          </a:lstStyle>
+          <a:p>
             <a:r>
               <a:rPr lang="en-US" dirty="0"/>
-              <a:t>– Install the CLI </a:t>
-            </a:r>
-            <a:r>
-              <a:rPr lang="en-US" dirty="0" err="1"/>
-              <a:t>globall</a:t>
-            </a:r>
+              <a:t>3-tier architecture</a:t>
+            </a:r>
+          </a:p>
+          <a:p>
+            <a:pPr lvl="1"/>
             <a:endParaRPr lang="en-US" dirty="0"/>
           </a:p>
+        </p:txBody>
+      </p:sp>
+      <p:sp>
+        <p:nvSpPr>
+          <p:cNvPr id="8" name="Text Placeholder 2">
+            <a:extLst>
+              <a:ext uri="{FF2B5EF4-FFF2-40B4-BE49-F238E27FC236}">
+                <a16:creationId xmlns:a16="http://schemas.microsoft.com/office/drawing/2014/main" id="{533BE933-A8EB-4088-9FE2-A5A9B47B1218}"/>
+              </a:ext>
+            </a:extLst>
+          </p:cNvPr>
+          <p:cNvSpPr txBox="1">
+            <a:spLocks/>
+          </p:cNvSpPr>
+          <p:nvPr/>
+        </p:nvSpPr>
+        <p:spPr>
+          <a:xfrm>
+            <a:off x="5991219" y="2352756"/>
+            <a:ext cx="5257801" cy="4252198"/>
+          </a:xfrm>
+          <a:prstGeom prst="rect">
+            <a:avLst/>
+          </a:prstGeom>
+        </p:spPr>
+        <p:txBody>
+          <a:bodyPr vert="horz" lIns="91440" tIns="45720" rIns="91440" bIns="45720" rtlCol="0">
+            <a:normAutofit/>
+          </a:bodyPr>
+          <a:lstStyle>
+            <a:lvl1pPr marL="228600" indent="-228600" algn="l" defTabSz="914400" rtl="0" eaLnBrk="1" latinLnBrk="0" hangingPunct="1">
+              <a:lnSpc>
+                <a:spcPct val="90000"/>
+              </a:lnSpc>
+              <a:spcBef>
+                <a:spcPts val="1000"/>
+              </a:spcBef>
+              <a:buClr>
+                <a:schemeClr val="accent1"/>
+              </a:buClr>
+              <a:buFont typeface="Wingdings" panose="05000000000000000000" pitchFamily="2" charset="2"/>
+              <a:buChar char="§"/>
+              <a:defRPr sz="1800" kern="1200">
+                <a:solidFill>
+                  <a:schemeClr val="bg2"/>
+                </a:solidFill>
+                <a:latin typeface="+mn-lt"/>
+                <a:ea typeface="+mn-ea"/>
+                <a:cs typeface="+mn-cs"/>
+              </a:defRPr>
+            </a:lvl1pPr>
+            <a:lvl2pPr marL="685800" indent="-228600" algn="l" defTabSz="914400" rtl="0" eaLnBrk="1" latinLnBrk="0" hangingPunct="1">
+              <a:lnSpc>
+                <a:spcPct val="90000"/>
+              </a:lnSpc>
+              <a:spcBef>
+                <a:spcPts val="500"/>
+              </a:spcBef>
+              <a:buFont typeface="Arial" panose="020B0604020202020204" pitchFamily="34" charset="0"/>
+              <a:buChar char="−"/>
+              <a:defRPr sz="1600" kern="1200">
+                <a:solidFill>
+                  <a:schemeClr val="bg2"/>
+                </a:solidFill>
+                <a:latin typeface="+mn-lt"/>
+                <a:ea typeface="+mn-ea"/>
+                <a:cs typeface="+mn-cs"/>
+              </a:defRPr>
+            </a:lvl2pPr>
+            <a:lvl3pPr marL="1143000" indent="-228600" algn="l" defTabSz="914400" rtl="0" eaLnBrk="1" latinLnBrk="0" hangingPunct="1">
+              <a:lnSpc>
+                <a:spcPct val="90000"/>
+              </a:lnSpc>
+              <a:spcBef>
+                <a:spcPts val="500"/>
+              </a:spcBef>
+              <a:buFont typeface="Wingdings" panose="05000000000000000000" pitchFamily="2" charset="2"/>
+              <a:buChar char="§"/>
+              <a:defRPr sz="1400" kern="1200">
+                <a:solidFill>
+                  <a:schemeClr val="bg2"/>
+                </a:solidFill>
+                <a:latin typeface="+mn-lt"/>
+                <a:ea typeface="+mn-ea"/>
+                <a:cs typeface="+mn-cs"/>
+              </a:defRPr>
+            </a:lvl3pPr>
+            <a:lvl4pPr marL="1600200" indent="-228600" algn="l" defTabSz="914400" rtl="0" eaLnBrk="1" latinLnBrk="0" hangingPunct="1">
+              <a:lnSpc>
+                <a:spcPct val="90000"/>
+              </a:lnSpc>
+              <a:spcBef>
+                <a:spcPts val="500"/>
+              </a:spcBef>
+              <a:buClr>
+                <a:schemeClr val="tx2">
+                  <a:lumMod val="75000"/>
+                </a:schemeClr>
+              </a:buClr>
+              <a:buFont typeface="Wingdings" panose="05000000000000000000" pitchFamily="2" charset="2"/>
+              <a:buChar char="§"/>
+              <a:defRPr sz="1200" kern="1200">
+                <a:solidFill>
+                  <a:schemeClr val="bg2"/>
+                </a:solidFill>
+                <a:latin typeface="+mn-lt"/>
+                <a:ea typeface="+mn-ea"/>
+                <a:cs typeface="+mn-cs"/>
+              </a:defRPr>
+            </a:lvl4pPr>
+            <a:lvl5pPr marL="2057400" indent="-228600" algn="l" defTabSz="914400" rtl="0" eaLnBrk="1" latinLnBrk="0" hangingPunct="1">
+              <a:lnSpc>
+                <a:spcPct val="90000"/>
+              </a:lnSpc>
+              <a:spcBef>
+                <a:spcPts val="500"/>
+              </a:spcBef>
+              <a:buClr>
+                <a:schemeClr val="bg2"/>
+              </a:buClr>
+              <a:buSzPct val="70000"/>
+              <a:buFont typeface="Wingdings" pitchFamily="2" charset="2"/>
+              <a:buChar char="§"/>
+              <a:defRPr sz="1200" kern="1200">
+                <a:solidFill>
+                  <a:schemeClr val="bg2"/>
+                </a:solidFill>
+                <a:latin typeface="+mn-lt"/>
+                <a:ea typeface="+mn-ea"/>
+                <a:cs typeface="+mn-cs"/>
+              </a:defRPr>
+            </a:lvl5pPr>
+            <a:lvl6pPr marL="2514600" indent="-228600" algn="l" defTabSz="914400" rtl="0" eaLnBrk="1" latinLnBrk="0" hangingPunct="1">
+              <a:lnSpc>
+                <a:spcPct val="90000"/>
+              </a:lnSpc>
+              <a:spcBef>
+                <a:spcPts val="500"/>
+              </a:spcBef>
+              <a:buFont typeface="Arial" panose="020B0604020202020204" pitchFamily="34" charset="0"/>
+              <a:buChar char="•"/>
+              <a:defRPr sz="1800" kern="1200">
+                <a:solidFill>
+                  <a:schemeClr val="tx1"/>
+                </a:solidFill>
+                <a:latin typeface="+mn-lt"/>
+                <a:ea typeface="+mn-ea"/>
+                <a:cs typeface="+mn-cs"/>
+              </a:defRPr>
+            </a:lvl6pPr>
+            <a:lvl7pPr marL="2971800" indent="-228600" algn="l" defTabSz="914400" rtl="0" eaLnBrk="1" latinLnBrk="0" hangingPunct="1">
+              <a:lnSpc>
+                <a:spcPct val="90000"/>
+              </a:lnSpc>
+              <a:spcBef>
+                <a:spcPts val="500"/>
+              </a:spcBef>
+              <a:buFont typeface="Arial" panose="020B0604020202020204" pitchFamily="34" charset="0"/>
+              <a:buChar char="•"/>
+              <a:defRPr sz="1800" kern="1200">
+                <a:solidFill>
+                  <a:schemeClr val="tx1"/>
+                </a:solidFill>
+                <a:latin typeface="+mn-lt"/>
+                <a:ea typeface="+mn-ea"/>
+                <a:cs typeface="+mn-cs"/>
+              </a:defRPr>
+            </a:lvl7pPr>
+            <a:lvl8pPr marL="3429000" indent="-228600" algn="l" defTabSz="914400" rtl="0" eaLnBrk="1" latinLnBrk="0" hangingPunct="1">
+              <a:lnSpc>
+                <a:spcPct val="90000"/>
+              </a:lnSpc>
+              <a:spcBef>
+                <a:spcPts val="500"/>
+              </a:spcBef>
+              <a:buFont typeface="Arial" panose="020B0604020202020204" pitchFamily="34" charset="0"/>
+              <a:buChar char="•"/>
+              <a:defRPr sz="1800" kern="1200">
+                <a:solidFill>
+                  <a:schemeClr val="tx1"/>
+                </a:solidFill>
+                <a:latin typeface="+mn-lt"/>
+                <a:ea typeface="+mn-ea"/>
+                <a:cs typeface="+mn-cs"/>
+              </a:defRPr>
+            </a:lvl8pPr>
+            <a:lvl9pPr marL="3886200" indent="-228600" algn="l" defTabSz="914400" rtl="0" eaLnBrk="1" latinLnBrk="0" hangingPunct="1">
+              <a:lnSpc>
+                <a:spcPct val="90000"/>
+              </a:lnSpc>
+              <a:spcBef>
+                <a:spcPts val="500"/>
+              </a:spcBef>
+              <a:buFont typeface="Arial" panose="020B0604020202020204" pitchFamily="34" charset="0"/>
+              <a:buChar char="•"/>
+              <a:defRPr sz="1800" kern="1200">
+                <a:solidFill>
+                  <a:schemeClr val="tx1"/>
+                </a:solidFill>
+                <a:latin typeface="+mn-lt"/>
+                <a:ea typeface="+mn-ea"/>
+                <a:cs typeface="+mn-cs"/>
+              </a:defRPr>
+            </a:lvl9pPr>
+          </a:lstStyle>
+          <a:p>
+            <a:r>
+              <a:rPr lang="en-US" dirty="0"/>
+              <a:t>Modular system architecture</a:t>
+            </a:r>
+          </a:p>
           <a:p>
             <a:pPr lvl="1"/>
-            <a:r>
-              <a:rPr lang="en-US" i="1" dirty="0"/>
-              <a:t>nest --help</a:t>
-            </a:r>
-            <a:r>
-              <a:rPr lang="en-US" dirty="0"/>
-              <a:t> – See the available nest commands</a:t>
-            </a:r>
-          </a:p>
-          <a:p>
-            <a:r>
-              <a:rPr lang="en-US" dirty="0"/>
-              <a:t>To create, build run a new basic Nest project in development mode, run the follow commands:</a:t>
-            </a:r>
-          </a:p>
-          <a:p>
-            <a:pPr lvl="1"/>
-            <a:r>
-              <a:rPr lang="en-US" i="1" dirty="0"/>
-              <a:t>nest new my-nest-project </a:t>
-            </a:r>
-          </a:p>
-          <a:p>
-            <a:pPr lvl="1"/>
-            <a:r>
-              <a:rPr lang="en-US" i="1" dirty="0"/>
-              <a:t>my-nest-project </a:t>
-            </a:r>
-          </a:p>
-          <a:p>
-            <a:pPr lvl="1"/>
-            <a:r>
-              <a:rPr lang="en-US" i="1" dirty="0"/>
-              <a:t>run </a:t>
-            </a:r>
-            <a:r>
-              <a:rPr lang="en-US" i="1" dirty="0" err="1"/>
-              <a:t>start:dev</a:t>
-            </a:r>
-            <a:endParaRPr lang="en-US" i="1" dirty="0"/>
-          </a:p>
-        </p:txBody>
-      </p:sp>
+            <a:endParaRPr lang="en-US" dirty="0"/>
+          </a:p>
+        </p:txBody>
+      </p:sp>
+      <p:pic>
+        <p:nvPicPr>
+          <p:cNvPr id="9" name="Picture 8">
+            <a:extLst>
+              <a:ext uri="{FF2B5EF4-FFF2-40B4-BE49-F238E27FC236}">
+                <a16:creationId xmlns:a16="http://schemas.microsoft.com/office/drawing/2014/main" id="{99609242-3EF1-4FBA-913D-9553EE67A761}"/>
+              </a:ext>
+            </a:extLst>
+          </p:cNvPr>
+          <p:cNvPicPr>
+            <a:picLocks noChangeAspect="1"/>
+          </p:cNvPicPr>
+          <p:nvPr/>
+        </p:nvPicPr>
+        <p:blipFill>
+          <a:blip r:embed="rId3"/>
+          <a:stretch>
+            <a:fillRect/>
+          </a:stretch>
+        </p:blipFill>
+        <p:spPr>
+          <a:xfrm>
+            <a:off x="6337421" y="2845288"/>
+            <a:ext cx="4670177" cy="3594263"/>
+          </a:xfrm>
+          <a:prstGeom prst="rect">
+            <a:avLst/>
+          </a:prstGeom>
+        </p:spPr>
+      </p:pic>
     </p:spTree>
     <p:extLst>
       <p:ext uri="{BB962C8B-B14F-4D97-AF65-F5344CB8AC3E}">
-        <p14:creationId xmlns:p14="http://schemas.microsoft.com/office/powerpoint/2010/main" val="3295373358"/>
+        <p14:creationId xmlns:p14="http://schemas.microsoft.com/office/powerpoint/2010/main" val="1221778539"/>
       </p:ext>
     </p:extLst>
   </p:cSld>
@@ -21753,7 +22212,7 @@
           <a:p>
             <a:r>
               <a:rPr lang="en-US" dirty="0"/>
-              <a:t>Workspaces and Project file structure</a:t>
+              <a:t>NestJS CLI</a:t>
             </a:r>
           </a:p>
         </p:txBody>
@@ -21774,264 +22233,85 @@
             <p:ph type="body" sz="quarter" idx="11"/>
           </p:nvPr>
         </p:nvSpPr>
-        <p:spPr>
-          <a:xfrm>
-            <a:off x="838198" y="1078564"/>
-            <a:ext cx="10293016" cy="538697"/>
-          </a:xfrm>
-        </p:spPr>
+        <p:spPr/>
         <p:txBody>
           <a:bodyPr/>
           <a:lstStyle/>
           <a:p>
             <a:r>
               <a:rPr lang="en-US" dirty="0"/>
-              <a:t>NestJS has 2 modes for organizing code: </a:t>
-            </a:r>
-          </a:p>
-          <a:p>
+              <a:t>The Nest CLI is a command-line interface tool that helps you to initialize, develop, and maintain your Nest application</a:t>
+            </a:r>
+          </a:p>
+          <a:p>
+            <a:pPr lvl="1"/>
+            <a:r>
+              <a:rPr lang="en-US" i="1" dirty="0" err="1"/>
+              <a:t>npm</a:t>
+            </a:r>
+            <a:r>
+              <a:rPr lang="en-US" i="1" dirty="0"/>
+              <a:t> install -g @nestjs/cli </a:t>
+            </a:r>
+            <a:r>
+              <a:rPr lang="en-US" dirty="0"/>
+              <a:t>– Install the CLI </a:t>
+            </a:r>
+            <a:r>
+              <a:rPr lang="en-US" dirty="0" err="1"/>
+              <a:t>globall</a:t>
+            </a:r>
             <a:endParaRPr lang="en-US" dirty="0"/>
           </a:p>
-        </p:txBody>
-      </p:sp>
-      <p:sp>
-        <p:nvSpPr>
-          <p:cNvPr id="5" name="Text Placeholder 2">
-            <a:extLst>
-              <a:ext uri="{FF2B5EF4-FFF2-40B4-BE49-F238E27FC236}">
-                <a16:creationId xmlns:a16="http://schemas.microsoft.com/office/drawing/2014/main" id="{F7731728-98EC-46CF-B168-F07D506C0EB1}"/>
-              </a:ext>
-            </a:extLst>
-          </p:cNvPr>
-          <p:cNvSpPr>
-            <a:spLocks noGrp="1"/>
-          </p:cNvSpPr>
-          <p:nvPr>
-            <p:ph type="body" sz="quarter" idx="11"/>
-          </p:nvPr>
-        </p:nvSpPr>
-        <p:spPr>
-          <a:xfrm>
-            <a:off x="837992" y="1617261"/>
-            <a:ext cx="5257802" cy="4432025"/>
-          </a:xfrm>
-        </p:spPr>
-        <p:txBody>
-          <a:bodyPr/>
-          <a:lstStyle/>
-          <a:p>
+          <a:p>
+            <a:pPr lvl="1"/>
+            <a:r>
+              <a:rPr lang="en-US" i="1" dirty="0"/>
+              <a:t>nest --help</a:t>
+            </a:r>
             <a:r>
               <a:rPr lang="en-US" dirty="0"/>
-              <a:t>Standard Mode</a:t>
+              <a:t> – See the available nest commands</a:t>
+            </a:r>
+          </a:p>
+          <a:p>
+            <a:r>
+              <a:rPr lang="en-US" dirty="0"/>
+              <a:t>To create, build run a new basic Nest project in development mode, run the follow commands:</a:t>
             </a:r>
           </a:p>
           <a:p>
             <a:pPr lvl="1"/>
             <a:r>
-              <a:rPr lang="en-US" dirty="0"/>
-              <a:t>By default, when we create a new nest project, we using standard mode.</a:t>
+              <a:rPr lang="en-US" i="1" dirty="0"/>
+              <a:t>nest new my-nest-project </a:t>
             </a:r>
           </a:p>
           <a:p>
             <a:pPr lvl="1"/>
             <a:r>
-              <a:rPr lang="en-US" dirty="0"/>
-              <a:t>In standard mode, TS’s </a:t>
+              <a:rPr lang="en-US" i="1" dirty="0"/>
+              <a:t>my-nest-project </a:t>
+            </a:r>
+          </a:p>
+          <a:p>
+            <a:pPr lvl="1"/>
+            <a:r>
+              <a:rPr lang="en-US" i="1" dirty="0"/>
+              <a:t>run </a:t>
             </a:r>
             <a:r>
               <a:rPr lang="en-US" i="1" dirty="0" err="1"/>
-              <a:t>tcs</a:t>
-            </a:r>
-            <a:r>
-              <a:rPr lang="en-US" dirty="0"/>
-              <a:t> will be used as the </a:t>
-            </a:r>
-            <a:r>
-              <a:rPr lang="en-US" dirty="0" err="1"/>
-              <a:t>compilar</a:t>
-            </a:r>
-            <a:endParaRPr lang="en-US" dirty="0"/>
-          </a:p>
-          <a:p>
-            <a:pPr marL="457200" lvl="1" indent="0">
-              <a:buNone/>
-            </a:pPr>
-            <a:endParaRPr lang="en-US" dirty="0"/>
-          </a:p>
-          <a:p>
-            <a:endParaRPr lang="en-US" dirty="0"/>
-          </a:p>
-          <a:p>
-            <a:endParaRPr lang="en-US" dirty="0"/>
-          </a:p>
-        </p:txBody>
-      </p:sp>
-      <p:sp>
-        <p:nvSpPr>
-          <p:cNvPr id="7" name="Text Placeholder 2">
-            <a:extLst>
-              <a:ext uri="{FF2B5EF4-FFF2-40B4-BE49-F238E27FC236}">
-                <a16:creationId xmlns:a16="http://schemas.microsoft.com/office/drawing/2014/main" id="{126C1D62-A4A6-4020-BEEF-350401C18D30}"/>
-              </a:ext>
-            </a:extLst>
-          </p:cNvPr>
-          <p:cNvSpPr>
-            <a:spLocks noGrp="1"/>
-          </p:cNvSpPr>
-          <p:nvPr>
-            <p:ph type="body" sz="quarter" idx="11"/>
-          </p:nvPr>
-        </p:nvSpPr>
-        <p:spPr>
-          <a:xfrm>
-            <a:off x="6095794" y="1622599"/>
-            <a:ext cx="5257802" cy="4432025"/>
-          </a:xfrm>
-        </p:spPr>
-        <p:txBody>
-          <a:bodyPr/>
-          <a:lstStyle/>
-          <a:p>
-            <a:r>
-              <a:rPr lang="en-US" dirty="0" err="1"/>
-              <a:t>Monorepo</a:t>
-            </a:r>
-            <a:r>
-              <a:rPr lang="en-US" dirty="0"/>
-              <a:t> mode</a:t>
-            </a:r>
-          </a:p>
-          <a:p>
-            <a:pPr lvl="1"/>
-            <a:r>
-              <a:rPr lang="en-US" dirty="0"/>
-              <a:t>To enable </a:t>
-            </a:r>
-            <a:r>
-              <a:rPr lang="en-US" dirty="0" err="1"/>
-              <a:t>monorepo</a:t>
-            </a:r>
-            <a:r>
-              <a:rPr lang="en-US" dirty="0"/>
-              <a:t> mode, we start with standard mode structure, and add a project. It could be a full </a:t>
-            </a:r>
-            <a:r>
-              <a:rPr lang="en-US" b="1" dirty="0"/>
-              <a:t>application</a:t>
-            </a:r>
-            <a:r>
-              <a:rPr lang="en-US" dirty="0"/>
-              <a:t> or a </a:t>
-            </a:r>
-            <a:r>
-              <a:rPr lang="en-US" b="1" dirty="0"/>
-              <a:t>library</a:t>
-            </a:r>
-          </a:p>
-          <a:p>
-            <a:pPr lvl="1"/>
-            <a:r>
-              <a:rPr lang="en-US" dirty="0"/>
-              <a:t>When we are in </a:t>
-            </a:r>
-            <a:r>
-              <a:rPr lang="en-US" dirty="0" err="1"/>
-              <a:t>monorepo</a:t>
-            </a:r>
-            <a:r>
-              <a:rPr lang="en-US" dirty="0"/>
-              <a:t> mode, rather than </a:t>
-            </a:r>
-            <a:r>
-              <a:rPr lang="en-US" i="1" dirty="0" err="1"/>
-              <a:t>tcs</a:t>
-            </a:r>
-            <a:r>
-              <a:rPr lang="en-US" i="1" dirty="0"/>
-              <a:t>, </a:t>
-            </a:r>
-            <a:r>
-              <a:rPr lang="en-US" i="1" u="sng" dirty="0" err="1"/>
-              <a:t>webpack</a:t>
-            </a:r>
-            <a:r>
-              <a:rPr lang="en-US" i="1" dirty="0"/>
-              <a:t> </a:t>
-            </a:r>
-            <a:r>
-              <a:rPr lang="en-US" dirty="0"/>
-              <a:t>will be used as a build tool</a:t>
-            </a:r>
-          </a:p>
-          <a:p>
-            <a:endParaRPr lang="en-US" dirty="0"/>
-          </a:p>
-        </p:txBody>
-      </p:sp>
-      <p:pic>
-        <p:nvPicPr>
-          <p:cNvPr id="12" name="Picture 11">
-            <a:extLst>
-              <a:ext uri="{FF2B5EF4-FFF2-40B4-BE49-F238E27FC236}">
-                <a16:creationId xmlns:a16="http://schemas.microsoft.com/office/drawing/2014/main" id="{23A07B07-B573-433E-852D-F9BC1DD658BE}"/>
-              </a:ext>
-            </a:extLst>
-          </p:cNvPr>
-          <p:cNvPicPr>
-            <a:picLocks noChangeAspect="1"/>
-          </p:cNvPicPr>
-          <p:nvPr/>
-        </p:nvPicPr>
-        <p:blipFill>
-          <a:blip r:embed="rId2"/>
-          <a:stretch>
-            <a:fillRect/>
-          </a:stretch>
-        </p:blipFill>
-        <p:spPr>
-          <a:xfrm>
-            <a:off x="2965683" y="3219725"/>
-            <a:ext cx="2041048" cy="3365311"/>
-          </a:xfrm>
-          <a:prstGeom prst="rect">
-            <a:avLst/>
-          </a:prstGeom>
-        </p:spPr>
-      </p:pic>
-      <p:pic>
-        <p:nvPicPr>
-          <p:cNvPr id="15" name="Picture 14">
-            <a:extLst>
-              <a:ext uri="{FF2B5EF4-FFF2-40B4-BE49-F238E27FC236}">
-                <a16:creationId xmlns:a16="http://schemas.microsoft.com/office/drawing/2014/main" id="{CFC50A6F-7734-4F74-B7A3-19CD7838922D}"/>
-              </a:ext>
-            </a:extLst>
-          </p:cNvPr>
-          <p:cNvPicPr>
-            <a:picLocks noChangeAspect="1"/>
-          </p:cNvPicPr>
-          <p:nvPr/>
-        </p:nvPicPr>
-        <p:blipFill>
-          <a:blip r:embed="rId2"/>
-          <a:stretch>
-            <a:fillRect/>
-          </a:stretch>
-        </p:blipFill>
-        <p:spPr>
-          <a:xfrm>
-            <a:off x="6898764" y="3221997"/>
-            <a:ext cx="2041048" cy="3365311"/>
-          </a:xfrm>
-          <a:prstGeom prst="rect">
-            <a:avLst/>
-          </a:prstGeom>
-        </p:spPr>
-      </p:pic>
+              <a:t>start:dev</a:t>
+            </a:r>
+            <a:endParaRPr lang="en-US" i="1" dirty="0"/>
+          </a:p>
+        </p:txBody>
+      </p:sp>
     </p:spTree>
     <p:extLst>
       <p:ext uri="{BB962C8B-B14F-4D97-AF65-F5344CB8AC3E}">
-        <p14:creationId xmlns:p14="http://schemas.microsoft.com/office/powerpoint/2010/main" val="2374133431"/>
+        <p14:creationId xmlns:p14="http://schemas.microsoft.com/office/powerpoint/2010/main" val="3295373358"/>
       </p:ext>
     </p:extLst>
   </p:cSld>
@@ -22063,7 +22343,7 @@
           <p:cNvPr id="2" name="Title 1">
             <a:extLst>
               <a:ext uri="{FF2B5EF4-FFF2-40B4-BE49-F238E27FC236}">
-                <a16:creationId xmlns:a16="http://schemas.microsoft.com/office/drawing/2014/main" id="{EFC68966-EC82-4EBE-A360-B61373EF9563}"/>
+                <a16:creationId xmlns:a16="http://schemas.microsoft.com/office/drawing/2014/main" id="{28D09562-4D8D-434E-AE6A-6CF89E6B1BBF}"/>
               </a:ext>
             </a:extLst>
           </p:cNvPr>
@@ -22079,7 +22359,10 @@
           <a:bodyPr/>
           <a:lstStyle/>
           <a:p>
-            <a:endParaRPr lang="en-US" dirty="0"/>
+            <a:r>
+              <a:rPr lang="en-US" dirty="0"/>
+              <a:t>Workspaces and Project file structure</a:t>
+            </a:r>
           </a:p>
         </p:txBody>
       </p:sp>
@@ -22088,7 +22371,7 @@
           <p:cNvPr id="3" name="Text Placeholder 2">
             <a:extLst>
               <a:ext uri="{FF2B5EF4-FFF2-40B4-BE49-F238E27FC236}">
-                <a16:creationId xmlns:a16="http://schemas.microsoft.com/office/drawing/2014/main" id="{AEBA7786-79CA-4554-9CF2-A451454324BB}"/>
+                <a16:creationId xmlns:a16="http://schemas.microsoft.com/office/drawing/2014/main" id="{980004BA-4F47-4C5C-B300-EF35A2F015DB}"/>
               </a:ext>
             </a:extLst>
           </p:cNvPr>
@@ -22099,21 +22382,32 @@
             <p:ph type="body" sz="quarter" idx="11"/>
           </p:nvPr>
         </p:nvSpPr>
-        <p:spPr/>
+        <p:spPr>
+          <a:xfrm>
+            <a:off x="838198" y="1078564"/>
+            <a:ext cx="10293016" cy="538697"/>
+          </a:xfrm>
+        </p:spPr>
         <p:txBody>
           <a:bodyPr/>
           <a:lstStyle/>
           <a:p>
-            <a:endParaRPr lang="en-US"/>
-          </a:p>
-        </p:txBody>
-      </p:sp>
-      <p:sp>
-        <p:nvSpPr>
-          <p:cNvPr id="4" name="Text Placeholder 3">
-            <a:extLst>
-              <a:ext uri="{FF2B5EF4-FFF2-40B4-BE49-F238E27FC236}">
-                <a16:creationId xmlns:a16="http://schemas.microsoft.com/office/drawing/2014/main" id="{73B28B73-F67B-4BEB-BF7A-430F77A68426}"/>
+            <a:r>
+              <a:rPr lang="en-US" dirty="0"/>
+              <a:t>NestJS has 2 modes for organizing code: </a:t>
+            </a:r>
+          </a:p>
+          <a:p>
+            <a:endParaRPr lang="en-US" dirty="0"/>
+          </a:p>
+        </p:txBody>
+      </p:sp>
+      <p:sp>
+        <p:nvSpPr>
+          <p:cNvPr id="5" name="Text Placeholder 2">
+            <a:extLst>
+              <a:ext uri="{FF2B5EF4-FFF2-40B4-BE49-F238E27FC236}">
+                <a16:creationId xmlns:a16="http://schemas.microsoft.com/office/drawing/2014/main" id="{F7731728-98EC-46CF-B168-F07D506C0EB1}"/>
               </a:ext>
             </a:extLst>
           </p:cNvPr>
@@ -22121,24 +22415,71 @@
             <a:spLocks noGrp="1"/>
           </p:cNvSpPr>
           <p:nvPr>
-            <p:ph type="body" sz="quarter" idx="12"/>
+            <p:ph type="body" sz="quarter" idx="11"/>
           </p:nvPr>
         </p:nvSpPr>
-        <p:spPr/>
+        <p:spPr>
+          <a:xfrm>
+            <a:off x="837992" y="1617261"/>
+            <a:ext cx="5257802" cy="4432025"/>
+          </a:xfrm>
+        </p:spPr>
         <p:txBody>
           <a:bodyPr/>
           <a:lstStyle/>
           <a:p>
+            <a:r>
+              <a:rPr lang="en-US" dirty="0"/>
+              <a:t>Standard Mode</a:t>
+            </a:r>
+          </a:p>
+          <a:p>
+            <a:pPr lvl="1"/>
+            <a:r>
+              <a:rPr lang="en-US" dirty="0"/>
+              <a:t>By default, when we create a new nest project, we using standard mode.</a:t>
+            </a:r>
+          </a:p>
+          <a:p>
+            <a:pPr lvl="1"/>
+            <a:r>
+              <a:rPr lang="en-US" dirty="0"/>
+              <a:t>In standard mode, TS’s </a:t>
+            </a:r>
+            <a:r>
+              <a:rPr lang="en-US" i="1" dirty="0" err="1"/>
+              <a:t>tcs</a:t>
+            </a:r>
+            <a:r>
+              <a:rPr lang="en-US" dirty="0"/>
+              <a:t> will be used as the </a:t>
+            </a:r>
+            <a:r>
+              <a:rPr lang="en-US" dirty="0" err="1"/>
+              <a:t>compilar</a:t>
+            </a:r>
             <a:endParaRPr lang="en-US" dirty="0"/>
           </a:p>
-        </p:txBody>
-      </p:sp>
-      <p:sp>
-        <p:nvSpPr>
-          <p:cNvPr id="5" name="Text Placeholder 4">
-            <a:extLst>
-              <a:ext uri="{FF2B5EF4-FFF2-40B4-BE49-F238E27FC236}">
-                <a16:creationId xmlns:a16="http://schemas.microsoft.com/office/drawing/2014/main" id="{CAC552F2-84DE-4F66-9D35-F9049CF74A37}"/>
+          <a:p>
+            <a:pPr marL="457200" lvl="1" indent="0">
+              <a:buNone/>
+            </a:pPr>
+            <a:endParaRPr lang="en-US" dirty="0"/>
+          </a:p>
+          <a:p>
+            <a:endParaRPr lang="en-US" dirty="0"/>
+          </a:p>
+          <a:p>
+            <a:endParaRPr lang="en-US" dirty="0"/>
+          </a:p>
+        </p:txBody>
+      </p:sp>
+      <p:sp>
+        <p:nvSpPr>
+          <p:cNvPr id="7" name="Text Placeholder 2">
+            <a:extLst>
+              <a:ext uri="{FF2B5EF4-FFF2-40B4-BE49-F238E27FC236}">
+                <a16:creationId xmlns:a16="http://schemas.microsoft.com/office/drawing/2014/main" id="{126C1D62-A4A6-4020-BEEF-350401C18D30}"/>
               </a:ext>
             </a:extLst>
           </p:cNvPr>
@@ -22146,47 +22487,171 @@
             <a:spLocks noGrp="1"/>
           </p:cNvSpPr>
           <p:nvPr>
-            <p:ph type="body" sz="quarter" idx="13"/>
+            <p:ph type="body" sz="quarter" idx="11"/>
           </p:nvPr>
         </p:nvSpPr>
-        <p:spPr/>
+        <p:spPr>
+          <a:xfrm>
+            <a:off x="6095794" y="1622599"/>
+            <a:ext cx="5257802" cy="4432025"/>
+          </a:xfrm>
+        </p:spPr>
         <p:txBody>
           <a:bodyPr/>
           <a:lstStyle/>
           <a:p>
-            <a:endParaRPr lang="en-US"/>
-          </a:p>
-        </p:txBody>
-      </p:sp>
-      <p:sp>
-        <p:nvSpPr>
-          <p:cNvPr id="6" name="Text Placeholder 5">
-            <a:extLst>
-              <a:ext uri="{FF2B5EF4-FFF2-40B4-BE49-F238E27FC236}">
-                <a16:creationId xmlns:a16="http://schemas.microsoft.com/office/drawing/2014/main" id="{09131319-4ACC-4039-837C-D028C1C14E51}"/>
-              </a:ext>
-            </a:extLst>
-          </p:cNvPr>
-          <p:cNvSpPr>
-            <a:spLocks noGrp="1"/>
-          </p:cNvSpPr>
-          <p:nvPr>
-            <p:ph type="body" sz="quarter" idx="14"/>
-          </p:nvPr>
-        </p:nvSpPr>
-        <p:spPr/>
-        <p:txBody>
-          <a:bodyPr/>
-          <a:lstStyle/>
-          <a:p>
-            <a:endParaRPr lang="en-US"/>
-          </a:p>
-        </p:txBody>
-      </p:sp>
+            <a:r>
+              <a:rPr lang="en-US" dirty="0" err="1"/>
+              <a:t>Monorepo</a:t>
+            </a:r>
+            <a:r>
+              <a:rPr lang="en-US" dirty="0"/>
+              <a:t> mode</a:t>
+            </a:r>
+          </a:p>
+          <a:p>
+            <a:pPr lvl="1"/>
+            <a:r>
+              <a:rPr lang="en-US" dirty="0"/>
+              <a:t>To enable </a:t>
+            </a:r>
+            <a:r>
+              <a:rPr lang="en-US" dirty="0" err="1"/>
+              <a:t>monorepo</a:t>
+            </a:r>
+            <a:r>
+              <a:rPr lang="en-US" dirty="0"/>
+              <a:t> mode, we start with standard mode structure, and add a project. It could be a full </a:t>
+            </a:r>
+            <a:r>
+              <a:rPr lang="en-US" b="1" dirty="0"/>
+              <a:t>application</a:t>
+            </a:r>
+            <a:r>
+              <a:rPr lang="en-US" dirty="0"/>
+              <a:t> or a </a:t>
+            </a:r>
+            <a:r>
+              <a:rPr lang="en-US" b="1" dirty="0"/>
+              <a:t>library</a:t>
+            </a:r>
+          </a:p>
+          <a:p>
+            <a:pPr lvl="1"/>
+            <a:r>
+              <a:rPr lang="en-US" dirty="0"/>
+              <a:t>When we are in </a:t>
+            </a:r>
+            <a:r>
+              <a:rPr lang="en-US" dirty="0" err="1"/>
+              <a:t>monorepo</a:t>
+            </a:r>
+            <a:r>
+              <a:rPr lang="en-US" dirty="0"/>
+              <a:t> mode, rather than </a:t>
+            </a:r>
+            <a:r>
+              <a:rPr lang="en-US" i="1" dirty="0" err="1"/>
+              <a:t>tcs</a:t>
+            </a:r>
+            <a:r>
+              <a:rPr lang="en-US" i="1" dirty="0"/>
+              <a:t>, </a:t>
+            </a:r>
+            <a:r>
+              <a:rPr lang="en-US" i="1" u="sng" dirty="0" err="1"/>
+              <a:t>webpack</a:t>
+            </a:r>
+            <a:r>
+              <a:rPr lang="en-US" i="1" dirty="0"/>
+              <a:t> </a:t>
+            </a:r>
+            <a:r>
+              <a:rPr lang="en-US" dirty="0"/>
+              <a:t>will be used as a build tool</a:t>
+            </a:r>
+          </a:p>
+          <a:p>
+            <a:endParaRPr lang="en-US" dirty="0"/>
+          </a:p>
+        </p:txBody>
+      </p:sp>
+      <p:pic>
+        <p:nvPicPr>
+          <p:cNvPr id="4" name="Picture 8">
+            <a:extLst>
+              <a:ext uri="{FF2B5EF4-FFF2-40B4-BE49-F238E27FC236}">
+                <a16:creationId xmlns:a16="http://schemas.microsoft.com/office/drawing/2014/main" id="{654A5FCE-8E6A-4180-BD82-2A9178EC9D78}"/>
+              </a:ext>
+            </a:extLst>
+          </p:cNvPr>
+          <p:cNvPicPr>
+            <a:picLocks noChangeAspect="1"/>
+          </p:cNvPicPr>
+          <p:nvPr/>
+        </p:nvPicPr>
+        <p:blipFill>
+          <a:blip r:embed="rId2">
+            <a:extLst>
+              <a:ext uri="{28A0092B-C50C-407E-A947-70E740481C1C}">
+                <a14:useLocalDpi xmlns:a14="http://schemas.microsoft.com/office/drawing/2010/main" val="0"/>
+              </a:ext>
+            </a:extLst>
+          </a:blip>
+          <a:stretch>
+            <a:fillRect/>
+          </a:stretch>
+        </p:blipFill>
+        <p:spPr>
+          <a:xfrm>
+            <a:off x="7731207" y="3428999"/>
+            <a:ext cx="1429182" cy="3026221"/>
+          </a:xfrm>
+          <a:prstGeom prst="rect">
+            <a:avLst/>
+          </a:prstGeom>
+        </p:spPr>
+      </p:pic>
+      <p:pic>
+        <p:nvPicPr>
+          <p:cNvPr id="8" name="Picture 8">
+            <a:extLst>
+              <a:ext uri="{FF2B5EF4-FFF2-40B4-BE49-F238E27FC236}">
+                <a16:creationId xmlns:a16="http://schemas.microsoft.com/office/drawing/2014/main" id="{818C3CF8-E123-47CA-8EBC-0A6569883738}"/>
+              </a:ext>
+            </a:extLst>
+          </p:cNvPr>
+          <p:cNvPicPr>
+            <a:picLocks noChangeAspect="1"/>
+          </p:cNvPicPr>
+          <p:nvPr/>
+        </p:nvPicPr>
+        <p:blipFill>
+          <a:blip r:embed="rId3">
+            <a:extLst>
+              <a:ext uri="{28A0092B-C50C-407E-A947-70E740481C1C}">
+                <a14:useLocalDpi xmlns:a14="http://schemas.microsoft.com/office/drawing/2010/main" val="0"/>
+              </a:ext>
+            </a:extLst>
+          </a:blip>
+          <a:stretch>
+            <a:fillRect/>
+          </a:stretch>
+        </p:blipFill>
+        <p:spPr>
+          <a:xfrm>
+            <a:off x="2502157" y="3428999"/>
+            <a:ext cx="1958637" cy="3026221"/>
+          </a:xfrm>
+          <a:prstGeom prst="rect">
+            <a:avLst/>
+          </a:prstGeom>
+        </p:spPr>
+      </p:pic>
     </p:spTree>
     <p:extLst>
       <p:ext uri="{BB962C8B-B14F-4D97-AF65-F5344CB8AC3E}">
-        <p14:creationId xmlns:p14="http://schemas.microsoft.com/office/powerpoint/2010/main" val="3393221177"/>
+        <p14:creationId xmlns:p14="http://schemas.microsoft.com/office/powerpoint/2010/main" val="2374133431"/>
       </p:ext>
     </p:extLst>
   </p:cSld>
@@ -22215,10 +22680,10 @@
       </p:grpSpPr>
       <p:sp>
         <p:nvSpPr>
-          <p:cNvPr id="21" name="Text Placeholder 20">
-            <a:extLst>
-              <a:ext uri="{FF2B5EF4-FFF2-40B4-BE49-F238E27FC236}">
-                <a16:creationId xmlns:a16="http://schemas.microsoft.com/office/drawing/2014/main" id="{298B0FBD-C0D1-43DC-B3C9-A67B80142359}"/>
+          <p:cNvPr id="2" name="Title 1">
+            <a:extLst>
+              <a:ext uri="{FF2B5EF4-FFF2-40B4-BE49-F238E27FC236}">
+                <a16:creationId xmlns:a16="http://schemas.microsoft.com/office/drawing/2014/main" id="{EFC68966-EC82-4EBE-A360-B61373EF9563}"/>
               </a:ext>
             </a:extLst>
           </p:cNvPr>
@@ -22226,7 +22691,7 @@
             <a:spLocks noGrp="1"/>
           </p:cNvSpPr>
           <p:nvPr>
-            <p:ph type="body" sz="quarter" idx="33"/>
+            <p:ph type="title"/>
           </p:nvPr>
         </p:nvSpPr>
         <p:spPr/>
@@ -22234,41 +22699,16 @@
           <a:bodyPr/>
           <a:lstStyle/>
           <a:p>
-            <a:endParaRPr lang="en-US"/>
-          </a:p>
-        </p:txBody>
-      </p:sp>
-      <p:sp>
-        <p:nvSpPr>
-          <p:cNvPr id="20" name="Text Placeholder 19">
-            <a:extLst>
-              <a:ext uri="{FF2B5EF4-FFF2-40B4-BE49-F238E27FC236}">
-                <a16:creationId xmlns:a16="http://schemas.microsoft.com/office/drawing/2014/main" id="{4991CF96-2D23-4A3A-A301-3F80CABE2CAD}"/>
-              </a:ext>
-            </a:extLst>
-          </p:cNvPr>
-          <p:cNvSpPr>
-            <a:spLocks noGrp="1"/>
-          </p:cNvSpPr>
-          <p:nvPr>
-            <p:ph type="body" sz="quarter" idx="32"/>
-          </p:nvPr>
-        </p:nvSpPr>
-        <p:spPr/>
-        <p:txBody>
-          <a:bodyPr/>
-          <a:lstStyle/>
-          <a:p>
-            <a:endParaRPr lang="en-US"/>
-          </a:p>
-        </p:txBody>
-      </p:sp>
-      <p:sp>
-        <p:nvSpPr>
-          <p:cNvPr id="13" name="Text Placeholder 12">
-            <a:extLst>
-              <a:ext uri="{FF2B5EF4-FFF2-40B4-BE49-F238E27FC236}">
-                <a16:creationId xmlns:a16="http://schemas.microsoft.com/office/drawing/2014/main" id="{21FBB662-7727-4B33-9743-54F7C036D5B6}"/>
+            <a:endParaRPr lang="en-US" dirty="0"/>
+          </a:p>
+        </p:txBody>
+      </p:sp>
+      <p:sp>
+        <p:nvSpPr>
+          <p:cNvPr id="3" name="Text Placeholder 2">
+            <a:extLst>
+              <a:ext uri="{FF2B5EF4-FFF2-40B4-BE49-F238E27FC236}">
+                <a16:creationId xmlns:a16="http://schemas.microsoft.com/office/drawing/2014/main" id="{AEBA7786-79CA-4554-9CF2-A451454324BB}"/>
               </a:ext>
             </a:extLst>
           </p:cNvPr>
@@ -22284,16 +22724,16 @@
           <a:bodyPr/>
           <a:lstStyle/>
           <a:p>
-            <a:endParaRPr lang="en-US" dirty="0"/>
-          </a:p>
-        </p:txBody>
-      </p:sp>
-      <p:sp>
-        <p:nvSpPr>
-          <p:cNvPr id="14" name="Text Placeholder 13">
-            <a:extLst>
-              <a:ext uri="{FF2B5EF4-FFF2-40B4-BE49-F238E27FC236}">
-                <a16:creationId xmlns:a16="http://schemas.microsoft.com/office/drawing/2014/main" id="{A688FAC3-289D-44D2-97FE-2AE4A0EE0C15}"/>
+            <a:endParaRPr lang="en-US"/>
+          </a:p>
+        </p:txBody>
+      </p:sp>
+      <p:sp>
+        <p:nvSpPr>
+          <p:cNvPr id="4" name="Text Placeholder 3">
+            <a:extLst>
+              <a:ext uri="{FF2B5EF4-FFF2-40B4-BE49-F238E27FC236}">
+                <a16:creationId xmlns:a16="http://schemas.microsoft.com/office/drawing/2014/main" id="{73B28B73-F67B-4BEB-BF7A-430F77A68426}"/>
               </a:ext>
             </a:extLst>
           </p:cNvPr>
@@ -22301,7 +22741,7 @@
             <a:spLocks noGrp="1"/>
           </p:cNvSpPr>
           <p:nvPr>
-            <p:ph type="body" sz="quarter" idx="15"/>
+            <p:ph type="body" sz="quarter" idx="12"/>
           </p:nvPr>
         </p:nvSpPr>
         <p:spPr/>
@@ -22315,10 +22755,10 @@
       </p:sp>
       <p:sp>
         <p:nvSpPr>
-          <p:cNvPr id="15" name="Text Placeholder 14">
-            <a:extLst>
-              <a:ext uri="{FF2B5EF4-FFF2-40B4-BE49-F238E27FC236}">
-                <a16:creationId xmlns:a16="http://schemas.microsoft.com/office/drawing/2014/main" id="{EB679E57-8C4D-4108-ACD5-B79F8140B284}"/>
+          <p:cNvPr id="5" name="Text Placeholder 4">
+            <a:extLst>
+              <a:ext uri="{FF2B5EF4-FFF2-40B4-BE49-F238E27FC236}">
+                <a16:creationId xmlns:a16="http://schemas.microsoft.com/office/drawing/2014/main" id="{CAC552F2-84DE-4F66-9D35-F9049CF74A37}"/>
               </a:ext>
             </a:extLst>
           </p:cNvPr>
@@ -22326,7 +22766,7 @@
             <a:spLocks noGrp="1"/>
           </p:cNvSpPr>
           <p:nvPr>
-            <p:ph type="body" sz="quarter" idx="16"/>
+            <p:ph type="body" sz="quarter" idx="13"/>
           </p:nvPr>
         </p:nvSpPr>
         <p:spPr/>
@@ -22340,10 +22780,10 @@
       </p:sp>
       <p:sp>
         <p:nvSpPr>
-          <p:cNvPr id="16" name="Text Placeholder 15">
-            <a:extLst>
-              <a:ext uri="{FF2B5EF4-FFF2-40B4-BE49-F238E27FC236}">
-                <a16:creationId xmlns:a16="http://schemas.microsoft.com/office/drawing/2014/main" id="{1691D3A6-3413-4367-854A-629E2AA051C5}"/>
+          <p:cNvPr id="6" name="Text Placeholder 5">
+            <a:extLst>
+              <a:ext uri="{FF2B5EF4-FFF2-40B4-BE49-F238E27FC236}">
+                <a16:creationId xmlns:a16="http://schemas.microsoft.com/office/drawing/2014/main" id="{09131319-4ACC-4039-837C-D028C1C14E51}"/>
               </a:ext>
             </a:extLst>
           </p:cNvPr>
@@ -22351,107 +22791,7 @@
             <a:spLocks noGrp="1"/>
           </p:cNvSpPr>
           <p:nvPr>
-            <p:ph type="body" sz="quarter" idx="17"/>
-          </p:nvPr>
-        </p:nvSpPr>
-        <p:spPr/>
-        <p:txBody>
-          <a:bodyPr/>
-          <a:lstStyle/>
-          <a:p>
-            <a:endParaRPr lang="en-US" dirty="0"/>
-          </a:p>
-        </p:txBody>
-      </p:sp>
-      <p:sp>
-        <p:nvSpPr>
-          <p:cNvPr id="17" name="Text Placeholder 16">
-            <a:extLst>
-              <a:ext uri="{FF2B5EF4-FFF2-40B4-BE49-F238E27FC236}">
-                <a16:creationId xmlns:a16="http://schemas.microsoft.com/office/drawing/2014/main" id="{1FE2996A-77E3-4BC2-B936-5977AC595307}"/>
-              </a:ext>
-            </a:extLst>
-          </p:cNvPr>
-          <p:cNvSpPr>
-            <a:spLocks noGrp="1"/>
-          </p:cNvSpPr>
-          <p:nvPr>
-            <p:ph type="body" sz="quarter" idx="29"/>
-          </p:nvPr>
-        </p:nvSpPr>
-        <p:spPr/>
-        <p:txBody>
-          <a:bodyPr/>
-          <a:lstStyle/>
-          <a:p>
-            <a:endParaRPr lang="en-US" dirty="0"/>
-          </a:p>
-        </p:txBody>
-      </p:sp>
-      <p:sp>
-        <p:nvSpPr>
-          <p:cNvPr id="18" name="Text Placeholder 17">
-            <a:extLst>
-              <a:ext uri="{FF2B5EF4-FFF2-40B4-BE49-F238E27FC236}">
-                <a16:creationId xmlns:a16="http://schemas.microsoft.com/office/drawing/2014/main" id="{20E99235-C9AC-4256-9B44-D04C8767FA4B}"/>
-              </a:ext>
-            </a:extLst>
-          </p:cNvPr>
-          <p:cNvSpPr>
-            <a:spLocks noGrp="1"/>
-          </p:cNvSpPr>
-          <p:nvPr>
-            <p:ph type="body" sz="quarter" idx="30"/>
-          </p:nvPr>
-        </p:nvSpPr>
-        <p:spPr/>
-        <p:txBody>
-          <a:bodyPr/>
-          <a:lstStyle/>
-          <a:p>
-            <a:endParaRPr lang="en-US" dirty="0"/>
-          </a:p>
-        </p:txBody>
-      </p:sp>
-      <p:sp>
-        <p:nvSpPr>
-          <p:cNvPr id="19" name="Text Placeholder 18">
-            <a:extLst>
-              <a:ext uri="{FF2B5EF4-FFF2-40B4-BE49-F238E27FC236}">
-                <a16:creationId xmlns:a16="http://schemas.microsoft.com/office/drawing/2014/main" id="{B6FF0A6F-3A1A-4B3A-843C-A77CC12E40BE}"/>
-              </a:ext>
-            </a:extLst>
-          </p:cNvPr>
-          <p:cNvSpPr>
-            <a:spLocks noGrp="1"/>
-          </p:cNvSpPr>
-          <p:nvPr>
-            <p:ph type="body" sz="quarter" idx="31"/>
-          </p:nvPr>
-        </p:nvSpPr>
-        <p:spPr/>
-        <p:txBody>
-          <a:bodyPr/>
-          <a:lstStyle/>
-          <a:p>
-            <a:endParaRPr lang="en-US"/>
-          </a:p>
-        </p:txBody>
-      </p:sp>
-      <p:sp>
-        <p:nvSpPr>
-          <p:cNvPr id="12" name="Title 11">
-            <a:extLst>
-              <a:ext uri="{FF2B5EF4-FFF2-40B4-BE49-F238E27FC236}">
-                <a16:creationId xmlns:a16="http://schemas.microsoft.com/office/drawing/2014/main" id="{12720679-AB4A-4CFF-978C-EF89140DD20A}"/>
-              </a:ext>
-            </a:extLst>
-          </p:cNvPr>
-          <p:cNvSpPr>
-            <a:spLocks noGrp="1"/>
-          </p:cNvSpPr>
-          <p:nvPr>
-            <p:ph type="title"/>
+            <p:ph type="body" sz="quarter" idx="14"/>
           </p:nvPr>
         </p:nvSpPr>
         <p:spPr/>
@@ -22466,7 +22806,7 @@
     </p:spTree>
     <p:extLst>
       <p:ext uri="{BB962C8B-B14F-4D97-AF65-F5344CB8AC3E}">
-        <p14:creationId xmlns:p14="http://schemas.microsoft.com/office/powerpoint/2010/main" val="2718608"/>
+        <p14:creationId xmlns:p14="http://schemas.microsoft.com/office/powerpoint/2010/main" val="3393221177"/>
       </p:ext>
     </p:extLst>
   </p:cSld>
@@ -22495,10 +22835,235 @@
       </p:grpSpPr>
       <p:sp>
         <p:nvSpPr>
-          <p:cNvPr id="2" name="Title 1">
-            <a:extLst>
-              <a:ext uri="{FF2B5EF4-FFF2-40B4-BE49-F238E27FC236}">
-                <a16:creationId xmlns:a16="http://schemas.microsoft.com/office/drawing/2014/main" id="{7D9B6B58-E11F-49DC-ACA2-203F33EAA2B0}"/>
+          <p:cNvPr id="21" name="Text Placeholder 20">
+            <a:extLst>
+              <a:ext uri="{FF2B5EF4-FFF2-40B4-BE49-F238E27FC236}">
+                <a16:creationId xmlns:a16="http://schemas.microsoft.com/office/drawing/2014/main" id="{298B0FBD-C0D1-43DC-B3C9-A67B80142359}"/>
+              </a:ext>
+            </a:extLst>
+          </p:cNvPr>
+          <p:cNvSpPr>
+            <a:spLocks noGrp="1"/>
+          </p:cNvSpPr>
+          <p:nvPr>
+            <p:ph type="body" sz="quarter" idx="33"/>
+          </p:nvPr>
+        </p:nvSpPr>
+        <p:spPr/>
+        <p:txBody>
+          <a:bodyPr/>
+          <a:lstStyle/>
+          <a:p>
+            <a:endParaRPr lang="en-US"/>
+          </a:p>
+        </p:txBody>
+      </p:sp>
+      <p:sp>
+        <p:nvSpPr>
+          <p:cNvPr id="20" name="Text Placeholder 19">
+            <a:extLst>
+              <a:ext uri="{FF2B5EF4-FFF2-40B4-BE49-F238E27FC236}">
+                <a16:creationId xmlns:a16="http://schemas.microsoft.com/office/drawing/2014/main" id="{4991CF96-2D23-4A3A-A301-3F80CABE2CAD}"/>
+              </a:ext>
+            </a:extLst>
+          </p:cNvPr>
+          <p:cNvSpPr>
+            <a:spLocks noGrp="1"/>
+          </p:cNvSpPr>
+          <p:nvPr>
+            <p:ph type="body" sz="quarter" idx="32"/>
+          </p:nvPr>
+        </p:nvSpPr>
+        <p:spPr/>
+        <p:txBody>
+          <a:bodyPr/>
+          <a:lstStyle/>
+          <a:p>
+            <a:endParaRPr lang="en-US"/>
+          </a:p>
+        </p:txBody>
+      </p:sp>
+      <p:sp>
+        <p:nvSpPr>
+          <p:cNvPr id="13" name="Text Placeholder 12">
+            <a:extLst>
+              <a:ext uri="{FF2B5EF4-FFF2-40B4-BE49-F238E27FC236}">
+                <a16:creationId xmlns:a16="http://schemas.microsoft.com/office/drawing/2014/main" id="{21FBB662-7727-4B33-9743-54F7C036D5B6}"/>
+              </a:ext>
+            </a:extLst>
+          </p:cNvPr>
+          <p:cNvSpPr>
+            <a:spLocks noGrp="1"/>
+          </p:cNvSpPr>
+          <p:nvPr>
+            <p:ph type="body" sz="quarter" idx="11"/>
+          </p:nvPr>
+        </p:nvSpPr>
+        <p:spPr/>
+        <p:txBody>
+          <a:bodyPr/>
+          <a:lstStyle/>
+          <a:p>
+            <a:endParaRPr lang="en-US" dirty="0"/>
+          </a:p>
+        </p:txBody>
+      </p:sp>
+      <p:sp>
+        <p:nvSpPr>
+          <p:cNvPr id="14" name="Text Placeholder 13">
+            <a:extLst>
+              <a:ext uri="{FF2B5EF4-FFF2-40B4-BE49-F238E27FC236}">
+                <a16:creationId xmlns:a16="http://schemas.microsoft.com/office/drawing/2014/main" id="{A688FAC3-289D-44D2-97FE-2AE4A0EE0C15}"/>
+              </a:ext>
+            </a:extLst>
+          </p:cNvPr>
+          <p:cNvSpPr>
+            <a:spLocks noGrp="1"/>
+          </p:cNvSpPr>
+          <p:nvPr>
+            <p:ph type="body" sz="quarter" idx="15"/>
+          </p:nvPr>
+        </p:nvSpPr>
+        <p:spPr/>
+        <p:txBody>
+          <a:bodyPr/>
+          <a:lstStyle/>
+          <a:p>
+            <a:endParaRPr lang="en-US" dirty="0"/>
+          </a:p>
+        </p:txBody>
+      </p:sp>
+      <p:sp>
+        <p:nvSpPr>
+          <p:cNvPr id="15" name="Text Placeholder 14">
+            <a:extLst>
+              <a:ext uri="{FF2B5EF4-FFF2-40B4-BE49-F238E27FC236}">
+                <a16:creationId xmlns:a16="http://schemas.microsoft.com/office/drawing/2014/main" id="{EB679E57-8C4D-4108-ACD5-B79F8140B284}"/>
+              </a:ext>
+            </a:extLst>
+          </p:cNvPr>
+          <p:cNvSpPr>
+            <a:spLocks noGrp="1"/>
+          </p:cNvSpPr>
+          <p:nvPr>
+            <p:ph type="body" sz="quarter" idx="16"/>
+          </p:nvPr>
+        </p:nvSpPr>
+        <p:spPr/>
+        <p:txBody>
+          <a:bodyPr/>
+          <a:lstStyle/>
+          <a:p>
+            <a:endParaRPr lang="en-US"/>
+          </a:p>
+        </p:txBody>
+      </p:sp>
+      <p:sp>
+        <p:nvSpPr>
+          <p:cNvPr id="16" name="Text Placeholder 15">
+            <a:extLst>
+              <a:ext uri="{FF2B5EF4-FFF2-40B4-BE49-F238E27FC236}">
+                <a16:creationId xmlns:a16="http://schemas.microsoft.com/office/drawing/2014/main" id="{1691D3A6-3413-4367-854A-629E2AA051C5}"/>
+              </a:ext>
+            </a:extLst>
+          </p:cNvPr>
+          <p:cNvSpPr>
+            <a:spLocks noGrp="1"/>
+          </p:cNvSpPr>
+          <p:nvPr>
+            <p:ph type="body" sz="quarter" idx="17"/>
+          </p:nvPr>
+        </p:nvSpPr>
+        <p:spPr/>
+        <p:txBody>
+          <a:bodyPr/>
+          <a:lstStyle/>
+          <a:p>
+            <a:endParaRPr lang="en-US" dirty="0"/>
+          </a:p>
+        </p:txBody>
+      </p:sp>
+      <p:sp>
+        <p:nvSpPr>
+          <p:cNvPr id="17" name="Text Placeholder 16">
+            <a:extLst>
+              <a:ext uri="{FF2B5EF4-FFF2-40B4-BE49-F238E27FC236}">
+                <a16:creationId xmlns:a16="http://schemas.microsoft.com/office/drawing/2014/main" id="{1FE2996A-77E3-4BC2-B936-5977AC595307}"/>
+              </a:ext>
+            </a:extLst>
+          </p:cNvPr>
+          <p:cNvSpPr>
+            <a:spLocks noGrp="1"/>
+          </p:cNvSpPr>
+          <p:nvPr>
+            <p:ph type="body" sz="quarter" idx="29"/>
+          </p:nvPr>
+        </p:nvSpPr>
+        <p:spPr/>
+        <p:txBody>
+          <a:bodyPr/>
+          <a:lstStyle/>
+          <a:p>
+            <a:endParaRPr lang="en-US" dirty="0"/>
+          </a:p>
+        </p:txBody>
+      </p:sp>
+      <p:sp>
+        <p:nvSpPr>
+          <p:cNvPr id="18" name="Text Placeholder 17">
+            <a:extLst>
+              <a:ext uri="{FF2B5EF4-FFF2-40B4-BE49-F238E27FC236}">
+                <a16:creationId xmlns:a16="http://schemas.microsoft.com/office/drawing/2014/main" id="{20E99235-C9AC-4256-9B44-D04C8767FA4B}"/>
+              </a:ext>
+            </a:extLst>
+          </p:cNvPr>
+          <p:cNvSpPr>
+            <a:spLocks noGrp="1"/>
+          </p:cNvSpPr>
+          <p:nvPr>
+            <p:ph type="body" sz="quarter" idx="30"/>
+          </p:nvPr>
+        </p:nvSpPr>
+        <p:spPr/>
+        <p:txBody>
+          <a:bodyPr/>
+          <a:lstStyle/>
+          <a:p>
+            <a:endParaRPr lang="en-US" dirty="0"/>
+          </a:p>
+        </p:txBody>
+      </p:sp>
+      <p:sp>
+        <p:nvSpPr>
+          <p:cNvPr id="19" name="Text Placeholder 18">
+            <a:extLst>
+              <a:ext uri="{FF2B5EF4-FFF2-40B4-BE49-F238E27FC236}">
+                <a16:creationId xmlns:a16="http://schemas.microsoft.com/office/drawing/2014/main" id="{B6FF0A6F-3A1A-4B3A-843C-A77CC12E40BE}"/>
+              </a:ext>
+            </a:extLst>
+          </p:cNvPr>
+          <p:cNvSpPr>
+            <a:spLocks noGrp="1"/>
+          </p:cNvSpPr>
+          <p:nvPr>
+            <p:ph type="body" sz="quarter" idx="31"/>
+          </p:nvPr>
+        </p:nvSpPr>
+        <p:spPr/>
+        <p:txBody>
+          <a:bodyPr/>
+          <a:lstStyle/>
+          <a:p>
+            <a:endParaRPr lang="en-US"/>
+          </a:p>
+        </p:txBody>
+      </p:sp>
+      <p:sp>
+        <p:nvSpPr>
+          <p:cNvPr id="12" name="Title 11">
+            <a:extLst>
+              <a:ext uri="{FF2B5EF4-FFF2-40B4-BE49-F238E27FC236}">
+                <a16:creationId xmlns:a16="http://schemas.microsoft.com/office/drawing/2014/main" id="{12720679-AB4A-4CFF-978C-EF89140DD20A}"/>
               </a:ext>
             </a:extLst>
           </p:cNvPr>
@@ -22518,88 +23083,10 @@
           </a:p>
         </p:txBody>
       </p:sp>
-      <p:sp>
-        <p:nvSpPr>
-          <p:cNvPr id="3" name="Text Placeholder 2">
-            <a:extLst>
-              <a:ext uri="{FF2B5EF4-FFF2-40B4-BE49-F238E27FC236}">
-                <a16:creationId xmlns:a16="http://schemas.microsoft.com/office/drawing/2014/main" id="{CD5995B8-0D23-48AA-BD6D-B64F2188B310}"/>
-              </a:ext>
-            </a:extLst>
-          </p:cNvPr>
-          <p:cNvSpPr>
-            <a:spLocks noGrp="1"/>
-          </p:cNvSpPr>
-          <p:nvPr>
-            <p:ph type="body" sz="quarter" idx="4294967295"/>
-          </p:nvPr>
-        </p:nvSpPr>
-        <p:spPr>
-          <a:xfrm>
-            <a:off x="838404" y="1884792"/>
-            <a:ext cx="5095865" cy="4284662"/>
-          </a:xfrm>
-        </p:spPr>
-        <p:txBody>
-          <a:bodyPr/>
-          <a:lstStyle/>
-          <a:p>
-            <a:endParaRPr lang="en-US" dirty="0"/>
-          </a:p>
-        </p:txBody>
-      </p:sp>
-      <p:sp>
-        <p:nvSpPr>
-          <p:cNvPr id="4" name="Text Placeholder 3">
-            <a:extLst>
-              <a:ext uri="{FF2B5EF4-FFF2-40B4-BE49-F238E27FC236}">
-                <a16:creationId xmlns:a16="http://schemas.microsoft.com/office/drawing/2014/main" id="{A04201A3-D506-4ED4-A2B0-FDBEFE6A8B79}"/>
-              </a:ext>
-            </a:extLst>
-          </p:cNvPr>
-          <p:cNvSpPr>
-            <a:spLocks noGrp="1"/>
-          </p:cNvSpPr>
-          <p:nvPr>
-            <p:ph type="body" sz="quarter" idx="4294967295"/>
-          </p:nvPr>
-        </p:nvSpPr>
-        <p:spPr>
-          <a:xfrm>
-            <a:off x="838200" y="1335155"/>
-            <a:ext cx="5096069" cy="485775"/>
-          </a:xfrm>
-        </p:spPr>
-        <p:txBody>
-          <a:bodyPr/>
-          <a:lstStyle/>
-          <a:p>
-            <a:endParaRPr lang="en-US"/>
-          </a:p>
-        </p:txBody>
-      </p:sp>
-      <p:sp>
-        <p:nvSpPr>
-          <p:cNvPr id="5" name="Picture Placeholder 4">
-            <a:extLst>
-              <a:ext uri="{FF2B5EF4-FFF2-40B4-BE49-F238E27FC236}">
-                <a16:creationId xmlns:a16="http://schemas.microsoft.com/office/drawing/2014/main" id="{164EC44E-2CB0-4003-BF8E-A93E5CD364CD}"/>
-              </a:ext>
-            </a:extLst>
-          </p:cNvPr>
-          <p:cNvSpPr>
-            <a:spLocks noGrp="1"/>
-          </p:cNvSpPr>
-          <p:nvPr>
-            <p:ph type="pic" sz="quarter" idx="13"/>
-          </p:nvPr>
-        </p:nvSpPr>
-        <p:spPr/>
-      </p:sp>
     </p:spTree>
     <p:extLst>
       <p:ext uri="{BB962C8B-B14F-4D97-AF65-F5344CB8AC3E}">
-        <p14:creationId xmlns:p14="http://schemas.microsoft.com/office/powerpoint/2010/main" val="323650388"/>
+        <p14:creationId xmlns:p14="http://schemas.microsoft.com/office/powerpoint/2010/main" val="2718608"/>
       </p:ext>
     </p:extLst>
   </p:cSld>
@@ -22631,7 +23118,7 @@
           <p:cNvPr id="2" name="Title 1">
             <a:extLst>
               <a:ext uri="{FF2B5EF4-FFF2-40B4-BE49-F238E27FC236}">
-                <a16:creationId xmlns:a16="http://schemas.microsoft.com/office/drawing/2014/main" id="{0D8AEE0D-F00D-4950-A326-FD0FD0D41D3C}"/>
+                <a16:creationId xmlns:a16="http://schemas.microsoft.com/office/drawing/2014/main" id="{7D9B6B58-E11F-49DC-ACA2-203F33EAA2B0}"/>
               </a:ext>
             </a:extLst>
           </p:cNvPr>
@@ -22653,110 +23140,10 @@
       </p:sp>
       <p:sp>
         <p:nvSpPr>
-          <p:cNvPr id="3" name="Content Placeholder 2">
-            <a:extLst>
-              <a:ext uri="{FF2B5EF4-FFF2-40B4-BE49-F238E27FC236}">
-                <a16:creationId xmlns:a16="http://schemas.microsoft.com/office/drawing/2014/main" id="{C9833756-0A74-4D3B-B713-CFEC9081F38D}"/>
-              </a:ext>
-            </a:extLst>
-          </p:cNvPr>
-          <p:cNvSpPr>
-            <a:spLocks noGrp="1"/>
-          </p:cNvSpPr>
-          <p:nvPr>
-            <p:ph sz="quarter" idx="30"/>
-          </p:nvPr>
-        </p:nvSpPr>
-        <p:spPr/>
-        <p:txBody>
-          <a:bodyPr/>
-          <a:lstStyle/>
-          <a:p>
-            <a:endParaRPr lang="en-US"/>
-          </a:p>
-        </p:txBody>
-      </p:sp>
-      <p:sp>
-        <p:nvSpPr>
-          <p:cNvPr id="4" name="Content Placeholder 3">
-            <a:extLst>
-              <a:ext uri="{FF2B5EF4-FFF2-40B4-BE49-F238E27FC236}">
-                <a16:creationId xmlns:a16="http://schemas.microsoft.com/office/drawing/2014/main" id="{B49B0746-25AD-4C88-A3C9-31D7CC088B96}"/>
-              </a:ext>
-            </a:extLst>
-          </p:cNvPr>
-          <p:cNvSpPr>
-            <a:spLocks noGrp="1"/>
-          </p:cNvSpPr>
-          <p:nvPr>
-            <p:ph sz="quarter" idx="34"/>
-          </p:nvPr>
-        </p:nvSpPr>
-        <p:spPr/>
-        <p:txBody>
-          <a:bodyPr/>
-          <a:lstStyle/>
-          <a:p>
-            <a:endParaRPr lang="en-US"/>
-          </a:p>
-        </p:txBody>
-      </p:sp>
-      <p:sp>
-        <p:nvSpPr>
-          <p:cNvPr id="5" name="Content Placeholder 4">
-            <a:extLst>
-              <a:ext uri="{FF2B5EF4-FFF2-40B4-BE49-F238E27FC236}">
-                <a16:creationId xmlns:a16="http://schemas.microsoft.com/office/drawing/2014/main" id="{58F1B4CB-263A-433B-8503-C237E15DF3B0}"/>
-              </a:ext>
-            </a:extLst>
-          </p:cNvPr>
-          <p:cNvSpPr>
-            <a:spLocks noGrp="1"/>
-          </p:cNvSpPr>
-          <p:nvPr>
-            <p:ph sz="quarter" idx="35"/>
-          </p:nvPr>
-        </p:nvSpPr>
-        <p:spPr/>
-        <p:txBody>
-          <a:bodyPr/>
-          <a:lstStyle/>
-          <a:p>
-            <a:endParaRPr lang="en-US"/>
-          </a:p>
-        </p:txBody>
-      </p:sp>
-      <p:sp>
-        <p:nvSpPr>
-          <p:cNvPr id="6" name="Content Placeholder 5">
-            <a:extLst>
-              <a:ext uri="{FF2B5EF4-FFF2-40B4-BE49-F238E27FC236}">
-                <a16:creationId xmlns:a16="http://schemas.microsoft.com/office/drawing/2014/main" id="{A885582D-F0F1-4A10-98B1-9DA443B5C9A0}"/>
-              </a:ext>
-            </a:extLst>
-          </p:cNvPr>
-          <p:cNvSpPr>
-            <a:spLocks noGrp="1"/>
-          </p:cNvSpPr>
-          <p:nvPr>
-            <p:ph sz="quarter" idx="36"/>
-          </p:nvPr>
-        </p:nvSpPr>
-        <p:spPr/>
-        <p:txBody>
-          <a:bodyPr/>
-          <a:lstStyle/>
-          <a:p>
-            <a:endParaRPr lang="en-US"/>
-          </a:p>
-        </p:txBody>
-      </p:sp>
-      <p:sp>
-        <p:nvSpPr>
-          <p:cNvPr id="7" name="Text Placeholder 6">
-            <a:extLst>
-              <a:ext uri="{FF2B5EF4-FFF2-40B4-BE49-F238E27FC236}">
-                <a16:creationId xmlns:a16="http://schemas.microsoft.com/office/drawing/2014/main" id="{5B072338-30C6-4998-8F55-417653056214}"/>
+          <p:cNvPr id="3" name="Text Placeholder 2">
+            <a:extLst>
+              <a:ext uri="{FF2B5EF4-FFF2-40B4-BE49-F238E27FC236}">
+                <a16:creationId xmlns:a16="http://schemas.microsoft.com/office/drawing/2014/main" id="{CD5995B8-0D23-48AA-BD6D-B64F2188B310}"/>
               </a:ext>
             </a:extLst>
           </p:cNvPr>
@@ -22769,24 +23156,24 @@
         </p:nvSpPr>
         <p:spPr>
           <a:xfrm>
-            <a:off x="838404" y="1885497"/>
-            <a:ext cx="3242106" cy="4300700"/>
+            <a:off x="838404" y="1884792"/>
+            <a:ext cx="5095865" cy="4284662"/>
           </a:xfrm>
         </p:spPr>
         <p:txBody>
           <a:bodyPr/>
           <a:lstStyle/>
           <a:p>
-            <a:endParaRPr lang="en-US"/>
-          </a:p>
-        </p:txBody>
-      </p:sp>
-      <p:sp>
-        <p:nvSpPr>
-          <p:cNvPr id="8" name="Text Placeholder 7">
-            <a:extLst>
-              <a:ext uri="{FF2B5EF4-FFF2-40B4-BE49-F238E27FC236}">
-                <a16:creationId xmlns:a16="http://schemas.microsoft.com/office/drawing/2014/main" id="{D5EF221B-20C9-43F9-B095-0BD2ED9C19B8}"/>
+            <a:endParaRPr lang="en-US" dirty="0"/>
+          </a:p>
+        </p:txBody>
+      </p:sp>
+      <p:sp>
+        <p:nvSpPr>
+          <p:cNvPr id="4" name="Text Placeholder 3">
+            <a:extLst>
+              <a:ext uri="{FF2B5EF4-FFF2-40B4-BE49-F238E27FC236}">
+                <a16:creationId xmlns:a16="http://schemas.microsoft.com/office/drawing/2014/main" id="{A04201A3-D506-4ED4-A2B0-FDBEFE6A8B79}"/>
               </a:ext>
             </a:extLst>
           </p:cNvPr>
@@ -22799,22 +23186,40 @@
         </p:nvSpPr>
         <p:spPr>
           <a:xfrm>
-            <a:off x="838200" y="1399721"/>
-            <a:ext cx="3242107" cy="485775"/>
+            <a:off x="838200" y="1335155"/>
+            <a:ext cx="5096069" cy="485775"/>
           </a:xfrm>
         </p:spPr>
         <p:txBody>
           <a:bodyPr/>
           <a:lstStyle/>
           <a:p>
-            <a:endParaRPr lang="en-US" dirty="0"/>
-          </a:p>
-        </p:txBody>
+            <a:endParaRPr lang="en-US"/>
+          </a:p>
+        </p:txBody>
+      </p:sp>
+      <p:sp>
+        <p:nvSpPr>
+          <p:cNvPr id="5" name="Picture Placeholder 4">
+            <a:extLst>
+              <a:ext uri="{FF2B5EF4-FFF2-40B4-BE49-F238E27FC236}">
+                <a16:creationId xmlns:a16="http://schemas.microsoft.com/office/drawing/2014/main" id="{164EC44E-2CB0-4003-BF8E-A93E5CD364CD}"/>
+              </a:ext>
+            </a:extLst>
+          </p:cNvPr>
+          <p:cNvSpPr>
+            <a:spLocks noGrp="1"/>
+          </p:cNvSpPr>
+          <p:nvPr>
+            <p:ph type="pic" sz="quarter" idx="13"/>
+          </p:nvPr>
+        </p:nvSpPr>
+        <p:spPr/>
       </p:sp>
     </p:spTree>
     <p:extLst>
       <p:ext uri="{BB962C8B-B14F-4D97-AF65-F5344CB8AC3E}">
-        <p14:creationId xmlns:p14="http://schemas.microsoft.com/office/powerpoint/2010/main" val="1989867194"/>
+        <p14:creationId xmlns:p14="http://schemas.microsoft.com/office/powerpoint/2010/main" val="323650388"/>
       </p:ext>
     </p:extLst>
   </p:cSld>
@@ -22846,7 +23251,7 @@
           <p:cNvPr id="2" name="Title 1">
             <a:extLst>
               <a:ext uri="{FF2B5EF4-FFF2-40B4-BE49-F238E27FC236}">
-                <a16:creationId xmlns:a16="http://schemas.microsoft.com/office/drawing/2014/main" id="{B84CD52F-B8B2-4079-9448-46190F5638AD}"/>
+                <a16:creationId xmlns:a16="http://schemas.microsoft.com/office/drawing/2014/main" id="{0D8AEE0D-F00D-4950-A326-FD0FD0D41D3C}"/>
               </a:ext>
             </a:extLst>
           </p:cNvPr>
@@ -22871,7 +23276,7 @@
           <p:cNvPr id="3" name="Content Placeholder 2">
             <a:extLst>
               <a:ext uri="{FF2B5EF4-FFF2-40B4-BE49-F238E27FC236}">
-                <a16:creationId xmlns:a16="http://schemas.microsoft.com/office/drawing/2014/main" id="{6D84D892-8167-41D2-AEB6-D25043E2B804}"/>
+                <a16:creationId xmlns:a16="http://schemas.microsoft.com/office/drawing/2014/main" id="{C9833756-0A74-4D3B-B713-CFEC9081F38D}"/>
               </a:ext>
             </a:extLst>
           </p:cNvPr>
@@ -22896,7 +23301,7 @@
           <p:cNvPr id="4" name="Content Placeholder 3">
             <a:extLst>
               <a:ext uri="{FF2B5EF4-FFF2-40B4-BE49-F238E27FC236}">
-                <a16:creationId xmlns:a16="http://schemas.microsoft.com/office/drawing/2014/main" id="{3CD436D8-7D4D-4EF5-A422-1316EE198FEC}"/>
+                <a16:creationId xmlns:a16="http://schemas.microsoft.com/office/drawing/2014/main" id="{B49B0746-25AD-4C88-A3C9-31D7CC088B96}"/>
               </a:ext>
             </a:extLst>
           </p:cNvPr>
@@ -22904,7 +23309,7 @@
             <a:spLocks noGrp="1"/>
           </p:cNvSpPr>
           <p:nvPr>
-            <p:ph sz="quarter" idx="32"/>
+            <p:ph sz="quarter" idx="34"/>
           </p:nvPr>
         </p:nvSpPr>
         <p:spPr/>
@@ -22921,7 +23326,7 @@
           <p:cNvPr id="5" name="Content Placeholder 4">
             <a:extLst>
               <a:ext uri="{FF2B5EF4-FFF2-40B4-BE49-F238E27FC236}">
-                <a16:creationId xmlns:a16="http://schemas.microsoft.com/office/drawing/2014/main" id="{692BAB18-9D35-4F20-ADBF-52FEF3FD09B1}"/>
+                <a16:creationId xmlns:a16="http://schemas.microsoft.com/office/drawing/2014/main" id="{58F1B4CB-263A-433B-8503-C237E15DF3B0}"/>
               </a:ext>
             </a:extLst>
           </p:cNvPr>
@@ -22929,7 +23334,7 @@
             <a:spLocks noGrp="1"/>
           </p:cNvSpPr>
           <p:nvPr>
-            <p:ph sz="quarter" idx="33"/>
+            <p:ph sz="quarter" idx="35"/>
           </p:nvPr>
         </p:nvSpPr>
         <p:spPr/>
@@ -22943,10 +23348,10 @@
       </p:sp>
       <p:sp>
         <p:nvSpPr>
-          <p:cNvPr id="6" name="Text Placeholder 5">
-            <a:extLst>
-              <a:ext uri="{FF2B5EF4-FFF2-40B4-BE49-F238E27FC236}">
-                <a16:creationId xmlns:a16="http://schemas.microsoft.com/office/drawing/2014/main" id="{ADFA8C7A-C176-400F-9015-D4B07271415F}"/>
+          <p:cNvPr id="6" name="Content Placeholder 5">
+            <a:extLst>
+              <a:ext uri="{FF2B5EF4-FFF2-40B4-BE49-F238E27FC236}">
+                <a16:creationId xmlns:a16="http://schemas.microsoft.com/office/drawing/2014/main" id="{A885582D-F0F1-4A10-98B1-9DA443B5C9A0}"/>
               </a:ext>
             </a:extLst>
           </p:cNvPr>
@@ -22954,7 +23359,7 @@
             <a:spLocks noGrp="1"/>
           </p:cNvSpPr>
           <p:nvPr>
-            <p:ph type="body" sz="quarter" idx="11"/>
+            <p:ph sz="quarter" idx="36"/>
           </p:nvPr>
         </p:nvSpPr>
         <p:spPr/>
@@ -22963,13 +23368,73 @@
           <a:lstStyle/>
           <a:p>
             <a:endParaRPr lang="en-US"/>
+          </a:p>
+        </p:txBody>
+      </p:sp>
+      <p:sp>
+        <p:nvSpPr>
+          <p:cNvPr id="7" name="Text Placeholder 6">
+            <a:extLst>
+              <a:ext uri="{FF2B5EF4-FFF2-40B4-BE49-F238E27FC236}">
+                <a16:creationId xmlns:a16="http://schemas.microsoft.com/office/drawing/2014/main" id="{5B072338-30C6-4998-8F55-417653056214}"/>
+              </a:ext>
+            </a:extLst>
+          </p:cNvPr>
+          <p:cNvSpPr>
+            <a:spLocks noGrp="1"/>
+          </p:cNvSpPr>
+          <p:nvPr>
+            <p:ph type="body" sz="quarter" idx="4294967295"/>
+          </p:nvPr>
+        </p:nvSpPr>
+        <p:spPr>
+          <a:xfrm>
+            <a:off x="838404" y="1885497"/>
+            <a:ext cx="3242106" cy="4300700"/>
+          </a:xfrm>
+        </p:spPr>
+        <p:txBody>
+          <a:bodyPr/>
+          <a:lstStyle/>
+          <a:p>
+            <a:endParaRPr lang="en-US"/>
+          </a:p>
+        </p:txBody>
+      </p:sp>
+      <p:sp>
+        <p:nvSpPr>
+          <p:cNvPr id="8" name="Text Placeholder 7">
+            <a:extLst>
+              <a:ext uri="{FF2B5EF4-FFF2-40B4-BE49-F238E27FC236}">
+                <a16:creationId xmlns:a16="http://schemas.microsoft.com/office/drawing/2014/main" id="{D5EF221B-20C9-43F9-B095-0BD2ED9C19B8}"/>
+              </a:ext>
+            </a:extLst>
+          </p:cNvPr>
+          <p:cNvSpPr>
+            <a:spLocks noGrp="1"/>
+          </p:cNvSpPr>
+          <p:nvPr>
+            <p:ph type="body" sz="quarter" idx="4294967295"/>
+          </p:nvPr>
+        </p:nvSpPr>
+        <p:spPr>
+          <a:xfrm>
+            <a:off x="838200" y="1399721"/>
+            <a:ext cx="3242107" cy="485775"/>
+          </a:xfrm>
+        </p:spPr>
+        <p:txBody>
+          <a:bodyPr/>
+          <a:lstStyle/>
+          <a:p>
+            <a:endParaRPr lang="en-US" dirty="0"/>
           </a:p>
         </p:txBody>
       </p:sp>
     </p:spTree>
     <p:extLst>
       <p:ext uri="{BB962C8B-B14F-4D97-AF65-F5344CB8AC3E}">
-        <p14:creationId xmlns:p14="http://schemas.microsoft.com/office/powerpoint/2010/main" val="2652100609"/>
+        <p14:creationId xmlns:p14="http://schemas.microsoft.com/office/powerpoint/2010/main" val="1989867194"/>
       </p:ext>
     </p:extLst>
   </p:cSld>
@@ -22998,28 +23463,10 @@
       </p:grpSpPr>
       <p:sp>
         <p:nvSpPr>
-          <p:cNvPr id="4" name="Picture Placeholder 3">
-            <a:extLst>
-              <a:ext uri="{FF2B5EF4-FFF2-40B4-BE49-F238E27FC236}">
-                <a16:creationId xmlns:a16="http://schemas.microsoft.com/office/drawing/2014/main" id="{2D0FA18A-C060-44D0-A78A-499609F35526}"/>
-              </a:ext>
-            </a:extLst>
-          </p:cNvPr>
-          <p:cNvSpPr>
-            <a:spLocks noGrp="1"/>
-          </p:cNvSpPr>
-          <p:nvPr>
-            <p:ph type="pic" sz="quarter" idx="12"/>
-          </p:nvPr>
-        </p:nvSpPr>
-        <p:spPr/>
-      </p:sp>
-      <p:sp>
-        <p:nvSpPr>
           <p:cNvPr id="2" name="Title 1">
             <a:extLst>
               <a:ext uri="{FF2B5EF4-FFF2-40B4-BE49-F238E27FC236}">
-                <a16:creationId xmlns:a16="http://schemas.microsoft.com/office/drawing/2014/main" id="{18E3FF96-F6BC-FA9E-B1F9-8B5A1806D770}"/>
+                <a16:creationId xmlns:a16="http://schemas.microsoft.com/office/drawing/2014/main" id="{B84CD52F-B8B2-4079-9448-46190F5638AD}"/>
               </a:ext>
             </a:extLst>
           </p:cNvPr>
@@ -23035,16 +23482,91 @@
           <a:bodyPr/>
           <a:lstStyle/>
           <a:p>
-            <a:endParaRPr lang="en-VN"/>
-          </a:p>
-        </p:txBody>
-      </p:sp>
-      <p:sp>
-        <p:nvSpPr>
-          <p:cNvPr id="3" name="Text Placeholder 2">
-            <a:extLst>
-              <a:ext uri="{FF2B5EF4-FFF2-40B4-BE49-F238E27FC236}">
-                <a16:creationId xmlns:a16="http://schemas.microsoft.com/office/drawing/2014/main" id="{9FCB6D2C-ECDD-3F01-95B5-5082FFC6BA9A}"/>
+            <a:endParaRPr lang="en-US"/>
+          </a:p>
+        </p:txBody>
+      </p:sp>
+      <p:sp>
+        <p:nvSpPr>
+          <p:cNvPr id="3" name="Content Placeholder 2">
+            <a:extLst>
+              <a:ext uri="{FF2B5EF4-FFF2-40B4-BE49-F238E27FC236}">
+                <a16:creationId xmlns:a16="http://schemas.microsoft.com/office/drawing/2014/main" id="{6D84D892-8167-41D2-AEB6-D25043E2B804}"/>
+              </a:ext>
+            </a:extLst>
+          </p:cNvPr>
+          <p:cNvSpPr>
+            <a:spLocks noGrp="1"/>
+          </p:cNvSpPr>
+          <p:nvPr>
+            <p:ph sz="quarter" idx="30"/>
+          </p:nvPr>
+        </p:nvSpPr>
+        <p:spPr/>
+        <p:txBody>
+          <a:bodyPr/>
+          <a:lstStyle/>
+          <a:p>
+            <a:endParaRPr lang="en-US"/>
+          </a:p>
+        </p:txBody>
+      </p:sp>
+      <p:sp>
+        <p:nvSpPr>
+          <p:cNvPr id="4" name="Content Placeholder 3">
+            <a:extLst>
+              <a:ext uri="{FF2B5EF4-FFF2-40B4-BE49-F238E27FC236}">
+                <a16:creationId xmlns:a16="http://schemas.microsoft.com/office/drawing/2014/main" id="{3CD436D8-7D4D-4EF5-A422-1316EE198FEC}"/>
+              </a:ext>
+            </a:extLst>
+          </p:cNvPr>
+          <p:cNvSpPr>
+            <a:spLocks noGrp="1"/>
+          </p:cNvSpPr>
+          <p:nvPr>
+            <p:ph sz="quarter" idx="32"/>
+          </p:nvPr>
+        </p:nvSpPr>
+        <p:spPr/>
+        <p:txBody>
+          <a:bodyPr/>
+          <a:lstStyle/>
+          <a:p>
+            <a:endParaRPr lang="en-US"/>
+          </a:p>
+        </p:txBody>
+      </p:sp>
+      <p:sp>
+        <p:nvSpPr>
+          <p:cNvPr id="5" name="Content Placeholder 4">
+            <a:extLst>
+              <a:ext uri="{FF2B5EF4-FFF2-40B4-BE49-F238E27FC236}">
+                <a16:creationId xmlns:a16="http://schemas.microsoft.com/office/drawing/2014/main" id="{692BAB18-9D35-4F20-ADBF-52FEF3FD09B1}"/>
+              </a:ext>
+            </a:extLst>
+          </p:cNvPr>
+          <p:cNvSpPr>
+            <a:spLocks noGrp="1"/>
+          </p:cNvSpPr>
+          <p:nvPr>
+            <p:ph sz="quarter" idx="33"/>
+          </p:nvPr>
+        </p:nvSpPr>
+        <p:spPr/>
+        <p:txBody>
+          <a:bodyPr/>
+          <a:lstStyle/>
+          <a:p>
+            <a:endParaRPr lang="en-US"/>
+          </a:p>
+        </p:txBody>
+      </p:sp>
+      <p:sp>
+        <p:nvSpPr>
+          <p:cNvPr id="6" name="Text Placeholder 5">
+            <a:extLst>
+              <a:ext uri="{FF2B5EF4-FFF2-40B4-BE49-F238E27FC236}">
+                <a16:creationId xmlns:a16="http://schemas.microsoft.com/office/drawing/2014/main" id="{ADFA8C7A-C176-400F-9015-D4B07271415F}"/>
               </a:ext>
             </a:extLst>
           </p:cNvPr>
@@ -23060,14 +23582,14 @@
           <a:bodyPr/>
           <a:lstStyle/>
           <a:p>
-            <a:endParaRPr lang="en-VN"/>
+            <a:endParaRPr lang="en-US"/>
           </a:p>
         </p:txBody>
       </p:sp>
     </p:spTree>
     <p:extLst>
       <p:ext uri="{BB962C8B-B14F-4D97-AF65-F5344CB8AC3E}">
-        <p14:creationId xmlns:p14="http://schemas.microsoft.com/office/powerpoint/2010/main" val="1286007398"/>
+        <p14:creationId xmlns:p14="http://schemas.microsoft.com/office/powerpoint/2010/main" val="2652100609"/>
       </p:ext>
     </p:extLst>
   </p:cSld>
@@ -23096,6 +23618,104 @@
       </p:grpSpPr>
       <p:sp>
         <p:nvSpPr>
+          <p:cNvPr id="4" name="Picture Placeholder 3">
+            <a:extLst>
+              <a:ext uri="{FF2B5EF4-FFF2-40B4-BE49-F238E27FC236}">
+                <a16:creationId xmlns:a16="http://schemas.microsoft.com/office/drawing/2014/main" id="{2D0FA18A-C060-44D0-A78A-499609F35526}"/>
+              </a:ext>
+            </a:extLst>
+          </p:cNvPr>
+          <p:cNvSpPr>
+            <a:spLocks noGrp="1"/>
+          </p:cNvSpPr>
+          <p:nvPr>
+            <p:ph type="pic" sz="quarter" idx="12"/>
+          </p:nvPr>
+        </p:nvSpPr>
+        <p:spPr/>
+      </p:sp>
+      <p:sp>
+        <p:nvSpPr>
+          <p:cNvPr id="2" name="Title 1">
+            <a:extLst>
+              <a:ext uri="{FF2B5EF4-FFF2-40B4-BE49-F238E27FC236}">
+                <a16:creationId xmlns:a16="http://schemas.microsoft.com/office/drawing/2014/main" id="{18E3FF96-F6BC-FA9E-B1F9-8B5A1806D770}"/>
+              </a:ext>
+            </a:extLst>
+          </p:cNvPr>
+          <p:cNvSpPr>
+            <a:spLocks noGrp="1"/>
+          </p:cNvSpPr>
+          <p:nvPr>
+            <p:ph type="title"/>
+          </p:nvPr>
+        </p:nvSpPr>
+        <p:spPr/>
+        <p:txBody>
+          <a:bodyPr/>
+          <a:lstStyle/>
+          <a:p>
+            <a:endParaRPr lang="en-VN"/>
+          </a:p>
+        </p:txBody>
+      </p:sp>
+      <p:sp>
+        <p:nvSpPr>
+          <p:cNvPr id="3" name="Text Placeholder 2">
+            <a:extLst>
+              <a:ext uri="{FF2B5EF4-FFF2-40B4-BE49-F238E27FC236}">
+                <a16:creationId xmlns:a16="http://schemas.microsoft.com/office/drawing/2014/main" id="{9FCB6D2C-ECDD-3F01-95B5-5082FFC6BA9A}"/>
+              </a:ext>
+            </a:extLst>
+          </p:cNvPr>
+          <p:cNvSpPr>
+            <a:spLocks noGrp="1"/>
+          </p:cNvSpPr>
+          <p:nvPr>
+            <p:ph type="body" sz="quarter" idx="11"/>
+          </p:nvPr>
+        </p:nvSpPr>
+        <p:spPr/>
+        <p:txBody>
+          <a:bodyPr/>
+          <a:lstStyle/>
+          <a:p>
+            <a:endParaRPr lang="en-VN"/>
+          </a:p>
+        </p:txBody>
+      </p:sp>
+    </p:spTree>
+    <p:extLst>
+      <p:ext uri="{BB962C8B-B14F-4D97-AF65-F5344CB8AC3E}">
+        <p14:creationId xmlns:p14="http://schemas.microsoft.com/office/powerpoint/2010/main" val="1286007398"/>
+      </p:ext>
+    </p:extLst>
+  </p:cSld>
+  <p:clrMapOvr>
+    <a:masterClrMapping/>
+  </p:clrMapOvr>
+</p:sld>
+</file>
+
+<file path=ppt/slides/slide19.xml><?xml version="1.0" encoding="utf-8"?>
+<p:sld xmlns:a="http://schemas.openxmlformats.org/drawingml/2006/main" xmlns:r="http://schemas.openxmlformats.org/officeDocument/2006/relationships" xmlns:p="http://schemas.openxmlformats.org/presentationml/2006/main">
+  <p:cSld>
+    <p:spTree>
+      <p:nvGrpSpPr>
+        <p:cNvPr id="1" name=""/>
+        <p:cNvGrpSpPr/>
+        <p:nvPr/>
+      </p:nvGrpSpPr>
+      <p:grpSpPr>
+        <a:xfrm>
+          <a:off x="0" y="0"/>
+          <a:ext cx="0" cy="0"/>
+          <a:chOff x="0" y="0"/>
+          <a:chExt cx="0" cy="0"/>
+        </a:xfrm>
+      </p:grpSpPr>
+      <p:sp>
+        <p:nvSpPr>
           <p:cNvPr id="2" name="Title 1">
             <a:extLst>
               <a:ext uri="{FF2B5EF4-FFF2-40B4-BE49-F238E27FC236}">
@@ -23175,7 +23795,249 @@
 </p:sld>
 </file>
 
-<file path=ppt/slides/slide19.xml><?xml version="1.0" encoding="utf-8"?>
+<file path=ppt/slides/slide2.xml><?xml version="1.0" encoding="utf-8"?>
+<p:sld xmlns:a="http://schemas.openxmlformats.org/drawingml/2006/main" xmlns:r="http://schemas.openxmlformats.org/officeDocument/2006/relationships" xmlns:p="http://schemas.openxmlformats.org/presentationml/2006/main">
+  <p:cSld>
+    <p:spTree>
+      <p:nvGrpSpPr>
+        <p:cNvPr id="1" name=""/>
+        <p:cNvGrpSpPr/>
+        <p:nvPr/>
+      </p:nvGrpSpPr>
+      <p:grpSpPr>
+        <a:xfrm>
+          <a:off x="0" y="0"/>
+          <a:ext cx="0" cy="0"/>
+          <a:chOff x="0" y="0"/>
+          <a:chExt cx="0" cy="0"/>
+        </a:xfrm>
+      </p:grpSpPr>
+      <p:sp>
+        <p:nvSpPr>
+          <p:cNvPr id="2" name="Text Placeholder 1">
+            <a:extLst>
+              <a:ext uri="{FF2B5EF4-FFF2-40B4-BE49-F238E27FC236}">
+                <a16:creationId xmlns:a16="http://schemas.microsoft.com/office/drawing/2014/main" id="{95558704-037F-4FEA-AEEC-B05917B8050E}"/>
+              </a:ext>
+            </a:extLst>
+          </p:cNvPr>
+          <p:cNvSpPr>
+            <a:spLocks noGrp="1"/>
+          </p:cNvSpPr>
+          <p:nvPr>
+            <p:ph type="body" sz="quarter" idx="10"/>
+          </p:nvPr>
+        </p:nvSpPr>
+        <p:spPr/>
+        <p:txBody>
+          <a:bodyPr>
+            <a:noAutofit/>
+          </a:bodyPr>
+          <a:lstStyle/>
+          <a:p>
+            <a:pPr lvl="0"/>
+            <a:r>
+              <a:rPr lang="en-US" sz="1200" dirty="0"/>
+              <a:t>Typescript</a:t>
+            </a:r>
+          </a:p>
+          <a:p>
+            <a:pPr lvl="1"/>
+            <a:r>
+              <a:rPr lang="en-US" sz="1200" dirty="0"/>
+              <a:t>What is Typescript?</a:t>
+            </a:r>
+          </a:p>
+          <a:p>
+            <a:pPr lvl="1"/>
+            <a:r>
+              <a:rPr lang="en-US" sz="1200" dirty="0"/>
+              <a:t>Basic Types</a:t>
+            </a:r>
+          </a:p>
+          <a:p>
+            <a:pPr lvl="1"/>
+            <a:r>
+              <a:rPr lang="en-US" sz="1200" dirty="0"/>
+              <a:t>Main feature of Typescript</a:t>
+            </a:r>
+          </a:p>
+          <a:p>
+            <a:pPr lvl="1"/>
+            <a:r>
+              <a:rPr lang="en-US" sz="1200" dirty="0"/>
+              <a:t>Why use Typescript?</a:t>
+            </a:r>
+          </a:p>
+          <a:p>
+            <a:pPr lvl="0"/>
+            <a:r>
+              <a:rPr lang="en-US" sz="1200" dirty="0" err="1"/>
+              <a:t>NestJS</a:t>
+            </a:r>
+            <a:r>
+              <a:rPr lang="en-US" sz="1200" dirty="0"/>
+              <a:t> Overview</a:t>
+            </a:r>
+          </a:p>
+          <a:p>
+            <a:pPr lvl="1"/>
+            <a:r>
+              <a:rPr lang="en-US" sz="1200" dirty="0"/>
+              <a:t>What is </a:t>
+            </a:r>
+            <a:r>
+              <a:rPr lang="en-US" sz="1200" dirty="0" err="1"/>
+              <a:t>NestJS</a:t>
+            </a:r>
+            <a:r>
+              <a:rPr lang="en-US" sz="1200" dirty="0"/>
+              <a:t>?</a:t>
+            </a:r>
+          </a:p>
+          <a:p>
+            <a:pPr lvl="1"/>
+            <a:r>
+              <a:rPr lang="en-US" sz="1200" dirty="0" err="1"/>
+              <a:t>NestJS</a:t>
+            </a:r>
+            <a:r>
+              <a:rPr lang="en-US" sz="1200" dirty="0"/>
+              <a:t> Architecture</a:t>
+            </a:r>
+          </a:p>
+          <a:p>
+            <a:pPr lvl="1"/>
+            <a:r>
+              <a:rPr lang="en-US" sz="1200" dirty="0"/>
+              <a:t>NestJS CLI</a:t>
+            </a:r>
+          </a:p>
+          <a:p>
+            <a:pPr lvl="1"/>
+            <a:r>
+              <a:rPr lang="en-US" sz="1200" dirty="0"/>
+              <a:t>Workspaces and project file structure</a:t>
+            </a:r>
+          </a:p>
+          <a:p>
+            <a:pPr lvl="1"/>
+            <a:r>
+              <a:rPr lang="en-US" sz="1200" dirty="0"/>
+              <a:t>Controllers, Routing Request</a:t>
+            </a:r>
+          </a:p>
+          <a:p>
+            <a:pPr lvl="1"/>
+            <a:r>
+              <a:rPr lang="en-US" sz="1200" dirty="0"/>
+              <a:t>Validation Request with Pipe</a:t>
+            </a:r>
+          </a:p>
+          <a:p>
+            <a:pPr lvl="1"/>
+            <a:r>
+              <a:rPr lang="en-US" sz="1200" dirty="0"/>
+              <a:t>Modules</a:t>
+            </a:r>
+          </a:p>
+          <a:p>
+            <a:pPr lvl="1"/>
+            <a:r>
+              <a:rPr lang="en-US" sz="1200" dirty="0"/>
+              <a:t>Provider</a:t>
+            </a:r>
+          </a:p>
+          <a:p>
+            <a:pPr lvl="1"/>
+            <a:r>
+              <a:rPr lang="en-US" sz="1200" dirty="0"/>
+              <a:t>Dependency Injection</a:t>
+            </a:r>
+          </a:p>
+          <a:p>
+            <a:pPr lvl="1"/>
+            <a:r>
+              <a:rPr lang="en-US" sz="1200" dirty="0"/>
+              <a:t>Configuration</a:t>
+            </a:r>
+          </a:p>
+          <a:p>
+            <a:pPr lvl="1"/>
+            <a:r>
+              <a:rPr lang="en-US" sz="1200" dirty="0"/>
+              <a:t>Logging</a:t>
+            </a:r>
+          </a:p>
+          <a:p>
+            <a:pPr lvl="1"/>
+            <a:r>
+              <a:rPr lang="en-US" sz="1200" dirty="0"/>
+              <a:t>Errors</a:t>
+            </a:r>
+          </a:p>
+          <a:p>
+            <a:pPr lvl="1"/>
+            <a:r>
+              <a:rPr lang="en-US" sz="1200" dirty="0"/>
+              <a:t>Data Serialization</a:t>
+            </a:r>
+          </a:p>
+          <a:p>
+            <a:pPr lvl="1"/>
+            <a:r>
+              <a:rPr lang="en-US" sz="1200" dirty="0" err="1"/>
+              <a:t>Auth</a:t>
+            </a:r>
+            <a:r>
+              <a:rPr lang="en-US" sz="1200" dirty="0"/>
+              <a:t>, JWT</a:t>
+            </a:r>
+          </a:p>
+          <a:p>
+            <a:pPr lvl="0"/>
+            <a:r>
+              <a:rPr lang="en-US" sz="1200" dirty="0"/>
+              <a:t>Database</a:t>
+            </a:r>
+          </a:p>
+          <a:p>
+            <a:pPr lvl="0"/>
+            <a:r>
+              <a:rPr lang="en-US" sz="1200" dirty="0"/>
+              <a:t>Testing</a:t>
+            </a:r>
+          </a:p>
+          <a:p>
+            <a:pPr lvl="0"/>
+            <a:r>
+              <a:rPr lang="en-US" sz="1200" dirty="0"/>
+              <a:t>Demo</a:t>
+            </a:r>
+          </a:p>
+          <a:p>
+            <a:pPr lvl="0"/>
+            <a:endParaRPr lang="en-US" sz="1200" dirty="0"/>
+          </a:p>
+          <a:p>
+            <a:endParaRPr lang="en-US" sz="1200" dirty="0"/>
+          </a:p>
+        </p:txBody>
+      </p:sp>
+    </p:spTree>
+    <p:extLst>
+      <p:ext uri="{BB962C8B-B14F-4D97-AF65-F5344CB8AC3E}">
+        <p14:creationId xmlns:p14="http://schemas.microsoft.com/office/powerpoint/2010/main" val="1077368821"/>
+      </p:ext>
+    </p:extLst>
+  </p:cSld>
+  <p:clrMapOvr>
+    <a:masterClrMapping/>
+  </p:clrMapOvr>
+</p:sld>
+</file>
+
+<file path=ppt/slides/slide20.xml><?xml version="1.0" encoding="utf-8"?>
 <p:sld xmlns:a="http://schemas.openxmlformats.org/drawingml/2006/main" xmlns:r="http://schemas.openxmlformats.org/officeDocument/2006/relationships" xmlns:p="http://schemas.openxmlformats.org/presentationml/2006/main">
   <p:cSld>
     <p:spTree>
@@ -23316,7 +24178,7 @@
 </p:sld>
 </file>
 
-<file path=ppt/slides/slide2.xml><?xml version="1.0" encoding="utf-8"?>
+<file path=ppt/slides/slide21.xml><?xml version="1.0" encoding="utf-8"?>
 <p:sld xmlns:a="http://schemas.openxmlformats.org/drawingml/2006/main" xmlns:r="http://schemas.openxmlformats.org/officeDocument/2006/relationships" xmlns:p="http://schemas.openxmlformats.org/presentationml/2006/main">
   <p:cSld>
     <p:spTree>
@@ -23335,248 +24197,6 @@
       </p:grpSpPr>
       <p:sp>
         <p:nvSpPr>
-          <p:cNvPr id="2" name="Text Placeholder 1">
-            <a:extLst>
-              <a:ext uri="{FF2B5EF4-FFF2-40B4-BE49-F238E27FC236}">
-                <a16:creationId xmlns:a16="http://schemas.microsoft.com/office/drawing/2014/main" id="{95558704-037F-4FEA-AEEC-B05917B8050E}"/>
-              </a:ext>
-            </a:extLst>
-          </p:cNvPr>
-          <p:cNvSpPr>
-            <a:spLocks noGrp="1"/>
-          </p:cNvSpPr>
-          <p:nvPr>
-            <p:ph type="body" sz="quarter" idx="10"/>
-          </p:nvPr>
-        </p:nvSpPr>
-        <p:spPr/>
-        <p:txBody>
-          <a:bodyPr>
-            <a:noAutofit/>
-          </a:bodyPr>
-          <a:lstStyle/>
-          <a:p>
-            <a:pPr lvl="0"/>
-            <a:r>
-              <a:rPr lang="en-US" sz="1200" dirty="0"/>
-              <a:t>Typescript</a:t>
-            </a:r>
-          </a:p>
-          <a:p>
-            <a:pPr lvl="1"/>
-            <a:r>
-              <a:rPr lang="en-US" sz="1200" dirty="0"/>
-              <a:t>What is Typescript?</a:t>
-            </a:r>
-          </a:p>
-          <a:p>
-            <a:pPr lvl="1"/>
-            <a:r>
-              <a:rPr lang="en-US" sz="1200" dirty="0"/>
-              <a:t>Basic Types</a:t>
-            </a:r>
-          </a:p>
-          <a:p>
-            <a:pPr lvl="1"/>
-            <a:r>
-              <a:rPr lang="en-US" sz="1200" dirty="0"/>
-              <a:t>Main feature of Typescript</a:t>
-            </a:r>
-          </a:p>
-          <a:p>
-            <a:pPr lvl="1"/>
-            <a:r>
-              <a:rPr lang="en-US" sz="1200" dirty="0"/>
-              <a:t>Why use Typescript?</a:t>
-            </a:r>
-          </a:p>
-          <a:p>
-            <a:pPr lvl="0"/>
-            <a:r>
-              <a:rPr lang="en-US" sz="1200" dirty="0" err="1"/>
-              <a:t>NestJS</a:t>
-            </a:r>
-            <a:r>
-              <a:rPr lang="en-US" sz="1200" dirty="0"/>
-              <a:t> Overview</a:t>
-            </a:r>
-          </a:p>
-          <a:p>
-            <a:pPr lvl="1"/>
-            <a:r>
-              <a:rPr lang="en-US" sz="1200" dirty="0"/>
-              <a:t>What is </a:t>
-            </a:r>
-            <a:r>
-              <a:rPr lang="en-US" sz="1200" dirty="0" err="1"/>
-              <a:t>NestJS</a:t>
-            </a:r>
-            <a:r>
-              <a:rPr lang="en-US" sz="1200" dirty="0"/>
-              <a:t>?</a:t>
-            </a:r>
-          </a:p>
-          <a:p>
-            <a:pPr lvl="1"/>
-            <a:r>
-              <a:rPr lang="en-US" sz="1200" dirty="0" err="1"/>
-              <a:t>NestJS</a:t>
-            </a:r>
-            <a:r>
-              <a:rPr lang="en-US" sz="1200" dirty="0"/>
-              <a:t> Architecture</a:t>
-            </a:r>
-          </a:p>
-          <a:p>
-            <a:pPr lvl="1"/>
-            <a:r>
-              <a:rPr lang="en-US" sz="1200" dirty="0"/>
-              <a:t>NestJS CLI</a:t>
-            </a:r>
-          </a:p>
-          <a:p>
-            <a:pPr lvl="1"/>
-            <a:r>
-              <a:rPr lang="en-US" sz="1200" dirty="0"/>
-              <a:t>Workspaces and project file structure</a:t>
-            </a:r>
-          </a:p>
-          <a:p>
-            <a:pPr lvl="1"/>
-            <a:r>
-              <a:rPr lang="en-US" sz="1200" dirty="0"/>
-              <a:t>Controllers, Routing Request</a:t>
-            </a:r>
-          </a:p>
-          <a:p>
-            <a:pPr lvl="1"/>
-            <a:r>
-              <a:rPr lang="en-US" sz="1200" dirty="0"/>
-              <a:t>Validation Request with Pipe</a:t>
-            </a:r>
-          </a:p>
-          <a:p>
-            <a:pPr lvl="1"/>
-            <a:r>
-              <a:rPr lang="en-US" sz="1200" dirty="0"/>
-              <a:t>Modules</a:t>
-            </a:r>
-          </a:p>
-          <a:p>
-            <a:pPr lvl="1"/>
-            <a:r>
-              <a:rPr lang="en-US" sz="1200" dirty="0"/>
-              <a:t>Provider</a:t>
-            </a:r>
-          </a:p>
-          <a:p>
-            <a:pPr lvl="1"/>
-            <a:r>
-              <a:rPr lang="en-US" sz="1200" dirty="0"/>
-              <a:t>Dependency Injection</a:t>
-            </a:r>
-          </a:p>
-          <a:p>
-            <a:pPr lvl="1"/>
-            <a:r>
-              <a:rPr lang="en-US" sz="1200" dirty="0"/>
-              <a:t>Configuration</a:t>
-            </a:r>
-          </a:p>
-          <a:p>
-            <a:pPr lvl="1"/>
-            <a:r>
-              <a:rPr lang="en-US" sz="1200" dirty="0"/>
-              <a:t>Logging</a:t>
-            </a:r>
-          </a:p>
-          <a:p>
-            <a:pPr lvl="1"/>
-            <a:r>
-              <a:rPr lang="en-US" sz="1200" dirty="0"/>
-              <a:t>Errors</a:t>
-            </a:r>
-          </a:p>
-          <a:p>
-            <a:pPr lvl="1"/>
-            <a:r>
-              <a:rPr lang="en-US" sz="1200" dirty="0"/>
-              <a:t>Data Serialization</a:t>
-            </a:r>
-          </a:p>
-          <a:p>
-            <a:pPr lvl="1"/>
-            <a:r>
-              <a:rPr lang="en-US" sz="1200" dirty="0" err="1"/>
-              <a:t>Auth</a:t>
-            </a:r>
-            <a:r>
-              <a:rPr lang="en-US" sz="1200" dirty="0"/>
-              <a:t>, JWT</a:t>
-            </a:r>
-          </a:p>
-          <a:p>
-            <a:pPr lvl="0"/>
-            <a:r>
-              <a:rPr lang="en-US" sz="1200" dirty="0"/>
-              <a:t>Database</a:t>
-            </a:r>
-          </a:p>
-          <a:p>
-            <a:pPr lvl="0"/>
-            <a:r>
-              <a:rPr lang="en-US" sz="1200" dirty="0"/>
-              <a:t>Testing</a:t>
-            </a:r>
-          </a:p>
-          <a:p>
-            <a:pPr lvl="0"/>
-            <a:r>
-              <a:rPr lang="en-US" sz="1200" dirty="0"/>
-              <a:t>Demo</a:t>
-            </a:r>
-          </a:p>
-          <a:p>
-            <a:pPr lvl="0"/>
-            <a:endParaRPr lang="en-US" sz="1200" dirty="0"/>
-          </a:p>
-          <a:p>
-            <a:endParaRPr lang="en-US" sz="1200" dirty="0"/>
-          </a:p>
-        </p:txBody>
-      </p:sp>
-    </p:spTree>
-    <p:extLst>
-      <p:ext uri="{BB962C8B-B14F-4D97-AF65-F5344CB8AC3E}">
-        <p14:creationId xmlns:p14="http://schemas.microsoft.com/office/powerpoint/2010/main" val="1077368821"/>
-      </p:ext>
-    </p:extLst>
-  </p:cSld>
-  <p:clrMapOvr>
-    <a:masterClrMapping/>
-  </p:clrMapOvr>
-</p:sld>
-</file>
-
-<file path=ppt/slides/slide20.xml><?xml version="1.0" encoding="utf-8"?>
-<p:sld xmlns:a="http://schemas.openxmlformats.org/drawingml/2006/main" xmlns:r="http://schemas.openxmlformats.org/officeDocument/2006/relationships" xmlns:p="http://schemas.openxmlformats.org/presentationml/2006/main">
-  <p:cSld>
-    <p:spTree>
-      <p:nvGrpSpPr>
-        <p:cNvPr id="1" name=""/>
-        <p:cNvGrpSpPr/>
-        <p:nvPr/>
-      </p:nvGrpSpPr>
-      <p:grpSpPr>
-        <a:xfrm>
-          <a:off x="0" y="0"/>
-          <a:ext cx="0" cy="0"/>
-          <a:chOff x="0" y="0"/>
-          <a:chExt cx="0" cy="0"/>
-        </a:xfrm>
-      </p:grpSpPr>
-      <p:sp>
-        <p:nvSpPr>
           <p:cNvPr id="2" name="Title 1">
             <a:extLst>
               <a:ext uri="{FF2B5EF4-FFF2-40B4-BE49-F238E27FC236}">
@@ -24259,7 +24879,7 @@
 </p:sld>
 </file>
 
-<file path=ppt/slides/slide21.xml><?xml version="1.0" encoding="utf-8"?>
+<file path=ppt/slides/slide22.xml><?xml version="1.0" encoding="utf-8"?>
 <p:sld xmlns:a="http://schemas.openxmlformats.org/drawingml/2006/main" xmlns:r="http://schemas.openxmlformats.org/officeDocument/2006/relationships" xmlns:p="http://schemas.openxmlformats.org/presentationml/2006/main">
   <p:cSld>
     <p:spTree>
@@ -26351,7 +26971,7 @@
 </p:sld>
 </file>
 
-<file path=ppt/slides/slide22.xml><?xml version="1.0" encoding="utf-8"?>
+<file path=ppt/slides/slide23.xml><?xml version="1.0" encoding="utf-8"?>
 <p:sld xmlns:a="http://schemas.openxmlformats.org/drawingml/2006/main" xmlns:r="http://schemas.openxmlformats.org/officeDocument/2006/relationships" xmlns:p="http://schemas.openxmlformats.org/presentationml/2006/main">
   <p:cSld>
     <p:spTree>
@@ -27006,7 +27626,7 @@
 </p:sld>
 </file>
 
-<file path=ppt/slides/slide23.xml><?xml version="1.0" encoding="utf-8"?>
+<file path=ppt/slides/slide24.xml><?xml version="1.0" encoding="utf-8"?>
 <p:sld xmlns:a="http://schemas.openxmlformats.org/drawingml/2006/main" xmlns:r="http://schemas.openxmlformats.org/officeDocument/2006/relationships" xmlns:p="http://schemas.openxmlformats.org/presentationml/2006/main">
   <p:cSld>
     <p:spTree>
@@ -27826,7 +28446,7 @@
 </p:sld>
 </file>
 
-<file path=ppt/slides/slide24.xml><?xml version="1.0" encoding="utf-8"?>
+<file path=ppt/slides/slide25.xml><?xml version="1.0" encoding="utf-8"?>
 <p:sld xmlns:a="http://schemas.openxmlformats.org/drawingml/2006/main" xmlns:r="http://schemas.openxmlformats.org/officeDocument/2006/relationships" xmlns:p="http://schemas.openxmlformats.org/presentationml/2006/main">
   <p:cSld>
     <p:spTree>
@@ -33827,7 +34447,7 @@
 </p:sld>
 </file>
 
-<file path=ppt/slides/slide25.xml><?xml version="1.0" encoding="utf-8"?>
+<file path=ppt/slides/slide26.xml><?xml version="1.0" encoding="utf-8"?>
 <p:sld xmlns:a="http://schemas.openxmlformats.org/drawingml/2006/main" xmlns:r="http://schemas.openxmlformats.org/officeDocument/2006/relationships" xmlns:p="http://schemas.openxmlformats.org/presentationml/2006/main">
   <p:cSld>
     <p:spTree>
@@ -36216,7 +36836,7 @@
 </p:sld>
 </file>
 
-<file path=ppt/slides/slide26.xml><?xml version="1.0" encoding="utf-8"?>
+<file path=ppt/slides/slide27.xml><?xml version="1.0" encoding="utf-8"?>
 <p:sld xmlns:a="http://schemas.openxmlformats.org/drawingml/2006/main" xmlns:r="http://schemas.openxmlformats.org/officeDocument/2006/relationships" xmlns:p="http://schemas.openxmlformats.org/presentationml/2006/main">
   <p:cSld>
     <p:spTree>
@@ -38033,361 +38653,6 @@
 </p:sld>
 </file>
 
-<file path=ppt/slides/slide27.xml><?xml version="1.0" encoding="utf-8"?>
-<p:sld xmlns:a="http://schemas.openxmlformats.org/drawingml/2006/main" xmlns:r="http://schemas.openxmlformats.org/officeDocument/2006/relationships" xmlns:p="http://schemas.openxmlformats.org/presentationml/2006/main">
-  <p:cSld>
-    <p:spTree>
-      <p:nvGrpSpPr>
-        <p:cNvPr id="1" name=""/>
-        <p:cNvGrpSpPr/>
-        <p:nvPr/>
-      </p:nvGrpSpPr>
-      <p:grpSpPr>
-        <a:xfrm>
-          <a:off x="0" y="0"/>
-          <a:ext cx="0" cy="0"/>
-          <a:chOff x="0" y="0"/>
-          <a:chExt cx="0" cy="0"/>
-        </a:xfrm>
-      </p:grpSpPr>
-      <p:sp>
-        <p:nvSpPr>
-          <p:cNvPr id="2" name="Text Placeholder 1">
-            <a:extLst>
-              <a:ext uri="{FF2B5EF4-FFF2-40B4-BE49-F238E27FC236}">
-                <a16:creationId xmlns:a16="http://schemas.microsoft.com/office/drawing/2014/main" id="{20295860-EC9A-45D2-AA16-67D8B8F610CF}"/>
-              </a:ext>
-            </a:extLst>
-          </p:cNvPr>
-          <p:cNvSpPr>
-            <a:spLocks noGrp="1"/>
-          </p:cNvSpPr>
-          <p:nvPr>
-            <p:ph type="body" sz="quarter" idx="25"/>
-          </p:nvPr>
-        </p:nvSpPr>
-        <p:spPr/>
-        <p:txBody>
-          <a:bodyPr/>
-          <a:lstStyle/>
-          <a:p>
-            <a:endParaRPr lang="en-US"/>
-          </a:p>
-        </p:txBody>
-      </p:sp>
-      <p:sp>
-        <p:nvSpPr>
-          <p:cNvPr id="3" name="Text Placeholder 2">
-            <a:extLst>
-              <a:ext uri="{FF2B5EF4-FFF2-40B4-BE49-F238E27FC236}">
-                <a16:creationId xmlns:a16="http://schemas.microsoft.com/office/drawing/2014/main" id="{DD735E47-DC02-450C-985D-22C265AA8536}"/>
-              </a:ext>
-            </a:extLst>
-          </p:cNvPr>
-          <p:cNvSpPr>
-            <a:spLocks noGrp="1"/>
-          </p:cNvSpPr>
-          <p:nvPr>
-            <p:ph type="body" sz="quarter" idx="24"/>
-          </p:nvPr>
-        </p:nvSpPr>
-        <p:spPr/>
-        <p:txBody>
-          <a:bodyPr/>
-          <a:lstStyle/>
-          <a:p>
-            <a:endParaRPr lang="en-US"/>
-          </a:p>
-        </p:txBody>
-      </p:sp>
-      <p:sp>
-        <p:nvSpPr>
-          <p:cNvPr id="4" name="Text Placeholder 3">
-            <a:extLst>
-              <a:ext uri="{FF2B5EF4-FFF2-40B4-BE49-F238E27FC236}">
-                <a16:creationId xmlns:a16="http://schemas.microsoft.com/office/drawing/2014/main" id="{98E92A7E-9B05-489A-93D0-CF2A09157EBD}"/>
-              </a:ext>
-            </a:extLst>
-          </p:cNvPr>
-          <p:cNvSpPr>
-            <a:spLocks noGrp="1"/>
-          </p:cNvSpPr>
-          <p:nvPr>
-            <p:ph type="body" sz="quarter" idx="11"/>
-          </p:nvPr>
-        </p:nvSpPr>
-        <p:spPr/>
-        <p:txBody>
-          <a:bodyPr/>
-          <a:lstStyle/>
-          <a:p>
-            <a:endParaRPr lang="en-US"/>
-          </a:p>
-        </p:txBody>
-      </p:sp>
-      <p:sp>
-        <p:nvSpPr>
-          <p:cNvPr id="5" name="Text Placeholder 4">
-            <a:extLst>
-              <a:ext uri="{FF2B5EF4-FFF2-40B4-BE49-F238E27FC236}">
-                <a16:creationId xmlns:a16="http://schemas.microsoft.com/office/drawing/2014/main" id="{8850732A-3B63-403D-8B4D-0BB94F70A48D}"/>
-              </a:ext>
-            </a:extLst>
-          </p:cNvPr>
-          <p:cNvSpPr>
-            <a:spLocks noGrp="1"/>
-          </p:cNvSpPr>
-          <p:nvPr>
-            <p:ph type="body" sz="quarter" idx="12"/>
-          </p:nvPr>
-        </p:nvSpPr>
-        <p:spPr/>
-        <p:txBody>
-          <a:bodyPr/>
-          <a:lstStyle/>
-          <a:p>
-            <a:endParaRPr lang="en-US"/>
-          </a:p>
-        </p:txBody>
-      </p:sp>
-      <p:sp>
-        <p:nvSpPr>
-          <p:cNvPr id="6" name="Text Placeholder 5">
-            <a:extLst>
-              <a:ext uri="{FF2B5EF4-FFF2-40B4-BE49-F238E27FC236}">
-                <a16:creationId xmlns:a16="http://schemas.microsoft.com/office/drawing/2014/main" id="{ED0964EC-463E-4D94-8C69-D0F14A13D473}"/>
-              </a:ext>
-            </a:extLst>
-          </p:cNvPr>
-          <p:cNvSpPr>
-            <a:spLocks noGrp="1"/>
-          </p:cNvSpPr>
-          <p:nvPr>
-            <p:ph type="body" sz="quarter" idx="15"/>
-          </p:nvPr>
-        </p:nvSpPr>
-        <p:spPr/>
-        <p:txBody>
-          <a:bodyPr/>
-          <a:lstStyle/>
-          <a:p>
-            <a:endParaRPr lang="en-US"/>
-          </a:p>
-        </p:txBody>
-      </p:sp>
-      <p:sp>
-        <p:nvSpPr>
-          <p:cNvPr id="7" name="Text Placeholder 6">
-            <a:extLst>
-              <a:ext uri="{FF2B5EF4-FFF2-40B4-BE49-F238E27FC236}">
-                <a16:creationId xmlns:a16="http://schemas.microsoft.com/office/drawing/2014/main" id="{EEEC1FB5-27C6-493D-BFAF-13181FC6AF6C}"/>
-              </a:ext>
-            </a:extLst>
-          </p:cNvPr>
-          <p:cNvSpPr>
-            <a:spLocks noGrp="1"/>
-          </p:cNvSpPr>
-          <p:nvPr>
-            <p:ph type="body" sz="quarter" idx="17"/>
-          </p:nvPr>
-        </p:nvSpPr>
-        <p:spPr/>
-        <p:txBody>
-          <a:bodyPr/>
-          <a:lstStyle/>
-          <a:p>
-            <a:endParaRPr lang="en-US"/>
-          </a:p>
-        </p:txBody>
-      </p:sp>
-      <p:sp>
-        <p:nvSpPr>
-          <p:cNvPr id="8" name="Text Placeholder 7">
-            <a:extLst>
-              <a:ext uri="{FF2B5EF4-FFF2-40B4-BE49-F238E27FC236}">
-                <a16:creationId xmlns:a16="http://schemas.microsoft.com/office/drawing/2014/main" id="{EFE12A6C-DB52-4494-9541-3D38C215937A}"/>
-              </a:ext>
-            </a:extLst>
-          </p:cNvPr>
-          <p:cNvSpPr>
-            <a:spLocks noGrp="1"/>
-          </p:cNvSpPr>
-          <p:nvPr>
-            <p:ph type="body" sz="quarter" idx="26"/>
-          </p:nvPr>
-        </p:nvSpPr>
-        <p:spPr/>
-        <p:txBody>
-          <a:bodyPr/>
-          <a:lstStyle/>
-          <a:p>
-            <a:endParaRPr lang="en-US"/>
-          </a:p>
-        </p:txBody>
-      </p:sp>
-      <p:sp>
-        <p:nvSpPr>
-          <p:cNvPr id="9" name="Text Placeholder 8">
-            <a:extLst>
-              <a:ext uri="{FF2B5EF4-FFF2-40B4-BE49-F238E27FC236}">
-                <a16:creationId xmlns:a16="http://schemas.microsoft.com/office/drawing/2014/main" id="{CC048864-CCF2-41DC-993E-25BB021A44B9}"/>
-              </a:ext>
-            </a:extLst>
-          </p:cNvPr>
-          <p:cNvSpPr>
-            <a:spLocks noGrp="1"/>
-          </p:cNvSpPr>
-          <p:nvPr>
-            <p:ph type="body" sz="quarter" idx="28"/>
-          </p:nvPr>
-        </p:nvSpPr>
-        <p:spPr/>
-        <p:txBody>
-          <a:bodyPr/>
-          <a:lstStyle/>
-          <a:p>
-            <a:endParaRPr lang="en-US"/>
-          </a:p>
-        </p:txBody>
-      </p:sp>
-      <p:sp>
-        <p:nvSpPr>
-          <p:cNvPr id="10" name="Title 9">
-            <a:extLst>
-              <a:ext uri="{FF2B5EF4-FFF2-40B4-BE49-F238E27FC236}">
-                <a16:creationId xmlns:a16="http://schemas.microsoft.com/office/drawing/2014/main" id="{0398CEBE-DC41-44C6-84AC-24EE9917E08B}"/>
-              </a:ext>
-            </a:extLst>
-          </p:cNvPr>
-          <p:cNvSpPr>
-            <a:spLocks noGrp="1"/>
-          </p:cNvSpPr>
-          <p:nvPr>
-            <p:ph type="title"/>
-          </p:nvPr>
-        </p:nvSpPr>
-        <p:spPr/>
-        <p:txBody>
-          <a:bodyPr/>
-          <a:lstStyle/>
-          <a:p>
-            <a:endParaRPr lang="en-US" dirty="0"/>
-          </a:p>
-        </p:txBody>
-      </p:sp>
-      <p:sp>
-        <p:nvSpPr>
-          <p:cNvPr id="11" name="Text Placeholder 10">
-            <a:extLst>
-              <a:ext uri="{FF2B5EF4-FFF2-40B4-BE49-F238E27FC236}">
-                <a16:creationId xmlns:a16="http://schemas.microsoft.com/office/drawing/2014/main" id="{90A13AB6-6015-456F-9E0A-927225D2A27F}"/>
-              </a:ext>
-            </a:extLst>
-          </p:cNvPr>
-          <p:cNvSpPr>
-            <a:spLocks noGrp="1"/>
-          </p:cNvSpPr>
-          <p:nvPr>
-            <p:ph type="body" sz="quarter" idx="29"/>
-          </p:nvPr>
-        </p:nvSpPr>
-        <p:spPr/>
-        <p:txBody>
-          <a:bodyPr/>
-          <a:lstStyle/>
-          <a:p>
-            <a:endParaRPr lang="en-US"/>
-          </a:p>
-        </p:txBody>
-      </p:sp>
-      <p:sp>
-        <p:nvSpPr>
-          <p:cNvPr id="12" name="Text Placeholder 11">
-            <a:extLst>
-              <a:ext uri="{FF2B5EF4-FFF2-40B4-BE49-F238E27FC236}">
-                <a16:creationId xmlns:a16="http://schemas.microsoft.com/office/drawing/2014/main" id="{5A70307A-3E8C-4416-943D-FBBED6AFA559}"/>
-              </a:ext>
-            </a:extLst>
-          </p:cNvPr>
-          <p:cNvSpPr>
-            <a:spLocks noGrp="1"/>
-          </p:cNvSpPr>
-          <p:nvPr>
-            <p:ph type="body" sz="quarter" idx="30"/>
-          </p:nvPr>
-        </p:nvSpPr>
-        <p:spPr/>
-        <p:txBody>
-          <a:bodyPr/>
-          <a:lstStyle/>
-          <a:p>
-            <a:endParaRPr lang="en-US"/>
-          </a:p>
-        </p:txBody>
-      </p:sp>
-      <p:sp>
-        <p:nvSpPr>
-          <p:cNvPr id="13" name="Text Placeholder 12">
-            <a:extLst>
-              <a:ext uri="{FF2B5EF4-FFF2-40B4-BE49-F238E27FC236}">
-                <a16:creationId xmlns:a16="http://schemas.microsoft.com/office/drawing/2014/main" id="{01CFBA2D-F4F2-4035-A1FC-E34D42644078}"/>
-              </a:ext>
-            </a:extLst>
-          </p:cNvPr>
-          <p:cNvSpPr>
-            <a:spLocks noGrp="1"/>
-          </p:cNvSpPr>
-          <p:nvPr>
-            <p:ph type="body" sz="quarter" idx="31"/>
-          </p:nvPr>
-        </p:nvSpPr>
-        <p:spPr/>
-        <p:txBody>
-          <a:bodyPr/>
-          <a:lstStyle/>
-          <a:p>
-            <a:endParaRPr lang="en-US"/>
-          </a:p>
-        </p:txBody>
-      </p:sp>
-      <p:sp>
-        <p:nvSpPr>
-          <p:cNvPr id="14" name="Text Placeholder 13">
-            <a:extLst>
-              <a:ext uri="{FF2B5EF4-FFF2-40B4-BE49-F238E27FC236}">
-                <a16:creationId xmlns:a16="http://schemas.microsoft.com/office/drawing/2014/main" id="{BB963C6D-99AC-41CC-A23E-9FF0DA1DB2C1}"/>
-              </a:ext>
-            </a:extLst>
-          </p:cNvPr>
-          <p:cNvSpPr>
-            <a:spLocks noGrp="1"/>
-          </p:cNvSpPr>
-          <p:nvPr>
-            <p:ph type="body" sz="quarter" idx="32"/>
-          </p:nvPr>
-        </p:nvSpPr>
-        <p:spPr/>
-        <p:txBody>
-          <a:bodyPr/>
-          <a:lstStyle/>
-          <a:p>
-            <a:endParaRPr lang="en-US"/>
-          </a:p>
-        </p:txBody>
-      </p:sp>
-    </p:spTree>
-    <p:extLst>
-      <p:ext uri="{BB962C8B-B14F-4D97-AF65-F5344CB8AC3E}">
-        <p14:creationId xmlns:p14="http://schemas.microsoft.com/office/powerpoint/2010/main" val="1259877384"/>
-      </p:ext>
-    </p:extLst>
-  </p:cSld>
-  <p:clrMapOvr>
-    <a:masterClrMapping/>
-  </p:clrMapOvr>
-</p:sld>
-</file>
-
 <file path=ppt/slides/slide28.xml><?xml version="1.0" encoding="utf-8"?>
 <p:sld xmlns:a="http://schemas.openxmlformats.org/drawingml/2006/main" xmlns:r="http://schemas.openxmlformats.org/officeDocument/2006/relationships" xmlns:p="http://schemas.openxmlformats.org/presentationml/2006/main">
   <p:cSld>
@@ -38410,7 +38675,7 @@
           <p:cNvPr id="2" name="Text Placeholder 1">
             <a:extLst>
               <a:ext uri="{FF2B5EF4-FFF2-40B4-BE49-F238E27FC236}">
-                <a16:creationId xmlns:a16="http://schemas.microsoft.com/office/drawing/2014/main" id="{76070E48-81A6-40A9-9166-20D7F506265F}"/>
+                <a16:creationId xmlns:a16="http://schemas.microsoft.com/office/drawing/2014/main" id="{20295860-EC9A-45D2-AA16-67D8B8F610CF}"/>
               </a:ext>
             </a:extLst>
           </p:cNvPr>
@@ -38435,7 +38700,32 @@
           <p:cNvPr id="3" name="Text Placeholder 2">
             <a:extLst>
               <a:ext uri="{FF2B5EF4-FFF2-40B4-BE49-F238E27FC236}">
-                <a16:creationId xmlns:a16="http://schemas.microsoft.com/office/drawing/2014/main" id="{261E4E1D-4C02-46E8-AA7D-E95217190A05}"/>
+                <a16:creationId xmlns:a16="http://schemas.microsoft.com/office/drawing/2014/main" id="{DD735E47-DC02-450C-985D-22C265AA8536}"/>
+              </a:ext>
+            </a:extLst>
+          </p:cNvPr>
+          <p:cNvSpPr>
+            <a:spLocks noGrp="1"/>
+          </p:cNvSpPr>
+          <p:nvPr>
+            <p:ph type="body" sz="quarter" idx="24"/>
+          </p:nvPr>
+        </p:nvSpPr>
+        <p:spPr/>
+        <p:txBody>
+          <a:bodyPr/>
+          <a:lstStyle/>
+          <a:p>
+            <a:endParaRPr lang="en-US"/>
+          </a:p>
+        </p:txBody>
+      </p:sp>
+      <p:sp>
+        <p:nvSpPr>
+          <p:cNvPr id="4" name="Text Placeholder 3">
+            <a:extLst>
+              <a:ext uri="{FF2B5EF4-FFF2-40B4-BE49-F238E27FC236}">
+                <a16:creationId xmlns:a16="http://schemas.microsoft.com/office/drawing/2014/main" id="{98E92A7E-9B05-489A-93D0-CF2A09157EBD}"/>
               </a:ext>
             </a:extLst>
           </p:cNvPr>
@@ -38457,10 +38747,10 @@
       </p:sp>
       <p:sp>
         <p:nvSpPr>
-          <p:cNvPr id="4" name="Text Placeholder 3">
-            <a:extLst>
-              <a:ext uri="{FF2B5EF4-FFF2-40B4-BE49-F238E27FC236}">
-                <a16:creationId xmlns:a16="http://schemas.microsoft.com/office/drawing/2014/main" id="{BC66F444-63A5-45AE-A9CD-929366BBDF19}"/>
+          <p:cNvPr id="5" name="Text Placeholder 4">
+            <a:extLst>
+              <a:ext uri="{FF2B5EF4-FFF2-40B4-BE49-F238E27FC236}">
+                <a16:creationId xmlns:a16="http://schemas.microsoft.com/office/drawing/2014/main" id="{8850732A-3B63-403D-8B4D-0BB94F70A48D}"/>
               </a:ext>
             </a:extLst>
           </p:cNvPr>
@@ -38482,10 +38772,35 @@
       </p:sp>
       <p:sp>
         <p:nvSpPr>
-          <p:cNvPr id="5" name="Text Placeholder 4">
-            <a:extLst>
-              <a:ext uri="{FF2B5EF4-FFF2-40B4-BE49-F238E27FC236}">
-                <a16:creationId xmlns:a16="http://schemas.microsoft.com/office/drawing/2014/main" id="{28E54F6E-2FAA-4B9D-B3DC-41211CDDE094}"/>
+          <p:cNvPr id="6" name="Text Placeholder 5">
+            <a:extLst>
+              <a:ext uri="{FF2B5EF4-FFF2-40B4-BE49-F238E27FC236}">
+                <a16:creationId xmlns:a16="http://schemas.microsoft.com/office/drawing/2014/main" id="{ED0964EC-463E-4D94-8C69-D0F14A13D473}"/>
+              </a:ext>
+            </a:extLst>
+          </p:cNvPr>
+          <p:cNvSpPr>
+            <a:spLocks noGrp="1"/>
+          </p:cNvSpPr>
+          <p:nvPr>
+            <p:ph type="body" sz="quarter" idx="15"/>
+          </p:nvPr>
+        </p:nvSpPr>
+        <p:spPr/>
+        <p:txBody>
+          <a:bodyPr/>
+          <a:lstStyle/>
+          <a:p>
+            <a:endParaRPr lang="en-US"/>
+          </a:p>
+        </p:txBody>
+      </p:sp>
+      <p:sp>
+        <p:nvSpPr>
+          <p:cNvPr id="7" name="Text Placeholder 6">
+            <a:extLst>
+              <a:ext uri="{FF2B5EF4-FFF2-40B4-BE49-F238E27FC236}">
+                <a16:creationId xmlns:a16="http://schemas.microsoft.com/office/drawing/2014/main" id="{EEEC1FB5-27C6-493D-BFAF-13181FC6AF6C}"/>
               </a:ext>
             </a:extLst>
           </p:cNvPr>
@@ -38507,10 +38822,10 @@
       </p:sp>
       <p:sp>
         <p:nvSpPr>
-          <p:cNvPr id="6" name="Text Placeholder 5">
-            <a:extLst>
-              <a:ext uri="{FF2B5EF4-FFF2-40B4-BE49-F238E27FC236}">
-                <a16:creationId xmlns:a16="http://schemas.microsoft.com/office/drawing/2014/main" id="{BF385A00-622C-4303-A703-344C0566E1C7}"/>
+          <p:cNvPr id="8" name="Text Placeholder 7">
+            <a:extLst>
+              <a:ext uri="{FF2B5EF4-FFF2-40B4-BE49-F238E27FC236}">
+                <a16:creationId xmlns:a16="http://schemas.microsoft.com/office/drawing/2014/main" id="{EFE12A6C-DB52-4494-9541-3D38C215937A}"/>
               </a:ext>
             </a:extLst>
           </p:cNvPr>
@@ -38518,7 +38833,7 @@
             <a:spLocks noGrp="1"/>
           </p:cNvSpPr>
           <p:nvPr>
-            <p:ph type="body" sz="quarter" idx="35"/>
+            <p:ph type="body" sz="quarter" idx="26"/>
           </p:nvPr>
         </p:nvSpPr>
         <p:spPr/>
@@ -38532,10 +38847,10 @@
       </p:sp>
       <p:sp>
         <p:nvSpPr>
-          <p:cNvPr id="7" name="Text Placeholder 6">
-            <a:extLst>
-              <a:ext uri="{FF2B5EF4-FFF2-40B4-BE49-F238E27FC236}">
-                <a16:creationId xmlns:a16="http://schemas.microsoft.com/office/drawing/2014/main" id="{8D0D2EF1-001F-4A0F-A266-35F4083AFC18}"/>
+          <p:cNvPr id="9" name="Text Placeholder 8">
+            <a:extLst>
+              <a:ext uri="{FF2B5EF4-FFF2-40B4-BE49-F238E27FC236}">
+                <a16:creationId xmlns:a16="http://schemas.microsoft.com/office/drawing/2014/main" id="{CC048864-CCF2-41DC-993E-25BB021A44B9}"/>
               </a:ext>
             </a:extLst>
           </p:cNvPr>
@@ -38543,7 +38858,7 @@
             <a:spLocks noGrp="1"/>
           </p:cNvSpPr>
           <p:nvPr>
-            <p:ph type="body" sz="quarter" idx="39"/>
+            <p:ph type="body" sz="quarter" idx="28"/>
           </p:nvPr>
         </p:nvSpPr>
         <p:spPr/>
@@ -38557,60 +38872,10 @@
       </p:sp>
       <p:sp>
         <p:nvSpPr>
-          <p:cNvPr id="8" name="Text Placeholder 7">
-            <a:extLst>
-              <a:ext uri="{FF2B5EF4-FFF2-40B4-BE49-F238E27FC236}">
-                <a16:creationId xmlns:a16="http://schemas.microsoft.com/office/drawing/2014/main" id="{FEF697B4-09AF-4698-B415-FF1D311D283A}"/>
-              </a:ext>
-            </a:extLst>
-          </p:cNvPr>
-          <p:cNvSpPr>
-            <a:spLocks noGrp="1"/>
-          </p:cNvSpPr>
-          <p:nvPr>
-            <p:ph type="body" sz="quarter" idx="40"/>
-          </p:nvPr>
-        </p:nvSpPr>
-        <p:spPr/>
-        <p:txBody>
-          <a:bodyPr/>
-          <a:lstStyle/>
-          <a:p>
-            <a:endParaRPr lang="en-US"/>
-          </a:p>
-        </p:txBody>
-      </p:sp>
-      <p:sp>
-        <p:nvSpPr>
-          <p:cNvPr id="9" name="Text Placeholder 8">
-            <a:extLst>
-              <a:ext uri="{FF2B5EF4-FFF2-40B4-BE49-F238E27FC236}">
-                <a16:creationId xmlns:a16="http://schemas.microsoft.com/office/drawing/2014/main" id="{88CC7FB9-6B44-4D4E-B471-03ED9D3127D9}"/>
-              </a:ext>
-            </a:extLst>
-          </p:cNvPr>
-          <p:cNvSpPr>
-            <a:spLocks noGrp="1"/>
-          </p:cNvSpPr>
-          <p:nvPr>
-            <p:ph type="body" sz="quarter" idx="45"/>
-          </p:nvPr>
-        </p:nvSpPr>
-        <p:spPr/>
-        <p:txBody>
-          <a:bodyPr/>
-          <a:lstStyle/>
-          <a:p>
-            <a:endParaRPr lang="en-US"/>
-          </a:p>
-        </p:txBody>
-      </p:sp>
-      <p:sp>
-        <p:nvSpPr>
           <p:cNvPr id="10" name="Title 9">
             <a:extLst>
               <a:ext uri="{FF2B5EF4-FFF2-40B4-BE49-F238E27FC236}">
-                <a16:creationId xmlns:a16="http://schemas.microsoft.com/office/drawing/2014/main" id="{1CF873B0-DC1A-4B25-9F8B-00F905950ADE}"/>
+                <a16:creationId xmlns:a16="http://schemas.microsoft.com/office/drawing/2014/main" id="{0398CEBE-DC41-44C6-84AC-24EE9917E08B}"/>
               </a:ext>
             </a:extLst>
           </p:cNvPr>
@@ -38626,7 +38891,7 @@
           <a:bodyPr/>
           <a:lstStyle/>
           <a:p>
-            <a:endParaRPr lang="en-US"/>
+            <a:endParaRPr lang="en-US" dirty="0"/>
           </a:p>
         </p:txBody>
       </p:sp>
@@ -38635,7 +38900,7 @@
           <p:cNvPr id="11" name="Text Placeholder 10">
             <a:extLst>
               <a:ext uri="{FF2B5EF4-FFF2-40B4-BE49-F238E27FC236}">
-                <a16:creationId xmlns:a16="http://schemas.microsoft.com/office/drawing/2014/main" id="{22D33DA9-99BB-4E87-B70A-6A8ED05976A5}"/>
+                <a16:creationId xmlns:a16="http://schemas.microsoft.com/office/drawing/2014/main" id="{90A13AB6-6015-456F-9E0A-927225D2A27F}"/>
               </a:ext>
             </a:extLst>
           </p:cNvPr>
@@ -38643,7 +38908,7 @@
             <a:spLocks noGrp="1"/>
           </p:cNvSpPr>
           <p:nvPr>
-            <p:ph type="body" sz="quarter" idx="46"/>
+            <p:ph type="body" sz="quarter" idx="29"/>
           </p:nvPr>
         </p:nvSpPr>
         <p:spPr/>
@@ -38660,7 +38925,7 @@
           <p:cNvPr id="12" name="Text Placeholder 11">
             <a:extLst>
               <a:ext uri="{FF2B5EF4-FFF2-40B4-BE49-F238E27FC236}">
-                <a16:creationId xmlns:a16="http://schemas.microsoft.com/office/drawing/2014/main" id="{CF5B9FFC-B6CF-4571-B6B6-9667450F2F7A}"/>
+                <a16:creationId xmlns:a16="http://schemas.microsoft.com/office/drawing/2014/main" id="{5A70307A-3E8C-4416-943D-FBBED6AFA559}"/>
               </a:ext>
             </a:extLst>
           </p:cNvPr>
@@ -38668,7 +38933,7 @@
             <a:spLocks noGrp="1"/>
           </p:cNvSpPr>
           <p:nvPr>
-            <p:ph type="body" sz="quarter" idx="47"/>
+            <p:ph type="body" sz="quarter" idx="30"/>
           </p:nvPr>
         </p:nvSpPr>
         <p:spPr/>
@@ -38685,7 +38950,7 @@
           <p:cNvPr id="13" name="Text Placeholder 12">
             <a:extLst>
               <a:ext uri="{FF2B5EF4-FFF2-40B4-BE49-F238E27FC236}">
-                <a16:creationId xmlns:a16="http://schemas.microsoft.com/office/drawing/2014/main" id="{235D61F8-6E99-440B-843E-B318F09A5072}"/>
+                <a16:creationId xmlns:a16="http://schemas.microsoft.com/office/drawing/2014/main" id="{01CFBA2D-F4F2-4035-A1FC-E34D42644078}"/>
               </a:ext>
             </a:extLst>
           </p:cNvPr>
@@ -38693,7 +38958,7 @@
             <a:spLocks noGrp="1"/>
           </p:cNvSpPr>
           <p:nvPr>
-            <p:ph type="body" sz="quarter" idx="48"/>
+            <p:ph type="body" sz="quarter" idx="31"/>
           </p:nvPr>
         </p:nvSpPr>
         <p:spPr/>
@@ -38710,7 +38975,7 @@
           <p:cNvPr id="14" name="Text Placeholder 13">
             <a:extLst>
               <a:ext uri="{FF2B5EF4-FFF2-40B4-BE49-F238E27FC236}">
-                <a16:creationId xmlns:a16="http://schemas.microsoft.com/office/drawing/2014/main" id="{498B399F-A38D-41F4-B5AA-689C9F400952}"/>
+                <a16:creationId xmlns:a16="http://schemas.microsoft.com/office/drawing/2014/main" id="{BB963C6D-99AC-41CC-A23E-9FF0DA1DB2C1}"/>
               </a:ext>
             </a:extLst>
           </p:cNvPr>
@@ -38718,157 +38983,7 @@
             <a:spLocks noGrp="1"/>
           </p:cNvSpPr>
           <p:nvPr>
-            <p:ph type="body" sz="quarter" idx="49"/>
-          </p:nvPr>
-        </p:nvSpPr>
-        <p:spPr/>
-        <p:txBody>
-          <a:bodyPr/>
-          <a:lstStyle/>
-          <a:p>
-            <a:endParaRPr lang="en-US"/>
-          </a:p>
-        </p:txBody>
-      </p:sp>
-      <p:sp>
-        <p:nvSpPr>
-          <p:cNvPr id="15" name="Text Placeholder 14">
-            <a:extLst>
-              <a:ext uri="{FF2B5EF4-FFF2-40B4-BE49-F238E27FC236}">
-                <a16:creationId xmlns:a16="http://schemas.microsoft.com/office/drawing/2014/main" id="{219CBECB-48BA-4CB8-B5DF-4D053D1453F7}"/>
-              </a:ext>
-            </a:extLst>
-          </p:cNvPr>
-          <p:cNvSpPr>
-            <a:spLocks noGrp="1"/>
-          </p:cNvSpPr>
-          <p:nvPr>
-            <p:ph type="body" sz="quarter" idx="50"/>
-          </p:nvPr>
-        </p:nvSpPr>
-        <p:spPr/>
-        <p:txBody>
-          <a:bodyPr/>
-          <a:lstStyle/>
-          <a:p>
-            <a:endParaRPr lang="en-US"/>
-          </a:p>
-        </p:txBody>
-      </p:sp>
-      <p:sp>
-        <p:nvSpPr>
-          <p:cNvPr id="16" name="Text Placeholder 15">
-            <a:extLst>
-              <a:ext uri="{FF2B5EF4-FFF2-40B4-BE49-F238E27FC236}">
-                <a16:creationId xmlns:a16="http://schemas.microsoft.com/office/drawing/2014/main" id="{24CFE5C6-3C86-46E8-98B2-DF39FC36DCBB}"/>
-              </a:ext>
-            </a:extLst>
-          </p:cNvPr>
-          <p:cNvSpPr>
-            <a:spLocks noGrp="1"/>
-          </p:cNvSpPr>
-          <p:nvPr>
-            <p:ph type="body" sz="quarter" idx="51"/>
-          </p:nvPr>
-        </p:nvSpPr>
-        <p:spPr/>
-        <p:txBody>
-          <a:bodyPr/>
-          <a:lstStyle/>
-          <a:p>
-            <a:endParaRPr lang="en-US"/>
-          </a:p>
-        </p:txBody>
-      </p:sp>
-      <p:sp>
-        <p:nvSpPr>
-          <p:cNvPr id="17" name="Text Placeholder 16">
-            <a:extLst>
-              <a:ext uri="{FF2B5EF4-FFF2-40B4-BE49-F238E27FC236}">
-                <a16:creationId xmlns:a16="http://schemas.microsoft.com/office/drawing/2014/main" id="{C0C5EB01-B477-42AD-BAEA-C35E1FC376A8}"/>
-              </a:ext>
-            </a:extLst>
-          </p:cNvPr>
-          <p:cNvSpPr>
-            <a:spLocks noGrp="1"/>
-          </p:cNvSpPr>
-          <p:nvPr>
-            <p:ph type="body" sz="quarter" idx="52"/>
-          </p:nvPr>
-        </p:nvSpPr>
-        <p:spPr/>
-        <p:txBody>
-          <a:bodyPr/>
-          <a:lstStyle/>
-          <a:p>
-            <a:endParaRPr lang="en-US"/>
-          </a:p>
-        </p:txBody>
-      </p:sp>
-      <p:sp>
-        <p:nvSpPr>
-          <p:cNvPr id="18" name="Text Placeholder 17">
-            <a:extLst>
-              <a:ext uri="{FF2B5EF4-FFF2-40B4-BE49-F238E27FC236}">
-                <a16:creationId xmlns:a16="http://schemas.microsoft.com/office/drawing/2014/main" id="{FB753FED-DB43-42FD-B297-0F739EA6FDE8}"/>
-              </a:ext>
-            </a:extLst>
-          </p:cNvPr>
-          <p:cNvSpPr>
-            <a:spLocks noGrp="1"/>
-          </p:cNvSpPr>
-          <p:nvPr>
-            <p:ph type="body" sz="quarter" idx="53"/>
-          </p:nvPr>
-        </p:nvSpPr>
-        <p:spPr/>
-        <p:txBody>
-          <a:bodyPr/>
-          <a:lstStyle/>
-          <a:p>
-            <a:endParaRPr lang="en-US"/>
-          </a:p>
-        </p:txBody>
-      </p:sp>
-      <p:sp>
-        <p:nvSpPr>
-          <p:cNvPr id="19" name="Text Placeholder 18">
-            <a:extLst>
-              <a:ext uri="{FF2B5EF4-FFF2-40B4-BE49-F238E27FC236}">
-                <a16:creationId xmlns:a16="http://schemas.microsoft.com/office/drawing/2014/main" id="{7DC0F225-401E-4E8D-B815-0FE32D7D8A57}"/>
-              </a:ext>
-            </a:extLst>
-          </p:cNvPr>
-          <p:cNvSpPr>
-            <a:spLocks noGrp="1"/>
-          </p:cNvSpPr>
-          <p:nvPr>
-            <p:ph type="body" sz="quarter" idx="54"/>
-          </p:nvPr>
-        </p:nvSpPr>
-        <p:spPr/>
-        <p:txBody>
-          <a:bodyPr/>
-          <a:lstStyle/>
-          <a:p>
-            <a:endParaRPr lang="en-US"/>
-          </a:p>
-        </p:txBody>
-      </p:sp>
-      <p:sp>
-        <p:nvSpPr>
-          <p:cNvPr id="20" name="Text Placeholder 19">
-            <a:extLst>
-              <a:ext uri="{FF2B5EF4-FFF2-40B4-BE49-F238E27FC236}">
-                <a16:creationId xmlns:a16="http://schemas.microsoft.com/office/drawing/2014/main" id="{DA0C26B6-8E73-4C41-AB19-939604F7D04D}"/>
-              </a:ext>
-            </a:extLst>
-          </p:cNvPr>
-          <p:cNvSpPr>
-            <a:spLocks noGrp="1"/>
-          </p:cNvSpPr>
-          <p:nvPr>
-            <p:ph type="body" sz="quarter" idx="55"/>
+            <p:ph type="body" sz="quarter" idx="32"/>
           </p:nvPr>
         </p:nvSpPr>
         <p:spPr/>
@@ -38883,7 +38998,7 @@
     </p:spTree>
     <p:extLst>
       <p:ext uri="{BB962C8B-B14F-4D97-AF65-F5344CB8AC3E}">
-        <p14:creationId xmlns:p14="http://schemas.microsoft.com/office/powerpoint/2010/main" val="1574519305"/>
+        <p14:creationId xmlns:p14="http://schemas.microsoft.com/office/powerpoint/2010/main" val="1259877384"/>
       </p:ext>
     </p:extLst>
   </p:cSld>
@@ -38912,10 +39027,35 @@
       </p:grpSpPr>
       <p:sp>
         <p:nvSpPr>
+          <p:cNvPr id="2" name="Text Placeholder 1">
+            <a:extLst>
+              <a:ext uri="{FF2B5EF4-FFF2-40B4-BE49-F238E27FC236}">
+                <a16:creationId xmlns:a16="http://schemas.microsoft.com/office/drawing/2014/main" id="{76070E48-81A6-40A9-9166-20D7F506265F}"/>
+              </a:ext>
+            </a:extLst>
+          </p:cNvPr>
+          <p:cNvSpPr>
+            <a:spLocks noGrp="1"/>
+          </p:cNvSpPr>
+          <p:nvPr>
+            <p:ph type="body" sz="quarter" idx="25"/>
+          </p:nvPr>
+        </p:nvSpPr>
+        <p:spPr/>
+        <p:txBody>
+          <a:bodyPr/>
+          <a:lstStyle/>
+          <a:p>
+            <a:endParaRPr lang="en-US"/>
+          </a:p>
+        </p:txBody>
+      </p:sp>
+      <p:sp>
+        <p:nvSpPr>
           <p:cNvPr id="3" name="Text Placeholder 2">
             <a:extLst>
               <a:ext uri="{FF2B5EF4-FFF2-40B4-BE49-F238E27FC236}">
-                <a16:creationId xmlns:a16="http://schemas.microsoft.com/office/drawing/2014/main" id="{F1F5AC6E-0DB7-5859-B539-BF59B98882C4}"/>
+                <a16:creationId xmlns:a16="http://schemas.microsoft.com/office/drawing/2014/main" id="{261E4E1D-4C02-46E8-AA7D-E95217190A05}"/>
               </a:ext>
             </a:extLst>
           </p:cNvPr>
@@ -38928,83 +39068,442 @@
         </p:nvSpPr>
         <p:spPr/>
         <p:txBody>
-          <a:bodyPr>
-            <a:normAutofit/>
-          </a:bodyPr>
+          <a:bodyPr/>
           <a:lstStyle/>
           <a:p>
-            <a:endParaRPr lang="en-US" dirty="0"/>
-          </a:p>
-        </p:txBody>
-      </p:sp>
-      <p:pic>
-        <p:nvPicPr>
-          <p:cNvPr id="7" name="Picture Placeholder 6" descr="Logo&#10;&#10;Description automatically generated with low confidence">
-            <a:extLst>
-              <a:ext uri="{FF2B5EF4-FFF2-40B4-BE49-F238E27FC236}">
-                <a16:creationId xmlns:a16="http://schemas.microsoft.com/office/drawing/2014/main" id="{5E25B2EF-5863-27AE-F219-1E259B68228A}"/>
-              </a:ext>
-            </a:extLst>
-          </p:cNvPr>
-          <p:cNvPicPr>
-            <a:picLocks noGrp="1" noChangeAspect="1"/>
-          </p:cNvPicPr>
+            <a:endParaRPr lang="en-US"/>
+          </a:p>
+        </p:txBody>
+      </p:sp>
+      <p:sp>
+        <p:nvSpPr>
+          <p:cNvPr id="4" name="Text Placeholder 3">
+            <a:extLst>
+              <a:ext uri="{FF2B5EF4-FFF2-40B4-BE49-F238E27FC236}">
+                <a16:creationId xmlns:a16="http://schemas.microsoft.com/office/drawing/2014/main" id="{BC66F444-63A5-45AE-A9CD-929366BBDF19}"/>
+              </a:ext>
+            </a:extLst>
+          </p:cNvPr>
+          <p:cNvSpPr>
+            <a:spLocks noGrp="1"/>
+          </p:cNvSpPr>
           <p:nvPr>
-            <p:ph type="pic" sz="quarter" idx="12"/>
+            <p:ph type="body" sz="quarter" idx="12"/>
           </p:nvPr>
-        </p:nvPicPr>
-        <p:blipFill rotWithShape="1">
-          <a:blip r:embed="rId3" cstate="email">
-            <a:extLst>
-              <a:ext uri="{28A0092B-C50C-407E-A947-70E740481C1C}">
-                <a14:useLocalDpi xmlns:a14="http://schemas.microsoft.com/office/drawing/2010/main"/>
-              </a:ext>
-            </a:extLst>
-          </a:blip>
-          <a:srcRect t="-62128" b="-62128"/>
-          <a:stretch/>
-        </p:blipFill>
+        </p:nvSpPr>
         <p:spPr/>
-      </p:pic>
-      <p:pic>
-        <p:nvPicPr>
-          <p:cNvPr id="5" name="Picture Placeholder 4" descr="A person using a computer&#10;&#10;Description automatically generated with medium confidence">
-            <a:extLst>
-              <a:ext uri="{FF2B5EF4-FFF2-40B4-BE49-F238E27FC236}">
-                <a16:creationId xmlns:a16="http://schemas.microsoft.com/office/drawing/2014/main" id="{545FFFE3-1CC0-5F4B-1BC9-59B1F6547D37}"/>
-              </a:ext>
-            </a:extLst>
-          </p:cNvPr>
-          <p:cNvPicPr>
-            <a:picLocks noGrp="1" noChangeAspect="1"/>
-          </p:cNvPicPr>
+        <p:txBody>
+          <a:bodyPr/>
+          <a:lstStyle/>
+          <a:p>
+            <a:endParaRPr lang="en-US"/>
+          </a:p>
+        </p:txBody>
+      </p:sp>
+      <p:sp>
+        <p:nvSpPr>
+          <p:cNvPr id="5" name="Text Placeholder 4">
+            <a:extLst>
+              <a:ext uri="{FF2B5EF4-FFF2-40B4-BE49-F238E27FC236}">
+                <a16:creationId xmlns:a16="http://schemas.microsoft.com/office/drawing/2014/main" id="{28E54F6E-2FAA-4B9D-B3DC-41211CDDE094}"/>
+              </a:ext>
+            </a:extLst>
+          </p:cNvPr>
+          <p:cNvSpPr>
+            <a:spLocks noGrp="1"/>
+          </p:cNvSpPr>
           <p:nvPr>
-            <p:ph type="pic" sz="quarter" idx="10"/>
+            <p:ph type="body" sz="quarter" idx="17"/>
           </p:nvPr>
-        </p:nvPicPr>
-        <p:blipFill>
-          <a:blip r:embed="rId4" cstate="email">
-            <a:extLst>
-              <a:ext uri="{28A0092B-C50C-407E-A947-70E740481C1C}">
-                <a14:useLocalDpi xmlns:a14="http://schemas.microsoft.com/office/drawing/2010/main"/>
-              </a:ext>
-            </a:extLst>
-          </a:blip>
-          <a:srcRect/>
-          <a:stretch>
-            <a:fillRect/>
-          </a:stretch>
-        </p:blipFill>
-        <p:spPr>
-          <a:prstGeom prst="rect">
-            <a:avLst/>
-          </a:prstGeom>
-        </p:spPr>
-      </p:pic>
+        </p:nvSpPr>
+        <p:spPr/>
+        <p:txBody>
+          <a:bodyPr/>
+          <a:lstStyle/>
+          <a:p>
+            <a:endParaRPr lang="en-US"/>
+          </a:p>
+        </p:txBody>
+      </p:sp>
+      <p:sp>
+        <p:nvSpPr>
+          <p:cNvPr id="6" name="Text Placeholder 5">
+            <a:extLst>
+              <a:ext uri="{FF2B5EF4-FFF2-40B4-BE49-F238E27FC236}">
+                <a16:creationId xmlns:a16="http://schemas.microsoft.com/office/drawing/2014/main" id="{BF385A00-622C-4303-A703-344C0566E1C7}"/>
+              </a:ext>
+            </a:extLst>
+          </p:cNvPr>
+          <p:cNvSpPr>
+            <a:spLocks noGrp="1"/>
+          </p:cNvSpPr>
+          <p:nvPr>
+            <p:ph type="body" sz="quarter" idx="35"/>
+          </p:nvPr>
+        </p:nvSpPr>
+        <p:spPr/>
+        <p:txBody>
+          <a:bodyPr/>
+          <a:lstStyle/>
+          <a:p>
+            <a:endParaRPr lang="en-US"/>
+          </a:p>
+        </p:txBody>
+      </p:sp>
+      <p:sp>
+        <p:nvSpPr>
+          <p:cNvPr id="7" name="Text Placeholder 6">
+            <a:extLst>
+              <a:ext uri="{FF2B5EF4-FFF2-40B4-BE49-F238E27FC236}">
+                <a16:creationId xmlns:a16="http://schemas.microsoft.com/office/drawing/2014/main" id="{8D0D2EF1-001F-4A0F-A266-35F4083AFC18}"/>
+              </a:ext>
+            </a:extLst>
+          </p:cNvPr>
+          <p:cNvSpPr>
+            <a:spLocks noGrp="1"/>
+          </p:cNvSpPr>
+          <p:nvPr>
+            <p:ph type="body" sz="quarter" idx="39"/>
+          </p:nvPr>
+        </p:nvSpPr>
+        <p:spPr/>
+        <p:txBody>
+          <a:bodyPr/>
+          <a:lstStyle/>
+          <a:p>
+            <a:endParaRPr lang="en-US"/>
+          </a:p>
+        </p:txBody>
+      </p:sp>
+      <p:sp>
+        <p:nvSpPr>
+          <p:cNvPr id="8" name="Text Placeholder 7">
+            <a:extLst>
+              <a:ext uri="{FF2B5EF4-FFF2-40B4-BE49-F238E27FC236}">
+                <a16:creationId xmlns:a16="http://schemas.microsoft.com/office/drawing/2014/main" id="{FEF697B4-09AF-4698-B415-FF1D311D283A}"/>
+              </a:ext>
+            </a:extLst>
+          </p:cNvPr>
+          <p:cNvSpPr>
+            <a:spLocks noGrp="1"/>
+          </p:cNvSpPr>
+          <p:nvPr>
+            <p:ph type="body" sz="quarter" idx="40"/>
+          </p:nvPr>
+        </p:nvSpPr>
+        <p:spPr/>
+        <p:txBody>
+          <a:bodyPr/>
+          <a:lstStyle/>
+          <a:p>
+            <a:endParaRPr lang="en-US"/>
+          </a:p>
+        </p:txBody>
+      </p:sp>
+      <p:sp>
+        <p:nvSpPr>
+          <p:cNvPr id="9" name="Text Placeholder 8">
+            <a:extLst>
+              <a:ext uri="{FF2B5EF4-FFF2-40B4-BE49-F238E27FC236}">
+                <a16:creationId xmlns:a16="http://schemas.microsoft.com/office/drawing/2014/main" id="{88CC7FB9-6B44-4D4E-B471-03ED9D3127D9}"/>
+              </a:ext>
+            </a:extLst>
+          </p:cNvPr>
+          <p:cNvSpPr>
+            <a:spLocks noGrp="1"/>
+          </p:cNvSpPr>
+          <p:nvPr>
+            <p:ph type="body" sz="quarter" idx="45"/>
+          </p:nvPr>
+        </p:nvSpPr>
+        <p:spPr/>
+        <p:txBody>
+          <a:bodyPr/>
+          <a:lstStyle/>
+          <a:p>
+            <a:endParaRPr lang="en-US"/>
+          </a:p>
+        </p:txBody>
+      </p:sp>
+      <p:sp>
+        <p:nvSpPr>
+          <p:cNvPr id="10" name="Title 9">
+            <a:extLst>
+              <a:ext uri="{FF2B5EF4-FFF2-40B4-BE49-F238E27FC236}">
+                <a16:creationId xmlns:a16="http://schemas.microsoft.com/office/drawing/2014/main" id="{1CF873B0-DC1A-4B25-9F8B-00F905950ADE}"/>
+              </a:ext>
+            </a:extLst>
+          </p:cNvPr>
+          <p:cNvSpPr>
+            <a:spLocks noGrp="1"/>
+          </p:cNvSpPr>
+          <p:nvPr>
+            <p:ph type="title"/>
+          </p:nvPr>
+        </p:nvSpPr>
+        <p:spPr/>
+        <p:txBody>
+          <a:bodyPr/>
+          <a:lstStyle/>
+          <a:p>
+            <a:endParaRPr lang="en-US"/>
+          </a:p>
+        </p:txBody>
+      </p:sp>
+      <p:sp>
+        <p:nvSpPr>
+          <p:cNvPr id="11" name="Text Placeholder 10">
+            <a:extLst>
+              <a:ext uri="{FF2B5EF4-FFF2-40B4-BE49-F238E27FC236}">
+                <a16:creationId xmlns:a16="http://schemas.microsoft.com/office/drawing/2014/main" id="{22D33DA9-99BB-4E87-B70A-6A8ED05976A5}"/>
+              </a:ext>
+            </a:extLst>
+          </p:cNvPr>
+          <p:cNvSpPr>
+            <a:spLocks noGrp="1"/>
+          </p:cNvSpPr>
+          <p:nvPr>
+            <p:ph type="body" sz="quarter" idx="46"/>
+          </p:nvPr>
+        </p:nvSpPr>
+        <p:spPr/>
+        <p:txBody>
+          <a:bodyPr/>
+          <a:lstStyle/>
+          <a:p>
+            <a:endParaRPr lang="en-US"/>
+          </a:p>
+        </p:txBody>
+      </p:sp>
+      <p:sp>
+        <p:nvSpPr>
+          <p:cNvPr id="12" name="Text Placeholder 11">
+            <a:extLst>
+              <a:ext uri="{FF2B5EF4-FFF2-40B4-BE49-F238E27FC236}">
+                <a16:creationId xmlns:a16="http://schemas.microsoft.com/office/drawing/2014/main" id="{CF5B9FFC-B6CF-4571-B6B6-9667450F2F7A}"/>
+              </a:ext>
+            </a:extLst>
+          </p:cNvPr>
+          <p:cNvSpPr>
+            <a:spLocks noGrp="1"/>
+          </p:cNvSpPr>
+          <p:nvPr>
+            <p:ph type="body" sz="quarter" idx="47"/>
+          </p:nvPr>
+        </p:nvSpPr>
+        <p:spPr/>
+        <p:txBody>
+          <a:bodyPr/>
+          <a:lstStyle/>
+          <a:p>
+            <a:endParaRPr lang="en-US"/>
+          </a:p>
+        </p:txBody>
+      </p:sp>
+      <p:sp>
+        <p:nvSpPr>
+          <p:cNvPr id="13" name="Text Placeholder 12">
+            <a:extLst>
+              <a:ext uri="{FF2B5EF4-FFF2-40B4-BE49-F238E27FC236}">
+                <a16:creationId xmlns:a16="http://schemas.microsoft.com/office/drawing/2014/main" id="{235D61F8-6E99-440B-843E-B318F09A5072}"/>
+              </a:ext>
+            </a:extLst>
+          </p:cNvPr>
+          <p:cNvSpPr>
+            <a:spLocks noGrp="1"/>
+          </p:cNvSpPr>
+          <p:nvPr>
+            <p:ph type="body" sz="quarter" idx="48"/>
+          </p:nvPr>
+        </p:nvSpPr>
+        <p:spPr/>
+        <p:txBody>
+          <a:bodyPr/>
+          <a:lstStyle/>
+          <a:p>
+            <a:endParaRPr lang="en-US"/>
+          </a:p>
+        </p:txBody>
+      </p:sp>
+      <p:sp>
+        <p:nvSpPr>
+          <p:cNvPr id="14" name="Text Placeholder 13">
+            <a:extLst>
+              <a:ext uri="{FF2B5EF4-FFF2-40B4-BE49-F238E27FC236}">
+                <a16:creationId xmlns:a16="http://schemas.microsoft.com/office/drawing/2014/main" id="{498B399F-A38D-41F4-B5AA-689C9F400952}"/>
+              </a:ext>
+            </a:extLst>
+          </p:cNvPr>
+          <p:cNvSpPr>
+            <a:spLocks noGrp="1"/>
+          </p:cNvSpPr>
+          <p:nvPr>
+            <p:ph type="body" sz="quarter" idx="49"/>
+          </p:nvPr>
+        </p:nvSpPr>
+        <p:spPr/>
+        <p:txBody>
+          <a:bodyPr/>
+          <a:lstStyle/>
+          <a:p>
+            <a:endParaRPr lang="en-US"/>
+          </a:p>
+        </p:txBody>
+      </p:sp>
+      <p:sp>
+        <p:nvSpPr>
+          <p:cNvPr id="15" name="Text Placeholder 14">
+            <a:extLst>
+              <a:ext uri="{FF2B5EF4-FFF2-40B4-BE49-F238E27FC236}">
+                <a16:creationId xmlns:a16="http://schemas.microsoft.com/office/drawing/2014/main" id="{219CBECB-48BA-4CB8-B5DF-4D053D1453F7}"/>
+              </a:ext>
+            </a:extLst>
+          </p:cNvPr>
+          <p:cNvSpPr>
+            <a:spLocks noGrp="1"/>
+          </p:cNvSpPr>
+          <p:nvPr>
+            <p:ph type="body" sz="quarter" idx="50"/>
+          </p:nvPr>
+        </p:nvSpPr>
+        <p:spPr/>
+        <p:txBody>
+          <a:bodyPr/>
+          <a:lstStyle/>
+          <a:p>
+            <a:endParaRPr lang="en-US"/>
+          </a:p>
+        </p:txBody>
+      </p:sp>
+      <p:sp>
+        <p:nvSpPr>
+          <p:cNvPr id="16" name="Text Placeholder 15">
+            <a:extLst>
+              <a:ext uri="{FF2B5EF4-FFF2-40B4-BE49-F238E27FC236}">
+                <a16:creationId xmlns:a16="http://schemas.microsoft.com/office/drawing/2014/main" id="{24CFE5C6-3C86-46E8-98B2-DF39FC36DCBB}"/>
+              </a:ext>
+            </a:extLst>
+          </p:cNvPr>
+          <p:cNvSpPr>
+            <a:spLocks noGrp="1"/>
+          </p:cNvSpPr>
+          <p:nvPr>
+            <p:ph type="body" sz="quarter" idx="51"/>
+          </p:nvPr>
+        </p:nvSpPr>
+        <p:spPr/>
+        <p:txBody>
+          <a:bodyPr/>
+          <a:lstStyle/>
+          <a:p>
+            <a:endParaRPr lang="en-US"/>
+          </a:p>
+        </p:txBody>
+      </p:sp>
+      <p:sp>
+        <p:nvSpPr>
+          <p:cNvPr id="17" name="Text Placeholder 16">
+            <a:extLst>
+              <a:ext uri="{FF2B5EF4-FFF2-40B4-BE49-F238E27FC236}">
+                <a16:creationId xmlns:a16="http://schemas.microsoft.com/office/drawing/2014/main" id="{C0C5EB01-B477-42AD-BAEA-C35E1FC376A8}"/>
+              </a:ext>
+            </a:extLst>
+          </p:cNvPr>
+          <p:cNvSpPr>
+            <a:spLocks noGrp="1"/>
+          </p:cNvSpPr>
+          <p:nvPr>
+            <p:ph type="body" sz="quarter" idx="52"/>
+          </p:nvPr>
+        </p:nvSpPr>
+        <p:spPr/>
+        <p:txBody>
+          <a:bodyPr/>
+          <a:lstStyle/>
+          <a:p>
+            <a:endParaRPr lang="en-US"/>
+          </a:p>
+        </p:txBody>
+      </p:sp>
+      <p:sp>
+        <p:nvSpPr>
+          <p:cNvPr id="18" name="Text Placeholder 17">
+            <a:extLst>
+              <a:ext uri="{FF2B5EF4-FFF2-40B4-BE49-F238E27FC236}">
+                <a16:creationId xmlns:a16="http://schemas.microsoft.com/office/drawing/2014/main" id="{FB753FED-DB43-42FD-B297-0F739EA6FDE8}"/>
+              </a:ext>
+            </a:extLst>
+          </p:cNvPr>
+          <p:cNvSpPr>
+            <a:spLocks noGrp="1"/>
+          </p:cNvSpPr>
+          <p:nvPr>
+            <p:ph type="body" sz="quarter" idx="53"/>
+          </p:nvPr>
+        </p:nvSpPr>
+        <p:spPr/>
+        <p:txBody>
+          <a:bodyPr/>
+          <a:lstStyle/>
+          <a:p>
+            <a:endParaRPr lang="en-US"/>
+          </a:p>
+        </p:txBody>
+      </p:sp>
+      <p:sp>
+        <p:nvSpPr>
+          <p:cNvPr id="19" name="Text Placeholder 18">
+            <a:extLst>
+              <a:ext uri="{FF2B5EF4-FFF2-40B4-BE49-F238E27FC236}">
+                <a16:creationId xmlns:a16="http://schemas.microsoft.com/office/drawing/2014/main" id="{7DC0F225-401E-4E8D-B815-0FE32D7D8A57}"/>
+              </a:ext>
+            </a:extLst>
+          </p:cNvPr>
+          <p:cNvSpPr>
+            <a:spLocks noGrp="1"/>
+          </p:cNvSpPr>
+          <p:nvPr>
+            <p:ph type="body" sz="quarter" idx="54"/>
+          </p:nvPr>
+        </p:nvSpPr>
+        <p:spPr/>
+        <p:txBody>
+          <a:bodyPr/>
+          <a:lstStyle/>
+          <a:p>
+            <a:endParaRPr lang="en-US"/>
+          </a:p>
+        </p:txBody>
+      </p:sp>
+      <p:sp>
+        <p:nvSpPr>
+          <p:cNvPr id="20" name="Text Placeholder 19">
+            <a:extLst>
+              <a:ext uri="{FF2B5EF4-FFF2-40B4-BE49-F238E27FC236}">
+                <a16:creationId xmlns:a16="http://schemas.microsoft.com/office/drawing/2014/main" id="{DA0C26B6-8E73-4C41-AB19-939604F7D04D}"/>
+              </a:ext>
+            </a:extLst>
+          </p:cNvPr>
+          <p:cNvSpPr>
+            <a:spLocks noGrp="1"/>
+          </p:cNvSpPr>
+          <p:nvPr>
+            <p:ph type="body" sz="quarter" idx="55"/>
+          </p:nvPr>
+        </p:nvSpPr>
+        <p:spPr/>
+        <p:txBody>
+          <a:bodyPr/>
+          <a:lstStyle/>
+          <a:p>
+            <a:endParaRPr lang="en-US"/>
+          </a:p>
+        </p:txBody>
+      </p:sp>
     </p:spTree>
     <p:extLst>
       <p:ext uri="{BB962C8B-B14F-4D97-AF65-F5344CB8AC3E}">
-        <p14:creationId xmlns:p14="http://schemas.microsoft.com/office/powerpoint/2010/main" val="2966720099"/>
+        <p14:creationId xmlns:p14="http://schemas.microsoft.com/office/powerpoint/2010/main" val="1574519305"/>
       </p:ext>
     </p:extLst>
   </p:cSld>
@@ -39116,10 +39615,10 @@
       </p:grpSpPr>
       <p:sp>
         <p:nvSpPr>
-          <p:cNvPr id="2" name="Picture Placeholder 1">
-            <a:extLst>
-              <a:ext uri="{FF2B5EF4-FFF2-40B4-BE49-F238E27FC236}">
-                <a16:creationId xmlns:a16="http://schemas.microsoft.com/office/drawing/2014/main" id="{0D785356-B884-4827-9B57-F11AA1E300EE}"/>
+          <p:cNvPr id="3" name="Text Placeholder 2">
+            <a:extLst>
+              <a:ext uri="{FF2B5EF4-FFF2-40B4-BE49-F238E27FC236}">
+                <a16:creationId xmlns:a16="http://schemas.microsoft.com/office/drawing/2014/main" id="{F1F5AC6E-0DB7-5859-B539-BF59B98882C4}"/>
               </a:ext>
             </a:extLst>
           </p:cNvPr>
@@ -39127,365 +39626,88 @@
             <a:spLocks noGrp="1"/>
           </p:cNvSpPr>
           <p:nvPr>
+            <p:ph type="body" sz="quarter" idx="11"/>
+          </p:nvPr>
+        </p:nvSpPr>
+        <p:spPr/>
+        <p:txBody>
+          <a:bodyPr>
+            <a:normAutofit/>
+          </a:bodyPr>
+          <a:lstStyle/>
+          <a:p>
+            <a:endParaRPr lang="en-US" dirty="0"/>
+          </a:p>
+        </p:txBody>
+      </p:sp>
+      <p:pic>
+        <p:nvPicPr>
+          <p:cNvPr id="7" name="Picture Placeholder 6" descr="Logo&#10;&#10;Description automatically generated with low confidence">
+            <a:extLst>
+              <a:ext uri="{FF2B5EF4-FFF2-40B4-BE49-F238E27FC236}">
+                <a16:creationId xmlns:a16="http://schemas.microsoft.com/office/drawing/2014/main" id="{5E25B2EF-5863-27AE-F219-1E259B68228A}"/>
+              </a:ext>
+            </a:extLst>
+          </p:cNvPr>
+          <p:cNvPicPr>
+            <a:picLocks noGrp="1" noChangeAspect="1"/>
+          </p:cNvPicPr>
+          <p:nvPr>
+            <p:ph type="pic" sz="quarter" idx="12"/>
+          </p:nvPr>
+        </p:nvPicPr>
+        <p:blipFill rotWithShape="1">
+          <a:blip r:embed="rId3" cstate="email">
+            <a:extLst>
+              <a:ext uri="{28A0092B-C50C-407E-A947-70E740481C1C}">
+                <a14:useLocalDpi xmlns:a14="http://schemas.microsoft.com/office/drawing/2010/main"/>
+              </a:ext>
+            </a:extLst>
+          </a:blip>
+          <a:srcRect t="-62128" b="-62128"/>
+          <a:stretch/>
+        </p:blipFill>
+        <p:spPr/>
+      </p:pic>
+      <p:pic>
+        <p:nvPicPr>
+          <p:cNvPr id="5" name="Picture Placeholder 4" descr="A person using a computer&#10;&#10;Description automatically generated with medium confidence">
+            <a:extLst>
+              <a:ext uri="{FF2B5EF4-FFF2-40B4-BE49-F238E27FC236}">
+                <a16:creationId xmlns:a16="http://schemas.microsoft.com/office/drawing/2014/main" id="{545FFFE3-1CC0-5F4B-1BC9-59B1F6547D37}"/>
+              </a:ext>
+            </a:extLst>
+          </p:cNvPr>
+          <p:cNvPicPr>
+            <a:picLocks noGrp="1" noChangeAspect="1"/>
+          </p:cNvPicPr>
+          <p:nvPr>
             <p:ph type="pic" sz="quarter" idx="10"/>
           </p:nvPr>
-        </p:nvSpPr>
-        <p:spPr/>
-      </p:sp>
-      <p:sp>
-        <p:nvSpPr>
-          <p:cNvPr id="3" name="Text Placeholder 2">
-            <a:extLst>
-              <a:ext uri="{FF2B5EF4-FFF2-40B4-BE49-F238E27FC236}">
-                <a16:creationId xmlns:a16="http://schemas.microsoft.com/office/drawing/2014/main" id="{7BE3B7D5-6736-4CA7-AD92-739472064C34}"/>
-              </a:ext>
-            </a:extLst>
-          </p:cNvPr>
-          <p:cNvSpPr>
-            <a:spLocks noGrp="1"/>
-          </p:cNvSpPr>
-          <p:nvPr>
-            <p:ph type="body" sz="quarter" idx="17"/>
-          </p:nvPr>
-        </p:nvSpPr>
-        <p:spPr/>
-        <p:txBody>
-          <a:bodyPr/>
-          <a:lstStyle/>
-          <a:p>
-            <a:endParaRPr lang="en-US"/>
-          </a:p>
-        </p:txBody>
-      </p:sp>
-      <p:sp>
-        <p:nvSpPr>
-          <p:cNvPr id="4" name="Text Placeholder 3">
-            <a:extLst>
-              <a:ext uri="{FF2B5EF4-FFF2-40B4-BE49-F238E27FC236}">
-                <a16:creationId xmlns:a16="http://schemas.microsoft.com/office/drawing/2014/main" id="{196A9B53-B6AB-48D1-9260-32A9EC2FA3B1}"/>
-              </a:ext>
-            </a:extLst>
-          </p:cNvPr>
-          <p:cNvSpPr>
-            <a:spLocks noGrp="1"/>
-          </p:cNvSpPr>
-          <p:nvPr>
-            <p:ph type="body" sz="quarter" idx="19"/>
-          </p:nvPr>
-        </p:nvSpPr>
-        <p:spPr/>
-        <p:txBody>
-          <a:bodyPr/>
-          <a:lstStyle/>
-          <a:p>
-            <a:endParaRPr lang="en-US"/>
-          </a:p>
-        </p:txBody>
-      </p:sp>
-      <p:sp>
-        <p:nvSpPr>
-          <p:cNvPr id="5" name="Text Placeholder 4">
-            <a:extLst>
-              <a:ext uri="{FF2B5EF4-FFF2-40B4-BE49-F238E27FC236}">
-                <a16:creationId xmlns:a16="http://schemas.microsoft.com/office/drawing/2014/main" id="{CA2A184B-076E-439B-8FEE-295A00FA4A34}"/>
-              </a:ext>
-            </a:extLst>
-          </p:cNvPr>
-          <p:cNvSpPr>
-            <a:spLocks noGrp="1"/>
-          </p:cNvSpPr>
-          <p:nvPr>
-            <p:ph type="body" sz="quarter" idx="21"/>
-          </p:nvPr>
-        </p:nvSpPr>
-        <p:spPr/>
-        <p:txBody>
-          <a:bodyPr/>
-          <a:lstStyle/>
-          <a:p>
-            <a:endParaRPr lang="en-US"/>
-          </a:p>
-        </p:txBody>
-      </p:sp>
-      <p:sp>
-        <p:nvSpPr>
-          <p:cNvPr id="6" name="Text Placeholder 5">
-            <a:extLst>
-              <a:ext uri="{FF2B5EF4-FFF2-40B4-BE49-F238E27FC236}">
-                <a16:creationId xmlns:a16="http://schemas.microsoft.com/office/drawing/2014/main" id="{7AE6A734-961D-4C43-9A94-FCFD57FBDE6D}"/>
-              </a:ext>
-            </a:extLst>
-          </p:cNvPr>
-          <p:cNvSpPr>
-            <a:spLocks noGrp="1"/>
-          </p:cNvSpPr>
-          <p:nvPr>
-            <p:ph type="body" sz="quarter" idx="23"/>
-          </p:nvPr>
-        </p:nvSpPr>
-        <p:spPr/>
-        <p:txBody>
-          <a:bodyPr/>
-          <a:lstStyle/>
-          <a:p>
-            <a:endParaRPr lang="en-US"/>
-          </a:p>
-        </p:txBody>
-      </p:sp>
-      <p:sp>
-        <p:nvSpPr>
-          <p:cNvPr id="7" name="Text Placeholder 6">
-            <a:extLst>
-              <a:ext uri="{FF2B5EF4-FFF2-40B4-BE49-F238E27FC236}">
-                <a16:creationId xmlns:a16="http://schemas.microsoft.com/office/drawing/2014/main" id="{3B1FBA03-8E6F-4305-A674-838694135A0B}"/>
-              </a:ext>
-            </a:extLst>
-          </p:cNvPr>
-          <p:cNvSpPr>
-            <a:spLocks noGrp="1"/>
-          </p:cNvSpPr>
-          <p:nvPr>
-            <p:ph type="body" sz="quarter" idx="24"/>
-          </p:nvPr>
-        </p:nvSpPr>
-        <p:spPr/>
-        <p:txBody>
-          <a:bodyPr/>
-          <a:lstStyle/>
-          <a:p>
-            <a:endParaRPr lang="en-US"/>
-          </a:p>
-        </p:txBody>
-      </p:sp>
-      <p:sp>
-        <p:nvSpPr>
-          <p:cNvPr id="8" name="Text Placeholder 7">
-            <a:extLst>
-              <a:ext uri="{FF2B5EF4-FFF2-40B4-BE49-F238E27FC236}">
-                <a16:creationId xmlns:a16="http://schemas.microsoft.com/office/drawing/2014/main" id="{E1699D78-FE6D-491A-B0DA-D629BC462262}"/>
-              </a:ext>
-            </a:extLst>
-          </p:cNvPr>
-          <p:cNvSpPr>
-            <a:spLocks noGrp="1"/>
-          </p:cNvSpPr>
-          <p:nvPr>
-            <p:ph type="body" sz="quarter" idx="25"/>
-          </p:nvPr>
-        </p:nvSpPr>
-        <p:spPr/>
-        <p:txBody>
-          <a:bodyPr/>
-          <a:lstStyle/>
-          <a:p>
-            <a:endParaRPr lang="en-US"/>
-          </a:p>
-        </p:txBody>
-      </p:sp>
-      <p:sp>
-        <p:nvSpPr>
-          <p:cNvPr id="9" name="Text Placeholder 8">
-            <a:extLst>
-              <a:ext uri="{FF2B5EF4-FFF2-40B4-BE49-F238E27FC236}">
-                <a16:creationId xmlns:a16="http://schemas.microsoft.com/office/drawing/2014/main" id="{5C78F402-CA66-4211-9A9B-AA02E4938CAC}"/>
-              </a:ext>
-            </a:extLst>
-          </p:cNvPr>
-          <p:cNvSpPr>
-            <a:spLocks noGrp="1"/>
-          </p:cNvSpPr>
-          <p:nvPr>
-            <p:ph type="body" sz="quarter" idx="26"/>
-          </p:nvPr>
-        </p:nvSpPr>
-        <p:spPr/>
-        <p:txBody>
-          <a:bodyPr/>
-          <a:lstStyle/>
-          <a:p>
-            <a:endParaRPr lang="en-US"/>
-          </a:p>
-        </p:txBody>
-      </p:sp>
-      <p:sp>
-        <p:nvSpPr>
-          <p:cNvPr id="10" name="Text Placeholder 9">
-            <a:extLst>
-              <a:ext uri="{FF2B5EF4-FFF2-40B4-BE49-F238E27FC236}">
-                <a16:creationId xmlns:a16="http://schemas.microsoft.com/office/drawing/2014/main" id="{A8085B8B-369F-48C8-A49E-4F789BA62241}"/>
-              </a:ext>
-            </a:extLst>
-          </p:cNvPr>
-          <p:cNvSpPr>
-            <a:spLocks noGrp="1"/>
-          </p:cNvSpPr>
-          <p:nvPr>
-            <p:ph type="body" sz="quarter" idx="27"/>
-          </p:nvPr>
-        </p:nvSpPr>
-        <p:spPr/>
-        <p:txBody>
-          <a:bodyPr/>
-          <a:lstStyle/>
-          <a:p>
-            <a:endParaRPr lang="en-US"/>
-          </a:p>
-        </p:txBody>
-      </p:sp>
-      <p:sp>
-        <p:nvSpPr>
-          <p:cNvPr id="11" name="Text Placeholder 10">
-            <a:extLst>
-              <a:ext uri="{FF2B5EF4-FFF2-40B4-BE49-F238E27FC236}">
-                <a16:creationId xmlns:a16="http://schemas.microsoft.com/office/drawing/2014/main" id="{02AD28AE-4348-4C29-BFFE-E8F4A38A9D4E}"/>
-              </a:ext>
-            </a:extLst>
-          </p:cNvPr>
-          <p:cNvSpPr>
-            <a:spLocks noGrp="1"/>
-          </p:cNvSpPr>
-          <p:nvPr>
-            <p:ph type="body" sz="quarter" idx="28"/>
-          </p:nvPr>
-        </p:nvSpPr>
-        <p:spPr/>
-        <p:txBody>
-          <a:bodyPr/>
-          <a:lstStyle/>
-          <a:p>
-            <a:endParaRPr lang="en-US"/>
-          </a:p>
-        </p:txBody>
-      </p:sp>
-      <p:sp>
-        <p:nvSpPr>
-          <p:cNvPr id="12" name="Text Placeholder 11">
-            <a:extLst>
-              <a:ext uri="{FF2B5EF4-FFF2-40B4-BE49-F238E27FC236}">
-                <a16:creationId xmlns:a16="http://schemas.microsoft.com/office/drawing/2014/main" id="{A84CBEA0-750A-4EB9-AA8C-5C0A5B31E28D}"/>
-              </a:ext>
-            </a:extLst>
-          </p:cNvPr>
-          <p:cNvSpPr>
-            <a:spLocks noGrp="1"/>
-          </p:cNvSpPr>
-          <p:nvPr>
-            <p:ph type="body" sz="quarter" idx="29"/>
-          </p:nvPr>
-        </p:nvSpPr>
-        <p:spPr/>
-        <p:txBody>
-          <a:bodyPr/>
-          <a:lstStyle/>
-          <a:p>
-            <a:endParaRPr lang="en-US"/>
-          </a:p>
-        </p:txBody>
-      </p:sp>
-      <p:sp>
-        <p:nvSpPr>
-          <p:cNvPr id="13" name="Text Placeholder 12">
-            <a:extLst>
-              <a:ext uri="{FF2B5EF4-FFF2-40B4-BE49-F238E27FC236}">
-                <a16:creationId xmlns:a16="http://schemas.microsoft.com/office/drawing/2014/main" id="{DD0806E6-A051-4896-B2C8-440402E3018E}"/>
-              </a:ext>
-            </a:extLst>
-          </p:cNvPr>
-          <p:cNvSpPr>
-            <a:spLocks noGrp="1"/>
-          </p:cNvSpPr>
-          <p:nvPr>
-            <p:ph type="body" sz="quarter" idx="30"/>
-          </p:nvPr>
-        </p:nvSpPr>
-        <p:spPr/>
-        <p:txBody>
-          <a:bodyPr/>
-          <a:lstStyle/>
-          <a:p>
-            <a:endParaRPr lang="en-US"/>
-          </a:p>
-        </p:txBody>
-      </p:sp>
-      <p:sp>
-        <p:nvSpPr>
-          <p:cNvPr id="14" name="Text Placeholder 13">
-            <a:extLst>
-              <a:ext uri="{FF2B5EF4-FFF2-40B4-BE49-F238E27FC236}">
-                <a16:creationId xmlns:a16="http://schemas.microsoft.com/office/drawing/2014/main" id="{1FEBA63A-B9F2-4051-B8B3-0BCED8F6DB68}"/>
-              </a:ext>
-            </a:extLst>
-          </p:cNvPr>
-          <p:cNvSpPr>
-            <a:spLocks noGrp="1"/>
-          </p:cNvSpPr>
-          <p:nvPr>
-            <p:ph type="body" sz="quarter" idx="31"/>
-          </p:nvPr>
-        </p:nvSpPr>
-        <p:spPr/>
-        <p:txBody>
-          <a:bodyPr/>
-          <a:lstStyle/>
-          <a:p>
-            <a:endParaRPr lang="en-US"/>
-          </a:p>
-        </p:txBody>
-      </p:sp>
-      <p:sp>
-        <p:nvSpPr>
-          <p:cNvPr id="15" name="Text Placeholder 14">
-            <a:extLst>
-              <a:ext uri="{FF2B5EF4-FFF2-40B4-BE49-F238E27FC236}">
-                <a16:creationId xmlns:a16="http://schemas.microsoft.com/office/drawing/2014/main" id="{D969B6C9-8B5B-415C-A621-3763DCFEE3AC}"/>
-              </a:ext>
-            </a:extLst>
-          </p:cNvPr>
-          <p:cNvSpPr>
-            <a:spLocks noGrp="1"/>
-          </p:cNvSpPr>
-          <p:nvPr>
-            <p:ph type="body" sz="quarter" idx="32"/>
-          </p:nvPr>
-        </p:nvSpPr>
-        <p:spPr/>
-        <p:txBody>
-          <a:bodyPr/>
-          <a:lstStyle/>
-          <a:p>
-            <a:endParaRPr lang="en-US"/>
-          </a:p>
-        </p:txBody>
-      </p:sp>
-      <p:sp>
-        <p:nvSpPr>
-          <p:cNvPr id="16" name="Text Placeholder 15">
-            <a:extLst>
-              <a:ext uri="{FF2B5EF4-FFF2-40B4-BE49-F238E27FC236}">
-                <a16:creationId xmlns:a16="http://schemas.microsoft.com/office/drawing/2014/main" id="{5105502B-9315-40B4-9610-46AED13A9DEA}"/>
-              </a:ext>
-            </a:extLst>
-          </p:cNvPr>
-          <p:cNvSpPr>
-            <a:spLocks noGrp="1"/>
-          </p:cNvSpPr>
-          <p:nvPr>
-            <p:ph type="body" sz="quarter" idx="33"/>
-          </p:nvPr>
-        </p:nvSpPr>
-        <p:spPr/>
-        <p:txBody>
-          <a:bodyPr/>
-          <a:lstStyle/>
-          <a:p>
-            <a:endParaRPr lang="en-US"/>
-          </a:p>
-        </p:txBody>
-      </p:sp>
+        </p:nvPicPr>
+        <p:blipFill>
+          <a:blip r:embed="rId4" cstate="email">
+            <a:extLst>
+              <a:ext uri="{28A0092B-C50C-407E-A947-70E740481C1C}">
+                <a14:useLocalDpi xmlns:a14="http://schemas.microsoft.com/office/drawing/2010/main"/>
+              </a:ext>
+            </a:extLst>
+          </a:blip>
+          <a:srcRect/>
+          <a:stretch>
+            <a:fillRect/>
+          </a:stretch>
+        </p:blipFill>
+        <p:spPr>
+          <a:prstGeom prst="rect">
+            <a:avLst/>
+          </a:prstGeom>
+        </p:spPr>
+      </p:pic>
     </p:spTree>
     <p:extLst>
       <p:ext uri="{BB962C8B-B14F-4D97-AF65-F5344CB8AC3E}">
-        <p14:creationId xmlns:p14="http://schemas.microsoft.com/office/powerpoint/2010/main" val="388763182"/>
+        <p14:creationId xmlns:p14="http://schemas.microsoft.com/office/powerpoint/2010/main" val="2966720099"/>
       </p:ext>
     </p:extLst>
   </p:cSld>
@@ -39514,6 +39736,404 @@
       </p:grpSpPr>
       <p:sp>
         <p:nvSpPr>
+          <p:cNvPr id="2" name="Picture Placeholder 1">
+            <a:extLst>
+              <a:ext uri="{FF2B5EF4-FFF2-40B4-BE49-F238E27FC236}">
+                <a16:creationId xmlns:a16="http://schemas.microsoft.com/office/drawing/2014/main" id="{0D785356-B884-4827-9B57-F11AA1E300EE}"/>
+              </a:ext>
+            </a:extLst>
+          </p:cNvPr>
+          <p:cNvSpPr>
+            <a:spLocks noGrp="1"/>
+          </p:cNvSpPr>
+          <p:nvPr>
+            <p:ph type="pic" sz="quarter" idx="10"/>
+          </p:nvPr>
+        </p:nvSpPr>
+        <p:spPr/>
+      </p:sp>
+      <p:sp>
+        <p:nvSpPr>
+          <p:cNvPr id="3" name="Text Placeholder 2">
+            <a:extLst>
+              <a:ext uri="{FF2B5EF4-FFF2-40B4-BE49-F238E27FC236}">
+                <a16:creationId xmlns:a16="http://schemas.microsoft.com/office/drawing/2014/main" id="{7BE3B7D5-6736-4CA7-AD92-739472064C34}"/>
+              </a:ext>
+            </a:extLst>
+          </p:cNvPr>
+          <p:cNvSpPr>
+            <a:spLocks noGrp="1"/>
+          </p:cNvSpPr>
+          <p:nvPr>
+            <p:ph type="body" sz="quarter" idx="17"/>
+          </p:nvPr>
+        </p:nvSpPr>
+        <p:spPr/>
+        <p:txBody>
+          <a:bodyPr/>
+          <a:lstStyle/>
+          <a:p>
+            <a:endParaRPr lang="en-US"/>
+          </a:p>
+        </p:txBody>
+      </p:sp>
+      <p:sp>
+        <p:nvSpPr>
+          <p:cNvPr id="4" name="Text Placeholder 3">
+            <a:extLst>
+              <a:ext uri="{FF2B5EF4-FFF2-40B4-BE49-F238E27FC236}">
+                <a16:creationId xmlns:a16="http://schemas.microsoft.com/office/drawing/2014/main" id="{196A9B53-B6AB-48D1-9260-32A9EC2FA3B1}"/>
+              </a:ext>
+            </a:extLst>
+          </p:cNvPr>
+          <p:cNvSpPr>
+            <a:spLocks noGrp="1"/>
+          </p:cNvSpPr>
+          <p:nvPr>
+            <p:ph type="body" sz="quarter" idx="19"/>
+          </p:nvPr>
+        </p:nvSpPr>
+        <p:spPr/>
+        <p:txBody>
+          <a:bodyPr/>
+          <a:lstStyle/>
+          <a:p>
+            <a:endParaRPr lang="en-US"/>
+          </a:p>
+        </p:txBody>
+      </p:sp>
+      <p:sp>
+        <p:nvSpPr>
+          <p:cNvPr id="5" name="Text Placeholder 4">
+            <a:extLst>
+              <a:ext uri="{FF2B5EF4-FFF2-40B4-BE49-F238E27FC236}">
+                <a16:creationId xmlns:a16="http://schemas.microsoft.com/office/drawing/2014/main" id="{CA2A184B-076E-439B-8FEE-295A00FA4A34}"/>
+              </a:ext>
+            </a:extLst>
+          </p:cNvPr>
+          <p:cNvSpPr>
+            <a:spLocks noGrp="1"/>
+          </p:cNvSpPr>
+          <p:nvPr>
+            <p:ph type="body" sz="quarter" idx="21"/>
+          </p:nvPr>
+        </p:nvSpPr>
+        <p:spPr/>
+        <p:txBody>
+          <a:bodyPr/>
+          <a:lstStyle/>
+          <a:p>
+            <a:endParaRPr lang="en-US"/>
+          </a:p>
+        </p:txBody>
+      </p:sp>
+      <p:sp>
+        <p:nvSpPr>
+          <p:cNvPr id="6" name="Text Placeholder 5">
+            <a:extLst>
+              <a:ext uri="{FF2B5EF4-FFF2-40B4-BE49-F238E27FC236}">
+                <a16:creationId xmlns:a16="http://schemas.microsoft.com/office/drawing/2014/main" id="{7AE6A734-961D-4C43-9A94-FCFD57FBDE6D}"/>
+              </a:ext>
+            </a:extLst>
+          </p:cNvPr>
+          <p:cNvSpPr>
+            <a:spLocks noGrp="1"/>
+          </p:cNvSpPr>
+          <p:nvPr>
+            <p:ph type="body" sz="quarter" idx="23"/>
+          </p:nvPr>
+        </p:nvSpPr>
+        <p:spPr/>
+        <p:txBody>
+          <a:bodyPr/>
+          <a:lstStyle/>
+          <a:p>
+            <a:endParaRPr lang="en-US"/>
+          </a:p>
+        </p:txBody>
+      </p:sp>
+      <p:sp>
+        <p:nvSpPr>
+          <p:cNvPr id="7" name="Text Placeholder 6">
+            <a:extLst>
+              <a:ext uri="{FF2B5EF4-FFF2-40B4-BE49-F238E27FC236}">
+                <a16:creationId xmlns:a16="http://schemas.microsoft.com/office/drawing/2014/main" id="{3B1FBA03-8E6F-4305-A674-838694135A0B}"/>
+              </a:ext>
+            </a:extLst>
+          </p:cNvPr>
+          <p:cNvSpPr>
+            <a:spLocks noGrp="1"/>
+          </p:cNvSpPr>
+          <p:nvPr>
+            <p:ph type="body" sz="quarter" idx="24"/>
+          </p:nvPr>
+        </p:nvSpPr>
+        <p:spPr/>
+        <p:txBody>
+          <a:bodyPr/>
+          <a:lstStyle/>
+          <a:p>
+            <a:endParaRPr lang="en-US"/>
+          </a:p>
+        </p:txBody>
+      </p:sp>
+      <p:sp>
+        <p:nvSpPr>
+          <p:cNvPr id="8" name="Text Placeholder 7">
+            <a:extLst>
+              <a:ext uri="{FF2B5EF4-FFF2-40B4-BE49-F238E27FC236}">
+                <a16:creationId xmlns:a16="http://schemas.microsoft.com/office/drawing/2014/main" id="{E1699D78-FE6D-491A-B0DA-D629BC462262}"/>
+              </a:ext>
+            </a:extLst>
+          </p:cNvPr>
+          <p:cNvSpPr>
+            <a:spLocks noGrp="1"/>
+          </p:cNvSpPr>
+          <p:nvPr>
+            <p:ph type="body" sz="quarter" idx="25"/>
+          </p:nvPr>
+        </p:nvSpPr>
+        <p:spPr/>
+        <p:txBody>
+          <a:bodyPr/>
+          <a:lstStyle/>
+          <a:p>
+            <a:endParaRPr lang="en-US"/>
+          </a:p>
+        </p:txBody>
+      </p:sp>
+      <p:sp>
+        <p:nvSpPr>
+          <p:cNvPr id="9" name="Text Placeholder 8">
+            <a:extLst>
+              <a:ext uri="{FF2B5EF4-FFF2-40B4-BE49-F238E27FC236}">
+                <a16:creationId xmlns:a16="http://schemas.microsoft.com/office/drawing/2014/main" id="{5C78F402-CA66-4211-9A9B-AA02E4938CAC}"/>
+              </a:ext>
+            </a:extLst>
+          </p:cNvPr>
+          <p:cNvSpPr>
+            <a:spLocks noGrp="1"/>
+          </p:cNvSpPr>
+          <p:nvPr>
+            <p:ph type="body" sz="quarter" idx="26"/>
+          </p:nvPr>
+        </p:nvSpPr>
+        <p:spPr/>
+        <p:txBody>
+          <a:bodyPr/>
+          <a:lstStyle/>
+          <a:p>
+            <a:endParaRPr lang="en-US"/>
+          </a:p>
+        </p:txBody>
+      </p:sp>
+      <p:sp>
+        <p:nvSpPr>
+          <p:cNvPr id="10" name="Text Placeholder 9">
+            <a:extLst>
+              <a:ext uri="{FF2B5EF4-FFF2-40B4-BE49-F238E27FC236}">
+                <a16:creationId xmlns:a16="http://schemas.microsoft.com/office/drawing/2014/main" id="{A8085B8B-369F-48C8-A49E-4F789BA62241}"/>
+              </a:ext>
+            </a:extLst>
+          </p:cNvPr>
+          <p:cNvSpPr>
+            <a:spLocks noGrp="1"/>
+          </p:cNvSpPr>
+          <p:nvPr>
+            <p:ph type="body" sz="quarter" idx="27"/>
+          </p:nvPr>
+        </p:nvSpPr>
+        <p:spPr/>
+        <p:txBody>
+          <a:bodyPr/>
+          <a:lstStyle/>
+          <a:p>
+            <a:endParaRPr lang="en-US"/>
+          </a:p>
+        </p:txBody>
+      </p:sp>
+      <p:sp>
+        <p:nvSpPr>
+          <p:cNvPr id="11" name="Text Placeholder 10">
+            <a:extLst>
+              <a:ext uri="{FF2B5EF4-FFF2-40B4-BE49-F238E27FC236}">
+                <a16:creationId xmlns:a16="http://schemas.microsoft.com/office/drawing/2014/main" id="{02AD28AE-4348-4C29-BFFE-E8F4A38A9D4E}"/>
+              </a:ext>
+            </a:extLst>
+          </p:cNvPr>
+          <p:cNvSpPr>
+            <a:spLocks noGrp="1"/>
+          </p:cNvSpPr>
+          <p:nvPr>
+            <p:ph type="body" sz="quarter" idx="28"/>
+          </p:nvPr>
+        </p:nvSpPr>
+        <p:spPr/>
+        <p:txBody>
+          <a:bodyPr/>
+          <a:lstStyle/>
+          <a:p>
+            <a:endParaRPr lang="en-US"/>
+          </a:p>
+        </p:txBody>
+      </p:sp>
+      <p:sp>
+        <p:nvSpPr>
+          <p:cNvPr id="12" name="Text Placeholder 11">
+            <a:extLst>
+              <a:ext uri="{FF2B5EF4-FFF2-40B4-BE49-F238E27FC236}">
+                <a16:creationId xmlns:a16="http://schemas.microsoft.com/office/drawing/2014/main" id="{A84CBEA0-750A-4EB9-AA8C-5C0A5B31E28D}"/>
+              </a:ext>
+            </a:extLst>
+          </p:cNvPr>
+          <p:cNvSpPr>
+            <a:spLocks noGrp="1"/>
+          </p:cNvSpPr>
+          <p:nvPr>
+            <p:ph type="body" sz="quarter" idx="29"/>
+          </p:nvPr>
+        </p:nvSpPr>
+        <p:spPr/>
+        <p:txBody>
+          <a:bodyPr/>
+          <a:lstStyle/>
+          <a:p>
+            <a:endParaRPr lang="en-US"/>
+          </a:p>
+        </p:txBody>
+      </p:sp>
+      <p:sp>
+        <p:nvSpPr>
+          <p:cNvPr id="13" name="Text Placeholder 12">
+            <a:extLst>
+              <a:ext uri="{FF2B5EF4-FFF2-40B4-BE49-F238E27FC236}">
+                <a16:creationId xmlns:a16="http://schemas.microsoft.com/office/drawing/2014/main" id="{DD0806E6-A051-4896-B2C8-440402E3018E}"/>
+              </a:ext>
+            </a:extLst>
+          </p:cNvPr>
+          <p:cNvSpPr>
+            <a:spLocks noGrp="1"/>
+          </p:cNvSpPr>
+          <p:nvPr>
+            <p:ph type="body" sz="quarter" idx="30"/>
+          </p:nvPr>
+        </p:nvSpPr>
+        <p:spPr/>
+        <p:txBody>
+          <a:bodyPr/>
+          <a:lstStyle/>
+          <a:p>
+            <a:endParaRPr lang="en-US"/>
+          </a:p>
+        </p:txBody>
+      </p:sp>
+      <p:sp>
+        <p:nvSpPr>
+          <p:cNvPr id="14" name="Text Placeholder 13">
+            <a:extLst>
+              <a:ext uri="{FF2B5EF4-FFF2-40B4-BE49-F238E27FC236}">
+                <a16:creationId xmlns:a16="http://schemas.microsoft.com/office/drawing/2014/main" id="{1FEBA63A-B9F2-4051-B8B3-0BCED8F6DB68}"/>
+              </a:ext>
+            </a:extLst>
+          </p:cNvPr>
+          <p:cNvSpPr>
+            <a:spLocks noGrp="1"/>
+          </p:cNvSpPr>
+          <p:nvPr>
+            <p:ph type="body" sz="quarter" idx="31"/>
+          </p:nvPr>
+        </p:nvSpPr>
+        <p:spPr/>
+        <p:txBody>
+          <a:bodyPr/>
+          <a:lstStyle/>
+          <a:p>
+            <a:endParaRPr lang="en-US"/>
+          </a:p>
+        </p:txBody>
+      </p:sp>
+      <p:sp>
+        <p:nvSpPr>
+          <p:cNvPr id="15" name="Text Placeholder 14">
+            <a:extLst>
+              <a:ext uri="{FF2B5EF4-FFF2-40B4-BE49-F238E27FC236}">
+                <a16:creationId xmlns:a16="http://schemas.microsoft.com/office/drawing/2014/main" id="{D969B6C9-8B5B-415C-A621-3763DCFEE3AC}"/>
+              </a:ext>
+            </a:extLst>
+          </p:cNvPr>
+          <p:cNvSpPr>
+            <a:spLocks noGrp="1"/>
+          </p:cNvSpPr>
+          <p:nvPr>
+            <p:ph type="body" sz="quarter" idx="32"/>
+          </p:nvPr>
+        </p:nvSpPr>
+        <p:spPr/>
+        <p:txBody>
+          <a:bodyPr/>
+          <a:lstStyle/>
+          <a:p>
+            <a:endParaRPr lang="en-US"/>
+          </a:p>
+        </p:txBody>
+      </p:sp>
+      <p:sp>
+        <p:nvSpPr>
+          <p:cNvPr id="16" name="Text Placeholder 15">
+            <a:extLst>
+              <a:ext uri="{FF2B5EF4-FFF2-40B4-BE49-F238E27FC236}">
+                <a16:creationId xmlns:a16="http://schemas.microsoft.com/office/drawing/2014/main" id="{5105502B-9315-40B4-9610-46AED13A9DEA}"/>
+              </a:ext>
+            </a:extLst>
+          </p:cNvPr>
+          <p:cNvSpPr>
+            <a:spLocks noGrp="1"/>
+          </p:cNvSpPr>
+          <p:nvPr>
+            <p:ph type="body" sz="quarter" idx="33"/>
+          </p:nvPr>
+        </p:nvSpPr>
+        <p:spPr/>
+        <p:txBody>
+          <a:bodyPr/>
+          <a:lstStyle/>
+          <a:p>
+            <a:endParaRPr lang="en-US"/>
+          </a:p>
+        </p:txBody>
+      </p:sp>
+    </p:spTree>
+    <p:extLst>
+      <p:ext uri="{BB962C8B-B14F-4D97-AF65-F5344CB8AC3E}">
+        <p14:creationId xmlns:p14="http://schemas.microsoft.com/office/powerpoint/2010/main" val="388763182"/>
+      </p:ext>
+    </p:extLst>
+  </p:cSld>
+  <p:clrMapOvr>
+    <a:masterClrMapping/>
+  </p:clrMapOvr>
+</p:sld>
+</file>
+
+<file path=ppt/slides/slide32.xml><?xml version="1.0" encoding="utf-8"?>
+<p:sld xmlns:a="http://schemas.openxmlformats.org/drawingml/2006/main" xmlns:r="http://schemas.openxmlformats.org/officeDocument/2006/relationships" xmlns:p="http://schemas.openxmlformats.org/presentationml/2006/main">
+  <p:cSld>
+    <p:spTree>
+      <p:nvGrpSpPr>
+        <p:cNvPr id="1" name=""/>
+        <p:cNvGrpSpPr/>
+        <p:nvPr/>
+      </p:nvGrpSpPr>
+      <p:grpSpPr>
+        <a:xfrm>
+          <a:off x="0" y="0"/>
+          <a:ext cx="0" cy="0"/>
+          <a:chOff x="0" y="0"/>
+          <a:chExt cx="0" cy="0"/>
+        </a:xfrm>
+      </p:grpSpPr>
+      <p:sp>
+        <p:nvSpPr>
           <p:cNvPr id="2" name="Title 1">
             <a:extLst>
               <a:ext uri="{FF2B5EF4-FFF2-40B4-BE49-F238E27FC236}">
@@ -39846,7 +40466,7 @@
 </p:sld>
 </file>
 
-<file path=ppt/slides/slide32.xml><?xml version="1.0" encoding="utf-8"?>
+<file path=ppt/slides/slide33.xml><?xml version="1.0" encoding="utf-8"?>
 <p:sld xmlns:a="http://schemas.openxmlformats.org/drawingml/2006/main" xmlns:r="http://schemas.openxmlformats.org/officeDocument/2006/relationships" xmlns:p="http://schemas.openxmlformats.org/presentationml/2006/main">
   <p:cSld>
     <p:spTree>
@@ -40434,10 +41054,10 @@
       </p:grpSpPr>
       <p:sp>
         <p:nvSpPr>
-          <p:cNvPr id="2" name="Title 1">
-            <a:extLst>
-              <a:ext uri="{FF2B5EF4-FFF2-40B4-BE49-F238E27FC236}">
-                <a16:creationId xmlns:a16="http://schemas.microsoft.com/office/drawing/2014/main" id="{28D09562-4D8D-434E-AE6A-6CF89E6B1BBF}"/>
+          <p:cNvPr id="2" name="Text Placeholder 1">
+            <a:extLst>
+              <a:ext uri="{FF2B5EF4-FFF2-40B4-BE49-F238E27FC236}">
+                <a16:creationId xmlns:a16="http://schemas.microsoft.com/office/drawing/2014/main" id="{4483D1C0-AEBE-43F2-AF2A-23F080C327DF}"/>
               </a:ext>
             </a:extLst>
           </p:cNvPr>
@@ -40445,7 +41065,7 @@
             <a:spLocks noGrp="1"/>
           </p:cNvSpPr>
           <p:nvPr>
-            <p:ph type="title"/>
+            <p:ph type="body" sz="quarter" idx="15"/>
           </p:nvPr>
         </p:nvSpPr>
         <p:spPr/>
@@ -40455,7 +41075,7 @@
           <a:p>
             <a:r>
               <a:rPr lang="en-US" dirty="0"/>
-              <a:t>NestJS Overview</a:t>
+              <a:t>NestJS</a:t>
             </a:r>
           </a:p>
         </p:txBody>
@@ -40465,7 +41085,7 @@
           <p:cNvPr id="3" name="Text Placeholder 2">
             <a:extLst>
               <a:ext uri="{FF2B5EF4-FFF2-40B4-BE49-F238E27FC236}">
-                <a16:creationId xmlns:a16="http://schemas.microsoft.com/office/drawing/2014/main" id="{980004BA-4F47-4C5C-B300-EF35A2F015DB}"/>
+                <a16:creationId xmlns:a16="http://schemas.microsoft.com/office/drawing/2014/main" id="{9BBB8D4B-E800-4849-82AC-CE4520B69691}"/>
               </a:ext>
             </a:extLst>
           </p:cNvPr>
@@ -40473,7 +41093,7 @@
             <a:spLocks noGrp="1"/>
           </p:cNvSpPr>
           <p:nvPr>
-            <p:ph type="body" sz="quarter" idx="11"/>
+            <p:ph type="body" sz="quarter" idx="16"/>
           </p:nvPr>
         </p:nvSpPr>
         <p:spPr/>
@@ -40483,98 +41103,15 @@
           <a:p>
             <a:r>
               <a:rPr lang="en-US" dirty="0"/>
-              <a:t>What is NestJS?</a:t>
-            </a:r>
-          </a:p>
-          <a:p>
-            <a:pPr lvl="1"/>
-            <a:r>
-              <a:rPr lang="en-US" dirty="0"/>
-              <a:t>NestJS is a framework for building efficient, scalable Node.js server-side applications</a:t>
-            </a:r>
-          </a:p>
-          <a:p>
-            <a:pPr lvl="1"/>
-            <a:r>
-              <a:rPr lang="en-US" dirty="0"/>
-              <a:t>It uses progressive JS, is built with and fully supports TS</a:t>
-            </a:r>
-          </a:p>
-          <a:p>
-            <a:pPr lvl="1"/>
-            <a:r>
-              <a:rPr lang="en-US" dirty="0"/>
-              <a:t>It combines elements of OOP (Object Oriented Programming), FP ( Functional Programming), FRP (Functional Reactive Programming)</a:t>
-            </a:r>
-          </a:p>
-          <a:p>
-            <a:pPr lvl="1"/>
-            <a:r>
-              <a:rPr lang="en-US" dirty="0"/>
-              <a:t>Nest also uses robust Node.js frameworks, like </a:t>
-            </a:r>
-            <a:r>
-              <a:rPr lang="en-US" dirty="0">
-                <a:solidFill>
-                  <a:schemeClr val="accent5"/>
-                </a:solidFill>
-              </a:rPr>
-              <a:t>Express</a:t>
-            </a:r>
-            <a:r>
-              <a:rPr lang="en-US" dirty="0"/>
-              <a:t> (its default) and </a:t>
-            </a:r>
-            <a:r>
-              <a:rPr lang="en-US" dirty="0" err="1">
-                <a:solidFill>
-                  <a:schemeClr val="accent5"/>
-                </a:solidFill>
-              </a:rPr>
-              <a:t>Fastify</a:t>
-            </a:r>
-            <a:endParaRPr lang="en-US" dirty="0">
-              <a:solidFill>
-                <a:schemeClr val="accent5"/>
-              </a:solidFill>
-            </a:endParaRPr>
-          </a:p>
-        </p:txBody>
-      </p:sp>
-      <p:pic>
-        <p:nvPicPr>
-          <p:cNvPr id="4" name="Picture 3">
-            <a:extLst>
-              <a:ext uri="{FF2B5EF4-FFF2-40B4-BE49-F238E27FC236}">
-                <a16:creationId xmlns:a16="http://schemas.microsoft.com/office/drawing/2014/main" id="{4B068F33-E8A0-4842-8E63-08D4A95A179B}"/>
-              </a:ext>
-            </a:extLst>
-          </p:cNvPr>
-          <p:cNvPicPr>
-            <a:picLocks noChangeAspect="1"/>
-          </p:cNvPicPr>
-          <p:nvPr/>
-        </p:nvPicPr>
-        <p:blipFill>
-          <a:blip r:embed="rId2"/>
-          <a:stretch>
-            <a:fillRect/>
-          </a:stretch>
-        </p:blipFill>
-        <p:spPr>
-          <a:xfrm>
-            <a:off x="3841343" y="3429000"/>
-            <a:ext cx="4509314" cy="2193720"/>
-          </a:xfrm>
-          <a:prstGeom prst="rect">
-            <a:avLst/>
-          </a:prstGeom>
-        </p:spPr>
-      </p:pic>
+              <a:t>02</a:t>
+            </a:r>
+          </a:p>
+        </p:txBody>
+      </p:sp>
     </p:spTree>
     <p:extLst>
       <p:ext uri="{BB962C8B-B14F-4D97-AF65-F5344CB8AC3E}">
-        <p14:creationId xmlns:p14="http://schemas.microsoft.com/office/powerpoint/2010/main" val="10119256"/>
+        <p14:creationId xmlns:p14="http://schemas.microsoft.com/office/powerpoint/2010/main" val="1880422943"/>
       </p:ext>
     </p:extLst>
   </p:cSld>
@@ -40624,7 +41161,7 @@
           <a:p>
             <a:r>
               <a:rPr lang="en-US" dirty="0"/>
-              <a:t>NestJS Architecture</a:t>
+              <a:t>NestJS Overview</a:t>
             </a:r>
           </a:p>
         </p:txBody>
@@ -40645,46 +41182,68 @@
             <p:ph type="body" sz="quarter" idx="11"/>
           </p:nvPr>
         </p:nvSpPr>
-        <p:spPr>
-          <a:xfrm>
-            <a:off x="838404" y="1212987"/>
-            <a:ext cx="10293016" cy="1042077"/>
-          </a:xfrm>
-        </p:spPr>
+        <p:spPr/>
         <p:txBody>
           <a:bodyPr/>
           <a:lstStyle/>
           <a:p>
             <a:r>
               <a:rPr lang="en-US" dirty="0"/>
-              <a:t>NestJS follows a modular and layered approach, combining concepts from both </a:t>
-            </a:r>
-            <a:r>
-              <a:rPr lang="en-US" b="1" dirty="0"/>
-              <a:t>3-tier architecture </a:t>
-            </a:r>
+              <a:t>What is NestJS?</a:t>
+            </a:r>
+          </a:p>
+          <a:p>
+            <a:pPr lvl="1"/>
             <a:r>
               <a:rPr lang="en-US" dirty="0"/>
-              <a:t>and </a:t>
-            </a:r>
-            <a:r>
-              <a:rPr lang="en-US" b="1" dirty="0"/>
-              <a:t>the modular architecture </a:t>
-            </a:r>
+              <a:t>NestJS is a framework for building efficient, scalable Node.js server-side applications</a:t>
+            </a:r>
+          </a:p>
+          <a:p>
+            <a:pPr lvl="1"/>
             <a:r>
               <a:rPr lang="en-US" dirty="0"/>
-              <a:t>pattern</a:t>
-            </a:r>
-          </a:p>
-          <a:p>
+              <a:t>It uses progressive JS, is built with and fully supports TS</a:t>
+            </a:r>
+          </a:p>
+          <a:p>
+            <a:pPr lvl="1"/>
             <a:r>
               <a:rPr lang="en-US" dirty="0"/>
-              <a:t>Its promotes separation of concerns, modularity, reusability, and testability</a:t>
+              <a:t>It combines elements of OOP (Object Oriented Programming), FP ( Functional Programming), FRP (Functional Reactive Programming)</a:t>
             </a:r>
           </a:p>
           <a:p>
             <a:pPr lvl="1"/>
-            <a:endParaRPr lang="en-US" dirty="0"/>
+            <a:r>
+              <a:rPr lang="en-US" dirty="0"/>
+              <a:t>Nest also uses robust Node.js frameworks, like </a:t>
+            </a:r>
+            <a:r>
+              <a:rPr lang="en-US" dirty="0">
+                <a:solidFill>
+                  <a:schemeClr val="accent5"/>
+                </a:solidFill>
+              </a:rPr>
+              <a:t>Express</a:t>
+            </a:r>
+            <a:r>
+              <a:rPr lang="en-US" dirty="0"/>
+              <a:t> (its default) and </a:t>
+            </a:r>
+            <a:r>
+              <a:rPr lang="en-US" dirty="0" err="1">
+                <a:solidFill>
+                  <a:schemeClr val="accent5"/>
+                </a:solidFill>
+              </a:rPr>
+              <a:t>Fastify</a:t>
+            </a:r>
+            <a:endParaRPr lang="en-US" dirty="0">
+              <a:solidFill>
+                <a:schemeClr val="accent5"/>
+              </a:solidFill>
+            </a:endParaRPr>
           </a:p>
         </p:txBody>
       </p:sp>
@@ -40693,7 +41252,7 @@
           <p:cNvPr id="4" name="Picture 3">
             <a:extLst>
               <a:ext uri="{FF2B5EF4-FFF2-40B4-BE49-F238E27FC236}">
-                <a16:creationId xmlns:a16="http://schemas.microsoft.com/office/drawing/2014/main" id="{214801FC-7FA9-47F7-8A2E-21803226BBE0}"/>
+                <a16:creationId xmlns:a16="http://schemas.microsoft.com/office/drawing/2014/main" id="{4B068F33-E8A0-4842-8E63-08D4A95A179B}"/>
               </a:ext>
             </a:extLst>
           </p:cNvPr>
@@ -40710,468 +41269,8 @@
         </p:blipFill>
         <p:spPr>
           <a:xfrm>
-            <a:off x="1691563" y="2947051"/>
-            <a:ext cx="2948468" cy="3390738"/>
-          </a:xfrm>
-          <a:prstGeom prst="rect">
-            <a:avLst/>
-          </a:prstGeom>
-        </p:spPr>
-      </p:pic>
-      <p:sp>
-        <p:nvSpPr>
-          <p:cNvPr id="6" name="Text Placeholder 2">
-            <a:extLst>
-              <a:ext uri="{FF2B5EF4-FFF2-40B4-BE49-F238E27FC236}">
-                <a16:creationId xmlns:a16="http://schemas.microsoft.com/office/drawing/2014/main" id="{F1E945C4-8A99-4597-976E-AF6CA7144230}"/>
-              </a:ext>
-            </a:extLst>
-          </p:cNvPr>
-          <p:cNvSpPr txBox="1">
-            <a:spLocks/>
-          </p:cNvSpPr>
-          <p:nvPr/>
-        </p:nvSpPr>
-        <p:spPr>
-          <a:xfrm>
-            <a:off x="838199" y="2352756"/>
-            <a:ext cx="5257801" cy="4252198"/>
-          </a:xfrm>
-          <a:prstGeom prst="rect">
-            <a:avLst/>
-          </a:prstGeom>
-        </p:spPr>
-        <p:txBody>
-          <a:bodyPr vert="horz" lIns="91440" tIns="45720" rIns="91440" bIns="45720" rtlCol="0">
-            <a:normAutofit/>
-          </a:bodyPr>
-          <a:lstStyle>
-            <a:lvl1pPr marL="228600" indent="-228600" algn="l" defTabSz="914400" rtl="0" eaLnBrk="1" latinLnBrk="0" hangingPunct="1">
-              <a:lnSpc>
-                <a:spcPct val="90000"/>
-              </a:lnSpc>
-              <a:spcBef>
-                <a:spcPts val="1000"/>
-              </a:spcBef>
-              <a:buClr>
-                <a:schemeClr val="accent1"/>
-              </a:buClr>
-              <a:buFont typeface="Wingdings" panose="05000000000000000000" pitchFamily="2" charset="2"/>
-              <a:buChar char="§"/>
-              <a:defRPr sz="1800" kern="1200">
-                <a:solidFill>
-                  <a:schemeClr val="bg2"/>
-                </a:solidFill>
-                <a:latin typeface="+mn-lt"/>
-                <a:ea typeface="+mn-ea"/>
-                <a:cs typeface="+mn-cs"/>
-              </a:defRPr>
-            </a:lvl1pPr>
-            <a:lvl2pPr marL="685800" indent="-228600" algn="l" defTabSz="914400" rtl="0" eaLnBrk="1" latinLnBrk="0" hangingPunct="1">
-              <a:lnSpc>
-                <a:spcPct val="90000"/>
-              </a:lnSpc>
-              <a:spcBef>
-                <a:spcPts val="500"/>
-              </a:spcBef>
-              <a:buFont typeface="Arial" panose="020B0604020202020204" pitchFamily="34" charset="0"/>
-              <a:buChar char="−"/>
-              <a:defRPr sz="1600" kern="1200">
-                <a:solidFill>
-                  <a:schemeClr val="bg2"/>
-                </a:solidFill>
-                <a:latin typeface="+mn-lt"/>
-                <a:ea typeface="+mn-ea"/>
-                <a:cs typeface="+mn-cs"/>
-              </a:defRPr>
-            </a:lvl2pPr>
-            <a:lvl3pPr marL="1143000" indent="-228600" algn="l" defTabSz="914400" rtl="0" eaLnBrk="1" latinLnBrk="0" hangingPunct="1">
-              <a:lnSpc>
-                <a:spcPct val="90000"/>
-              </a:lnSpc>
-              <a:spcBef>
-                <a:spcPts val="500"/>
-              </a:spcBef>
-              <a:buFont typeface="Wingdings" panose="05000000000000000000" pitchFamily="2" charset="2"/>
-              <a:buChar char="§"/>
-              <a:defRPr sz="1400" kern="1200">
-                <a:solidFill>
-                  <a:schemeClr val="bg2"/>
-                </a:solidFill>
-                <a:latin typeface="+mn-lt"/>
-                <a:ea typeface="+mn-ea"/>
-                <a:cs typeface="+mn-cs"/>
-              </a:defRPr>
-            </a:lvl3pPr>
-            <a:lvl4pPr marL="1600200" indent="-228600" algn="l" defTabSz="914400" rtl="0" eaLnBrk="1" latinLnBrk="0" hangingPunct="1">
-              <a:lnSpc>
-                <a:spcPct val="90000"/>
-              </a:lnSpc>
-              <a:spcBef>
-                <a:spcPts val="500"/>
-              </a:spcBef>
-              <a:buClr>
-                <a:schemeClr val="tx2">
-                  <a:lumMod val="75000"/>
-                </a:schemeClr>
-              </a:buClr>
-              <a:buFont typeface="Wingdings" panose="05000000000000000000" pitchFamily="2" charset="2"/>
-              <a:buChar char="§"/>
-              <a:defRPr sz="1200" kern="1200">
-                <a:solidFill>
-                  <a:schemeClr val="bg2"/>
-                </a:solidFill>
-                <a:latin typeface="+mn-lt"/>
-                <a:ea typeface="+mn-ea"/>
-                <a:cs typeface="+mn-cs"/>
-              </a:defRPr>
-            </a:lvl4pPr>
-            <a:lvl5pPr marL="2057400" indent="-228600" algn="l" defTabSz="914400" rtl="0" eaLnBrk="1" latinLnBrk="0" hangingPunct="1">
-              <a:lnSpc>
-                <a:spcPct val="90000"/>
-              </a:lnSpc>
-              <a:spcBef>
-                <a:spcPts val="500"/>
-              </a:spcBef>
-              <a:buClr>
-                <a:schemeClr val="bg2"/>
-              </a:buClr>
-              <a:buSzPct val="70000"/>
-              <a:buFont typeface="Wingdings" pitchFamily="2" charset="2"/>
-              <a:buChar char="§"/>
-              <a:defRPr sz="1200" kern="1200">
-                <a:solidFill>
-                  <a:schemeClr val="bg2"/>
-                </a:solidFill>
-                <a:latin typeface="+mn-lt"/>
-                <a:ea typeface="+mn-ea"/>
-                <a:cs typeface="+mn-cs"/>
-              </a:defRPr>
-            </a:lvl5pPr>
-            <a:lvl6pPr marL="2514600" indent="-228600" algn="l" defTabSz="914400" rtl="0" eaLnBrk="1" latinLnBrk="0" hangingPunct="1">
-              <a:lnSpc>
-                <a:spcPct val="90000"/>
-              </a:lnSpc>
-              <a:spcBef>
-                <a:spcPts val="500"/>
-              </a:spcBef>
-              <a:buFont typeface="Arial" panose="020B0604020202020204" pitchFamily="34" charset="0"/>
-              <a:buChar char="•"/>
-              <a:defRPr sz="1800" kern="1200">
-                <a:solidFill>
-                  <a:schemeClr val="tx1"/>
-                </a:solidFill>
-                <a:latin typeface="+mn-lt"/>
-                <a:ea typeface="+mn-ea"/>
-                <a:cs typeface="+mn-cs"/>
-              </a:defRPr>
-            </a:lvl6pPr>
-            <a:lvl7pPr marL="2971800" indent="-228600" algn="l" defTabSz="914400" rtl="0" eaLnBrk="1" latinLnBrk="0" hangingPunct="1">
-              <a:lnSpc>
-                <a:spcPct val="90000"/>
-              </a:lnSpc>
-              <a:spcBef>
-                <a:spcPts val="500"/>
-              </a:spcBef>
-              <a:buFont typeface="Arial" panose="020B0604020202020204" pitchFamily="34" charset="0"/>
-              <a:buChar char="•"/>
-              <a:defRPr sz="1800" kern="1200">
-                <a:solidFill>
-                  <a:schemeClr val="tx1"/>
-                </a:solidFill>
-                <a:latin typeface="+mn-lt"/>
-                <a:ea typeface="+mn-ea"/>
-                <a:cs typeface="+mn-cs"/>
-              </a:defRPr>
-            </a:lvl7pPr>
-            <a:lvl8pPr marL="3429000" indent="-228600" algn="l" defTabSz="914400" rtl="0" eaLnBrk="1" latinLnBrk="0" hangingPunct="1">
-              <a:lnSpc>
-                <a:spcPct val="90000"/>
-              </a:lnSpc>
-              <a:spcBef>
-                <a:spcPts val="500"/>
-              </a:spcBef>
-              <a:buFont typeface="Arial" panose="020B0604020202020204" pitchFamily="34" charset="0"/>
-              <a:buChar char="•"/>
-              <a:defRPr sz="1800" kern="1200">
-                <a:solidFill>
-                  <a:schemeClr val="tx1"/>
-                </a:solidFill>
-                <a:latin typeface="+mn-lt"/>
-                <a:ea typeface="+mn-ea"/>
-                <a:cs typeface="+mn-cs"/>
-              </a:defRPr>
-            </a:lvl8pPr>
-            <a:lvl9pPr marL="3886200" indent="-228600" algn="l" defTabSz="914400" rtl="0" eaLnBrk="1" latinLnBrk="0" hangingPunct="1">
-              <a:lnSpc>
-                <a:spcPct val="90000"/>
-              </a:lnSpc>
-              <a:spcBef>
-                <a:spcPts val="500"/>
-              </a:spcBef>
-              <a:buFont typeface="Arial" panose="020B0604020202020204" pitchFamily="34" charset="0"/>
-              <a:buChar char="•"/>
-              <a:defRPr sz="1800" kern="1200">
-                <a:solidFill>
-                  <a:schemeClr val="tx1"/>
-                </a:solidFill>
-                <a:latin typeface="+mn-lt"/>
-                <a:ea typeface="+mn-ea"/>
-                <a:cs typeface="+mn-cs"/>
-              </a:defRPr>
-            </a:lvl9pPr>
-          </a:lstStyle>
-          <a:p>
-            <a:r>
-              <a:rPr lang="en-US" dirty="0"/>
-              <a:t>3-tier architecture</a:t>
-            </a:r>
-          </a:p>
-          <a:p>
-            <a:pPr lvl="1"/>
-            <a:endParaRPr lang="en-US" dirty="0"/>
-          </a:p>
-        </p:txBody>
-      </p:sp>
-      <p:sp>
-        <p:nvSpPr>
-          <p:cNvPr id="8" name="Text Placeholder 2">
-            <a:extLst>
-              <a:ext uri="{FF2B5EF4-FFF2-40B4-BE49-F238E27FC236}">
-                <a16:creationId xmlns:a16="http://schemas.microsoft.com/office/drawing/2014/main" id="{533BE933-A8EB-4088-9FE2-A5A9B47B1218}"/>
-              </a:ext>
-            </a:extLst>
-          </p:cNvPr>
-          <p:cNvSpPr txBox="1">
-            <a:spLocks/>
-          </p:cNvSpPr>
-          <p:nvPr/>
-        </p:nvSpPr>
-        <p:spPr>
-          <a:xfrm>
-            <a:off x="5991219" y="2352756"/>
-            <a:ext cx="5257801" cy="4252198"/>
-          </a:xfrm>
-          <a:prstGeom prst="rect">
-            <a:avLst/>
-          </a:prstGeom>
-        </p:spPr>
-        <p:txBody>
-          <a:bodyPr vert="horz" lIns="91440" tIns="45720" rIns="91440" bIns="45720" rtlCol="0">
-            <a:normAutofit/>
-          </a:bodyPr>
-          <a:lstStyle>
-            <a:lvl1pPr marL="228600" indent="-228600" algn="l" defTabSz="914400" rtl="0" eaLnBrk="1" latinLnBrk="0" hangingPunct="1">
-              <a:lnSpc>
-                <a:spcPct val="90000"/>
-              </a:lnSpc>
-              <a:spcBef>
-                <a:spcPts val="1000"/>
-              </a:spcBef>
-              <a:buClr>
-                <a:schemeClr val="accent1"/>
-              </a:buClr>
-              <a:buFont typeface="Wingdings" panose="05000000000000000000" pitchFamily="2" charset="2"/>
-              <a:buChar char="§"/>
-              <a:defRPr sz="1800" kern="1200">
-                <a:solidFill>
-                  <a:schemeClr val="bg2"/>
-                </a:solidFill>
-                <a:latin typeface="+mn-lt"/>
-                <a:ea typeface="+mn-ea"/>
-                <a:cs typeface="+mn-cs"/>
-              </a:defRPr>
-            </a:lvl1pPr>
-            <a:lvl2pPr marL="685800" indent="-228600" algn="l" defTabSz="914400" rtl="0" eaLnBrk="1" latinLnBrk="0" hangingPunct="1">
-              <a:lnSpc>
-                <a:spcPct val="90000"/>
-              </a:lnSpc>
-              <a:spcBef>
-                <a:spcPts val="500"/>
-              </a:spcBef>
-              <a:buFont typeface="Arial" panose="020B0604020202020204" pitchFamily="34" charset="0"/>
-              <a:buChar char="−"/>
-              <a:defRPr sz="1600" kern="1200">
-                <a:solidFill>
-                  <a:schemeClr val="bg2"/>
-                </a:solidFill>
-                <a:latin typeface="+mn-lt"/>
-                <a:ea typeface="+mn-ea"/>
-                <a:cs typeface="+mn-cs"/>
-              </a:defRPr>
-            </a:lvl2pPr>
-            <a:lvl3pPr marL="1143000" indent="-228600" algn="l" defTabSz="914400" rtl="0" eaLnBrk="1" latinLnBrk="0" hangingPunct="1">
-              <a:lnSpc>
-                <a:spcPct val="90000"/>
-              </a:lnSpc>
-              <a:spcBef>
-                <a:spcPts val="500"/>
-              </a:spcBef>
-              <a:buFont typeface="Wingdings" panose="05000000000000000000" pitchFamily="2" charset="2"/>
-              <a:buChar char="§"/>
-              <a:defRPr sz="1400" kern="1200">
-                <a:solidFill>
-                  <a:schemeClr val="bg2"/>
-                </a:solidFill>
-                <a:latin typeface="+mn-lt"/>
-                <a:ea typeface="+mn-ea"/>
-                <a:cs typeface="+mn-cs"/>
-              </a:defRPr>
-            </a:lvl3pPr>
-            <a:lvl4pPr marL="1600200" indent="-228600" algn="l" defTabSz="914400" rtl="0" eaLnBrk="1" latinLnBrk="0" hangingPunct="1">
-              <a:lnSpc>
-                <a:spcPct val="90000"/>
-              </a:lnSpc>
-              <a:spcBef>
-                <a:spcPts val="500"/>
-              </a:spcBef>
-              <a:buClr>
-                <a:schemeClr val="tx2">
-                  <a:lumMod val="75000"/>
-                </a:schemeClr>
-              </a:buClr>
-              <a:buFont typeface="Wingdings" panose="05000000000000000000" pitchFamily="2" charset="2"/>
-              <a:buChar char="§"/>
-              <a:defRPr sz="1200" kern="1200">
-                <a:solidFill>
-                  <a:schemeClr val="bg2"/>
-                </a:solidFill>
-                <a:latin typeface="+mn-lt"/>
-                <a:ea typeface="+mn-ea"/>
-                <a:cs typeface="+mn-cs"/>
-              </a:defRPr>
-            </a:lvl4pPr>
-            <a:lvl5pPr marL="2057400" indent="-228600" algn="l" defTabSz="914400" rtl="0" eaLnBrk="1" latinLnBrk="0" hangingPunct="1">
-              <a:lnSpc>
-                <a:spcPct val="90000"/>
-              </a:lnSpc>
-              <a:spcBef>
-                <a:spcPts val="500"/>
-              </a:spcBef>
-              <a:buClr>
-                <a:schemeClr val="bg2"/>
-              </a:buClr>
-              <a:buSzPct val="70000"/>
-              <a:buFont typeface="Wingdings" pitchFamily="2" charset="2"/>
-              <a:buChar char="§"/>
-              <a:defRPr sz="1200" kern="1200">
-                <a:solidFill>
-                  <a:schemeClr val="bg2"/>
-                </a:solidFill>
-                <a:latin typeface="+mn-lt"/>
-                <a:ea typeface="+mn-ea"/>
-                <a:cs typeface="+mn-cs"/>
-              </a:defRPr>
-            </a:lvl5pPr>
-            <a:lvl6pPr marL="2514600" indent="-228600" algn="l" defTabSz="914400" rtl="0" eaLnBrk="1" latinLnBrk="0" hangingPunct="1">
-              <a:lnSpc>
-                <a:spcPct val="90000"/>
-              </a:lnSpc>
-              <a:spcBef>
-                <a:spcPts val="500"/>
-              </a:spcBef>
-              <a:buFont typeface="Arial" panose="020B0604020202020204" pitchFamily="34" charset="0"/>
-              <a:buChar char="•"/>
-              <a:defRPr sz="1800" kern="1200">
-                <a:solidFill>
-                  <a:schemeClr val="tx1"/>
-                </a:solidFill>
-                <a:latin typeface="+mn-lt"/>
-                <a:ea typeface="+mn-ea"/>
-                <a:cs typeface="+mn-cs"/>
-              </a:defRPr>
-            </a:lvl6pPr>
-            <a:lvl7pPr marL="2971800" indent="-228600" algn="l" defTabSz="914400" rtl="0" eaLnBrk="1" latinLnBrk="0" hangingPunct="1">
-              <a:lnSpc>
-                <a:spcPct val="90000"/>
-              </a:lnSpc>
-              <a:spcBef>
-                <a:spcPts val="500"/>
-              </a:spcBef>
-              <a:buFont typeface="Arial" panose="020B0604020202020204" pitchFamily="34" charset="0"/>
-              <a:buChar char="•"/>
-              <a:defRPr sz="1800" kern="1200">
-                <a:solidFill>
-                  <a:schemeClr val="tx1"/>
-                </a:solidFill>
-                <a:latin typeface="+mn-lt"/>
-                <a:ea typeface="+mn-ea"/>
-                <a:cs typeface="+mn-cs"/>
-              </a:defRPr>
-            </a:lvl7pPr>
-            <a:lvl8pPr marL="3429000" indent="-228600" algn="l" defTabSz="914400" rtl="0" eaLnBrk="1" latinLnBrk="0" hangingPunct="1">
-              <a:lnSpc>
-                <a:spcPct val="90000"/>
-              </a:lnSpc>
-              <a:spcBef>
-                <a:spcPts val="500"/>
-              </a:spcBef>
-              <a:buFont typeface="Arial" panose="020B0604020202020204" pitchFamily="34" charset="0"/>
-              <a:buChar char="•"/>
-              <a:defRPr sz="1800" kern="1200">
-                <a:solidFill>
-                  <a:schemeClr val="tx1"/>
-                </a:solidFill>
-                <a:latin typeface="+mn-lt"/>
-                <a:ea typeface="+mn-ea"/>
-                <a:cs typeface="+mn-cs"/>
-              </a:defRPr>
-            </a:lvl8pPr>
-            <a:lvl9pPr marL="3886200" indent="-228600" algn="l" defTabSz="914400" rtl="0" eaLnBrk="1" latinLnBrk="0" hangingPunct="1">
-              <a:lnSpc>
-                <a:spcPct val="90000"/>
-              </a:lnSpc>
-              <a:spcBef>
-                <a:spcPts val="500"/>
-              </a:spcBef>
-              <a:buFont typeface="Arial" panose="020B0604020202020204" pitchFamily="34" charset="0"/>
-              <a:buChar char="•"/>
-              <a:defRPr sz="1800" kern="1200">
-                <a:solidFill>
-                  <a:schemeClr val="tx1"/>
-                </a:solidFill>
-                <a:latin typeface="+mn-lt"/>
-                <a:ea typeface="+mn-ea"/>
-                <a:cs typeface="+mn-cs"/>
-              </a:defRPr>
-            </a:lvl9pPr>
-          </a:lstStyle>
-          <a:p>
-            <a:r>
-              <a:rPr lang="en-US" dirty="0"/>
-              <a:t>Modular system architecture</a:t>
-            </a:r>
-          </a:p>
-          <a:p>
-            <a:pPr lvl="1"/>
-            <a:endParaRPr lang="en-US" dirty="0"/>
-          </a:p>
-        </p:txBody>
-      </p:sp>
-      <p:pic>
-        <p:nvPicPr>
-          <p:cNvPr id="9" name="Picture 8">
-            <a:extLst>
-              <a:ext uri="{FF2B5EF4-FFF2-40B4-BE49-F238E27FC236}">
-                <a16:creationId xmlns:a16="http://schemas.microsoft.com/office/drawing/2014/main" id="{99609242-3EF1-4FBA-913D-9553EE67A761}"/>
-              </a:ext>
-            </a:extLst>
-          </p:cNvPr>
-          <p:cNvPicPr>
-            <a:picLocks noChangeAspect="1"/>
-          </p:cNvPicPr>
-          <p:nvPr/>
-        </p:nvPicPr>
-        <p:blipFill>
-          <a:blip r:embed="rId3"/>
-          <a:stretch>
-            <a:fillRect/>
-          </a:stretch>
-        </p:blipFill>
-        <p:spPr>
-          <a:xfrm>
-            <a:off x="6337421" y="2845288"/>
-            <a:ext cx="4670177" cy="3594263"/>
+            <a:off x="3841343" y="3429000"/>
+            <a:ext cx="4509314" cy="2193720"/>
           </a:xfrm>
           <a:prstGeom prst="rect">
             <a:avLst/>
@@ -41181,7 +41280,7 @@
     </p:spTree>
     <p:extLst>
       <p:ext uri="{BB962C8B-B14F-4D97-AF65-F5344CB8AC3E}">
-        <p14:creationId xmlns:p14="http://schemas.microsoft.com/office/powerpoint/2010/main" val="1221778539"/>
+        <p14:creationId xmlns:p14="http://schemas.microsoft.com/office/powerpoint/2010/main" val="10119256"/>
       </p:ext>
     </p:extLst>
   </p:cSld>
